--- a/Vortrag/Vortrag.pptx
+++ b/Vortrag/Vortrag.pptx
@@ -10,32 +10,31 @@
     <p:sldMasterId id="2147483697" r:id="rId6"/>
   </p:sldMasterIdLst>
   <p:notesMasterIdLst>
-    <p:notesMasterId r:id="rId27"/>
+    <p:notesMasterId r:id="rId26"/>
   </p:notesMasterIdLst>
   <p:handoutMasterIdLst>
-    <p:handoutMasterId r:id="rId28"/>
+    <p:handoutMasterId r:id="rId27"/>
   </p:handoutMasterIdLst>
   <p:sldIdLst>
     <p:sldId id="355" r:id="rId7"/>
     <p:sldId id="357" r:id="rId8"/>
-    <p:sldId id="388" r:id="rId9"/>
-    <p:sldId id="369" r:id="rId10"/>
-    <p:sldId id="370" r:id="rId11"/>
-    <p:sldId id="371" r:id="rId12"/>
-    <p:sldId id="389" r:id="rId13"/>
-    <p:sldId id="372" r:id="rId14"/>
-    <p:sldId id="373" r:id="rId15"/>
-    <p:sldId id="390" r:id="rId16"/>
-    <p:sldId id="374" r:id="rId17"/>
+    <p:sldId id="387" r:id="rId9"/>
+    <p:sldId id="386" r:id="rId10"/>
+    <p:sldId id="388" r:id="rId11"/>
+    <p:sldId id="369" r:id="rId12"/>
+    <p:sldId id="370" r:id="rId13"/>
+    <p:sldId id="371" r:id="rId14"/>
+    <p:sldId id="393" r:id="rId15"/>
+    <p:sldId id="372" r:id="rId16"/>
+    <p:sldId id="394" r:id="rId17"/>
     <p:sldId id="375" r:id="rId18"/>
-    <p:sldId id="391" r:id="rId19"/>
-    <p:sldId id="376" r:id="rId20"/>
+    <p:sldId id="376" r:id="rId19"/>
+    <p:sldId id="391" r:id="rId20"/>
     <p:sldId id="377" r:id="rId21"/>
     <p:sldId id="392" r:id="rId22"/>
     <p:sldId id="378" r:id="rId23"/>
-    <p:sldId id="386" r:id="rId24"/>
-    <p:sldId id="384" r:id="rId25"/>
-    <p:sldId id="385" r:id="rId26"/>
+    <p:sldId id="384" r:id="rId24"/>
+    <p:sldId id="385" r:id="rId25"/>
   </p:sldIdLst>
   <p:sldSz cx="9144000" cy="5143500" type="screen16x9"/>
   <p:notesSz cx="9925050" cy="6665913"/>
@@ -311,7 +310,7 @@
               <a:pPr>
                 <a:defRPr/>
               </a:pPr>
-              <a:t>29/01/2024</a:t>
+              <a:t>31/01/2024</a:t>
             </a:fld>
             <a:endParaRPr lang="en-GB" dirty="0"/>
           </a:p>
@@ -530,7 +529,7 @@
               <a:pPr>
                 <a:defRPr/>
               </a:pPr>
-              <a:t>29/01/2024</a:t>
+              <a:t>31/01/2024</a:t>
             </a:fld>
             <a:endParaRPr lang="en-GB"/>
           </a:p>
@@ -7596,7 +7595,7 @@
         <p:cNvPr id="1" name="">
           <a:extLst>
             <a:ext uri="{FF2B5EF4-FFF2-40B4-BE49-F238E27FC236}">
-              <a16:creationId xmlns:a16="http://schemas.microsoft.com/office/drawing/2014/main" id="{6C1F69F4-ABF5-83DF-C4F3-F3CFDFC6C5D2}"/>
+              <a16:creationId xmlns:a16="http://schemas.microsoft.com/office/drawing/2014/main" id="{DCC3F880-E803-B0DD-EF7B-0BA82D6D6BB8}"/>
             </a:ext>
           </a:extLst>
         </p:cNvPr>
@@ -7613,10 +7612,10 @@
       </p:grpSpPr>
       <p:sp>
         <p:nvSpPr>
-          <p:cNvPr id="5" name="Titel 4">
+          <p:cNvPr id="3" name="Titel 2">
             <a:extLst>
               <a:ext uri="{FF2B5EF4-FFF2-40B4-BE49-F238E27FC236}">
-                <a16:creationId xmlns:a16="http://schemas.microsoft.com/office/drawing/2014/main" id="{2DD3AFF2-709F-6208-08E0-F4229FECBE8F}"/>
+                <a16:creationId xmlns:a16="http://schemas.microsoft.com/office/drawing/2014/main" id="{3BC7B4EA-A66C-B206-995E-5BDCA0A5E3BE}"/>
               </a:ext>
             </a:extLst>
           </p:cNvPr>
@@ -7627,32 +7626,29 @@
             <p:ph type="title"/>
           </p:nvPr>
         </p:nvSpPr>
-        <p:spPr/>
+        <p:spPr>
+          <a:xfrm>
+            <a:off x="319090" y="972000"/>
+            <a:ext cx="8508999" cy="380745"/>
+          </a:xfrm>
+        </p:spPr>
         <p:txBody>
           <a:bodyPr/>
           <a:lstStyle/>
           <a:p>
             <a:r>
               <a:rPr lang="de-DE" dirty="0"/>
-              <a:t>Inhaltsverzeichnis(</a:t>
-            </a:r>
-            <a:r>
-              <a:rPr lang="de-DE" dirty="0" err="1"/>
-              <a:t>大致</a:t>
-            </a:r>
-            <a:r>
-              <a:rPr lang="de-DE" dirty="0"/>
-              <a:t>)</a:t>
-            </a:r>
-          </a:p>
-        </p:txBody>
-      </p:sp>
-      <p:sp>
-        <p:nvSpPr>
-          <p:cNvPr id="3" name="Inhaltsplatzhalter 2">
+              <a:t>Lösungsansatz</a:t>
+            </a:r>
+          </a:p>
+        </p:txBody>
+      </p:sp>
+      <p:sp>
+        <p:nvSpPr>
+          <p:cNvPr id="4" name="Foliennummernplatzhalter 3">
             <a:extLst>
               <a:ext uri="{FF2B5EF4-FFF2-40B4-BE49-F238E27FC236}">
-                <a16:creationId xmlns:a16="http://schemas.microsoft.com/office/drawing/2014/main" id="{5DA4CE7A-D98A-7F2F-9B8A-912715A3517D}"/>
+                <a16:creationId xmlns:a16="http://schemas.microsoft.com/office/drawing/2014/main" id="{B8C7251E-E428-1F74-F52E-DE6949D29E27}"/>
               </a:ext>
             </a:extLst>
           </p:cNvPr>
@@ -7660,143 +7656,760 @@
             <a:spLocks noGrp="1"/>
           </p:cNvSpPr>
           <p:nvPr>
-            <p:ph idx="10"/>
+            <p:ph type="sldNum" sz="quarter" idx="11"/>
           </p:nvPr>
+        </p:nvSpPr>
+        <p:spPr/>
+        <p:txBody>
+          <a:bodyPr/>
+          <a:lstStyle/>
+          <a:p>
+            <a:fld id="{CE58CB1E-F828-4F11-99E0-327109AF9DA4}" type="slidenum">
+              <a:rPr lang="de-DE" smtClean="0"/>
+              <a:pPr/>
+              <a:t>10</a:t>
+            </a:fld>
+            <a:endParaRPr lang="de-DE" dirty="0"/>
+          </a:p>
+        </p:txBody>
+      </p:sp>
+      <p:sp>
+        <p:nvSpPr>
+          <p:cNvPr id="7" name="Fußzeilenplatzhalter 4">
+            <a:extLst>
+              <a:ext uri="{FF2B5EF4-FFF2-40B4-BE49-F238E27FC236}">
+                <a16:creationId xmlns:a16="http://schemas.microsoft.com/office/drawing/2014/main" id="{D26A322C-DEF5-4D93-3482-6CB1C7198C71}"/>
+              </a:ext>
+            </a:extLst>
+          </p:cNvPr>
+          <p:cNvSpPr>
+            <a:spLocks noGrp="1"/>
+          </p:cNvSpPr>
+          <p:nvPr>
+            <p:ph type="ftr" sz="quarter" idx="12"/>
+          </p:nvPr>
+        </p:nvSpPr>
+        <p:spPr/>
+        <p:txBody>
+          <a:bodyPr/>
+          <a:lstStyle/>
+          <a:p>
+            <a:pPr>
+              <a:spcAft>
+                <a:spcPts val="600"/>
+              </a:spcAft>
+            </a:pPr>
+            <a:r>
+              <a:rPr lang="de-DE" altLang="zh-CN" dirty="0"/>
+              <a:t>GRA Team 140 | Tianhao </a:t>
+            </a:r>
+            <a:r>
+              <a:rPr lang="de-DE" altLang="zh-CN" dirty="0" err="1"/>
+              <a:t>Gu</a:t>
+            </a:r>
+            <a:r>
+              <a:rPr lang="de-DE" altLang="zh-CN" dirty="0"/>
+              <a:t> | </a:t>
+            </a:r>
+            <a:r>
+              <a:rPr lang="de-DE" altLang="zh-CN" dirty="0" err="1"/>
+              <a:t>Zhongfang</a:t>
+            </a:r>
+            <a:r>
+              <a:rPr lang="de-DE" altLang="zh-CN" dirty="0"/>
+              <a:t> Wang | Julien </a:t>
+            </a:r>
+            <a:r>
+              <a:rPr lang="de-DE" altLang="zh-CN" dirty="0" err="1"/>
+              <a:t>Escaig</a:t>
+            </a:r>
+            <a:r>
+              <a:rPr lang="de-DE" altLang="zh-CN" dirty="0"/>
+              <a:t> </a:t>
+            </a:r>
+            <a:endParaRPr lang="en-US" altLang="zh-CN" dirty="0"/>
+          </a:p>
+        </p:txBody>
+      </p:sp>
+      <p:sp>
+        <p:nvSpPr>
+          <p:cNvPr id="9" name="Rechteck 8">
+            <a:extLst>
+              <a:ext uri="{FF2B5EF4-FFF2-40B4-BE49-F238E27FC236}">
+                <a16:creationId xmlns:a16="http://schemas.microsoft.com/office/drawing/2014/main" id="{DD61E25B-63C3-9422-BB5D-F4D874BA1362}"/>
+              </a:ext>
+            </a:extLst>
+          </p:cNvPr>
+          <p:cNvSpPr/>
+          <p:nvPr/>
         </p:nvSpPr>
         <p:spPr>
           <a:xfrm>
-            <a:off x="319089" y="1484039"/>
-            <a:ext cx="4438766" cy="2687461"/>
+            <a:off x="319091" y="2480411"/>
+            <a:ext cx="1318640" cy="415636"/>
           </a:xfrm>
+          <a:prstGeom prst="rect">
+            <a:avLst/>
+          </a:prstGeom>
+          <a:ln>
+            <a:noFill/>
+          </a:ln>
         </p:spPr>
-        <p:txBody>
-          <a:bodyPr/>
+        <p:style>
+          <a:lnRef idx="2">
+            <a:schemeClr val="accent1">
+              <a:shade val="50000"/>
+            </a:schemeClr>
+          </a:lnRef>
+          <a:fillRef idx="1">
+            <a:schemeClr val="accent1"/>
+          </a:fillRef>
+          <a:effectRef idx="0">
+            <a:schemeClr val="accent1"/>
+          </a:effectRef>
+          <a:fontRef idx="minor">
+            <a:schemeClr val="lt1"/>
+          </a:fontRef>
+        </p:style>
+        <p:txBody>
+          <a:bodyPr rot="0" spcFirstLastPara="0" vertOverflow="overflow" horzOverflow="overflow" vert="horz" wrap="square" lIns="91440" tIns="45720" rIns="91440" bIns="45720" numCol="1" spcCol="0" rtlCol="0" fromWordArt="0" anchor="t" anchorCtr="0" forceAA="0" compatLnSpc="1">
+            <a:prstTxWarp prst="textNoShape">
+              <a:avLst/>
+            </a:prstTxWarp>
+            <a:noAutofit/>
+          </a:bodyPr>
           <a:lstStyle/>
           <a:p>
-            <a:r>
-              <a:rPr lang="de-DE" altLang="zh-CN" b="0" i="0" dirty="0">
-                <a:effectLst/>
-                <a:latin typeface="Courier New" panose="02070309020205020404" pitchFamily="49" charset="0"/>
-              </a:rPr>
-              <a:t>➔ </a:t>
-            </a:r>
-            <a:r>
-              <a:rPr lang="de-DE" altLang="zh-CN" b="0" i="0" dirty="0">
-                <a:effectLst/>
-                <a:latin typeface="Arial" panose="020B0604020202020204" pitchFamily="34" charset="0"/>
-              </a:rPr>
-              <a:t>Was ist ein Fraktal?</a:t>
-            </a:r>
-            <a:br>
-              <a:rPr lang="de-DE" altLang="zh-CN" dirty="0"/>
-            </a:br>
-            <a:r>
-              <a:rPr lang="de-DE" altLang="zh-CN" b="0" i="0" dirty="0">
-                <a:effectLst/>
-                <a:latin typeface="Courier New" panose="02070309020205020404" pitchFamily="49" charset="0"/>
-              </a:rPr>
-              <a:t>➔ </a:t>
-            </a:r>
-            <a:r>
-              <a:rPr lang="de-DE" altLang="zh-CN" b="0" i="0" dirty="0">
-                <a:effectLst/>
-                <a:latin typeface="Arial" panose="020B0604020202020204" pitchFamily="34" charset="0"/>
-              </a:rPr>
-              <a:t>Das Burning </a:t>
-            </a:r>
-            <a:r>
-              <a:rPr lang="de-DE" altLang="zh-CN" b="0" i="0" dirty="0" err="1">
-                <a:effectLst/>
-                <a:latin typeface="Arial" panose="020B0604020202020204" pitchFamily="34" charset="0"/>
-              </a:rPr>
-              <a:t>Ship</a:t>
-            </a:r>
-            <a:r>
-              <a:rPr lang="de-DE" altLang="zh-CN" b="0" i="0" dirty="0">
-                <a:effectLst/>
-                <a:latin typeface="Arial" panose="020B0604020202020204" pitchFamily="34" charset="0"/>
-              </a:rPr>
-              <a:t>-Fraktal</a:t>
-            </a:r>
-            <a:br>
-              <a:rPr lang="de-DE" altLang="zh-CN" dirty="0"/>
-            </a:br>
-            <a:r>
-              <a:rPr lang="de-DE" altLang="zh-CN" b="0" i="0" dirty="0">
-                <a:effectLst/>
-                <a:latin typeface="Courier New" panose="02070309020205020404" pitchFamily="49" charset="0"/>
-              </a:rPr>
-              <a:t>➔ </a:t>
-            </a:r>
-            <a:r>
-              <a:rPr lang="de-DE" altLang="zh-CN" b="0" i="0" dirty="0" err="1">
+            <a:pPr algn="ctr">
+              <a:lnSpc>
+                <a:spcPct val="114000"/>
+              </a:lnSpc>
+            </a:pPr>
+            <a:r>
+              <a:rPr lang="de-DE" sz="1500" dirty="0" err="1"/>
+              <a:t>Parse_option</a:t>
+            </a:r>
+            <a:endParaRPr lang="de-DE" sz="1500" dirty="0"/>
+          </a:p>
+        </p:txBody>
+      </p:sp>
+      <p:sp>
+        <p:nvSpPr>
+          <p:cNvPr id="10" name="Rechteck 9">
+            <a:extLst>
+              <a:ext uri="{FF2B5EF4-FFF2-40B4-BE49-F238E27FC236}">
+                <a16:creationId xmlns:a16="http://schemas.microsoft.com/office/drawing/2014/main" id="{B81125F7-8BCB-5671-4AB3-2AE1C6AD7D63}"/>
+              </a:ext>
+            </a:extLst>
+          </p:cNvPr>
+          <p:cNvSpPr/>
+          <p:nvPr/>
+        </p:nvSpPr>
+        <p:spPr>
+          <a:xfrm>
+            <a:off x="1958454" y="1990779"/>
+            <a:ext cx="1132761" cy="312001"/>
+          </a:xfrm>
+          <a:prstGeom prst="rect">
+            <a:avLst/>
+          </a:prstGeom>
+          <a:ln>
+            <a:noFill/>
+          </a:ln>
+        </p:spPr>
+        <p:style>
+          <a:lnRef idx="2">
+            <a:schemeClr val="accent1">
+              <a:shade val="50000"/>
+            </a:schemeClr>
+          </a:lnRef>
+          <a:fillRef idx="1">
+            <a:schemeClr val="accent1"/>
+          </a:fillRef>
+          <a:effectRef idx="0">
+            <a:schemeClr val="accent1"/>
+          </a:effectRef>
+          <a:fontRef idx="minor">
+            <a:schemeClr val="lt1"/>
+          </a:fontRef>
+        </p:style>
+        <p:txBody>
+          <a:bodyPr rot="0" spcFirstLastPara="0" vertOverflow="overflow" horzOverflow="overflow" vert="horz" wrap="square" lIns="91440" tIns="45720" rIns="91440" bIns="45720" numCol="1" spcCol="0" rtlCol="0" fromWordArt="0" anchor="t" anchorCtr="0" forceAA="0" compatLnSpc="1">
+            <a:prstTxWarp prst="textNoShape">
+              <a:avLst/>
+            </a:prstTxWarp>
+            <a:noAutofit/>
+          </a:bodyPr>
+          <a:lstStyle/>
+          <a:p>
+            <a:pPr algn="ctr">
+              <a:lnSpc>
+                <a:spcPct val="114000"/>
+              </a:lnSpc>
+            </a:pPr>
+            <a:r>
+              <a:rPr lang="de-DE" dirty="0" err="1"/>
+              <a:t>default</a:t>
+            </a:r>
+            <a:r>
+              <a:rPr lang="zh-CN" altLang="en-US" dirty="0"/>
+              <a:t>？</a:t>
+            </a:r>
+            <a:endParaRPr lang="de-DE" dirty="0"/>
+          </a:p>
+        </p:txBody>
+      </p:sp>
+      <p:sp>
+        <p:nvSpPr>
+          <p:cNvPr id="11" name="Rechteck 10">
+            <a:extLst>
+              <a:ext uri="{FF2B5EF4-FFF2-40B4-BE49-F238E27FC236}">
+                <a16:creationId xmlns:a16="http://schemas.microsoft.com/office/drawing/2014/main" id="{B9AD63E7-8ED3-EC23-BFDA-728804025714}"/>
+              </a:ext>
+            </a:extLst>
+          </p:cNvPr>
+          <p:cNvSpPr/>
+          <p:nvPr/>
+        </p:nvSpPr>
+        <p:spPr>
+          <a:xfrm>
+            <a:off x="2122225" y="3264033"/>
+            <a:ext cx="670851" cy="334628"/>
+          </a:xfrm>
+          <a:prstGeom prst="rect">
+            <a:avLst/>
+          </a:prstGeom>
+          <a:ln>
+            <a:noFill/>
+          </a:ln>
+        </p:spPr>
+        <p:style>
+          <a:lnRef idx="2">
+            <a:schemeClr val="accent1">
+              <a:shade val="50000"/>
+            </a:schemeClr>
+          </a:lnRef>
+          <a:fillRef idx="1">
+            <a:schemeClr val="accent1"/>
+          </a:fillRef>
+          <a:effectRef idx="0">
+            <a:schemeClr val="accent1"/>
+          </a:effectRef>
+          <a:fontRef idx="minor">
+            <a:schemeClr val="lt1"/>
+          </a:fontRef>
+        </p:style>
+        <p:txBody>
+          <a:bodyPr rot="0" spcFirstLastPara="0" vertOverflow="overflow" horzOverflow="overflow" vert="horz" wrap="square" lIns="91440" tIns="45720" rIns="91440" bIns="45720" numCol="1" spcCol="0" rtlCol="0" fromWordArt="0" anchor="t" anchorCtr="0" forceAA="0" compatLnSpc="1">
+            <a:prstTxWarp prst="textNoShape">
+              <a:avLst/>
+            </a:prstTxWarp>
+            <a:noAutofit/>
+          </a:bodyPr>
+          <a:lstStyle/>
+          <a:p>
+            <a:pPr algn="ctr">
+              <a:lnSpc>
+                <a:spcPct val="114000"/>
+              </a:lnSpc>
+            </a:pPr>
+            <a:r>
+              <a:rPr lang="de-DE" dirty="0"/>
+              <a:t>V2?</a:t>
+            </a:r>
+          </a:p>
+        </p:txBody>
+      </p:sp>
+      <p:sp>
+        <p:nvSpPr>
+          <p:cNvPr id="12" name="Rechteck 11">
+            <a:extLst>
+              <a:ext uri="{FF2B5EF4-FFF2-40B4-BE49-F238E27FC236}">
+                <a16:creationId xmlns:a16="http://schemas.microsoft.com/office/drawing/2014/main" id="{AE14D3BB-8A93-CE62-AEBE-595D5305D55D}"/>
+              </a:ext>
+            </a:extLst>
+          </p:cNvPr>
+          <p:cNvSpPr/>
+          <p:nvPr/>
+        </p:nvSpPr>
+        <p:spPr>
+          <a:xfrm>
+            <a:off x="2122225" y="2571750"/>
+            <a:ext cx="670851" cy="324296"/>
+          </a:xfrm>
+          <a:prstGeom prst="rect">
+            <a:avLst/>
+          </a:prstGeom>
+          <a:ln>
+            <a:noFill/>
+          </a:ln>
+        </p:spPr>
+        <p:style>
+          <a:lnRef idx="2">
+            <a:schemeClr val="accent1">
+              <a:shade val="50000"/>
+            </a:schemeClr>
+          </a:lnRef>
+          <a:fillRef idx="1">
+            <a:schemeClr val="accent1"/>
+          </a:fillRef>
+          <a:effectRef idx="0">
+            <a:schemeClr val="accent1"/>
+          </a:effectRef>
+          <a:fontRef idx="minor">
+            <a:schemeClr val="lt1"/>
+          </a:fontRef>
+        </p:style>
+        <p:txBody>
+          <a:bodyPr rot="0" spcFirstLastPara="0" vertOverflow="overflow" horzOverflow="overflow" vert="horz" wrap="square" lIns="91440" tIns="45720" rIns="91440" bIns="45720" numCol="1" spcCol="0" rtlCol="0" fromWordArt="0" anchor="t" anchorCtr="0" forceAA="0" compatLnSpc="1">
+            <a:prstTxWarp prst="textNoShape">
+              <a:avLst/>
+            </a:prstTxWarp>
+            <a:noAutofit/>
+          </a:bodyPr>
+          <a:lstStyle/>
+          <a:p>
+            <a:pPr algn="ctr">
+              <a:lnSpc>
+                <a:spcPct val="114000"/>
+              </a:lnSpc>
+            </a:pPr>
+            <a:r>
+              <a:rPr lang="de-DE" dirty="0"/>
+              <a:t>V1?</a:t>
+            </a:r>
+          </a:p>
+        </p:txBody>
+      </p:sp>
+      <p:cxnSp>
+        <p:nvCxnSpPr>
+          <p:cNvPr id="56" name="直线箭头连接符 55">
+            <a:extLst>
+              <a:ext uri="{FF2B5EF4-FFF2-40B4-BE49-F238E27FC236}">
+                <a16:creationId xmlns:a16="http://schemas.microsoft.com/office/drawing/2014/main" id="{4528A022-1BE9-674C-829A-AD7D741DF667}"/>
+              </a:ext>
+            </a:extLst>
+          </p:cNvPr>
+          <p:cNvCxnSpPr>
+            <a:cxnSpLocks/>
+            <a:stCxn id="9" idx="3"/>
+            <a:endCxn id="63" idx="1"/>
+          </p:cNvCxnSpPr>
+          <p:nvPr/>
+        </p:nvCxnSpPr>
+        <p:spPr>
+          <a:xfrm flipV="1">
+            <a:off x="1637731" y="1456814"/>
+            <a:ext cx="1551627" cy="1231415"/>
+          </a:xfrm>
+          <a:prstGeom prst="straightConnector1">
+            <a:avLst/>
+          </a:prstGeom>
+          <a:ln>
+            <a:tailEnd type="triangle"/>
+          </a:ln>
+        </p:spPr>
+        <p:style>
+          <a:lnRef idx="1">
+            <a:schemeClr val="accent1"/>
+          </a:lnRef>
+          <a:fillRef idx="0">
+            <a:schemeClr val="accent1"/>
+          </a:fillRef>
+          <a:effectRef idx="0">
+            <a:schemeClr val="accent1"/>
+          </a:effectRef>
+          <a:fontRef idx="minor">
+            <a:schemeClr val="tx1"/>
+          </a:fontRef>
+        </p:style>
+      </p:cxnSp>
+      <p:cxnSp>
+        <p:nvCxnSpPr>
+          <p:cNvPr id="59" name="直线箭头连接符 58">
+            <a:extLst>
+              <a:ext uri="{FF2B5EF4-FFF2-40B4-BE49-F238E27FC236}">
+                <a16:creationId xmlns:a16="http://schemas.microsoft.com/office/drawing/2014/main" id="{3DC77916-9810-875B-24C0-CF2172B62044}"/>
+              </a:ext>
+            </a:extLst>
+          </p:cNvPr>
+          <p:cNvCxnSpPr>
+            <a:cxnSpLocks/>
+            <a:stCxn id="9" idx="3"/>
+          </p:cNvCxnSpPr>
+          <p:nvPr/>
+        </p:nvCxnSpPr>
+        <p:spPr>
+          <a:xfrm>
+            <a:off x="1637731" y="2688229"/>
+            <a:ext cx="1651378" cy="0"/>
+          </a:xfrm>
+          <a:prstGeom prst="straightConnector1">
+            <a:avLst/>
+          </a:prstGeom>
+          <a:ln>
+            <a:tailEnd type="triangle"/>
+          </a:ln>
+        </p:spPr>
+        <p:style>
+          <a:lnRef idx="1">
+            <a:schemeClr val="accent1"/>
+          </a:lnRef>
+          <a:fillRef idx="0">
+            <a:schemeClr val="accent1"/>
+          </a:fillRef>
+          <a:effectRef idx="0">
+            <a:schemeClr val="accent1"/>
+          </a:effectRef>
+          <a:fontRef idx="minor">
+            <a:schemeClr val="tx1"/>
+          </a:fontRef>
+        </p:style>
+      </p:cxnSp>
+      <p:cxnSp>
+        <p:nvCxnSpPr>
+          <p:cNvPr id="62" name="直线箭头连接符 61">
+            <a:extLst>
+              <a:ext uri="{FF2B5EF4-FFF2-40B4-BE49-F238E27FC236}">
+                <a16:creationId xmlns:a16="http://schemas.microsoft.com/office/drawing/2014/main" id="{54943548-95B4-3FFE-8643-4F1E81A530ED}"/>
+              </a:ext>
+            </a:extLst>
+          </p:cNvPr>
+          <p:cNvCxnSpPr>
+            <a:stCxn id="9" idx="3"/>
+          </p:cNvCxnSpPr>
+          <p:nvPr/>
+        </p:nvCxnSpPr>
+        <p:spPr>
+          <a:xfrm>
+            <a:off x="1637731" y="2688229"/>
+            <a:ext cx="1651379" cy="1351508"/>
+          </a:xfrm>
+          <a:prstGeom prst="straightConnector1">
+            <a:avLst/>
+          </a:prstGeom>
+          <a:ln>
+            <a:tailEnd type="triangle"/>
+          </a:ln>
+        </p:spPr>
+        <p:style>
+          <a:lnRef idx="1">
+            <a:schemeClr val="accent1"/>
+          </a:lnRef>
+          <a:fillRef idx="0">
+            <a:schemeClr val="accent1"/>
+          </a:fillRef>
+          <a:effectRef idx="0">
+            <a:schemeClr val="accent1"/>
+          </a:effectRef>
+          <a:fontRef idx="minor">
+            <a:schemeClr val="tx1"/>
+          </a:fontRef>
+        </p:style>
+      </p:cxnSp>
+      <p:sp>
+        <p:nvSpPr>
+          <p:cNvPr id="63" name="矩形 62">
+            <a:extLst>
+              <a:ext uri="{FF2B5EF4-FFF2-40B4-BE49-F238E27FC236}">
+                <a16:creationId xmlns:a16="http://schemas.microsoft.com/office/drawing/2014/main" id="{F95CA822-2CA3-4168-F1FA-7E5D45CE0D80}"/>
+              </a:ext>
+            </a:extLst>
+          </p:cNvPr>
+          <p:cNvSpPr/>
+          <p:nvPr/>
+        </p:nvSpPr>
+        <p:spPr>
+          <a:xfrm>
+            <a:off x="3189358" y="1226914"/>
+            <a:ext cx="3494072" cy="459800"/>
+          </a:xfrm>
+          <a:prstGeom prst="rect">
+            <a:avLst/>
+          </a:prstGeom>
+          <a:ln>
+            <a:noFill/>
+          </a:ln>
+        </p:spPr>
+        <p:style>
+          <a:lnRef idx="2">
+            <a:schemeClr val="accent1">
+              <a:shade val="50000"/>
+            </a:schemeClr>
+          </a:lnRef>
+          <a:fillRef idx="1">
+            <a:schemeClr val="accent1"/>
+          </a:fillRef>
+          <a:effectRef idx="0">
+            <a:schemeClr val="accent1"/>
+          </a:effectRef>
+          <a:fontRef idx="minor">
+            <a:schemeClr val="lt1"/>
+          </a:fontRef>
+        </p:style>
+        <p:txBody>
+          <a:bodyPr rot="0" spcFirstLastPara="0" vertOverflow="overflow" horzOverflow="overflow" vert="horz" wrap="square" lIns="91440" tIns="45720" rIns="91440" bIns="45720" numCol="1" spcCol="0" rtlCol="0" fromWordArt="0" anchor="t" anchorCtr="0" forceAA="0" compatLnSpc="1">
+            <a:prstTxWarp prst="textNoShape">
+              <a:avLst/>
+            </a:prstTxWarp>
+            <a:noAutofit/>
+          </a:bodyPr>
+          <a:lstStyle/>
+          <a:p>
+            <a:pPr algn="ctr">
+              <a:lnSpc>
+                <a:spcPct val="114000"/>
+              </a:lnSpc>
+            </a:pPr>
+            <a:r>
+              <a:rPr lang="de-DE" altLang="zh-CN" b="0" dirty="0" err="1">
                 <a:solidFill>
-                  <a:srgbClr val="FF0000"/>
+                  <a:schemeClr val="bg1"/>
                 </a:solidFill>
                 <a:effectLst/>
-                <a:latin typeface="Arial" panose="020B0604020202020204" pitchFamily="34" charset="0"/>
+                <a:latin typeface="Menlo" panose="020B0609030804020204" pitchFamily="49" charset="0"/>
               </a:rPr>
-              <a:t>Lösungansatz</a:t>
-            </a:r>
-            <a:br>
-              <a:rPr lang="de-DE" altLang="zh-CN" dirty="0"/>
-            </a:br>
-            <a:r>
-              <a:rPr lang="de-DE" altLang="zh-CN" b="0" i="0" dirty="0">
+              <a:t>gamma_correct_seq</a:t>
+            </a:r>
+            <a:r>
+              <a:rPr lang="de-DE" altLang="zh-CN" b="0" dirty="0">
+                <a:solidFill>
+                  <a:schemeClr val="bg1"/>
+                </a:solidFill>
                 <a:effectLst/>
-                <a:latin typeface="Courier New" panose="02070309020205020404" pitchFamily="49" charset="0"/>
+                <a:latin typeface="Menlo" panose="020B0609030804020204" pitchFamily="49" charset="0"/>
               </a:rPr>
-              <a:t>➔ </a:t>
-            </a:r>
-            <a:r>
-              <a:rPr lang="de-DE" altLang="zh-CN" b="0" i="0" dirty="0" err="1">
+              <a:t>(</a:t>
+            </a:r>
+            <a:r>
+              <a:rPr lang="de-DE" altLang="zh-CN" b="0" dirty="0" err="1">
+                <a:solidFill>
+                  <a:schemeClr val="bg1"/>
+                </a:solidFill>
                 <a:effectLst/>
-                <a:latin typeface="Arial" panose="020B0604020202020204" pitchFamily="34" charset="0"/>
+                <a:latin typeface="Menlo" panose="020B0609030804020204" pitchFamily="49" charset="0"/>
               </a:rPr>
-              <a:t>Performanzanalyse</a:t>
-            </a:r>
-            <a:br>
-              <a:rPr lang="de-DE" altLang="zh-CN" dirty="0"/>
-            </a:br>
-            <a:r>
-              <a:rPr lang="de-DE" altLang="zh-CN" b="0" i="0" dirty="0">
+              <a:t>true</a:t>
+            </a:r>
+            <a:r>
+              <a:rPr lang="de-DE" altLang="zh-CN" b="0" dirty="0">
+                <a:solidFill>
+                  <a:schemeClr val="bg1"/>
+                </a:solidFill>
                 <a:effectLst/>
-                <a:latin typeface="Courier New" panose="02070309020205020404" pitchFamily="49" charset="0"/>
+                <a:latin typeface="Menlo" panose="020B0609030804020204" pitchFamily="49" charset="0"/>
               </a:rPr>
-              <a:t>➔ </a:t>
-            </a:r>
-            <a:r>
-              <a:rPr lang="de-DE" altLang="zh-CN" b="0" i="0" dirty="0">
+              <a:t>)</a:t>
+            </a:r>
+          </a:p>
+          <a:p>
+            <a:pPr algn="ctr">
+              <a:lnSpc>
+                <a:spcPct val="114000"/>
+              </a:lnSpc>
+            </a:pPr>
+            <a:endParaRPr kumimoji="1" lang="zh-CN" altLang="en-US" dirty="0">
+              <a:solidFill>
+                <a:schemeClr val="bg1"/>
+              </a:solidFill>
+            </a:endParaRPr>
+          </a:p>
+        </p:txBody>
+      </p:sp>
+      <p:sp>
+        <p:nvSpPr>
+          <p:cNvPr id="64" name="矩形 63">
+            <a:extLst>
+              <a:ext uri="{FF2B5EF4-FFF2-40B4-BE49-F238E27FC236}">
+                <a16:creationId xmlns:a16="http://schemas.microsoft.com/office/drawing/2014/main" id="{0041D743-A995-9315-C380-F32E81AD358E}"/>
+              </a:ext>
+            </a:extLst>
+          </p:cNvPr>
+          <p:cNvSpPr/>
+          <p:nvPr/>
+        </p:nvSpPr>
+        <p:spPr>
+          <a:xfrm>
+            <a:off x="3289108" y="2367381"/>
+            <a:ext cx="3394322" cy="458723"/>
+          </a:xfrm>
+          <a:prstGeom prst="rect">
+            <a:avLst/>
+          </a:prstGeom>
+          <a:ln>
+            <a:noFill/>
+          </a:ln>
+        </p:spPr>
+        <p:style>
+          <a:lnRef idx="2">
+            <a:schemeClr val="accent1">
+              <a:shade val="50000"/>
+            </a:schemeClr>
+          </a:lnRef>
+          <a:fillRef idx="1">
+            <a:schemeClr val="accent1"/>
+          </a:fillRef>
+          <a:effectRef idx="0">
+            <a:schemeClr val="accent1"/>
+          </a:effectRef>
+          <a:fontRef idx="minor">
+            <a:schemeClr val="lt1"/>
+          </a:fontRef>
+        </p:style>
+        <p:txBody>
+          <a:bodyPr rot="0" spcFirstLastPara="0" vertOverflow="overflow" horzOverflow="overflow" vert="horz" wrap="square" lIns="91440" tIns="45720" rIns="91440" bIns="45720" numCol="1" spcCol="0" rtlCol="0" fromWordArt="0" anchor="t" anchorCtr="0" forceAA="0" compatLnSpc="1">
+            <a:prstTxWarp prst="textNoShape">
+              <a:avLst/>
+            </a:prstTxWarp>
+            <a:noAutofit/>
+          </a:bodyPr>
+          <a:lstStyle/>
+          <a:p>
+            <a:pPr algn="ctr">
+              <a:lnSpc>
+                <a:spcPct val="114000"/>
+              </a:lnSpc>
+            </a:pPr>
+            <a:r>
+              <a:rPr lang="de-DE" altLang="zh-CN" b="0" dirty="0" err="1">
+                <a:solidFill>
+                  <a:schemeClr val="bg1"/>
+                </a:solidFill>
                 <a:effectLst/>
-                <a:latin typeface="Arial" panose="020B0604020202020204" pitchFamily="34" charset="0"/>
+                <a:latin typeface="Menlo" panose="020B0609030804020204" pitchFamily="49" charset="0"/>
               </a:rPr>
-              <a:t>Zusammenfassung und Mandelbrot-Fraktal</a:t>
-            </a:r>
-            <a:br>
-              <a:rPr lang="de-DE" altLang="zh-CN" dirty="0"/>
-            </a:br>
-            <a:r>
-              <a:rPr lang="de-DE" altLang="zh-CN" b="0" i="0" dirty="0">
+              <a:t>gamma_correct_seq</a:t>
+            </a:r>
+            <a:r>
+              <a:rPr lang="de-DE" altLang="zh-CN" b="0" dirty="0">
+                <a:solidFill>
+                  <a:schemeClr val="bg1"/>
+                </a:solidFill>
                 <a:effectLst/>
-                <a:latin typeface="Courier New" panose="02070309020205020404" pitchFamily="49" charset="0"/>
+                <a:latin typeface="Menlo" panose="020B0609030804020204" pitchFamily="49" charset="0"/>
               </a:rPr>
-              <a:t>➔ </a:t>
-            </a:r>
-            <a:r>
-              <a:rPr lang="de-DE" altLang="zh-CN" b="0" i="0" dirty="0">
+              <a:t>(</a:t>
+            </a:r>
+            <a:r>
+              <a:rPr lang="de-DE" altLang="zh-CN" b="0" dirty="0" err="1">
+                <a:solidFill>
+                  <a:schemeClr val="bg1"/>
+                </a:solidFill>
                 <a:effectLst/>
-                <a:latin typeface="Arial" panose="020B0604020202020204" pitchFamily="34" charset="0"/>
+                <a:latin typeface="Menlo" panose="020B0609030804020204" pitchFamily="49" charset="0"/>
               </a:rPr>
-              <a:t>Quellenverzeichnis</a:t>
-            </a:r>
-            <a:endParaRPr lang="de-DE" dirty="0"/>
+              <a:t>false</a:t>
+            </a:r>
+            <a:r>
+              <a:rPr lang="de-DE" altLang="zh-CN" b="0" dirty="0">
+                <a:solidFill>
+                  <a:schemeClr val="bg1"/>
+                </a:solidFill>
+                <a:effectLst/>
+                <a:latin typeface="Menlo" panose="020B0609030804020204" pitchFamily="49" charset="0"/>
+              </a:rPr>
+              <a:t>)</a:t>
+            </a:r>
+          </a:p>
+          <a:p>
+            <a:pPr algn="ctr">
+              <a:lnSpc>
+                <a:spcPct val="114000"/>
+              </a:lnSpc>
+            </a:pPr>
+            <a:endParaRPr kumimoji="1" lang="zh-CN" altLang="en-US" dirty="0">
+              <a:solidFill>
+                <a:schemeClr val="bg1"/>
+              </a:solidFill>
+            </a:endParaRPr>
+          </a:p>
+        </p:txBody>
+      </p:sp>
+      <p:sp>
+        <p:nvSpPr>
+          <p:cNvPr id="65" name="矩形 64">
+            <a:extLst>
+              <a:ext uri="{FF2B5EF4-FFF2-40B4-BE49-F238E27FC236}">
+                <a16:creationId xmlns:a16="http://schemas.microsoft.com/office/drawing/2014/main" id="{A2DD031D-EBCA-A4D4-535B-4154C7DAFF42}"/>
+              </a:ext>
+            </a:extLst>
+          </p:cNvPr>
+          <p:cNvSpPr/>
+          <p:nvPr/>
+        </p:nvSpPr>
+        <p:spPr>
+          <a:xfrm>
+            <a:off x="3289110" y="3827620"/>
+            <a:ext cx="3394320" cy="415636"/>
+          </a:xfrm>
+          <a:prstGeom prst="rect">
+            <a:avLst/>
+          </a:prstGeom>
+          <a:ln>
+            <a:noFill/>
+          </a:ln>
+        </p:spPr>
+        <p:style>
+          <a:lnRef idx="2">
+            <a:schemeClr val="accent1">
+              <a:shade val="50000"/>
+            </a:schemeClr>
+          </a:lnRef>
+          <a:fillRef idx="1">
+            <a:schemeClr val="accent1"/>
+          </a:fillRef>
+          <a:effectRef idx="0">
+            <a:schemeClr val="accent1"/>
+          </a:effectRef>
+          <a:fontRef idx="minor">
+            <a:schemeClr val="lt1"/>
+          </a:fontRef>
+        </p:style>
+        <p:txBody>
+          <a:bodyPr rot="0" spcFirstLastPara="0" vertOverflow="overflow" horzOverflow="overflow" vert="horz" wrap="square" lIns="91440" tIns="45720" rIns="91440" bIns="45720" numCol="1" spcCol="0" rtlCol="0" fromWordArt="0" anchor="t" anchorCtr="0" forceAA="0" compatLnSpc="1">
+            <a:prstTxWarp prst="textNoShape">
+              <a:avLst/>
+            </a:prstTxWarp>
+            <a:noAutofit/>
+          </a:bodyPr>
+          <a:lstStyle/>
+          <a:p>
+            <a:r>
+              <a:rPr lang="de-DE" altLang="zh-CN" b="0" dirty="0" err="1">
+                <a:solidFill>
+                  <a:schemeClr val="bg1"/>
+                </a:solidFill>
+                <a:effectLst/>
+                <a:latin typeface="Menlo" panose="020B0609030804020204" pitchFamily="49" charset="0"/>
+              </a:rPr>
+              <a:t>gamma_correct_</a:t>
+            </a:r>
+            <a:r>
+              <a:rPr lang="de-DE" altLang="zh-CN" dirty="0" err="1">
+                <a:solidFill>
+                  <a:schemeClr val="bg1"/>
+                </a:solidFill>
+                <a:latin typeface="Menlo" panose="020B0609030804020204" pitchFamily="49" charset="0"/>
+              </a:rPr>
+              <a:t>simd</a:t>
+            </a:r>
+            <a:r>
+              <a:rPr lang="de-DE" altLang="zh-CN" b="0" dirty="0">
+                <a:solidFill>
+                  <a:schemeClr val="bg1"/>
+                </a:solidFill>
+                <a:effectLst/>
+                <a:latin typeface="Menlo" panose="020B0609030804020204" pitchFamily="49" charset="0"/>
+              </a:rPr>
+              <a:t>()</a:t>
+            </a:r>
           </a:p>
         </p:txBody>
       </p:sp>
     </p:spTree>
     <p:extLst>
       <p:ext uri="{BB962C8B-B14F-4D97-AF65-F5344CB8AC3E}">
-        <p14:creationId xmlns:p14="http://schemas.microsoft.com/office/powerpoint/2010/main" val="1615110013"/>
+        <p14:creationId xmlns:p14="http://schemas.microsoft.com/office/powerpoint/2010/main" val="3761969468"/>
       </p:ext>
     </p:extLst>
   </p:cSld>
@@ -7811,13 +8424,7 @@
   <p:cSld>
     <p:spTree>
       <p:nvGrpSpPr>
-        <p:cNvPr id="1" name="">
-          <a:extLst>
-            <a:ext uri="{FF2B5EF4-FFF2-40B4-BE49-F238E27FC236}">
-              <a16:creationId xmlns:a16="http://schemas.microsoft.com/office/drawing/2014/main" id="{88B90BD0-4BB8-68D6-E09E-68D3F6B2489A}"/>
-            </a:ext>
-          </a:extLst>
-        </p:cNvPr>
+        <p:cNvPr id="1" name=""/>
         <p:cNvGrpSpPr/>
         <p:nvPr/>
       </p:nvGrpSpPr>
@@ -7831,41 +8438,7 @@
       </p:grpSpPr>
       <p:sp>
         <p:nvSpPr>
-          <p:cNvPr id="2" name="Inhaltsplatzhalter 1">
-            <a:extLst>
-              <a:ext uri="{FF2B5EF4-FFF2-40B4-BE49-F238E27FC236}">
-                <a16:creationId xmlns:a16="http://schemas.microsoft.com/office/drawing/2014/main" id="{E2074F68-A251-E837-C221-CDB353995F75}"/>
-              </a:ext>
-            </a:extLst>
-          </p:cNvPr>
-          <p:cNvSpPr>
-            <a:spLocks noGrp="1"/>
-          </p:cNvSpPr>
-          <p:nvPr>
-            <p:ph idx="1"/>
-          </p:nvPr>
-        </p:nvSpPr>
-        <p:spPr/>
-        <p:txBody>
-          <a:bodyPr/>
-          <a:lstStyle/>
-          <a:p>
-            <a:r>
-              <a:rPr lang="de-DE" dirty="0"/>
-              <a:t>xxx</a:t>
-            </a:r>
-          </a:p>
-        </p:txBody>
-      </p:sp>
-      <p:sp>
-        <p:nvSpPr>
-          <p:cNvPr id="3" name="Titel 2">
-            <a:extLst>
-              <a:ext uri="{FF2B5EF4-FFF2-40B4-BE49-F238E27FC236}">
-                <a16:creationId xmlns:a16="http://schemas.microsoft.com/office/drawing/2014/main" id="{DBCECB06-7361-B4C4-08A6-E27C39477242}"/>
-              </a:ext>
-            </a:extLst>
-          </p:cNvPr>
+          <p:cNvPr id="5" name="Titel 4"/>
           <p:cNvSpPr>
             <a:spLocks noGrp="1"/>
           </p:cNvSpPr>
@@ -7873,124 +8446,161 @@
             <p:ph type="title"/>
           </p:nvPr>
         </p:nvSpPr>
-        <p:spPr>
-          <a:xfrm>
-            <a:off x="319090" y="972000"/>
-            <a:ext cx="8508999" cy="380745"/>
-          </a:xfrm>
-        </p:spPr>
+        <p:spPr/>
         <p:txBody>
           <a:bodyPr/>
           <a:lstStyle/>
           <a:p>
             <a:r>
               <a:rPr lang="de-DE" dirty="0"/>
-              <a:t>Was</a:t>
-            </a:r>
-            <a:r>
-              <a:rPr lang="zh-CN" altLang="en-US" dirty="0"/>
-              <a:t> </a:t>
-            </a:r>
-            <a:r>
-              <a:rPr lang="de-DE" altLang="zh-CN" dirty="0"/>
-              <a:t>ist</a:t>
-            </a:r>
-            <a:endParaRPr lang="de-DE" dirty="0"/>
-          </a:p>
-        </p:txBody>
-      </p:sp>
-      <p:sp>
-        <p:nvSpPr>
-          <p:cNvPr id="4" name="Foliennummernplatzhalter 3">
-            <a:extLst>
-              <a:ext uri="{FF2B5EF4-FFF2-40B4-BE49-F238E27FC236}">
-                <a16:creationId xmlns:a16="http://schemas.microsoft.com/office/drawing/2014/main" id="{1D2D2ABA-86AC-D4E1-541C-CDC6D0DCB575}"/>
-              </a:ext>
-            </a:extLst>
-          </p:cNvPr>
+              <a:t>Inhaltsverzeichnis</a:t>
+            </a:r>
+          </a:p>
+        </p:txBody>
+      </p:sp>
+      <p:sp>
+        <p:nvSpPr>
+          <p:cNvPr id="3" name="Inhaltsplatzhalter 2"/>
           <p:cNvSpPr>
             <a:spLocks noGrp="1"/>
           </p:cNvSpPr>
           <p:nvPr>
-            <p:ph type="sldNum" sz="quarter" idx="11"/>
+            <p:ph idx="10"/>
           </p:nvPr>
         </p:nvSpPr>
-        <p:spPr/>
+        <p:spPr>
+          <a:xfrm>
+            <a:off x="319089" y="1484039"/>
+            <a:ext cx="4438766" cy="2687461"/>
+          </a:xfrm>
+        </p:spPr>
         <p:txBody>
           <a:bodyPr/>
           <a:lstStyle/>
           <a:p>
-            <a:fld id="{CE58CB1E-F828-4F11-99E0-327109AF9DA4}" type="slidenum">
-              <a:rPr lang="de-DE" smtClean="0"/>
-              <a:pPr/>
-              <a:t>11</a:t>
-            </a:fld>
+            <a:r>
+              <a:rPr lang="de-DE" altLang="zh-CN" b="0" i="0" dirty="0">
+                <a:effectLst/>
+                <a:latin typeface="Courier New" panose="02070309020205020404" pitchFamily="49" charset="0"/>
+              </a:rPr>
+              <a:t>➔ </a:t>
+            </a:r>
+            <a:r>
+              <a:rPr lang="de-DE" altLang="zh-CN" dirty="0">
+                <a:latin typeface="Arial" panose="020B0604020202020204" pitchFamily="34" charset="0"/>
+              </a:rPr>
+              <a:t>Transformation von Farbbild in Schwarz-Weiß </a:t>
+            </a:r>
+          </a:p>
+          <a:p>
+            <a:r>
+              <a:rPr lang="de-DE" altLang="zh-CN" b="0" i="0" dirty="0">
+                <a:effectLst/>
+                <a:latin typeface="Courier New" panose="02070309020205020404" pitchFamily="49" charset="0"/>
+              </a:rPr>
+              <a:t>➔</a:t>
+            </a:r>
+            <a:r>
+              <a:rPr lang="de-DE" altLang="zh-CN" dirty="0">
+                <a:latin typeface="Arial" panose="020B0604020202020204" pitchFamily="34" charset="0"/>
+              </a:rPr>
+              <a:t>  Was ist eine Gammakorrektur?</a:t>
+            </a:r>
+            <a:br>
+              <a:rPr lang="de-DE" altLang="zh-CN" dirty="0"/>
+            </a:br>
+            <a:r>
+              <a:rPr lang="de-DE" altLang="zh-CN" b="0" i="0" dirty="0">
+                <a:effectLst/>
+                <a:latin typeface="Courier New" panose="02070309020205020404" pitchFamily="49" charset="0"/>
+              </a:rPr>
+              <a:t>➔ </a:t>
+            </a:r>
+            <a:r>
+              <a:rPr lang="de-DE" altLang="zh-CN" b="0" i="0" dirty="0">
+                <a:effectLst/>
+                <a:latin typeface="Arial" panose="020B0604020202020204" pitchFamily="34" charset="0"/>
+              </a:rPr>
+              <a:t>Lösungsansatz</a:t>
+            </a:r>
+          </a:p>
+          <a:p>
+            <a:r>
+              <a:rPr lang="de-DE" altLang="zh-CN" b="0" i="0" dirty="0">
+                <a:effectLst/>
+                <a:latin typeface="Courier New" panose="02070309020205020404" pitchFamily="49" charset="0"/>
+              </a:rPr>
+              <a:t>➔ </a:t>
+            </a:r>
+            <a:r>
+              <a:rPr lang="de-DE" altLang="zh-CN" b="0" i="0" dirty="0">
+                <a:solidFill>
+                  <a:srgbClr val="FF0000"/>
+                </a:solidFill>
+                <a:effectLst/>
+                <a:latin typeface="Arial" panose="020B0604020202020204" pitchFamily="34" charset="0"/>
+              </a:rPr>
+              <a:t>Genauigkeitsanalyse</a:t>
+            </a:r>
+            <a:br>
+              <a:rPr lang="de-DE" altLang="zh-CN" dirty="0"/>
+            </a:br>
+            <a:r>
+              <a:rPr lang="de-DE" altLang="zh-CN" b="0" i="0" dirty="0">
+                <a:effectLst/>
+                <a:latin typeface="Courier New" panose="02070309020205020404" pitchFamily="49" charset="0"/>
+              </a:rPr>
+              <a:t>➔ </a:t>
+            </a:r>
+            <a:r>
+              <a:rPr lang="de-DE" altLang="zh-CN" b="0" i="0" dirty="0">
+                <a:effectLst/>
+                <a:latin typeface="Arial" panose="020B0604020202020204" pitchFamily="34" charset="0"/>
+              </a:rPr>
+              <a:t>Performanz Analyse</a:t>
+            </a:r>
+            <a:br>
+              <a:rPr lang="de-DE" altLang="zh-CN" dirty="0"/>
+            </a:br>
+            <a:r>
+              <a:rPr lang="de-DE" altLang="zh-CN" b="0" i="0" dirty="0">
+                <a:effectLst/>
+                <a:latin typeface="Courier New" panose="02070309020205020404" pitchFamily="49" charset="0"/>
+              </a:rPr>
+              <a:t>➔ </a:t>
+            </a:r>
+            <a:r>
+              <a:rPr lang="de-DE" altLang="zh-CN" b="0" i="0" dirty="0">
+                <a:effectLst/>
+                <a:latin typeface="Arial" panose="020B0604020202020204" pitchFamily="34" charset="0"/>
+              </a:rPr>
+              <a:t>Zusammenfassung</a:t>
+            </a:r>
+            <a:br>
+              <a:rPr lang="de-DE" altLang="zh-CN" dirty="0"/>
+            </a:br>
+            <a:r>
+              <a:rPr lang="de-DE" altLang="zh-CN" b="0" i="0" dirty="0">
+                <a:effectLst/>
+                <a:latin typeface="Courier New" panose="02070309020205020404" pitchFamily="49" charset="0"/>
+              </a:rPr>
+              <a:t>➔ </a:t>
+            </a:r>
+            <a:r>
+              <a:rPr lang="de-DE" altLang="zh-CN" b="0" i="0" dirty="0">
+                <a:effectLst/>
+                <a:latin typeface="Arial" panose="020B0604020202020204" pitchFamily="34" charset="0"/>
+              </a:rPr>
+              <a:t>Quellenverzeichnis</a:t>
+            </a:r>
             <a:endParaRPr lang="de-DE" dirty="0"/>
-          </a:p>
-        </p:txBody>
-      </p:sp>
-      <p:sp>
-        <p:nvSpPr>
-          <p:cNvPr id="7" name="Fußzeilenplatzhalter 4">
-            <a:extLst>
-              <a:ext uri="{FF2B5EF4-FFF2-40B4-BE49-F238E27FC236}">
-                <a16:creationId xmlns:a16="http://schemas.microsoft.com/office/drawing/2014/main" id="{CD293BD7-464E-84D1-9B71-1265DE68CD0D}"/>
-              </a:ext>
-            </a:extLst>
-          </p:cNvPr>
-          <p:cNvSpPr>
-            <a:spLocks noGrp="1"/>
-          </p:cNvSpPr>
-          <p:nvPr>
-            <p:ph type="ftr" sz="quarter" idx="12"/>
-          </p:nvPr>
-        </p:nvSpPr>
-        <p:spPr/>
-        <p:txBody>
-          <a:bodyPr/>
-          <a:lstStyle/>
-          <a:p>
-            <a:pPr>
-              <a:spcAft>
-                <a:spcPts val="600"/>
-              </a:spcAft>
-            </a:pPr>
-            <a:r>
-              <a:rPr lang="de-DE" altLang="zh-CN" dirty="0"/>
-              <a:t>GRA Team 140 | Tianhao </a:t>
-            </a:r>
-            <a:r>
-              <a:rPr lang="de-DE" altLang="zh-CN" dirty="0" err="1"/>
-              <a:t>Gu</a:t>
-            </a:r>
-            <a:r>
-              <a:rPr lang="de-DE" altLang="zh-CN" dirty="0"/>
-              <a:t> | </a:t>
-            </a:r>
-            <a:r>
-              <a:rPr lang="de-DE" altLang="zh-CN" dirty="0" err="1"/>
-              <a:t>Zhongfang</a:t>
-            </a:r>
-            <a:r>
-              <a:rPr lang="de-DE" altLang="zh-CN" dirty="0"/>
-              <a:t> Wang | Julien </a:t>
-            </a:r>
-            <a:r>
-              <a:rPr lang="de-DE" altLang="zh-CN" dirty="0" err="1"/>
-              <a:t>Escaig</a:t>
-            </a:r>
-            <a:r>
-              <a:rPr lang="de-DE" altLang="zh-CN" dirty="0"/>
-              <a:t> </a:t>
-            </a:r>
-            <a:endParaRPr lang="en-US" altLang="zh-CN" dirty="0"/>
           </a:p>
         </p:txBody>
       </p:sp>
     </p:spTree>
     <p:extLst>
       <p:ext uri="{BB962C8B-B14F-4D97-AF65-F5344CB8AC3E}">
-        <p14:creationId xmlns:p14="http://schemas.microsoft.com/office/powerpoint/2010/main" val="3149086158"/>
+        <p14:creationId xmlns:p14="http://schemas.microsoft.com/office/powerpoint/2010/main" val="2457378019"/>
       </p:ext>
     </p:extLst>
   </p:cSld>
@@ -8039,14 +8649,19 @@
             <p:ph idx="1"/>
           </p:nvPr>
         </p:nvSpPr>
-        <p:spPr/>
+        <p:spPr>
+          <a:xfrm>
+            <a:off x="319090" y="4315080"/>
+            <a:ext cx="8508999" cy="380745"/>
+          </a:xfrm>
+        </p:spPr>
         <p:txBody>
           <a:bodyPr/>
           <a:lstStyle/>
           <a:p>
             <a:r>
               <a:rPr lang="de-DE" dirty="0"/>
-              <a:t>xxx</a:t>
+              <a:t>Mit dem menschlichen Auge nicht zu unterscheiden. Auf Datenebene aber kleine Abweichungen!</a:t>
             </a:r>
           </a:p>
         </p:txBody>
@@ -8079,17 +8694,8 @@
           <a:p>
             <a:r>
               <a:rPr lang="de-DE" dirty="0"/>
-              <a:t>Was</a:t>
-            </a:r>
-            <a:r>
-              <a:rPr lang="zh-CN" altLang="en-US" dirty="0"/>
-              <a:t> </a:t>
-            </a:r>
-            <a:r>
-              <a:rPr lang="de-DE" altLang="zh-CN" dirty="0"/>
-              <a:t>ist</a:t>
-            </a:r>
-            <a:endParaRPr lang="de-DE" dirty="0"/>
+              <a:t>Genauigkeitsanalyse Teil1 </a:t>
+            </a:r>
           </a:p>
         </p:txBody>
       </p:sp>
@@ -8181,6 +8787,66 @@
           </a:p>
         </p:txBody>
       </p:sp>
+      <p:pic>
+        <p:nvPicPr>
+          <p:cNvPr id="6" name="Grafik 5" descr="Ein Bild, das Himmel, Landschaft, draußen, Schwarzweiß enthält.&#10;&#10;Automatisch generierte Beschreibung">
+            <a:extLst>
+              <a:ext uri="{FF2B5EF4-FFF2-40B4-BE49-F238E27FC236}">
+                <a16:creationId xmlns:a16="http://schemas.microsoft.com/office/drawing/2014/main" id="{DF8741D3-1A3F-38B6-217F-D5A12A220872}"/>
+              </a:ext>
+            </a:extLst>
+          </p:cNvPr>
+          <p:cNvPicPr>
+            <a:picLocks noChangeAspect="1"/>
+          </p:cNvPicPr>
+          <p:nvPr/>
+        </p:nvPicPr>
+        <p:blipFill>
+          <a:blip r:embed="rId2"/>
+          <a:stretch>
+            <a:fillRect/>
+          </a:stretch>
+        </p:blipFill>
+        <p:spPr>
+          <a:xfrm>
+            <a:off x="376518" y="1352745"/>
+            <a:ext cx="4077156" cy="2713857"/>
+          </a:xfrm>
+          <a:prstGeom prst="rect">
+            <a:avLst/>
+          </a:prstGeom>
+        </p:spPr>
+      </p:pic>
+      <p:pic>
+        <p:nvPicPr>
+          <p:cNvPr id="9" name="Grafik 8" descr="Ein Bild, das Himmel, Landschaft, draußen, Schwarzweiß enthält.&#10;&#10;Automatisch generierte Beschreibung">
+            <a:extLst>
+              <a:ext uri="{FF2B5EF4-FFF2-40B4-BE49-F238E27FC236}">
+                <a16:creationId xmlns:a16="http://schemas.microsoft.com/office/drawing/2014/main" id="{9F008B35-AC39-AC16-13C0-2CBA29F8227E}"/>
+              </a:ext>
+            </a:extLst>
+          </p:cNvPr>
+          <p:cNvPicPr>
+            <a:picLocks noChangeAspect="1"/>
+          </p:cNvPicPr>
+          <p:nvPr/>
+        </p:nvPicPr>
+        <p:blipFill>
+          <a:blip r:embed="rId3"/>
+          <a:stretch>
+            <a:fillRect/>
+          </a:stretch>
+        </p:blipFill>
+        <p:spPr>
+          <a:xfrm>
+            <a:off x="4645472" y="1352745"/>
+            <a:ext cx="4077156" cy="2713857"/>
+          </a:xfrm>
+          <a:prstGeom prst="rect">
+            <a:avLst/>
+          </a:prstGeom>
+        </p:spPr>
+      </p:pic>
     </p:spTree>
     <p:extLst>
       <p:ext uri="{BB962C8B-B14F-4D97-AF65-F5344CB8AC3E}">
@@ -8195,224 +8861,6 @@
 </file>
 
 <file path=ppt/slides/slide13.xml><?xml version="1.0" encoding="utf-8"?>
-<p:sld xmlns:a="http://schemas.openxmlformats.org/drawingml/2006/main" xmlns:r="http://schemas.openxmlformats.org/officeDocument/2006/relationships" xmlns:p="http://schemas.openxmlformats.org/presentationml/2006/main">
-  <p:cSld>
-    <p:spTree>
-      <p:nvGrpSpPr>
-        <p:cNvPr id="1" name="">
-          <a:extLst>
-            <a:ext uri="{FF2B5EF4-FFF2-40B4-BE49-F238E27FC236}">
-              <a16:creationId xmlns:a16="http://schemas.microsoft.com/office/drawing/2014/main" id="{2F8E09C2-9AE0-4CF5-E9E1-2F6B88A38849}"/>
-            </a:ext>
-          </a:extLst>
-        </p:cNvPr>
-        <p:cNvGrpSpPr/>
-        <p:nvPr/>
-      </p:nvGrpSpPr>
-      <p:grpSpPr>
-        <a:xfrm>
-          <a:off x="0" y="0"/>
-          <a:ext cx="0" cy="0"/>
-          <a:chOff x="0" y="0"/>
-          <a:chExt cx="0" cy="0"/>
-        </a:xfrm>
-      </p:grpSpPr>
-      <p:sp>
-        <p:nvSpPr>
-          <p:cNvPr id="5" name="Titel 4">
-            <a:extLst>
-              <a:ext uri="{FF2B5EF4-FFF2-40B4-BE49-F238E27FC236}">
-                <a16:creationId xmlns:a16="http://schemas.microsoft.com/office/drawing/2014/main" id="{85E45740-47CC-3905-C2DD-08AA23F4E058}"/>
-              </a:ext>
-            </a:extLst>
-          </p:cNvPr>
-          <p:cNvSpPr>
-            <a:spLocks noGrp="1"/>
-          </p:cNvSpPr>
-          <p:nvPr>
-            <p:ph type="title"/>
-          </p:nvPr>
-        </p:nvSpPr>
-        <p:spPr/>
-        <p:txBody>
-          <a:bodyPr/>
-          <a:lstStyle/>
-          <a:p>
-            <a:r>
-              <a:rPr lang="de-DE" dirty="0"/>
-              <a:t>Inhaltsverzeichnis(</a:t>
-            </a:r>
-            <a:r>
-              <a:rPr lang="de-DE" dirty="0" err="1"/>
-              <a:t>大致</a:t>
-            </a:r>
-            <a:r>
-              <a:rPr lang="de-DE" dirty="0"/>
-              <a:t>)</a:t>
-            </a:r>
-          </a:p>
-        </p:txBody>
-      </p:sp>
-      <p:sp>
-        <p:nvSpPr>
-          <p:cNvPr id="3" name="Inhaltsplatzhalter 2">
-            <a:extLst>
-              <a:ext uri="{FF2B5EF4-FFF2-40B4-BE49-F238E27FC236}">
-                <a16:creationId xmlns:a16="http://schemas.microsoft.com/office/drawing/2014/main" id="{E0710E02-1F4C-8457-DB4E-5409887F1132}"/>
-              </a:ext>
-            </a:extLst>
-          </p:cNvPr>
-          <p:cNvSpPr>
-            <a:spLocks noGrp="1"/>
-          </p:cNvSpPr>
-          <p:nvPr>
-            <p:ph idx="10"/>
-          </p:nvPr>
-        </p:nvSpPr>
-        <p:spPr>
-          <a:xfrm>
-            <a:off x="319089" y="1484039"/>
-            <a:ext cx="4438766" cy="2687461"/>
-          </a:xfrm>
-        </p:spPr>
-        <p:txBody>
-          <a:bodyPr/>
-          <a:lstStyle/>
-          <a:p>
-            <a:r>
-              <a:rPr lang="de-DE" altLang="zh-CN" b="0" i="0" dirty="0">
-                <a:effectLst/>
-                <a:latin typeface="Courier New" panose="02070309020205020404" pitchFamily="49" charset="0"/>
-              </a:rPr>
-              <a:t>➔ </a:t>
-            </a:r>
-            <a:r>
-              <a:rPr lang="de-DE" altLang="zh-CN" b="0" i="0" dirty="0">
-                <a:effectLst/>
-                <a:latin typeface="Arial" panose="020B0604020202020204" pitchFamily="34" charset="0"/>
-              </a:rPr>
-              <a:t>Was ist ein Fraktal?</a:t>
-            </a:r>
-            <a:br>
-              <a:rPr lang="de-DE" altLang="zh-CN" dirty="0"/>
-            </a:br>
-            <a:r>
-              <a:rPr lang="de-DE" altLang="zh-CN" b="0" i="0" dirty="0">
-                <a:effectLst/>
-                <a:latin typeface="Courier New" panose="02070309020205020404" pitchFamily="49" charset="0"/>
-              </a:rPr>
-              <a:t>➔ </a:t>
-            </a:r>
-            <a:r>
-              <a:rPr lang="de-DE" altLang="zh-CN" b="0" i="0" dirty="0">
-                <a:effectLst/>
-                <a:latin typeface="Arial" panose="020B0604020202020204" pitchFamily="34" charset="0"/>
-              </a:rPr>
-              <a:t>Das Burning </a:t>
-            </a:r>
-            <a:r>
-              <a:rPr lang="de-DE" altLang="zh-CN" b="0" i="0" dirty="0" err="1">
-                <a:effectLst/>
-                <a:latin typeface="Arial" panose="020B0604020202020204" pitchFamily="34" charset="0"/>
-              </a:rPr>
-              <a:t>Ship</a:t>
-            </a:r>
-            <a:r>
-              <a:rPr lang="de-DE" altLang="zh-CN" b="0" i="0" dirty="0">
-                <a:effectLst/>
-                <a:latin typeface="Arial" panose="020B0604020202020204" pitchFamily="34" charset="0"/>
-              </a:rPr>
-              <a:t>-Fraktal</a:t>
-            </a:r>
-            <a:br>
-              <a:rPr lang="de-DE" altLang="zh-CN" dirty="0"/>
-            </a:br>
-            <a:r>
-              <a:rPr lang="de-DE" altLang="zh-CN" b="0" i="0" dirty="0">
-                <a:effectLst/>
-                <a:latin typeface="Courier New" panose="02070309020205020404" pitchFamily="49" charset="0"/>
-              </a:rPr>
-              <a:t>➔ </a:t>
-            </a:r>
-            <a:r>
-              <a:rPr lang="de-DE" altLang="zh-CN" b="0" i="0" dirty="0" err="1">
-                <a:effectLst/>
-                <a:latin typeface="Arial" panose="020B0604020202020204" pitchFamily="34" charset="0"/>
-              </a:rPr>
-              <a:t>Lösungansatz</a:t>
-            </a:r>
-            <a:br>
-              <a:rPr lang="de-DE" altLang="zh-CN" dirty="0"/>
-            </a:br>
-            <a:r>
-              <a:rPr lang="de-DE" altLang="zh-CN" b="0" i="0" dirty="0">
-                <a:effectLst/>
-                <a:latin typeface="Courier New" panose="02070309020205020404" pitchFamily="49" charset="0"/>
-              </a:rPr>
-              <a:t>➔ </a:t>
-            </a:r>
-            <a:r>
-              <a:rPr lang="de-DE" altLang="zh-CN" b="0" i="0" dirty="0" err="1">
-                <a:solidFill>
-                  <a:srgbClr val="FF0000"/>
-                </a:solidFill>
-                <a:effectLst/>
-                <a:latin typeface="Arial" panose="020B0604020202020204" pitchFamily="34" charset="0"/>
-              </a:rPr>
-              <a:t>Performanzanalyse</a:t>
-            </a:r>
-            <a:br>
-              <a:rPr lang="de-DE" altLang="zh-CN" dirty="0"/>
-            </a:br>
-            <a:r>
-              <a:rPr lang="de-DE" altLang="zh-CN" b="0" i="0" dirty="0">
-                <a:effectLst/>
-                <a:latin typeface="Courier New" panose="02070309020205020404" pitchFamily="49" charset="0"/>
-              </a:rPr>
-              <a:t>➔ </a:t>
-            </a:r>
-            <a:r>
-              <a:rPr lang="de-DE" altLang="zh-CN" b="0" i="0" dirty="0">
-                <a:effectLst/>
-                <a:latin typeface="Arial" panose="020B0604020202020204" pitchFamily="34" charset="0"/>
-              </a:rPr>
-              <a:t>Zusammenfassung und Mandelbrot-Fraktal</a:t>
-            </a:r>
-            <a:br>
-              <a:rPr lang="de-DE" altLang="zh-CN" dirty="0"/>
-            </a:br>
-            <a:r>
-              <a:rPr lang="de-DE" altLang="zh-CN" b="0" i="0" dirty="0">
-                <a:effectLst/>
-                <a:latin typeface="Courier New" panose="02070309020205020404" pitchFamily="49" charset="0"/>
-              </a:rPr>
-              <a:t>➔ </a:t>
-            </a:r>
-            <a:r>
-              <a:rPr lang="de-DE" altLang="zh-CN" b="0" i="0" dirty="0">
-                <a:effectLst/>
-                <a:latin typeface="Arial" panose="020B0604020202020204" pitchFamily="34" charset="0"/>
-              </a:rPr>
-              <a:t>Quellenverzeichnis</a:t>
-            </a:r>
-            <a:endParaRPr lang="de-DE" dirty="0"/>
-          </a:p>
-        </p:txBody>
-      </p:sp>
-    </p:spTree>
-    <p:extLst>
-      <p:ext uri="{BB962C8B-B14F-4D97-AF65-F5344CB8AC3E}">
-        <p14:creationId xmlns:p14="http://schemas.microsoft.com/office/powerpoint/2010/main" val="638030639"/>
-      </p:ext>
-    </p:extLst>
-  </p:cSld>
-  <p:clrMapOvr>
-    <a:masterClrMapping/>
-  </p:clrMapOvr>
-</p:sld>
-</file>
-
-<file path=ppt/slides/slide14.xml><?xml version="1.0" encoding="utf-8"?>
 <p:sld xmlns:a="http://schemas.openxmlformats.org/drawingml/2006/main" xmlns:r="http://schemas.openxmlformats.org/officeDocument/2006/relationships" xmlns:p="http://schemas.openxmlformats.org/presentationml/2006/main">
   <p:cSld>
     <p:spTree>
@@ -8457,8 +8905,12 @@
           <a:lstStyle/>
           <a:p>
             <a:r>
-              <a:rPr lang="de-DE" dirty="0"/>
-              <a:t>xxx</a:t>
+              <a:rPr lang="de-DE" dirty="0">
+                <a:highlight>
+                  <a:srgbClr val="FFFF00"/>
+                </a:highlight>
+              </a:rPr>
+              <a:t>MISSING GRAPH!!</a:t>
             </a:r>
           </a:p>
         </p:txBody>
@@ -8491,17 +8943,8 @@
           <a:p>
             <a:r>
               <a:rPr lang="de-DE" dirty="0"/>
-              <a:t>Was</a:t>
-            </a:r>
-            <a:r>
-              <a:rPr lang="zh-CN" altLang="en-US" dirty="0"/>
-              <a:t> </a:t>
-            </a:r>
-            <a:r>
-              <a:rPr lang="de-DE" altLang="zh-CN" dirty="0"/>
-              <a:t>ist</a:t>
-            </a:r>
-            <a:endParaRPr lang="de-DE" dirty="0"/>
+              <a:t>Genauigkeitsanalyse Teil2</a:t>
+            </a:r>
           </a:p>
         </p:txBody>
       </p:sp>
@@ -8529,7 +8972,7 @@
             <a:fld id="{CE58CB1E-F828-4F11-99E0-327109AF9DA4}" type="slidenum">
               <a:rPr lang="de-DE" smtClean="0"/>
               <a:pPr/>
-              <a:t>14</a:t>
+              <a:t>13</a:t>
             </a:fld>
             <a:endParaRPr lang="de-DE" dirty="0"/>
           </a:p>
@@ -8597,6 +9040,197 @@
     <p:extLst>
       <p:ext uri="{BB962C8B-B14F-4D97-AF65-F5344CB8AC3E}">
         <p14:creationId xmlns:p14="http://schemas.microsoft.com/office/powerpoint/2010/main" val="4175357940"/>
+      </p:ext>
+    </p:extLst>
+  </p:cSld>
+  <p:clrMapOvr>
+    <a:masterClrMapping/>
+  </p:clrMapOvr>
+</p:sld>
+</file>
+
+<file path=ppt/slides/slide14.xml><?xml version="1.0" encoding="utf-8"?>
+<p:sld xmlns:a="http://schemas.openxmlformats.org/drawingml/2006/main" xmlns:r="http://schemas.openxmlformats.org/officeDocument/2006/relationships" xmlns:p="http://schemas.openxmlformats.org/presentationml/2006/main">
+  <p:cSld>
+    <p:spTree>
+      <p:nvGrpSpPr>
+        <p:cNvPr id="1" name=""/>
+        <p:cNvGrpSpPr/>
+        <p:nvPr/>
+      </p:nvGrpSpPr>
+      <p:grpSpPr>
+        <a:xfrm>
+          <a:off x="0" y="0"/>
+          <a:ext cx="0" cy="0"/>
+          <a:chOff x="0" y="0"/>
+          <a:chExt cx="0" cy="0"/>
+        </a:xfrm>
+      </p:grpSpPr>
+      <p:sp>
+        <p:nvSpPr>
+          <p:cNvPr id="5" name="Titel 4"/>
+          <p:cNvSpPr>
+            <a:spLocks noGrp="1"/>
+          </p:cNvSpPr>
+          <p:nvPr>
+            <p:ph type="title"/>
+          </p:nvPr>
+        </p:nvSpPr>
+        <p:spPr/>
+        <p:txBody>
+          <a:bodyPr/>
+          <a:lstStyle/>
+          <a:p>
+            <a:r>
+              <a:rPr lang="de-DE" dirty="0"/>
+              <a:t>Inhaltsverzeichnis</a:t>
+            </a:r>
+          </a:p>
+        </p:txBody>
+      </p:sp>
+      <p:sp>
+        <p:nvSpPr>
+          <p:cNvPr id="3" name="Inhaltsplatzhalter 2"/>
+          <p:cNvSpPr>
+            <a:spLocks noGrp="1"/>
+          </p:cNvSpPr>
+          <p:nvPr>
+            <p:ph idx="10"/>
+          </p:nvPr>
+        </p:nvSpPr>
+        <p:spPr>
+          <a:xfrm>
+            <a:off x="319089" y="1484039"/>
+            <a:ext cx="4438766" cy="2687461"/>
+          </a:xfrm>
+        </p:spPr>
+        <p:txBody>
+          <a:bodyPr/>
+          <a:lstStyle/>
+          <a:p>
+            <a:r>
+              <a:rPr lang="de-DE" altLang="zh-CN" b="0" i="0" dirty="0">
+                <a:effectLst/>
+                <a:latin typeface="Courier New" panose="02070309020205020404" pitchFamily="49" charset="0"/>
+              </a:rPr>
+              <a:t>➔ </a:t>
+            </a:r>
+            <a:r>
+              <a:rPr lang="de-DE" altLang="zh-CN" dirty="0">
+                <a:latin typeface="Arial" panose="020B0604020202020204" pitchFamily="34" charset="0"/>
+              </a:rPr>
+              <a:t>Transformation von Farbbild in Schwarz-Weiß </a:t>
+            </a:r>
+          </a:p>
+          <a:p>
+            <a:r>
+              <a:rPr lang="de-DE" altLang="zh-CN" b="0" i="0" dirty="0">
+                <a:effectLst/>
+                <a:latin typeface="Courier New" panose="02070309020205020404" pitchFamily="49" charset="0"/>
+              </a:rPr>
+              <a:t>➔</a:t>
+            </a:r>
+            <a:r>
+              <a:rPr lang="de-DE" altLang="zh-CN" dirty="0">
+                <a:latin typeface="Arial" panose="020B0604020202020204" pitchFamily="34" charset="0"/>
+              </a:rPr>
+              <a:t>  Was ist eine Gammakorrektur?</a:t>
+            </a:r>
+            <a:br>
+              <a:rPr lang="de-DE" altLang="zh-CN" dirty="0"/>
+            </a:br>
+            <a:r>
+              <a:rPr lang="de-DE" altLang="zh-CN" b="0" i="0" dirty="0">
+                <a:effectLst/>
+                <a:latin typeface="Courier New" panose="02070309020205020404" pitchFamily="49" charset="0"/>
+              </a:rPr>
+              <a:t>➔ </a:t>
+            </a:r>
+            <a:r>
+              <a:rPr lang="de-DE" altLang="zh-CN" b="0" i="0" dirty="0">
+                <a:effectLst/>
+                <a:latin typeface="Arial" panose="020B0604020202020204" pitchFamily="34" charset="0"/>
+              </a:rPr>
+              <a:t>Lösungsansatz</a:t>
+            </a:r>
+          </a:p>
+          <a:p>
+            <a:r>
+              <a:rPr lang="de-DE" altLang="zh-CN" b="0" i="0" dirty="0">
+                <a:effectLst/>
+                <a:latin typeface="Courier New" panose="02070309020205020404" pitchFamily="49" charset="0"/>
+              </a:rPr>
+              <a:t>➔ </a:t>
+            </a:r>
+            <a:r>
+              <a:rPr lang="de-DE" altLang="zh-CN" b="0" i="0" dirty="0">
+                <a:effectLst/>
+                <a:latin typeface="Arial" panose="020B0604020202020204" pitchFamily="34" charset="0"/>
+              </a:rPr>
+              <a:t>Genauigkeitsanalyse</a:t>
+            </a:r>
+            <a:br>
+              <a:rPr lang="de-DE" altLang="zh-CN" dirty="0"/>
+            </a:br>
+            <a:r>
+              <a:rPr lang="de-DE" altLang="zh-CN" b="0" i="0" dirty="0">
+                <a:effectLst/>
+                <a:latin typeface="Courier New" panose="02070309020205020404" pitchFamily="49" charset="0"/>
+              </a:rPr>
+              <a:t>➔ </a:t>
+            </a:r>
+            <a:r>
+              <a:rPr lang="de-DE" altLang="zh-CN" b="0" i="0" dirty="0">
+                <a:solidFill>
+                  <a:srgbClr val="FF0000"/>
+                </a:solidFill>
+                <a:effectLst/>
+                <a:latin typeface="Arial" panose="020B0604020202020204" pitchFamily="34" charset="0"/>
+              </a:rPr>
+              <a:t>Performanz Analyse</a:t>
+            </a:r>
+            <a:br>
+              <a:rPr lang="de-DE" altLang="zh-CN" dirty="0"/>
+            </a:br>
+            <a:r>
+              <a:rPr lang="de-DE" altLang="zh-CN" b="0" i="0" dirty="0">
+                <a:effectLst/>
+                <a:latin typeface="Courier New" panose="02070309020205020404" pitchFamily="49" charset="0"/>
+              </a:rPr>
+              <a:t>➔ </a:t>
+            </a:r>
+            <a:r>
+              <a:rPr lang="de-DE" altLang="zh-CN" b="0" i="0" dirty="0">
+                <a:effectLst/>
+                <a:latin typeface="Arial" panose="020B0604020202020204" pitchFamily="34" charset="0"/>
+              </a:rPr>
+              <a:t>Zusammenfassung</a:t>
+            </a:r>
+            <a:br>
+              <a:rPr lang="de-DE" altLang="zh-CN" dirty="0"/>
+            </a:br>
+            <a:r>
+              <a:rPr lang="de-DE" altLang="zh-CN" b="0" i="0" dirty="0">
+                <a:effectLst/>
+                <a:latin typeface="Courier New" panose="02070309020205020404" pitchFamily="49" charset="0"/>
+              </a:rPr>
+              <a:t>➔ </a:t>
+            </a:r>
+            <a:r>
+              <a:rPr lang="de-DE" altLang="zh-CN" b="0" i="0" dirty="0">
+                <a:effectLst/>
+                <a:latin typeface="Arial" panose="020B0604020202020204" pitchFamily="34" charset="0"/>
+              </a:rPr>
+              <a:t>Quellenverzeichnis</a:t>
+            </a:r>
+            <a:endParaRPr lang="de-DE" dirty="0"/>
+          </a:p>
+        </p:txBody>
+      </p:sp>
+    </p:spTree>
+    <p:extLst>
+      <p:ext uri="{BB962C8B-B14F-4D97-AF65-F5344CB8AC3E}">
+        <p14:creationId xmlns:p14="http://schemas.microsoft.com/office/powerpoint/2010/main" val="68610456"/>
       </p:ext>
     </p:extLst>
   </p:cSld>
@@ -8651,8 +9285,12 @@
           <a:lstStyle/>
           <a:p>
             <a:r>
-              <a:rPr lang="de-DE" dirty="0"/>
-              <a:t>xxx</a:t>
+              <a:rPr lang="de-DE" dirty="0">
+                <a:highlight>
+                  <a:srgbClr val="FFFF00"/>
+                </a:highlight>
+              </a:rPr>
+              <a:t>MISSING INFORMATION</a:t>
             </a:r>
           </a:p>
         </p:txBody>
@@ -8685,17 +9323,8 @@
           <a:p>
             <a:r>
               <a:rPr lang="de-DE" dirty="0"/>
-              <a:t>Was</a:t>
-            </a:r>
-            <a:r>
-              <a:rPr lang="zh-CN" altLang="en-US" dirty="0"/>
-              <a:t> </a:t>
-            </a:r>
-            <a:r>
-              <a:rPr lang="de-DE" altLang="zh-CN" dirty="0"/>
-              <a:t>ist</a:t>
-            </a:r>
-            <a:endParaRPr lang="de-DE" dirty="0"/>
+              <a:t>Performanz Analyse </a:t>
+            </a:r>
           </a:p>
         </p:txBody>
       </p:sp>
@@ -8805,13 +9434,7 @@
   <p:cSld>
     <p:spTree>
       <p:nvGrpSpPr>
-        <p:cNvPr id="1" name="">
-          <a:extLst>
-            <a:ext uri="{FF2B5EF4-FFF2-40B4-BE49-F238E27FC236}">
-              <a16:creationId xmlns:a16="http://schemas.microsoft.com/office/drawing/2014/main" id="{591E4B89-40DD-280E-B88A-E6210AEB351F}"/>
-            </a:ext>
-          </a:extLst>
-        </p:cNvPr>
+        <p:cNvPr id="1" name=""/>
         <p:cNvGrpSpPr/>
         <p:nvPr/>
       </p:nvGrpSpPr>
@@ -8825,13 +9448,7 @@
       </p:grpSpPr>
       <p:sp>
         <p:nvSpPr>
-          <p:cNvPr id="5" name="Titel 4">
-            <a:extLst>
-              <a:ext uri="{FF2B5EF4-FFF2-40B4-BE49-F238E27FC236}">
-                <a16:creationId xmlns:a16="http://schemas.microsoft.com/office/drawing/2014/main" id="{6FDEB66A-ADD3-126F-0A38-33915FECD157}"/>
-              </a:ext>
-            </a:extLst>
-          </p:cNvPr>
+          <p:cNvPr id="5" name="Titel 4"/>
           <p:cNvSpPr>
             <a:spLocks noGrp="1"/>
           </p:cNvSpPr>
@@ -8846,28 +9463,14 @@
           <a:p>
             <a:r>
               <a:rPr lang="de-DE" dirty="0"/>
-              <a:t>Inhaltsverzeichnis(</a:t>
-            </a:r>
-            <a:r>
-              <a:rPr lang="de-DE" dirty="0" err="1"/>
-              <a:t>大致</a:t>
-            </a:r>
-            <a:r>
-              <a:rPr lang="de-DE" dirty="0"/>
-              <a:t>)</a:t>
-            </a:r>
-          </a:p>
-        </p:txBody>
-      </p:sp>
-      <p:sp>
-        <p:nvSpPr>
-          <p:cNvPr id="3" name="Inhaltsplatzhalter 2">
-            <a:extLst>
-              <a:ext uri="{FF2B5EF4-FFF2-40B4-BE49-F238E27FC236}">
-                <a16:creationId xmlns:a16="http://schemas.microsoft.com/office/drawing/2014/main" id="{91B63AEA-C4EF-99BD-A16E-8CCBB57753CF}"/>
-              </a:ext>
-            </a:extLst>
-          </p:cNvPr>
+              <a:t>Inhaltsverzeichnis</a:t>
+            </a:r>
+          </a:p>
+        </p:txBody>
+      </p:sp>
+      <p:sp>
+        <p:nvSpPr>
+          <p:cNvPr id="3" name="Inhaltsplatzhalter 2"/>
           <p:cNvSpPr>
             <a:spLocks noGrp="1"/>
           </p:cNvSpPr>
@@ -8893,11 +9496,25 @@
               <a:t>➔ </a:t>
             </a:r>
             <a:r>
+              <a:rPr lang="de-DE" altLang="zh-CN" dirty="0">
+                <a:latin typeface="Arial" panose="020B0604020202020204" pitchFamily="34" charset="0"/>
+              </a:rPr>
+              <a:t>Transformation von Farbbild in Schwarz-Weiß </a:t>
+            </a:r>
+          </a:p>
+          <a:p>
+            <a:r>
               <a:rPr lang="de-DE" altLang="zh-CN" b="0" i="0" dirty="0">
                 <a:effectLst/>
+                <a:latin typeface="Courier New" panose="02070309020205020404" pitchFamily="49" charset="0"/>
+              </a:rPr>
+              <a:t>➔</a:t>
+            </a:r>
+            <a:r>
+              <a:rPr lang="de-DE" altLang="zh-CN" dirty="0">
                 <a:latin typeface="Arial" panose="020B0604020202020204" pitchFamily="34" charset="0"/>
               </a:rPr>
-              <a:t>Was ist ein Fraktal?</a:t>
+              <a:t>  Was ist eine Gammakorrektur?</a:t>
             </a:r>
             <a:br>
               <a:rPr lang="de-DE" altLang="zh-CN" dirty="0"/>
@@ -8914,25 +9531,10 @@
                 <a:effectLst/>
                 <a:latin typeface="Arial" panose="020B0604020202020204" pitchFamily="34" charset="0"/>
               </a:rPr>
-              <a:t>Das Burning </a:t>
-            </a:r>
-            <a:r>
-              <a:rPr lang="de-DE" altLang="zh-CN" b="0" i="0" dirty="0" err="1">
-                <a:effectLst/>
-                <a:latin typeface="Arial" panose="020B0604020202020204" pitchFamily="34" charset="0"/>
-              </a:rPr>
-              <a:t>Ship</a:t>
-            </a:r>
-            <a:r>
-              <a:rPr lang="de-DE" altLang="zh-CN" b="0" i="0" dirty="0">
-                <a:effectLst/>
-                <a:latin typeface="Arial" panose="020B0604020202020204" pitchFamily="34" charset="0"/>
-              </a:rPr>
-              <a:t>-Fraktal</a:t>
-            </a:r>
-            <a:br>
-              <a:rPr lang="de-DE" altLang="zh-CN" dirty="0"/>
-            </a:br>
+              <a:t>Lösungsansatz</a:t>
+            </a:r>
+          </a:p>
+          <a:p>
             <a:r>
               <a:rPr lang="de-DE" altLang="zh-CN" b="0" i="0" dirty="0">
                 <a:effectLst/>
@@ -8941,11 +9543,11 @@
               <a:t>➔ </a:t>
             </a:r>
             <a:r>
-              <a:rPr lang="de-DE" altLang="zh-CN" b="0" i="0" dirty="0" err="1">
+              <a:rPr lang="de-DE" altLang="zh-CN" b="0" i="0" dirty="0">
                 <a:effectLst/>
                 <a:latin typeface="Arial" panose="020B0604020202020204" pitchFamily="34" charset="0"/>
               </a:rPr>
-              <a:t>Lösungansatz</a:t>
+              <a:t>Genauigkeitsanalyse</a:t>
             </a:r>
             <a:br>
               <a:rPr lang="de-DE" altLang="zh-CN" dirty="0"/>
@@ -8958,11 +9560,11 @@
               <a:t>➔ </a:t>
             </a:r>
             <a:r>
-              <a:rPr lang="de-DE" altLang="zh-CN" b="0" i="0" dirty="0" err="1">
+              <a:rPr lang="de-DE" altLang="zh-CN" b="0" i="0" dirty="0">
                 <a:effectLst/>
                 <a:latin typeface="Arial" panose="020B0604020202020204" pitchFamily="34" charset="0"/>
               </a:rPr>
-              <a:t>Performanzanalyse</a:t>
+              <a:t>Performanz Analyse</a:t>
             </a:r>
             <a:br>
               <a:rPr lang="de-DE" altLang="zh-CN" dirty="0"/>
@@ -8982,7 +9584,7 @@
                 <a:effectLst/>
                 <a:latin typeface="Arial" panose="020B0604020202020204" pitchFamily="34" charset="0"/>
               </a:rPr>
-              <a:t>Zusammenfassung und Mandelbrot-Fraktal</a:t>
+              <a:t>Zusammenfassung</a:t>
             </a:r>
             <a:br>
               <a:rPr lang="de-DE" altLang="zh-CN" dirty="0"/>
@@ -9008,7 +9610,7 @@
     </p:spTree>
     <p:extLst>
       <p:ext uri="{BB962C8B-B14F-4D97-AF65-F5344CB8AC3E}">
-        <p14:creationId xmlns:p14="http://schemas.microsoft.com/office/powerpoint/2010/main" val="1065847518"/>
+        <p14:creationId xmlns:p14="http://schemas.microsoft.com/office/powerpoint/2010/main" val="2265863252"/>
       </p:ext>
     </p:extLst>
   </p:cSld>
@@ -9062,10 +9664,11 @@
           <a:bodyPr/>
           <a:lstStyle/>
           <a:p>
-            <a:r>
-              <a:rPr lang="de-DE" dirty="0"/>
-              <a:t>xxx</a:t>
-            </a:r>
+            <a:endParaRPr lang="de-DE" dirty="0">
+              <a:highlight>
+                <a:srgbClr val="FFFF00"/>
+              </a:highlight>
+            </a:endParaRPr>
           </a:p>
         </p:txBody>
       </p:sp>
@@ -9097,17 +9700,8 @@
           <a:p>
             <a:r>
               <a:rPr lang="de-DE" dirty="0"/>
-              <a:t>Was</a:t>
-            </a:r>
-            <a:r>
-              <a:rPr lang="zh-CN" altLang="en-US" dirty="0"/>
-              <a:t> </a:t>
-            </a:r>
-            <a:r>
-              <a:rPr lang="de-DE" altLang="zh-CN" dirty="0"/>
-              <a:t>ist</a:t>
-            </a:r>
-            <a:endParaRPr lang="de-DE" dirty="0"/>
+              <a:t>Zusammenfassung</a:t>
+            </a:r>
           </a:p>
         </p:txBody>
       </p:sp>
@@ -9213,228 +9807,6 @@
 </file>
 
 <file path=ppt/slides/slide18.xml><?xml version="1.0" encoding="utf-8"?>
-<p:sld xmlns:a="http://schemas.openxmlformats.org/drawingml/2006/main" xmlns:r="http://schemas.openxmlformats.org/officeDocument/2006/relationships" xmlns:p="http://schemas.openxmlformats.org/presentationml/2006/main">
-  <p:cSld>
-    <p:spTree>
-      <p:nvGrpSpPr>
-        <p:cNvPr id="1" name="">
-          <a:extLst>
-            <a:ext uri="{FF2B5EF4-FFF2-40B4-BE49-F238E27FC236}">
-              <a16:creationId xmlns:a16="http://schemas.microsoft.com/office/drawing/2014/main" id="{0D2419BB-F85D-90BC-48B7-DC93F02BE698}"/>
-            </a:ext>
-          </a:extLst>
-        </p:cNvPr>
-        <p:cNvGrpSpPr/>
-        <p:nvPr/>
-      </p:nvGrpSpPr>
-      <p:grpSpPr>
-        <a:xfrm>
-          <a:off x="0" y="0"/>
-          <a:ext cx="0" cy="0"/>
-          <a:chOff x="0" y="0"/>
-          <a:chExt cx="0" cy="0"/>
-        </a:xfrm>
-      </p:grpSpPr>
-      <p:sp>
-        <p:nvSpPr>
-          <p:cNvPr id="5" name="Titel 4">
-            <a:extLst>
-              <a:ext uri="{FF2B5EF4-FFF2-40B4-BE49-F238E27FC236}">
-                <a16:creationId xmlns:a16="http://schemas.microsoft.com/office/drawing/2014/main" id="{F9EBFAC0-DB75-27E9-78A4-F75E032178DC}"/>
-              </a:ext>
-            </a:extLst>
-          </p:cNvPr>
-          <p:cNvSpPr>
-            <a:spLocks noGrp="1"/>
-          </p:cNvSpPr>
-          <p:nvPr>
-            <p:ph type="title"/>
-          </p:nvPr>
-        </p:nvSpPr>
-        <p:spPr/>
-        <p:txBody>
-          <a:bodyPr/>
-          <a:lstStyle/>
-          <a:p>
-            <a:r>
-              <a:rPr lang="de-DE" dirty="0"/>
-              <a:t>Inhaltsverzeichnis(</a:t>
-            </a:r>
-            <a:r>
-              <a:rPr lang="de-DE" dirty="0" err="1"/>
-              <a:t>大致</a:t>
-            </a:r>
-            <a:r>
-              <a:rPr lang="de-DE" dirty="0"/>
-              <a:t>)</a:t>
-            </a:r>
-          </a:p>
-        </p:txBody>
-      </p:sp>
-      <p:sp>
-        <p:nvSpPr>
-          <p:cNvPr id="3" name="Inhaltsplatzhalter 2">
-            <a:extLst>
-              <a:ext uri="{FF2B5EF4-FFF2-40B4-BE49-F238E27FC236}">
-                <a16:creationId xmlns:a16="http://schemas.microsoft.com/office/drawing/2014/main" id="{E909A5DA-8549-788A-7FC8-15B2A3DEBF39}"/>
-              </a:ext>
-            </a:extLst>
-          </p:cNvPr>
-          <p:cNvSpPr>
-            <a:spLocks noGrp="1"/>
-          </p:cNvSpPr>
-          <p:nvPr>
-            <p:ph idx="10"/>
-          </p:nvPr>
-        </p:nvSpPr>
-        <p:spPr>
-          <a:xfrm>
-            <a:off x="319089" y="1484039"/>
-            <a:ext cx="4438766" cy="2687461"/>
-          </a:xfrm>
-        </p:spPr>
-        <p:txBody>
-          <a:bodyPr/>
-          <a:lstStyle/>
-          <a:p>
-            <a:r>
-              <a:rPr lang="de-DE" altLang="zh-CN" b="0" i="0" dirty="0">
-                <a:effectLst/>
-                <a:latin typeface="Courier New" panose="02070309020205020404" pitchFamily="49" charset="0"/>
-              </a:rPr>
-              <a:t>➔ </a:t>
-            </a:r>
-            <a:r>
-              <a:rPr lang="de-DE" altLang="zh-CN" b="0" i="0" dirty="0">
-                <a:effectLst/>
-                <a:latin typeface="Arial" panose="020B0604020202020204" pitchFamily="34" charset="0"/>
-              </a:rPr>
-              <a:t>Was ist ein Fraktal?</a:t>
-            </a:r>
-            <a:br>
-              <a:rPr lang="de-DE" altLang="zh-CN" dirty="0"/>
-            </a:br>
-            <a:r>
-              <a:rPr lang="de-DE" altLang="zh-CN" b="0" i="0" dirty="0">
-                <a:effectLst/>
-                <a:latin typeface="Courier New" panose="02070309020205020404" pitchFamily="49" charset="0"/>
-              </a:rPr>
-              <a:t>➔ </a:t>
-            </a:r>
-            <a:r>
-              <a:rPr lang="de-DE" altLang="zh-CN" b="0" i="0" dirty="0">
-                <a:effectLst/>
-                <a:latin typeface="Arial" panose="020B0604020202020204" pitchFamily="34" charset="0"/>
-              </a:rPr>
-              <a:t>Das Burning </a:t>
-            </a:r>
-            <a:r>
-              <a:rPr lang="de-DE" altLang="zh-CN" b="0" i="0" dirty="0" err="1">
-                <a:effectLst/>
-                <a:latin typeface="Arial" panose="020B0604020202020204" pitchFamily="34" charset="0"/>
-              </a:rPr>
-              <a:t>Ship</a:t>
-            </a:r>
-            <a:r>
-              <a:rPr lang="de-DE" altLang="zh-CN" b="0" i="0" dirty="0">
-                <a:effectLst/>
-                <a:latin typeface="Arial" panose="020B0604020202020204" pitchFamily="34" charset="0"/>
-              </a:rPr>
-              <a:t>-Fraktal</a:t>
-            </a:r>
-            <a:br>
-              <a:rPr lang="de-DE" altLang="zh-CN" dirty="0"/>
-            </a:br>
-            <a:r>
-              <a:rPr lang="de-DE" altLang="zh-CN" b="0" i="0" dirty="0">
-                <a:effectLst/>
-                <a:latin typeface="Courier New" panose="02070309020205020404" pitchFamily="49" charset="0"/>
-              </a:rPr>
-              <a:t>➔ </a:t>
-            </a:r>
-            <a:r>
-              <a:rPr lang="de-DE" altLang="zh-CN" b="0" i="0" dirty="0" err="1">
-                <a:effectLst/>
-                <a:latin typeface="Arial" panose="020B0604020202020204" pitchFamily="34" charset="0"/>
-              </a:rPr>
-              <a:t>Lösungansatz</a:t>
-            </a:r>
-            <a:br>
-              <a:rPr lang="de-DE" altLang="zh-CN" dirty="0"/>
-            </a:br>
-            <a:r>
-              <a:rPr lang="de-DE" altLang="zh-CN" b="0" i="0" dirty="0">
-                <a:effectLst/>
-                <a:latin typeface="Courier New" panose="02070309020205020404" pitchFamily="49" charset="0"/>
-              </a:rPr>
-              <a:t>➔ </a:t>
-            </a:r>
-            <a:r>
-              <a:rPr lang="de-DE" altLang="zh-CN" b="0" i="0" dirty="0" err="1">
-                <a:effectLst/>
-                <a:latin typeface="Arial" panose="020B0604020202020204" pitchFamily="34" charset="0"/>
-              </a:rPr>
-              <a:t>Performanzanalyse</a:t>
-            </a:r>
-            <a:br>
-              <a:rPr lang="de-DE" altLang="zh-CN" dirty="0"/>
-            </a:br>
-            <a:r>
-              <a:rPr lang="de-DE" altLang="zh-CN" b="0" i="0" dirty="0">
-                <a:effectLst/>
-                <a:latin typeface="Courier New" panose="02070309020205020404" pitchFamily="49" charset="0"/>
-              </a:rPr>
-              <a:t>➔ </a:t>
-            </a:r>
-            <a:r>
-              <a:rPr lang="de-DE" altLang="zh-CN" b="0" i="0" dirty="0">
-                <a:effectLst/>
-                <a:latin typeface="Arial" panose="020B0604020202020204" pitchFamily="34" charset="0"/>
-              </a:rPr>
-              <a:t>Zusammenfassung und Mandelbrot-Fraktal</a:t>
-            </a:r>
-            <a:br>
-              <a:rPr lang="de-DE" altLang="zh-CN" dirty="0"/>
-            </a:br>
-            <a:r>
-              <a:rPr lang="de-DE" altLang="zh-CN" b="0" i="0" dirty="0">
-                <a:effectLst/>
-                <a:latin typeface="Courier New" panose="02070309020205020404" pitchFamily="49" charset="0"/>
-              </a:rPr>
-              <a:t>➔ </a:t>
-            </a:r>
-            <a:r>
-              <a:rPr lang="de-DE" altLang="zh-CN" b="0" i="0" dirty="0">
-                <a:solidFill>
-                  <a:srgbClr val="FF0000"/>
-                </a:solidFill>
-                <a:effectLst/>
-                <a:latin typeface="Arial" panose="020B0604020202020204" pitchFamily="34" charset="0"/>
-              </a:rPr>
-              <a:t>Quellenverzeichnis</a:t>
-            </a:r>
-            <a:endParaRPr lang="de-DE" dirty="0">
-              <a:solidFill>
-                <a:srgbClr val="FF0000"/>
-              </a:solidFill>
-            </a:endParaRPr>
-          </a:p>
-        </p:txBody>
-      </p:sp>
-    </p:spTree>
-    <p:extLst>
-      <p:ext uri="{BB962C8B-B14F-4D97-AF65-F5344CB8AC3E}">
-        <p14:creationId xmlns:p14="http://schemas.microsoft.com/office/powerpoint/2010/main" val="2404448862"/>
-      </p:ext>
-    </p:extLst>
-  </p:cSld>
-  <p:clrMapOvr>
-    <a:masterClrMapping/>
-  </p:clrMapOvr>
-</p:sld>
-</file>
-
-<file path=ppt/slides/slide19.xml><?xml version="1.0" encoding="utf-8"?>
 <p:sld xmlns:a="http://schemas.openxmlformats.org/drawingml/2006/main" xmlns:r="http://schemas.openxmlformats.org/officeDocument/2006/relationships" xmlns:p="http://schemas.openxmlformats.org/presentationml/2006/main">
   <p:cSld>
     <p:spTree>
@@ -9478,10 +9850,7 @@
           <a:bodyPr/>
           <a:lstStyle/>
           <a:p>
-            <a:r>
-              <a:rPr lang="de-DE" dirty="0"/>
-              <a:t>xxx</a:t>
-            </a:r>
+            <a:endParaRPr lang="de-DE" dirty="0"/>
           </a:p>
         </p:txBody>
       </p:sp>
@@ -9546,7 +9915,7 @@
             <a:fld id="{CE58CB1E-F828-4F11-99E0-327109AF9DA4}" type="slidenum">
               <a:rPr lang="de-DE" smtClean="0"/>
               <a:pPr/>
-              <a:t>19</a:t>
+              <a:t>18</a:t>
             </a:fld>
             <a:endParaRPr lang="de-DE" dirty="0"/>
           </a:p>
@@ -9614,6 +9983,176 @@
     <p:extLst>
       <p:ext uri="{BB962C8B-B14F-4D97-AF65-F5344CB8AC3E}">
         <p14:creationId xmlns:p14="http://schemas.microsoft.com/office/powerpoint/2010/main" val="2354259870"/>
+      </p:ext>
+    </p:extLst>
+  </p:cSld>
+  <p:clrMapOvr>
+    <a:masterClrMapping/>
+  </p:clrMapOvr>
+</p:sld>
+</file>
+
+<file path=ppt/slides/slide19.xml><?xml version="1.0" encoding="utf-8"?>
+<p:sld xmlns:a="http://schemas.openxmlformats.org/drawingml/2006/main" xmlns:r="http://schemas.openxmlformats.org/officeDocument/2006/relationships" xmlns:p="http://schemas.openxmlformats.org/presentationml/2006/main">
+  <p:cSld>
+    <p:spTree>
+      <p:nvGrpSpPr>
+        <p:cNvPr id="1" name="">
+          <a:extLst>
+            <a:ext uri="{FF2B5EF4-FFF2-40B4-BE49-F238E27FC236}">
+              <a16:creationId xmlns:a16="http://schemas.microsoft.com/office/drawing/2014/main" id="{1E8FA680-5630-6E40-3DE5-A23B32CEEA23}"/>
+            </a:ext>
+          </a:extLst>
+        </p:cNvPr>
+        <p:cNvGrpSpPr/>
+        <p:nvPr/>
+      </p:nvGrpSpPr>
+      <p:grpSpPr>
+        <a:xfrm>
+          <a:off x="0" y="0"/>
+          <a:ext cx="0" cy="0"/>
+          <a:chOff x="0" y="0"/>
+          <a:chExt cx="0" cy="0"/>
+        </a:xfrm>
+      </p:grpSpPr>
+      <p:sp>
+        <p:nvSpPr>
+          <p:cNvPr id="4" name="Foliennummernplatzhalter 3">
+            <a:extLst>
+              <a:ext uri="{FF2B5EF4-FFF2-40B4-BE49-F238E27FC236}">
+                <a16:creationId xmlns:a16="http://schemas.microsoft.com/office/drawing/2014/main" id="{ADF56F2D-BDD7-F492-5FD8-7507A523D34D}"/>
+              </a:ext>
+            </a:extLst>
+          </p:cNvPr>
+          <p:cNvSpPr>
+            <a:spLocks noGrp="1"/>
+          </p:cNvSpPr>
+          <p:nvPr>
+            <p:ph type="sldNum" sz="quarter" idx="11"/>
+          </p:nvPr>
+        </p:nvSpPr>
+        <p:spPr/>
+        <p:txBody>
+          <a:bodyPr/>
+          <a:lstStyle/>
+          <a:p>
+            <a:fld id="{CE58CB1E-F828-4F11-99E0-327109AF9DA4}" type="slidenum">
+              <a:rPr lang="de-DE" smtClean="0"/>
+              <a:pPr/>
+              <a:t>19</a:t>
+            </a:fld>
+            <a:endParaRPr lang="de-DE" dirty="0"/>
+          </a:p>
+        </p:txBody>
+      </p:sp>
+      <p:sp>
+        <p:nvSpPr>
+          <p:cNvPr id="7" name="Fußzeilenplatzhalter 4">
+            <a:extLst>
+              <a:ext uri="{FF2B5EF4-FFF2-40B4-BE49-F238E27FC236}">
+                <a16:creationId xmlns:a16="http://schemas.microsoft.com/office/drawing/2014/main" id="{654EA7E5-FA9C-11B6-2E8C-C23E658272C9}"/>
+              </a:ext>
+            </a:extLst>
+          </p:cNvPr>
+          <p:cNvSpPr>
+            <a:spLocks noGrp="1"/>
+          </p:cNvSpPr>
+          <p:nvPr>
+            <p:ph type="ftr" sz="quarter" idx="12"/>
+          </p:nvPr>
+        </p:nvSpPr>
+        <p:spPr/>
+        <p:txBody>
+          <a:bodyPr/>
+          <a:lstStyle/>
+          <a:p>
+            <a:pPr>
+              <a:spcAft>
+                <a:spcPts val="600"/>
+              </a:spcAft>
+            </a:pPr>
+            <a:r>
+              <a:rPr lang="de-DE" altLang="zh-CN" dirty="0"/>
+              <a:t>GRA Team 140 | Tianhao </a:t>
+            </a:r>
+            <a:r>
+              <a:rPr lang="de-DE" altLang="zh-CN" dirty="0" err="1"/>
+              <a:t>Gu</a:t>
+            </a:r>
+            <a:r>
+              <a:rPr lang="de-DE" altLang="zh-CN" dirty="0"/>
+              <a:t> | </a:t>
+            </a:r>
+            <a:r>
+              <a:rPr lang="de-DE" altLang="zh-CN" dirty="0" err="1"/>
+              <a:t>Zhongfang</a:t>
+            </a:r>
+            <a:r>
+              <a:rPr lang="de-DE" altLang="zh-CN" dirty="0"/>
+              <a:t> Wang | Julien </a:t>
+            </a:r>
+            <a:r>
+              <a:rPr lang="de-DE" altLang="zh-CN" dirty="0" err="1"/>
+              <a:t>Escaig</a:t>
+            </a:r>
+            <a:r>
+              <a:rPr lang="de-DE" altLang="zh-CN" dirty="0"/>
+              <a:t> </a:t>
+            </a:r>
+            <a:endParaRPr lang="en-US" altLang="zh-CN" dirty="0"/>
+          </a:p>
+        </p:txBody>
+      </p:sp>
+      <p:sp>
+        <p:nvSpPr>
+          <p:cNvPr id="5" name="文本框 4">
+            <a:extLst>
+              <a:ext uri="{FF2B5EF4-FFF2-40B4-BE49-F238E27FC236}">
+                <a16:creationId xmlns:a16="http://schemas.microsoft.com/office/drawing/2014/main" id="{423EAA84-D5D2-6C91-EE80-2DB0D507A042}"/>
+              </a:ext>
+            </a:extLst>
+          </p:cNvPr>
+          <p:cNvSpPr txBox="1"/>
+          <p:nvPr/>
+        </p:nvSpPr>
+        <p:spPr>
+          <a:xfrm>
+            <a:off x="1289713" y="2081284"/>
+            <a:ext cx="6346208" cy="578748"/>
+          </a:xfrm>
+          <a:prstGeom prst="rect">
+            <a:avLst/>
+          </a:prstGeom>
+          <a:noFill/>
+        </p:spPr>
+        <p:txBody>
+          <a:bodyPr wrap="square" lIns="0" tIns="0" rIns="0" bIns="0" rtlCol="0">
+            <a:spAutoFit/>
+          </a:bodyPr>
+          <a:lstStyle/>
+          <a:p>
+            <a:pPr>
+              <a:lnSpc>
+                <a:spcPct val="114000"/>
+              </a:lnSpc>
+            </a:pPr>
+            <a:r>
+              <a:rPr lang="de-DE" altLang="zh-CN" sz="3600" b="0" i="0" dirty="0">
+                <a:effectLst/>
+                <a:latin typeface="Arial" panose="020B0604020202020204" pitchFamily="34" charset="0"/>
+              </a:rPr>
+              <a:t>Danke für Ihre Aufmerksamkeit!</a:t>
+            </a:r>
+            <a:endParaRPr kumimoji="1" lang="zh-CN" altLang="en-US" sz="3600" dirty="0" err="1">
+              <a:latin typeface="+mn-lt"/>
+            </a:endParaRPr>
+          </a:p>
+        </p:txBody>
+      </p:sp>
+    </p:spTree>
+    <p:extLst>
+      <p:ext uri="{BB962C8B-B14F-4D97-AF65-F5344CB8AC3E}">
+        <p14:creationId xmlns:p14="http://schemas.microsoft.com/office/powerpoint/2010/main" val="239804028"/>
       </p:ext>
     </p:extLst>
   </p:cSld>
@@ -9657,15 +10196,7 @@
           <a:p>
             <a:r>
               <a:rPr lang="de-DE" dirty="0"/>
-              <a:t>Inhaltsverzeichnis(</a:t>
-            </a:r>
-            <a:r>
-              <a:rPr lang="de-DE" dirty="0" err="1"/>
-              <a:t>大致</a:t>
-            </a:r>
-            <a:r>
-              <a:rPr lang="de-DE" dirty="0"/>
-              <a:t>)</a:t>
+              <a:t>Inhaltsverzeichnis</a:t>
             </a:r>
           </a:p>
         </p:txBody>
@@ -9698,11 +10229,25 @@
               <a:t>➔ </a:t>
             </a:r>
             <a:r>
+              <a:rPr lang="de-DE" altLang="zh-CN" dirty="0">
+                <a:latin typeface="Arial" panose="020B0604020202020204" pitchFamily="34" charset="0"/>
+              </a:rPr>
+              <a:t>Transformation von Farbbild in Schwarz-Weiß </a:t>
+            </a:r>
+          </a:p>
+          <a:p>
+            <a:r>
               <a:rPr lang="de-DE" altLang="zh-CN" b="0" i="0" dirty="0">
                 <a:effectLst/>
+                <a:latin typeface="Courier New" panose="02070309020205020404" pitchFamily="49" charset="0"/>
+              </a:rPr>
+              <a:t>➔</a:t>
+            </a:r>
+            <a:r>
+              <a:rPr lang="de-DE" altLang="zh-CN" dirty="0">
                 <a:latin typeface="Arial" panose="020B0604020202020204" pitchFamily="34" charset="0"/>
               </a:rPr>
-              <a:t>Was ist ein Fraktal?</a:t>
+              <a:t>  Was ist eine Gammakorrektur?</a:t>
             </a:r>
             <a:br>
               <a:rPr lang="de-DE" altLang="zh-CN" dirty="0"/>
@@ -9719,25 +10264,10 @@
                 <a:effectLst/>
                 <a:latin typeface="Arial" panose="020B0604020202020204" pitchFamily="34" charset="0"/>
               </a:rPr>
-              <a:t>Das Burning </a:t>
-            </a:r>
-            <a:r>
-              <a:rPr lang="de-DE" altLang="zh-CN" b="0" i="0" dirty="0" err="1">
-                <a:effectLst/>
-                <a:latin typeface="Arial" panose="020B0604020202020204" pitchFamily="34" charset="0"/>
-              </a:rPr>
-              <a:t>Ship</a:t>
-            </a:r>
-            <a:r>
-              <a:rPr lang="de-DE" altLang="zh-CN" b="0" i="0" dirty="0">
-                <a:effectLst/>
-                <a:latin typeface="Arial" panose="020B0604020202020204" pitchFamily="34" charset="0"/>
-              </a:rPr>
-              <a:t>-Fraktal</a:t>
-            </a:r>
-            <a:br>
-              <a:rPr lang="de-DE" altLang="zh-CN" dirty="0"/>
-            </a:br>
+              <a:t>Lösungsansatz</a:t>
+            </a:r>
+          </a:p>
+          <a:p>
             <a:r>
               <a:rPr lang="de-DE" altLang="zh-CN" b="0" i="0" dirty="0">
                 <a:effectLst/>
@@ -9746,11 +10276,11 @@
               <a:t>➔ </a:t>
             </a:r>
             <a:r>
-              <a:rPr lang="de-DE" altLang="zh-CN" b="0" i="0" dirty="0" err="1">
+              <a:rPr lang="de-DE" altLang="zh-CN" b="0" i="0" dirty="0">
                 <a:effectLst/>
                 <a:latin typeface="Arial" panose="020B0604020202020204" pitchFamily="34" charset="0"/>
               </a:rPr>
-              <a:t>Lösungansatz</a:t>
+              <a:t>Genauigkeitsanalyse</a:t>
             </a:r>
             <a:br>
               <a:rPr lang="de-DE" altLang="zh-CN" dirty="0"/>
@@ -9763,11 +10293,11 @@
               <a:t>➔ </a:t>
             </a:r>
             <a:r>
-              <a:rPr lang="de-DE" altLang="zh-CN" b="0" i="0" dirty="0" err="1">
+              <a:rPr lang="de-DE" altLang="zh-CN" b="0" i="0" dirty="0">
                 <a:effectLst/>
                 <a:latin typeface="Arial" panose="020B0604020202020204" pitchFamily="34" charset="0"/>
               </a:rPr>
-              <a:t>Performanzanalyse</a:t>
+              <a:t>Performanz Analyse</a:t>
             </a:r>
             <a:br>
               <a:rPr lang="de-DE" altLang="zh-CN" dirty="0"/>
@@ -9784,7 +10314,7 @@
                 <a:effectLst/>
                 <a:latin typeface="Arial" panose="020B0604020202020204" pitchFamily="34" charset="0"/>
               </a:rPr>
-              <a:t>Zusammenfassung und Mandelbrot-Fraktal</a:t>
+              <a:t>Zusammenfassung</a:t>
             </a:r>
             <a:br>
               <a:rPr lang="de-DE" altLang="zh-CN" dirty="0"/>
@@ -9815,7 +10345,198 @@
 </p:sld>
 </file>
 
-<file path=ppt/slides/slide20.xml><?xml version="1.0" encoding="utf-8"?>
+<file path=ppt/slides/slide3.xml><?xml version="1.0" encoding="utf-8"?>
+<p:sld xmlns:a="http://schemas.openxmlformats.org/drawingml/2006/main" xmlns:r="http://schemas.openxmlformats.org/officeDocument/2006/relationships" xmlns:p="http://schemas.openxmlformats.org/presentationml/2006/main">
+  <p:cSld>
+    <p:spTree>
+      <p:nvGrpSpPr>
+        <p:cNvPr id="1" name=""/>
+        <p:cNvGrpSpPr/>
+        <p:nvPr/>
+      </p:nvGrpSpPr>
+      <p:grpSpPr>
+        <a:xfrm>
+          <a:off x="0" y="0"/>
+          <a:ext cx="0" cy="0"/>
+          <a:chOff x="0" y="0"/>
+          <a:chExt cx="0" cy="0"/>
+        </a:xfrm>
+      </p:grpSpPr>
+      <p:sp>
+        <p:nvSpPr>
+          <p:cNvPr id="5" name="Titel 4"/>
+          <p:cNvSpPr>
+            <a:spLocks noGrp="1"/>
+          </p:cNvSpPr>
+          <p:nvPr>
+            <p:ph type="title"/>
+          </p:nvPr>
+        </p:nvSpPr>
+        <p:spPr/>
+        <p:txBody>
+          <a:bodyPr/>
+          <a:lstStyle/>
+          <a:p>
+            <a:r>
+              <a:rPr lang="de-DE" dirty="0"/>
+              <a:t>Inhaltsverzeichnis</a:t>
+            </a:r>
+          </a:p>
+        </p:txBody>
+      </p:sp>
+      <p:sp>
+        <p:nvSpPr>
+          <p:cNvPr id="3" name="Inhaltsplatzhalter 2"/>
+          <p:cNvSpPr>
+            <a:spLocks noGrp="1"/>
+          </p:cNvSpPr>
+          <p:nvPr>
+            <p:ph idx="10"/>
+          </p:nvPr>
+        </p:nvSpPr>
+        <p:spPr>
+          <a:xfrm>
+            <a:off x="319089" y="1484039"/>
+            <a:ext cx="4438766" cy="2687461"/>
+          </a:xfrm>
+        </p:spPr>
+        <p:txBody>
+          <a:bodyPr/>
+          <a:lstStyle/>
+          <a:p>
+            <a:r>
+              <a:rPr lang="de-DE" altLang="zh-CN" b="0" i="0" dirty="0">
+                <a:effectLst/>
+                <a:latin typeface="Courier New" panose="02070309020205020404" pitchFamily="49" charset="0"/>
+              </a:rPr>
+              <a:t>➔ </a:t>
+            </a:r>
+            <a:r>
+              <a:rPr lang="de-DE" altLang="zh-CN" dirty="0">
+                <a:solidFill>
+                  <a:srgbClr val="FF0000"/>
+                </a:solidFill>
+                <a:latin typeface="Arial" panose="020B0604020202020204" pitchFamily="34" charset="0"/>
+              </a:rPr>
+              <a:t>Transformation von Farbbild in Schwarz-Weiß </a:t>
+            </a:r>
+          </a:p>
+          <a:p>
+            <a:r>
+              <a:rPr lang="de-DE" altLang="zh-CN" b="0" i="0" dirty="0">
+                <a:effectLst/>
+                <a:latin typeface="Courier New" panose="02070309020205020404" pitchFamily="49" charset="0"/>
+              </a:rPr>
+              <a:t>➔</a:t>
+            </a:r>
+            <a:r>
+              <a:rPr lang="de-DE" altLang="zh-CN" dirty="0">
+                <a:latin typeface="Arial" panose="020B0604020202020204" pitchFamily="34" charset="0"/>
+              </a:rPr>
+              <a:t>  Was ist eine Gammakorrektur?</a:t>
+            </a:r>
+            <a:br>
+              <a:rPr lang="de-DE" altLang="zh-CN" dirty="0"/>
+            </a:br>
+            <a:r>
+              <a:rPr lang="de-DE" altLang="zh-CN" b="0" i="0" dirty="0">
+                <a:effectLst/>
+                <a:latin typeface="Courier New" panose="02070309020205020404" pitchFamily="49" charset="0"/>
+              </a:rPr>
+              <a:t>➔ </a:t>
+            </a:r>
+            <a:r>
+              <a:rPr lang="de-DE" altLang="zh-CN" b="0" i="0" dirty="0">
+                <a:effectLst/>
+                <a:latin typeface="Arial" panose="020B0604020202020204" pitchFamily="34" charset="0"/>
+              </a:rPr>
+              <a:t>Lösungsansatz</a:t>
+            </a:r>
+          </a:p>
+          <a:p>
+            <a:r>
+              <a:rPr lang="de-DE" altLang="zh-CN" b="0" i="0" dirty="0">
+                <a:effectLst/>
+                <a:latin typeface="Courier New" panose="02070309020205020404" pitchFamily="49" charset="0"/>
+              </a:rPr>
+              <a:t>➔ </a:t>
+            </a:r>
+            <a:r>
+              <a:rPr lang="de-DE" altLang="zh-CN" b="0" i="0" dirty="0">
+                <a:effectLst/>
+                <a:latin typeface="Arial" panose="020B0604020202020204" pitchFamily="34" charset="0"/>
+              </a:rPr>
+              <a:t>Genauigkeitsanalyse</a:t>
+            </a:r>
+            <a:br>
+              <a:rPr lang="de-DE" altLang="zh-CN" dirty="0"/>
+            </a:br>
+            <a:r>
+              <a:rPr lang="de-DE" altLang="zh-CN" b="0" i="0" dirty="0">
+                <a:effectLst/>
+                <a:latin typeface="Courier New" panose="02070309020205020404" pitchFamily="49" charset="0"/>
+              </a:rPr>
+              <a:t>➔ </a:t>
+            </a:r>
+            <a:r>
+              <a:rPr lang="de-DE" altLang="zh-CN" b="0" i="0" dirty="0">
+                <a:effectLst/>
+                <a:latin typeface="Arial" panose="020B0604020202020204" pitchFamily="34" charset="0"/>
+              </a:rPr>
+              <a:t>Performanz Analyse</a:t>
+            </a:r>
+            <a:br>
+              <a:rPr lang="de-DE" altLang="zh-CN" dirty="0"/>
+            </a:br>
+            <a:r>
+              <a:rPr lang="de-DE" altLang="zh-CN" b="0" i="0" dirty="0">
+                <a:effectLst/>
+                <a:latin typeface="Courier New" panose="02070309020205020404" pitchFamily="49" charset="0"/>
+              </a:rPr>
+              <a:t>➔ </a:t>
+            </a:r>
+            <a:r>
+              <a:rPr lang="de-DE" altLang="zh-CN" b="0" i="0" dirty="0">
+                <a:effectLst/>
+                <a:latin typeface="Arial" panose="020B0604020202020204" pitchFamily="34" charset="0"/>
+              </a:rPr>
+              <a:t>Zusammenfassung</a:t>
+            </a:r>
+            <a:br>
+              <a:rPr lang="de-DE" altLang="zh-CN" dirty="0"/>
+            </a:br>
+            <a:r>
+              <a:rPr lang="de-DE" altLang="zh-CN" b="0" i="0" dirty="0">
+                <a:effectLst/>
+                <a:latin typeface="Courier New" panose="02070309020205020404" pitchFamily="49" charset="0"/>
+              </a:rPr>
+              <a:t>➔ </a:t>
+            </a:r>
+            <a:r>
+              <a:rPr lang="de-DE" altLang="zh-CN" b="0" i="0" dirty="0">
+                <a:effectLst/>
+                <a:latin typeface="Arial" panose="020B0604020202020204" pitchFamily="34" charset="0"/>
+              </a:rPr>
+              <a:t>Quellenverzeichnis</a:t>
+            </a:r>
+            <a:endParaRPr lang="de-DE" dirty="0"/>
+          </a:p>
+        </p:txBody>
+      </p:sp>
+    </p:spTree>
+    <p:extLst>
+      <p:ext uri="{BB962C8B-B14F-4D97-AF65-F5344CB8AC3E}">
+        <p14:creationId xmlns:p14="http://schemas.microsoft.com/office/powerpoint/2010/main" val="904184564"/>
+      </p:ext>
+    </p:extLst>
+  </p:cSld>
+  <p:clrMapOvr>
+    <a:masterClrMapping/>
+  </p:clrMapOvr>
+</p:sld>
+</file>
+
+<file path=ppt/slides/slide4.xml><?xml version="1.0" encoding="utf-8"?>
 <p:sld xmlns:a="http://schemas.openxmlformats.org/drawingml/2006/main" xmlns:r="http://schemas.openxmlformats.org/officeDocument/2006/relationships" xmlns:p="http://schemas.openxmlformats.org/presentationml/2006/main">
   <p:cSld>
     <p:spTree>
@@ -9823,7 +10544,7 @@
         <p:cNvPr id="1" name="">
           <a:extLst>
             <a:ext uri="{FF2B5EF4-FFF2-40B4-BE49-F238E27FC236}">
-              <a16:creationId xmlns:a16="http://schemas.microsoft.com/office/drawing/2014/main" id="{1E8FA680-5630-6E40-3DE5-A23B32CEEA23}"/>
+              <a16:creationId xmlns:a16="http://schemas.microsoft.com/office/drawing/2014/main" id="{DCC3F880-E803-B0DD-EF7B-0BA82D6D6BB8}"/>
             </a:ext>
           </a:extLst>
         </p:cNvPr>
@@ -9838,12 +10559,107 @@
           <a:chExt cx="0" cy="0"/>
         </a:xfrm>
       </p:grpSpPr>
+      <p:pic>
+        <p:nvPicPr>
+          <p:cNvPr id="9" name="Grafik 8" descr="Ein Bild, das Himmel, Baum, draußen, Landschaft enthält.&#10;&#10;Automatisch generierte Beschreibung">
+            <a:extLst>
+              <a:ext uri="{FF2B5EF4-FFF2-40B4-BE49-F238E27FC236}">
+                <a16:creationId xmlns:a16="http://schemas.microsoft.com/office/drawing/2014/main" id="{29D9DA3C-FC7F-DA79-344B-F231ED9B4E59}"/>
+              </a:ext>
+            </a:extLst>
+          </p:cNvPr>
+          <p:cNvPicPr>
+            <a:picLocks noChangeAspect="1"/>
+          </p:cNvPicPr>
+          <p:nvPr/>
+        </p:nvPicPr>
+        <p:blipFill>
+          <a:blip r:embed="rId2"/>
+          <a:stretch>
+            <a:fillRect/>
+          </a:stretch>
+        </p:blipFill>
+        <p:spPr>
+          <a:xfrm>
+            <a:off x="319088" y="1758950"/>
+            <a:ext cx="4214813" cy="2779713"/>
+          </a:xfrm>
+          <a:prstGeom prst="rect">
+            <a:avLst/>
+          </a:prstGeom>
+        </p:spPr>
+      </p:pic>
+      <p:pic>
+        <p:nvPicPr>
+          <p:cNvPr id="6" name="Inhaltsplatzhalter 5" descr="Ein Bild, das Himmel, Landschaft, draußen, Schwarzweiß enthält.&#10;&#10;Automatisch generierte Beschreibung">
+            <a:extLst>
+              <a:ext uri="{FF2B5EF4-FFF2-40B4-BE49-F238E27FC236}">
+                <a16:creationId xmlns:a16="http://schemas.microsoft.com/office/drawing/2014/main" id="{18DBF885-DA26-4F02-0707-53CCD0C3D966}"/>
+              </a:ext>
+            </a:extLst>
+          </p:cNvPr>
+          <p:cNvPicPr>
+            <a:picLocks noGrp="1" noChangeAspect="1"/>
+          </p:cNvPicPr>
+          <p:nvPr>
+            <p:ph idx="1"/>
+          </p:nvPr>
+        </p:nvPicPr>
+        <p:blipFill>
+          <a:blip r:embed="rId3"/>
+          <a:stretch>
+            <a:fillRect/>
+          </a:stretch>
+        </p:blipFill>
+        <p:spPr>
+          <a:xfrm>
+            <a:off x="4611688" y="1758950"/>
+            <a:ext cx="4214813" cy="2779713"/>
+          </a:xfrm>
+        </p:spPr>
+      </p:pic>
+      <p:sp>
+        <p:nvSpPr>
+          <p:cNvPr id="3" name="Titel 2">
+            <a:extLst>
+              <a:ext uri="{FF2B5EF4-FFF2-40B4-BE49-F238E27FC236}">
+                <a16:creationId xmlns:a16="http://schemas.microsoft.com/office/drawing/2014/main" id="{3BC7B4EA-A66C-B206-995E-5BDCA0A5E3BE}"/>
+              </a:ext>
+            </a:extLst>
+          </p:cNvPr>
+          <p:cNvSpPr>
+            <a:spLocks noGrp="1"/>
+          </p:cNvSpPr>
+          <p:nvPr>
+            <p:ph type="title"/>
+          </p:nvPr>
+        </p:nvSpPr>
+        <p:spPr>
+          <a:xfrm>
+            <a:off x="319090" y="972000"/>
+            <a:ext cx="8508999" cy="410369"/>
+          </a:xfrm>
+        </p:spPr>
+        <p:txBody>
+          <a:bodyPr wrap="square" anchor="t">
+            <a:normAutofit/>
+          </a:bodyPr>
+          <a:lstStyle/>
+          <a:p>
+            <a:r>
+              <a:rPr lang="de-DE" altLang="zh-CN"/>
+              <a:t>Transformation von Farbbild in Schwarz-Weiß</a:t>
+            </a:r>
+            <a:endParaRPr lang="de-DE" dirty="0"/>
+          </a:p>
+        </p:txBody>
+      </p:sp>
       <p:sp>
         <p:nvSpPr>
           <p:cNvPr id="4" name="Foliennummernplatzhalter 3">
             <a:extLst>
               <a:ext uri="{FF2B5EF4-FFF2-40B4-BE49-F238E27FC236}">
-                <a16:creationId xmlns:a16="http://schemas.microsoft.com/office/drawing/2014/main" id="{ADF56F2D-BDD7-F492-5FD8-7507A523D34D}"/>
+                <a16:creationId xmlns:a16="http://schemas.microsoft.com/office/drawing/2014/main" id="{B8C7251E-E428-1F74-F52E-DE6949D29E27}"/>
               </a:ext>
             </a:extLst>
           </p:cNvPr>
@@ -9854,17 +10670,65 @@
             <p:ph type="sldNum" sz="quarter" idx="11"/>
           </p:nvPr>
         </p:nvSpPr>
-        <p:spPr/>
-        <p:txBody>
-          <a:bodyPr/>
+        <p:spPr>
+          <a:xfrm>
+            <a:off x="6774934" y="4854985"/>
+            <a:ext cx="2052074" cy="273844"/>
+          </a:xfrm>
+        </p:spPr>
+        <p:txBody>
+          <a:bodyPr anchor="ctr">
+            <a:normAutofit/>
+          </a:bodyPr>
           <a:lstStyle/>
           <a:p>
+            <a:pPr marL="0" marR="0" lvl="0" indent="0" defTabSz="914400" rtl="0" eaLnBrk="1" fontAlgn="base" latinLnBrk="0" hangingPunct="1">
+              <a:spcBef>
+                <a:spcPct val="0"/>
+              </a:spcBef>
+              <a:spcAft>
+                <a:spcPts val="600"/>
+              </a:spcAft>
+              <a:buClrTx/>
+              <a:buSzTx/>
+              <a:buFontTx/>
+              <a:buNone/>
+              <a:tabLst/>
+              <a:defRPr/>
+            </a:pPr>
             <a:fld id="{CE58CB1E-F828-4F11-99E0-327109AF9DA4}" type="slidenum">
-              <a:rPr lang="de-DE" smtClean="0"/>
-              <a:pPr/>
-              <a:t>20</a:t>
+              <a:rPr kumimoji="0" lang="de-DE" b="0" i="0" u="none" strike="noStrike" kern="1200" cap="none" spc="0" normalizeH="0" baseline="0" noProof="0" smtClean="0">
+                <a:ln>
+                  <a:noFill/>
+                </a:ln>
+                <a:effectLst/>
+                <a:uLnTx/>
+                <a:uFillTx/>
+              </a:rPr>
+              <a:pPr marL="0" marR="0" lvl="0" indent="0" defTabSz="914400" rtl="0" eaLnBrk="1" fontAlgn="base" latinLnBrk="0" hangingPunct="1">
+                <a:spcBef>
+                  <a:spcPct val="0"/>
+                </a:spcBef>
+                <a:spcAft>
+                  <a:spcPts val="600"/>
+                </a:spcAft>
+                <a:buClrTx/>
+                <a:buSzTx/>
+                <a:buFontTx/>
+                <a:buNone/>
+                <a:tabLst/>
+                <a:defRPr/>
+              </a:pPr>
+              <a:t>4</a:t>
             </a:fld>
-            <a:endParaRPr lang="de-DE" dirty="0"/>
+            <a:endParaRPr kumimoji="0" lang="de-DE" b="0" i="0" u="none" strike="noStrike" kern="1200" cap="none" spc="0" normalizeH="0" baseline="0" noProof="0">
+              <a:ln>
+                <a:noFill/>
+              </a:ln>
+              <a:effectLst/>
+              <a:uLnTx/>
+              <a:uFillTx/>
+            </a:endParaRPr>
           </a:p>
         </p:txBody>
       </p:sp>
@@ -9873,7 +10737,7 @@
           <p:cNvPr id="7" name="Fußzeilenplatzhalter 4">
             <a:extLst>
               <a:ext uri="{FF2B5EF4-FFF2-40B4-BE49-F238E27FC236}">
-                <a16:creationId xmlns:a16="http://schemas.microsoft.com/office/drawing/2014/main" id="{654EA7E5-FA9C-11B6-2E8C-C23E658272C9}"/>
+                <a16:creationId xmlns:a16="http://schemas.microsoft.com/office/drawing/2014/main" id="{D26A322C-DEF5-4D93-3482-6CB1C7198C71}"/>
               </a:ext>
             </a:extLst>
           </p:cNvPr>
@@ -9884,90 +10748,116 @@
             <p:ph type="ftr" sz="quarter" idx="12"/>
           </p:nvPr>
         </p:nvSpPr>
-        <p:spPr/>
-        <p:txBody>
-          <a:bodyPr/>
+        <p:spPr>
+          <a:xfrm>
+            <a:off x="311162" y="4854985"/>
+            <a:ext cx="6464280" cy="273844"/>
+          </a:xfrm>
+        </p:spPr>
+        <p:txBody>
+          <a:bodyPr anchor="ctr">
+            <a:normAutofit/>
+          </a:bodyPr>
           <a:lstStyle/>
           <a:p>
-            <a:pPr>
+            <a:pPr marL="0" marR="0" lvl="0" indent="0" defTabSz="914400" rtl="0" eaLnBrk="1" fontAlgn="base" latinLnBrk="0" hangingPunct="1">
+              <a:spcBef>
+                <a:spcPct val="0"/>
+              </a:spcBef>
               <a:spcAft>
                 <a:spcPts val="600"/>
               </a:spcAft>
+              <a:buClrTx/>
+              <a:buSzTx/>
+              <a:buFontTx/>
+              <a:buNone/>
+              <a:tabLst/>
+              <a:defRPr/>
             </a:pPr>
             <a:r>
-              <a:rPr lang="de-DE" altLang="zh-CN" dirty="0"/>
+              <a:rPr kumimoji="0" lang="de-DE" altLang="zh-CN" b="0" i="0" u="none" strike="noStrike" kern="1200" cap="none" spc="0" normalizeH="0" baseline="0" noProof="0">
+                <a:ln>
+                  <a:noFill/>
+                </a:ln>
+                <a:effectLst/>
+                <a:uLnTx/>
+                <a:uFillTx/>
+              </a:rPr>
               <a:t>GRA Team 140 | Tianhao </a:t>
             </a:r>
             <a:r>
-              <a:rPr lang="de-DE" altLang="zh-CN" dirty="0" err="1"/>
+              <a:rPr kumimoji="0" lang="de-DE" altLang="zh-CN" b="0" i="0" u="none" strike="noStrike" kern="1200" cap="none" spc="0" normalizeH="0" baseline="0" noProof="0" err="1">
+                <a:ln>
+                  <a:noFill/>
+                </a:ln>
+                <a:effectLst/>
+                <a:uLnTx/>
+                <a:uFillTx/>
+              </a:rPr>
               <a:t>Gu</a:t>
             </a:r>
             <a:r>
-              <a:rPr lang="de-DE" altLang="zh-CN" dirty="0"/>
+              <a:rPr kumimoji="0" lang="de-DE" altLang="zh-CN" b="0" i="0" u="none" strike="noStrike" kern="1200" cap="none" spc="0" normalizeH="0" baseline="0" noProof="0">
+                <a:ln>
+                  <a:noFill/>
+                </a:ln>
+                <a:effectLst/>
+                <a:uLnTx/>
+                <a:uFillTx/>
+              </a:rPr>
               <a:t> | </a:t>
             </a:r>
             <a:r>
-              <a:rPr lang="de-DE" altLang="zh-CN" dirty="0" err="1"/>
+              <a:rPr kumimoji="0" lang="de-DE" altLang="zh-CN" b="0" i="0" u="none" strike="noStrike" kern="1200" cap="none" spc="0" normalizeH="0" baseline="0" noProof="0" err="1">
+                <a:ln>
+                  <a:noFill/>
+                </a:ln>
+                <a:effectLst/>
+                <a:uLnTx/>
+                <a:uFillTx/>
+              </a:rPr>
               <a:t>Zhongfang</a:t>
             </a:r>
             <a:r>
-              <a:rPr lang="de-DE" altLang="zh-CN" dirty="0"/>
+              <a:rPr kumimoji="0" lang="de-DE" altLang="zh-CN" b="0" i="0" u="none" strike="noStrike" kern="1200" cap="none" spc="0" normalizeH="0" baseline="0" noProof="0">
+                <a:ln>
+                  <a:noFill/>
+                </a:ln>
+                <a:effectLst/>
+                <a:uLnTx/>
+                <a:uFillTx/>
+              </a:rPr>
               <a:t> Wang | Julien </a:t>
             </a:r>
             <a:r>
-              <a:rPr lang="de-DE" altLang="zh-CN" dirty="0" err="1"/>
+              <a:rPr kumimoji="0" lang="de-DE" altLang="zh-CN" b="0" i="0" u="none" strike="noStrike" kern="1200" cap="none" spc="0" normalizeH="0" baseline="0" noProof="0" err="1">
+                <a:ln>
+                  <a:noFill/>
+                </a:ln>
+                <a:effectLst/>
+                <a:uLnTx/>
+                <a:uFillTx/>
+              </a:rPr>
               <a:t>Escaig</a:t>
             </a:r>
             <a:r>
-              <a:rPr lang="de-DE" altLang="zh-CN" dirty="0"/>
+              <a:rPr kumimoji="0" lang="de-DE" altLang="zh-CN" b="0" i="0" u="none" strike="noStrike" kern="1200" cap="none" spc="0" normalizeH="0" baseline="0" noProof="0">
+                <a:ln>
+                  <a:noFill/>
+                </a:ln>
+                <a:effectLst/>
+                <a:uLnTx/>
+                <a:uFillTx/>
+              </a:rPr>
               <a:t> </a:t>
             </a:r>
-            <a:endParaRPr lang="en-US" altLang="zh-CN" dirty="0"/>
-          </a:p>
-        </p:txBody>
-      </p:sp>
-      <p:sp>
-        <p:nvSpPr>
-          <p:cNvPr id="5" name="文本框 4">
-            <a:extLst>
-              <a:ext uri="{FF2B5EF4-FFF2-40B4-BE49-F238E27FC236}">
-                <a16:creationId xmlns:a16="http://schemas.microsoft.com/office/drawing/2014/main" id="{423EAA84-D5D2-6C91-EE80-2DB0D507A042}"/>
-              </a:ext>
-            </a:extLst>
-          </p:cNvPr>
-          <p:cNvSpPr txBox="1"/>
-          <p:nvPr/>
-        </p:nvSpPr>
-        <p:spPr>
-          <a:xfrm>
-            <a:off x="1289713" y="2081284"/>
-            <a:ext cx="6346208" cy="578748"/>
-          </a:xfrm>
-          <a:prstGeom prst="rect">
-            <a:avLst/>
-          </a:prstGeom>
-          <a:noFill/>
-        </p:spPr>
-        <p:txBody>
-          <a:bodyPr wrap="square" lIns="0" tIns="0" rIns="0" bIns="0" rtlCol="0">
-            <a:spAutoFit/>
-          </a:bodyPr>
-          <a:lstStyle/>
-          <a:p>
-            <a:pPr>
-              <a:lnSpc>
-                <a:spcPct val="114000"/>
-              </a:lnSpc>
-            </a:pPr>
-            <a:r>
-              <a:rPr lang="de-DE" altLang="zh-CN" sz="3600" b="0" i="0" dirty="0">
-                <a:effectLst/>
-                <a:latin typeface="Arial" panose="020B0604020202020204" pitchFamily="34" charset="0"/>
-              </a:rPr>
-              <a:t>Danke für Ihre Aufmerksamkeit!</a:t>
-            </a:r>
-            <a:endParaRPr kumimoji="1" lang="zh-CN" altLang="en-US" sz="3600" dirty="0" err="1">
-              <a:latin typeface="+mn-lt"/>
+            <a:endParaRPr kumimoji="0" lang="en-US" altLang="zh-CN" b="0" i="0" u="none" strike="noStrike" kern="1200" cap="none" spc="0" normalizeH="0" baseline="0" noProof="0">
+              <a:ln>
+                <a:noFill/>
+              </a:ln>
+              <a:effectLst/>
+              <a:uLnTx/>
+              <a:uFillTx/>
             </a:endParaRPr>
           </a:p>
         </p:txBody>
@@ -9975,7 +10865,7 @@
     </p:spTree>
     <p:extLst>
       <p:ext uri="{BB962C8B-B14F-4D97-AF65-F5344CB8AC3E}">
-        <p14:creationId xmlns:p14="http://schemas.microsoft.com/office/powerpoint/2010/main" val="239804028"/>
+        <p14:creationId xmlns:p14="http://schemas.microsoft.com/office/powerpoint/2010/main" val="842968039"/>
       </p:ext>
     </p:extLst>
   </p:cSld>
@@ -9985,18 +10875,12 @@
 </p:sld>
 </file>
 
-<file path=ppt/slides/slide3.xml><?xml version="1.0" encoding="utf-8"?>
+<file path=ppt/slides/slide5.xml><?xml version="1.0" encoding="utf-8"?>
 <p:sld xmlns:a="http://schemas.openxmlformats.org/drawingml/2006/main" xmlns:r="http://schemas.openxmlformats.org/officeDocument/2006/relationships" xmlns:p="http://schemas.openxmlformats.org/presentationml/2006/main">
   <p:cSld>
     <p:spTree>
       <p:nvGrpSpPr>
-        <p:cNvPr id="1" name="">
-          <a:extLst>
-            <a:ext uri="{FF2B5EF4-FFF2-40B4-BE49-F238E27FC236}">
-              <a16:creationId xmlns:a16="http://schemas.microsoft.com/office/drawing/2014/main" id="{1124EC91-C1FF-E2BB-08A0-59232687D6A1}"/>
-            </a:ext>
-          </a:extLst>
-        </p:cNvPr>
+        <p:cNvPr id="1" name=""/>
         <p:cNvGrpSpPr/>
         <p:nvPr/>
       </p:nvGrpSpPr>
@@ -10010,13 +10894,7 @@
       </p:grpSpPr>
       <p:sp>
         <p:nvSpPr>
-          <p:cNvPr id="5" name="Titel 4">
-            <a:extLst>
-              <a:ext uri="{FF2B5EF4-FFF2-40B4-BE49-F238E27FC236}">
-                <a16:creationId xmlns:a16="http://schemas.microsoft.com/office/drawing/2014/main" id="{2D894ACA-DD2D-10F5-7CFE-CC100F2D1266}"/>
-              </a:ext>
-            </a:extLst>
-          </p:cNvPr>
+          <p:cNvPr id="5" name="Titel 4"/>
           <p:cNvSpPr>
             <a:spLocks noGrp="1"/>
           </p:cNvSpPr>
@@ -10031,28 +10909,14 @@
           <a:p>
             <a:r>
               <a:rPr lang="de-DE" dirty="0"/>
-              <a:t>Inhaltsverzeichnis(</a:t>
-            </a:r>
-            <a:r>
-              <a:rPr lang="de-DE" dirty="0" err="1"/>
-              <a:t>大致</a:t>
-            </a:r>
-            <a:r>
-              <a:rPr lang="de-DE" dirty="0"/>
-              <a:t>)</a:t>
-            </a:r>
-          </a:p>
-        </p:txBody>
-      </p:sp>
-      <p:sp>
-        <p:nvSpPr>
-          <p:cNvPr id="3" name="Inhaltsplatzhalter 2">
-            <a:extLst>
-              <a:ext uri="{FF2B5EF4-FFF2-40B4-BE49-F238E27FC236}">
-                <a16:creationId xmlns:a16="http://schemas.microsoft.com/office/drawing/2014/main" id="{35B22EBF-2D1C-7971-5D43-CE8C8B52193C}"/>
-              </a:ext>
-            </a:extLst>
-          </p:cNvPr>
+              <a:t>Inhaltsverzeichnis</a:t>
+            </a:r>
+          </a:p>
+        </p:txBody>
+      </p:sp>
+      <p:sp>
+        <p:nvSpPr>
+          <p:cNvPr id="3" name="Inhaltsplatzhalter 2"/>
           <p:cNvSpPr>
             <a:spLocks noGrp="1"/>
           </p:cNvSpPr>
@@ -10078,14 +10942,34 @@
               <a:t>➔ </a:t>
             </a:r>
             <a:r>
+              <a:rPr lang="de-DE" altLang="zh-CN" dirty="0">
+                <a:latin typeface="Arial" panose="020B0604020202020204" pitchFamily="34" charset="0"/>
+              </a:rPr>
+              <a:t>Transformation von Farbbild in Schwarz-Weiß </a:t>
+            </a:r>
+          </a:p>
+          <a:p>
+            <a:r>
               <a:rPr lang="de-DE" altLang="zh-CN" b="0" i="0" dirty="0">
+                <a:effectLst/>
+                <a:latin typeface="Courier New" panose="02070309020205020404" pitchFamily="49" charset="0"/>
+              </a:rPr>
+              <a:t>➔</a:t>
+            </a:r>
+            <a:r>
+              <a:rPr lang="de-DE" altLang="zh-CN" dirty="0">
+                <a:latin typeface="Arial" panose="020B0604020202020204" pitchFamily="34" charset="0"/>
+              </a:rPr>
+              <a:t>  </a:t>
+            </a:r>
+            <a:r>
+              <a:rPr lang="de-DE" altLang="zh-CN" dirty="0">
                 <a:solidFill>
                   <a:srgbClr val="FF0000"/>
                 </a:solidFill>
-                <a:effectLst/>
                 <a:latin typeface="Arial" panose="020B0604020202020204" pitchFamily="34" charset="0"/>
               </a:rPr>
-              <a:t>Was ist ein Fraktal?</a:t>
+              <a:t>Was ist eine Gammakorrektur?</a:t>
             </a:r>
             <a:br>
               <a:rPr lang="de-DE" altLang="zh-CN" dirty="0"/>
@@ -10102,25 +10986,10 @@
                 <a:effectLst/>
                 <a:latin typeface="Arial" panose="020B0604020202020204" pitchFamily="34" charset="0"/>
               </a:rPr>
-              <a:t>Das Burning </a:t>
-            </a:r>
-            <a:r>
-              <a:rPr lang="de-DE" altLang="zh-CN" b="0" i="0" dirty="0" err="1">
-                <a:effectLst/>
-                <a:latin typeface="Arial" panose="020B0604020202020204" pitchFamily="34" charset="0"/>
-              </a:rPr>
-              <a:t>Ship</a:t>
-            </a:r>
-            <a:r>
-              <a:rPr lang="de-DE" altLang="zh-CN" b="0" i="0" dirty="0">
-                <a:effectLst/>
-                <a:latin typeface="Arial" panose="020B0604020202020204" pitchFamily="34" charset="0"/>
-              </a:rPr>
-              <a:t>-Fraktal</a:t>
-            </a:r>
-            <a:br>
-              <a:rPr lang="de-DE" altLang="zh-CN" dirty="0"/>
-            </a:br>
+              <a:t>Lösungsansatz</a:t>
+            </a:r>
+          </a:p>
+          <a:p>
             <a:r>
               <a:rPr lang="de-DE" altLang="zh-CN" b="0" i="0" dirty="0">
                 <a:effectLst/>
@@ -10129,11 +10998,11 @@
               <a:t>➔ </a:t>
             </a:r>
             <a:r>
-              <a:rPr lang="de-DE" altLang="zh-CN" b="0" i="0" dirty="0" err="1">
+              <a:rPr lang="de-DE" altLang="zh-CN" b="0" i="0" dirty="0">
                 <a:effectLst/>
                 <a:latin typeface="Arial" panose="020B0604020202020204" pitchFamily="34" charset="0"/>
               </a:rPr>
-              <a:t>Lösungansatz</a:t>
+              <a:t>Genauigkeitsanalyse</a:t>
             </a:r>
             <a:br>
               <a:rPr lang="de-DE" altLang="zh-CN" dirty="0"/>
@@ -10146,11 +11015,11 @@
               <a:t>➔ </a:t>
             </a:r>
             <a:r>
-              <a:rPr lang="de-DE" altLang="zh-CN" b="0" i="0" dirty="0" err="1">
+              <a:rPr lang="de-DE" altLang="zh-CN" b="0" i="0" dirty="0">
                 <a:effectLst/>
                 <a:latin typeface="Arial" panose="020B0604020202020204" pitchFamily="34" charset="0"/>
               </a:rPr>
-              <a:t>Performanzanalyse</a:t>
+              <a:t>Performanz Analyse</a:t>
             </a:r>
             <a:br>
               <a:rPr lang="de-DE" altLang="zh-CN" dirty="0"/>
@@ -10167,7 +11036,7 @@
                 <a:effectLst/>
                 <a:latin typeface="Arial" panose="020B0604020202020204" pitchFamily="34" charset="0"/>
               </a:rPr>
-              <a:t>Zusammenfassung und Mandelbrot-Fraktal</a:t>
+              <a:t>Zusammenfassung</a:t>
             </a:r>
             <a:br>
               <a:rPr lang="de-DE" altLang="zh-CN" dirty="0"/>
@@ -10193,7 +11062,7 @@
     </p:spTree>
     <p:extLst>
       <p:ext uri="{BB962C8B-B14F-4D97-AF65-F5344CB8AC3E}">
-        <p14:creationId xmlns:p14="http://schemas.microsoft.com/office/powerpoint/2010/main" val="134011360"/>
+        <p14:creationId xmlns:p14="http://schemas.microsoft.com/office/powerpoint/2010/main" val="3062700029"/>
       </p:ext>
     </p:extLst>
   </p:cSld>
@@ -10203,7 +11072,7 @@
 </p:sld>
 </file>
 
-<file path=ppt/slides/slide4.xml><?xml version="1.0" encoding="utf-8"?>
+<file path=ppt/slides/slide6.xml><?xml version="1.0" encoding="utf-8"?>
 <p:sld xmlns:a="http://schemas.openxmlformats.org/drawingml/2006/main" xmlns:r="http://schemas.openxmlformats.org/officeDocument/2006/relationships" xmlns:p="http://schemas.openxmlformats.org/presentationml/2006/main">
   <p:cSld>
     <p:spTree>
@@ -10285,7 +11154,7 @@
             </a:r>
             <a:r>
               <a:rPr lang="de-DE" altLang="zh-CN" dirty="0"/>
-              <a:t>ist Gammakorrektur? </a:t>
+              <a:t>ist eine Gammakorrektur? </a:t>
             </a:r>
             <a:endParaRPr lang="de-DE" dirty="0"/>
           </a:p>
@@ -10325,7 +11194,7 @@
                   <a:spcPts val="600"/>
                 </a:spcAft>
               </a:pPr>
-              <a:t>4</a:t>
+              <a:t>6</a:t>
             </a:fld>
             <a:endParaRPr lang="de-DE"/>
           </a:p>
@@ -10436,6 +11305,55 @@
           </a:extLst>
         </p:spPr>
       </p:pic>
+      <p:sp>
+        <p:nvSpPr>
+          <p:cNvPr id="2" name="文本框 1">
+            <a:extLst>
+              <a:ext uri="{FF2B5EF4-FFF2-40B4-BE49-F238E27FC236}">
+                <a16:creationId xmlns:a16="http://schemas.microsoft.com/office/drawing/2014/main" id="{00C0C980-7B7C-23C0-D966-C1195DA0C39C}"/>
+              </a:ext>
+            </a:extLst>
+          </p:cNvPr>
+          <p:cNvSpPr txBox="1"/>
+          <p:nvPr/>
+        </p:nvSpPr>
+        <p:spPr>
+          <a:xfrm>
+            <a:off x="512956" y="2297151"/>
+            <a:ext cx="3850887" cy="818686"/>
+          </a:xfrm>
+          <a:prstGeom prst="rect">
+            <a:avLst/>
+          </a:prstGeom>
+          <a:noFill/>
+        </p:spPr>
+        <p:txBody>
+          <a:bodyPr wrap="square" lIns="0" tIns="0" rIns="0" bIns="0" rtlCol="0">
+            <a:spAutoFit/>
+          </a:bodyPr>
+          <a:lstStyle/>
+          <a:p>
+            <a:pPr>
+              <a:lnSpc>
+                <a:spcPct val="114000"/>
+              </a:lnSpc>
+            </a:pPr>
+            <a:r>
+              <a:rPr lang="de-DE" altLang="zh-CN" sz="1600" b="0" i="0" dirty="0">
+                <a:solidFill>
+                  <a:srgbClr val="202122"/>
+                </a:solidFill>
+                <a:effectLst/>
+                <a:latin typeface="Arial" panose="020B0604020202020204" pitchFamily="34" charset="0"/>
+              </a:rPr>
+              <a:t>Grund: Die vom Menschen empfundene Helligkeit steigt in dunklen Bereichen steiler und in hellen weniger steil an</a:t>
+            </a:r>
+            <a:endParaRPr kumimoji="1" lang="zh-CN" altLang="en-US" sz="1600" dirty="0" err="1">
+              <a:latin typeface="+mn-lt"/>
+            </a:endParaRPr>
+          </a:p>
+        </p:txBody>
+      </p:sp>
     </p:spTree>
   </p:cSld>
   <p:clrMapOvr>
@@ -10444,7 +11362,7 @@
 </p:sld>
 </file>
 
-<file path=ppt/slides/slide5.xml><?xml version="1.0" encoding="utf-8"?>
+<file path=ppt/slides/slide7.xml><?xml version="1.0" encoding="utf-8"?>
 <p:sld xmlns:a="http://schemas.openxmlformats.org/drawingml/2006/main" xmlns:r="http://schemas.openxmlformats.org/officeDocument/2006/relationships" xmlns:p="http://schemas.openxmlformats.org/presentationml/2006/main">
   <p:cSld>
     <p:spTree>
@@ -10495,7 +11413,7 @@
           <a:p>
             <a:r>
               <a:rPr lang="de-DE" dirty="0"/>
-              <a:t>Wie funktioniert die Gamma Koeffizient</a:t>
+              <a:t>Wie funktioniert der Gamma Koeffizient?</a:t>
             </a:r>
           </a:p>
         </p:txBody>
@@ -10524,7 +11442,7 @@
             <a:fld id="{CE58CB1E-F828-4F11-99E0-327109AF9DA4}" type="slidenum">
               <a:rPr lang="de-DE" smtClean="0"/>
               <a:pPr/>
-              <a:t>5</a:t>
+              <a:t>7</a:t>
             </a:fld>
             <a:endParaRPr lang="de-DE" dirty="0"/>
           </a:p>
@@ -10833,7 +11751,7 @@
 </p:sld>
 </file>
 
-<file path=ppt/slides/slide6.xml><?xml version="1.0" encoding="utf-8"?>
+<file path=ppt/slides/slide8.xml><?xml version="1.0" encoding="utf-8"?>
 <p:sld xmlns:a="http://schemas.openxmlformats.org/drawingml/2006/main" xmlns:r="http://schemas.openxmlformats.org/officeDocument/2006/relationships" xmlns:p="http://schemas.openxmlformats.org/presentationml/2006/main">
   <p:cSld>
     <p:spTree>
@@ -10962,7 +11880,7 @@
                   <a:spcPts val="600"/>
                 </a:spcAft>
               </a:pPr>
-              <a:t>6</a:t>
+              <a:t>8</a:t>
             </a:fld>
             <a:endParaRPr lang="de-DE"/>
           </a:p>
@@ -11037,424 +11955,6 @@
     <p:extLst>
       <p:ext uri="{BB962C8B-B14F-4D97-AF65-F5344CB8AC3E}">
         <p14:creationId xmlns:p14="http://schemas.microsoft.com/office/powerpoint/2010/main" val="220597646"/>
-      </p:ext>
-    </p:extLst>
-  </p:cSld>
-  <p:clrMapOvr>
-    <a:masterClrMapping/>
-  </p:clrMapOvr>
-</p:sld>
-</file>
-
-<file path=ppt/slides/slide7.xml><?xml version="1.0" encoding="utf-8"?>
-<p:sld xmlns:a="http://schemas.openxmlformats.org/drawingml/2006/main" xmlns:r="http://schemas.openxmlformats.org/officeDocument/2006/relationships" xmlns:p="http://schemas.openxmlformats.org/presentationml/2006/main">
-  <p:cSld>
-    <p:spTree>
-      <p:nvGrpSpPr>
-        <p:cNvPr id="1" name="">
-          <a:extLst>
-            <a:ext uri="{FF2B5EF4-FFF2-40B4-BE49-F238E27FC236}">
-              <a16:creationId xmlns:a16="http://schemas.microsoft.com/office/drawing/2014/main" id="{4A01209B-CB96-2FAD-2C79-4FD349275A3B}"/>
-            </a:ext>
-          </a:extLst>
-        </p:cNvPr>
-        <p:cNvGrpSpPr/>
-        <p:nvPr/>
-      </p:nvGrpSpPr>
-      <p:grpSpPr>
-        <a:xfrm>
-          <a:off x="0" y="0"/>
-          <a:ext cx="0" cy="0"/>
-          <a:chOff x="0" y="0"/>
-          <a:chExt cx="0" cy="0"/>
-        </a:xfrm>
-      </p:grpSpPr>
-      <p:sp>
-        <p:nvSpPr>
-          <p:cNvPr id="5" name="Titel 4">
-            <a:extLst>
-              <a:ext uri="{FF2B5EF4-FFF2-40B4-BE49-F238E27FC236}">
-                <a16:creationId xmlns:a16="http://schemas.microsoft.com/office/drawing/2014/main" id="{46E2B241-4F89-BB4C-1D29-4DB0C43E1A5F}"/>
-              </a:ext>
-            </a:extLst>
-          </p:cNvPr>
-          <p:cNvSpPr>
-            <a:spLocks noGrp="1"/>
-          </p:cNvSpPr>
-          <p:nvPr>
-            <p:ph type="title"/>
-          </p:nvPr>
-        </p:nvSpPr>
-        <p:spPr/>
-        <p:txBody>
-          <a:bodyPr/>
-          <a:lstStyle/>
-          <a:p>
-            <a:r>
-              <a:rPr lang="de-DE" dirty="0"/>
-              <a:t>Inhaltsverzeichnis(</a:t>
-            </a:r>
-            <a:r>
-              <a:rPr lang="de-DE" dirty="0" err="1"/>
-              <a:t>大致</a:t>
-            </a:r>
-            <a:r>
-              <a:rPr lang="de-DE" dirty="0"/>
-              <a:t>)</a:t>
-            </a:r>
-          </a:p>
-        </p:txBody>
-      </p:sp>
-      <p:sp>
-        <p:nvSpPr>
-          <p:cNvPr id="3" name="Inhaltsplatzhalter 2">
-            <a:extLst>
-              <a:ext uri="{FF2B5EF4-FFF2-40B4-BE49-F238E27FC236}">
-                <a16:creationId xmlns:a16="http://schemas.microsoft.com/office/drawing/2014/main" id="{9A733DA4-2651-7775-17DE-12A6307BE011}"/>
-              </a:ext>
-            </a:extLst>
-          </p:cNvPr>
-          <p:cNvSpPr>
-            <a:spLocks noGrp="1"/>
-          </p:cNvSpPr>
-          <p:nvPr>
-            <p:ph idx="10"/>
-          </p:nvPr>
-        </p:nvSpPr>
-        <p:spPr>
-          <a:xfrm>
-            <a:off x="319089" y="1484039"/>
-            <a:ext cx="4438766" cy="2687461"/>
-          </a:xfrm>
-        </p:spPr>
-        <p:txBody>
-          <a:bodyPr/>
-          <a:lstStyle/>
-          <a:p>
-            <a:r>
-              <a:rPr lang="de-DE" altLang="zh-CN" b="0" i="0" dirty="0">
-                <a:effectLst/>
-                <a:latin typeface="Courier New" panose="02070309020205020404" pitchFamily="49" charset="0"/>
-              </a:rPr>
-              <a:t>➔ </a:t>
-            </a:r>
-            <a:r>
-              <a:rPr lang="de-DE" altLang="zh-CN" b="0" i="0" dirty="0">
-                <a:effectLst/>
-                <a:latin typeface="Arial" panose="020B0604020202020204" pitchFamily="34" charset="0"/>
-              </a:rPr>
-              <a:t>Was ist ein Fraktal?</a:t>
-            </a:r>
-            <a:br>
-              <a:rPr lang="de-DE" altLang="zh-CN" dirty="0"/>
-            </a:br>
-            <a:r>
-              <a:rPr lang="de-DE" altLang="zh-CN" b="0" i="0" dirty="0">
-                <a:effectLst/>
-                <a:latin typeface="Courier New" panose="02070309020205020404" pitchFamily="49" charset="0"/>
-              </a:rPr>
-              <a:t>➔ </a:t>
-            </a:r>
-            <a:r>
-              <a:rPr lang="de-DE" altLang="zh-CN" b="0" i="0" dirty="0">
-                <a:solidFill>
-                  <a:srgbClr val="FF0000"/>
-                </a:solidFill>
-                <a:effectLst/>
-                <a:latin typeface="Arial" panose="020B0604020202020204" pitchFamily="34" charset="0"/>
-              </a:rPr>
-              <a:t>Das Burning </a:t>
-            </a:r>
-            <a:r>
-              <a:rPr lang="de-DE" altLang="zh-CN" b="0" i="0" dirty="0" err="1">
-                <a:solidFill>
-                  <a:srgbClr val="FF0000"/>
-                </a:solidFill>
-                <a:effectLst/>
-                <a:latin typeface="Arial" panose="020B0604020202020204" pitchFamily="34" charset="0"/>
-              </a:rPr>
-              <a:t>Ship</a:t>
-            </a:r>
-            <a:r>
-              <a:rPr lang="de-DE" altLang="zh-CN" b="0" i="0" dirty="0">
-                <a:solidFill>
-                  <a:srgbClr val="FF0000"/>
-                </a:solidFill>
-                <a:effectLst/>
-                <a:latin typeface="Arial" panose="020B0604020202020204" pitchFamily="34" charset="0"/>
-              </a:rPr>
-              <a:t>-Fraktal</a:t>
-            </a:r>
-            <a:br>
-              <a:rPr lang="de-DE" altLang="zh-CN" dirty="0"/>
-            </a:br>
-            <a:r>
-              <a:rPr lang="de-DE" altLang="zh-CN" b="0" i="0" dirty="0">
-                <a:effectLst/>
-                <a:latin typeface="Courier New" panose="02070309020205020404" pitchFamily="49" charset="0"/>
-              </a:rPr>
-              <a:t>➔ </a:t>
-            </a:r>
-            <a:r>
-              <a:rPr lang="de-DE" altLang="zh-CN" b="0" i="0" dirty="0" err="1">
-                <a:effectLst/>
-                <a:latin typeface="Arial" panose="020B0604020202020204" pitchFamily="34" charset="0"/>
-              </a:rPr>
-              <a:t>Lösungansatz</a:t>
-            </a:r>
-            <a:br>
-              <a:rPr lang="de-DE" altLang="zh-CN" dirty="0"/>
-            </a:br>
-            <a:r>
-              <a:rPr lang="de-DE" altLang="zh-CN" b="0" i="0" dirty="0">
-                <a:effectLst/>
-                <a:latin typeface="Courier New" panose="02070309020205020404" pitchFamily="49" charset="0"/>
-              </a:rPr>
-              <a:t>➔ </a:t>
-            </a:r>
-            <a:r>
-              <a:rPr lang="de-DE" altLang="zh-CN" b="0" i="0" dirty="0" err="1">
-                <a:effectLst/>
-                <a:latin typeface="Arial" panose="020B0604020202020204" pitchFamily="34" charset="0"/>
-              </a:rPr>
-              <a:t>Performanzanalyse</a:t>
-            </a:r>
-            <a:br>
-              <a:rPr lang="de-DE" altLang="zh-CN" dirty="0"/>
-            </a:br>
-            <a:r>
-              <a:rPr lang="de-DE" altLang="zh-CN" b="0" i="0" dirty="0">
-                <a:effectLst/>
-                <a:latin typeface="Courier New" panose="02070309020205020404" pitchFamily="49" charset="0"/>
-              </a:rPr>
-              <a:t>➔ </a:t>
-            </a:r>
-            <a:r>
-              <a:rPr lang="de-DE" altLang="zh-CN" b="0" i="0" dirty="0">
-                <a:effectLst/>
-                <a:latin typeface="Arial" panose="020B0604020202020204" pitchFamily="34" charset="0"/>
-              </a:rPr>
-              <a:t>Zusammenfassung und Mandelbrot-Fraktal</a:t>
-            </a:r>
-            <a:br>
-              <a:rPr lang="de-DE" altLang="zh-CN" dirty="0"/>
-            </a:br>
-            <a:r>
-              <a:rPr lang="de-DE" altLang="zh-CN" b="0" i="0" dirty="0">
-                <a:effectLst/>
-                <a:latin typeface="Courier New" panose="02070309020205020404" pitchFamily="49" charset="0"/>
-              </a:rPr>
-              <a:t>➔ </a:t>
-            </a:r>
-            <a:r>
-              <a:rPr lang="de-DE" altLang="zh-CN" b="0" i="0" dirty="0">
-                <a:effectLst/>
-                <a:latin typeface="Arial" panose="020B0604020202020204" pitchFamily="34" charset="0"/>
-              </a:rPr>
-              <a:t>Quellenverzeichnis</a:t>
-            </a:r>
-            <a:endParaRPr lang="de-DE" dirty="0"/>
-          </a:p>
-        </p:txBody>
-      </p:sp>
-    </p:spTree>
-    <p:extLst>
-      <p:ext uri="{BB962C8B-B14F-4D97-AF65-F5344CB8AC3E}">
-        <p14:creationId xmlns:p14="http://schemas.microsoft.com/office/powerpoint/2010/main" val="2767148801"/>
-      </p:ext>
-    </p:extLst>
-  </p:cSld>
-  <p:clrMapOvr>
-    <a:masterClrMapping/>
-  </p:clrMapOvr>
-</p:sld>
-</file>
-
-<file path=ppt/slides/slide8.xml><?xml version="1.0" encoding="utf-8"?>
-<p:sld xmlns:a="http://schemas.openxmlformats.org/drawingml/2006/main" xmlns:r="http://schemas.openxmlformats.org/officeDocument/2006/relationships" xmlns:p="http://schemas.openxmlformats.org/presentationml/2006/main">
-  <p:cSld>
-    <p:spTree>
-      <p:nvGrpSpPr>
-        <p:cNvPr id="1" name="">
-          <a:extLst>
-            <a:ext uri="{FF2B5EF4-FFF2-40B4-BE49-F238E27FC236}">
-              <a16:creationId xmlns:a16="http://schemas.microsoft.com/office/drawing/2014/main" id="{DCC3F880-E803-B0DD-EF7B-0BA82D6D6BB8}"/>
-            </a:ext>
-          </a:extLst>
-        </p:cNvPr>
-        <p:cNvGrpSpPr/>
-        <p:nvPr/>
-      </p:nvGrpSpPr>
-      <p:grpSpPr>
-        <a:xfrm>
-          <a:off x="0" y="0"/>
-          <a:ext cx="0" cy="0"/>
-          <a:chOff x="0" y="0"/>
-          <a:chExt cx="0" cy="0"/>
-        </a:xfrm>
-      </p:grpSpPr>
-      <p:sp>
-        <p:nvSpPr>
-          <p:cNvPr id="2" name="Inhaltsplatzhalter 1">
-            <a:extLst>
-              <a:ext uri="{FF2B5EF4-FFF2-40B4-BE49-F238E27FC236}">
-                <a16:creationId xmlns:a16="http://schemas.microsoft.com/office/drawing/2014/main" id="{76EC368F-285F-825E-EE8D-224E43780ADF}"/>
-              </a:ext>
-            </a:extLst>
-          </p:cNvPr>
-          <p:cNvSpPr>
-            <a:spLocks noGrp="1"/>
-          </p:cNvSpPr>
-          <p:nvPr>
-            <p:ph idx="1"/>
-          </p:nvPr>
-        </p:nvSpPr>
-        <p:spPr/>
-        <p:txBody>
-          <a:bodyPr/>
-          <a:lstStyle/>
-          <a:p>
-            <a:r>
-              <a:rPr lang="de-DE" dirty="0"/>
-              <a:t>xxx</a:t>
-            </a:r>
-          </a:p>
-        </p:txBody>
-      </p:sp>
-      <p:sp>
-        <p:nvSpPr>
-          <p:cNvPr id="3" name="Titel 2">
-            <a:extLst>
-              <a:ext uri="{FF2B5EF4-FFF2-40B4-BE49-F238E27FC236}">
-                <a16:creationId xmlns:a16="http://schemas.microsoft.com/office/drawing/2014/main" id="{3BC7B4EA-A66C-B206-995E-5BDCA0A5E3BE}"/>
-              </a:ext>
-            </a:extLst>
-          </p:cNvPr>
-          <p:cNvSpPr>
-            <a:spLocks noGrp="1"/>
-          </p:cNvSpPr>
-          <p:nvPr>
-            <p:ph type="title"/>
-          </p:nvPr>
-        </p:nvSpPr>
-        <p:spPr>
-          <a:xfrm>
-            <a:off x="319090" y="972000"/>
-            <a:ext cx="8508999" cy="380745"/>
-          </a:xfrm>
-        </p:spPr>
-        <p:txBody>
-          <a:bodyPr/>
-          <a:lstStyle/>
-          <a:p>
-            <a:r>
-              <a:rPr lang="de-DE" dirty="0"/>
-              <a:t>Was</a:t>
-            </a:r>
-            <a:r>
-              <a:rPr lang="zh-CN" altLang="en-US" dirty="0"/>
-              <a:t> </a:t>
-            </a:r>
-            <a:r>
-              <a:rPr lang="de-DE" altLang="zh-CN" dirty="0"/>
-              <a:t>ist</a:t>
-            </a:r>
-            <a:endParaRPr lang="de-DE" dirty="0"/>
-          </a:p>
-        </p:txBody>
-      </p:sp>
-      <p:sp>
-        <p:nvSpPr>
-          <p:cNvPr id="4" name="Foliennummernplatzhalter 3">
-            <a:extLst>
-              <a:ext uri="{FF2B5EF4-FFF2-40B4-BE49-F238E27FC236}">
-                <a16:creationId xmlns:a16="http://schemas.microsoft.com/office/drawing/2014/main" id="{B8C7251E-E428-1F74-F52E-DE6949D29E27}"/>
-              </a:ext>
-            </a:extLst>
-          </p:cNvPr>
-          <p:cNvSpPr>
-            <a:spLocks noGrp="1"/>
-          </p:cNvSpPr>
-          <p:nvPr>
-            <p:ph type="sldNum" sz="quarter" idx="11"/>
-          </p:nvPr>
-        </p:nvSpPr>
-        <p:spPr/>
-        <p:txBody>
-          <a:bodyPr/>
-          <a:lstStyle/>
-          <a:p>
-            <a:fld id="{CE58CB1E-F828-4F11-99E0-327109AF9DA4}" type="slidenum">
-              <a:rPr lang="de-DE" smtClean="0"/>
-              <a:pPr/>
-              <a:t>8</a:t>
-            </a:fld>
-            <a:endParaRPr lang="de-DE" dirty="0"/>
-          </a:p>
-        </p:txBody>
-      </p:sp>
-      <p:sp>
-        <p:nvSpPr>
-          <p:cNvPr id="7" name="Fußzeilenplatzhalter 4">
-            <a:extLst>
-              <a:ext uri="{FF2B5EF4-FFF2-40B4-BE49-F238E27FC236}">
-                <a16:creationId xmlns:a16="http://schemas.microsoft.com/office/drawing/2014/main" id="{D26A322C-DEF5-4D93-3482-6CB1C7198C71}"/>
-              </a:ext>
-            </a:extLst>
-          </p:cNvPr>
-          <p:cNvSpPr>
-            <a:spLocks noGrp="1"/>
-          </p:cNvSpPr>
-          <p:nvPr>
-            <p:ph type="ftr" sz="quarter" idx="12"/>
-          </p:nvPr>
-        </p:nvSpPr>
-        <p:spPr/>
-        <p:txBody>
-          <a:bodyPr/>
-          <a:lstStyle/>
-          <a:p>
-            <a:pPr>
-              <a:spcAft>
-                <a:spcPts val="600"/>
-              </a:spcAft>
-            </a:pPr>
-            <a:r>
-              <a:rPr lang="de-DE" altLang="zh-CN" dirty="0"/>
-              <a:t>GRA Team 140 | Tianhao </a:t>
-            </a:r>
-            <a:r>
-              <a:rPr lang="de-DE" altLang="zh-CN" dirty="0" err="1"/>
-              <a:t>Gu</a:t>
-            </a:r>
-            <a:r>
-              <a:rPr lang="de-DE" altLang="zh-CN" dirty="0"/>
-              <a:t> | </a:t>
-            </a:r>
-            <a:r>
-              <a:rPr lang="de-DE" altLang="zh-CN" dirty="0" err="1"/>
-              <a:t>Zhongfang</a:t>
-            </a:r>
-            <a:r>
-              <a:rPr lang="de-DE" altLang="zh-CN" dirty="0"/>
-              <a:t> Wang | Julien </a:t>
-            </a:r>
-            <a:r>
-              <a:rPr lang="de-DE" altLang="zh-CN" dirty="0" err="1"/>
-              <a:t>Escaig</a:t>
-            </a:r>
-            <a:r>
-              <a:rPr lang="de-DE" altLang="zh-CN" dirty="0"/>
-              <a:t> </a:t>
-            </a:r>
-            <a:endParaRPr lang="en-US" altLang="zh-CN" dirty="0"/>
-          </a:p>
-        </p:txBody>
-      </p:sp>
-    </p:spTree>
-    <p:extLst>
-      <p:ext uri="{BB962C8B-B14F-4D97-AF65-F5344CB8AC3E}">
-        <p14:creationId xmlns:p14="http://schemas.microsoft.com/office/powerpoint/2010/main" val="3761969468"/>
       </p:ext>
     </p:extLst>
   </p:cSld>
@@ -11469,13 +11969,7 @@
   <p:cSld>
     <p:spTree>
       <p:nvGrpSpPr>
-        <p:cNvPr id="1" name="">
-          <a:extLst>
-            <a:ext uri="{FF2B5EF4-FFF2-40B4-BE49-F238E27FC236}">
-              <a16:creationId xmlns:a16="http://schemas.microsoft.com/office/drawing/2014/main" id="{74BF6684-CDF0-7C35-9665-81D9BFCB9E8A}"/>
-            </a:ext>
-          </a:extLst>
-        </p:cNvPr>
+        <p:cNvPr id="1" name=""/>
         <p:cNvGrpSpPr/>
         <p:nvPr/>
       </p:nvGrpSpPr>
@@ -11489,41 +11983,7 @@
       </p:grpSpPr>
       <p:sp>
         <p:nvSpPr>
-          <p:cNvPr id="2" name="Inhaltsplatzhalter 1">
-            <a:extLst>
-              <a:ext uri="{FF2B5EF4-FFF2-40B4-BE49-F238E27FC236}">
-                <a16:creationId xmlns:a16="http://schemas.microsoft.com/office/drawing/2014/main" id="{2EEC1CBA-09D0-2140-7C55-AE3D26443073}"/>
-              </a:ext>
-            </a:extLst>
-          </p:cNvPr>
-          <p:cNvSpPr>
-            <a:spLocks noGrp="1"/>
-          </p:cNvSpPr>
-          <p:nvPr>
-            <p:ph idx="1"/>
-          </p:nvPr>
-        </p:nvSpPr>
-        <p:spPr/>
-        <p:txBody>
-          <a:bodyPr/>
-          <a:lstStyle/>
-          <a:p>
-            <a:r>
-              <a:rPr lang="de-DE" dirty="0"/>
-              <a:t>xxx</a:t>
-            </a:r>
-          </a:p>
-        </p:txBody>
-      </p:sp>
-      <p:sp>
-        <p:nvSpPr>
-          <p:cNvPr id="3" name="Titel 2">
-            <a:extLst>
-              <a:ext uri="{FF2B5EF4-FFF2-40B4-BE49-F238E27FC236}">
-                <a16:creationId xmlns:a16="http://schemas.microsoft.com/office/drawing/2014/main" id="{4D61D0F0-156A-5742-568D-42D60F94078B}"/>
-              </a:ext>
-            </a:extLst>
-          </p:cNvPr>
+          <p:cNvPr id="5" name="Titel 4"/>
           <p:cNvSpPr>
             <a:spLocks noGrp="1"/>
           </p:cNvSpPr>
@@ -11531,124 +11991,161 @@
             <p:ph type="title"/>
           </p:nvPr>
         </p:nvSpPr>
-        <p:spPr>
-          <a:xfrm>
-            <a:off x="319090" y="972000"/>
-            <a:ext cx="8508999" cy="380745"/>
-          </a:xfrm>
-        </p:spPr>
+        <p:spPr/>
         <p:txBody>
           <a:bodyPr/>
           <a:lstStyle/>
           <a:p>
             <a:r>
               <a:rPr lang="de-DE" dirty="0"/>
-              <a:t>Was</a:t>
-            </a:r>
-            <a:r>
-              <a:rPr lang="zh-CN" altLang="en-US" dirty="0"/>
-              <a:t> </a:t>
-            </a:r>
-            <a:r>
-              <a:rPr lang="de-DE" altLang="zh-CN" dirty="0"/>
-              <a:t>ist</a:t>
-            </a:r>
-            <a:endParaRPr lang="de-DE" dirty="0"/>
-          </a:p>
-        </p:txBody>
-      </p:sp>
-      <p:sp>
-        <p:nvSpPr>
-          <p:cNvPr id="4" name="Foliennummernplatzhalter 3">
-            <a:extLst>
-              <a:ext uri="{FF2B5EF4-FFF2-40B4-BE49-F238E27FC236}">
-                <a16:creationId xmlns:a16="http://schemas.microsoft.com/office/drawing/2014/main" id="{F7681EF8-2B90-A5B7-0660-3A1F4D78DCF6}"/>
-              </a:ext>
-            </a:extLst>
-          </p:cNvPr>
+              <a:t>Inhaltsverzeichnis</a:t>
+            </a:r>
+          </a:p>
+        </p:txBody>
+      </p:sp>
+      <p:sp>
+        <p:nvSpPr>
+          <p:cNvPr id="3" name="Inhaltsplatzhalter 2"/>
           <p:cNvSpPr>
             <a:spLocks noGrp="1"/>
           </p:cNvSpPr>
           <p:nvPr>
-            <p:ph type="sldNum" sz="quarter" idx="11"/>
+            <p:ph idx="10"/>
           </p:nvPr>
         </p:nvSpPr>
-        <p:spPr/>
+        <p:spPr>
+          <a:xfrm>
+            <a:off x="319089" y="1484039"/>
+            <a:ext cx="4438766" cy="2687461"/>
+          </a:xfrm>
+        </p:spPr>
         <p:txBody>
           <a:bodyPr/>
           <a:lstStyle/>
           <a:p>
-            <a:fld id="{CE58CB1E-F828-4F11-99E0-327109AF9DA4}" type="slidenum">
-              <a:rPr lang="de-DE" smtClean="0"/>
-              <a:pPr/>
-              <a:t>9</a:t>
-            </a:fld>
+            <a:r>
+              <a:rPr lang="de-DE" altLang="zh-CN" b="0" i="0" dirty="0">
+                <a:effectLst/>
+                <a:latin typeface="Courier New" panose="02070309020205020404" pitchFamily="49" charset="0"/>
+              </a:rPr>
+              <a:t>➔ </a:t>
+            </a:r>
+            <a:r>
+              <a:rPr lang="de-DE" altLang="zh-CN" dirty="0">
+                <a:latin typeface="Arial" panose="020B0604020202020204" pitchFamily="34" charset="0"/>
+              </a:rPr>
+              <a:t>Transformation von Farbbild in Schwarz-Weiß </a:t>
+            </a:r>
+          </a:p>
+          <a:p>
+            <a:r>
+              <a:rPr lang="de-DE" altLang="zh-CN" b="0" i="0" dirty="0">
+                <a:effectLst/>
+                <a:latin typeface="Courier New" panose="02070309020205020404" pitchFamily="49" charset="0"/>
+              </a:rPr>
+              <a:t>➔</a:t>
+            </a:r>
+            <a:r>
+              <a:rPr lang="de-DE" altLang="zh-CN" dirty="0">
+                <a:latin typeface="Arial" panose="020B0604020202020204" pitchFamily="34" charset="0"/>
+              </a:rPr>
+              <a:t>  Was ist eine Gammakorrektur?</a:t>
+            </a:r>
+            <a:br>
+              <a:rPr lang="de-DE" altLang="zh-CN" dirty="0"/>
+            </a:br>
+            <a:r>
+              <a:rPr lang="de-DE" altLang="zh-CN" b="0" i="0" dirty="0">
+                <a:effectLst/>
+                <a:latin typeface="Courier New" panose="02070309020205020404" pitchFamily="49" charset="0"/>
+              </a:rPr>
+              <a:t>➔ </a:t>
+            </a:r>
+            <a:r>
+              <a:rPr lang="de-DE" altLang="zh-CN" b="0" i="0" dirty="0">
+                <a:solidFill>
+                  <a:srgbClr val="FF0000"/>
+                </a:solidFill>
+                <a:effectLst/>
+                <a:latin typeface="Arial" panose="020B0604020202020204" pitchFamily="34" charset="0"/>
+              </a:rPr>
+              <a:t>Lösungsansatz</a:t>
+            </a:r>
+          </a:p>
+          <a:p>
+            <a:r>
+              <a:rPr lang="de-DE" altLang="zh-CN" b="0" i="0" dirty="0">
+                <a:effectLst/>
+                <a:latin typeface="Courier New" panose="02070309020205020404" pitchFamily="49" charset="0"/>
+              </a:rPr>
+              <a:t>➔ </a:t>
+            </a:r>
+            <a:r>
+              <a:rPr lang="de-DE" altLang="zh-CN" b="0" i="0" dirty="0">
+                <a:effectLst/>
+                <a:latin typeface="Arial" panose="020B0604020202020204" pitchFamily="34" charset="0"/>
+              </a:rPr>
+              <a:t>Genauigkeitsanalyse</a:t>
+            </a:r>
+            <a:br>
+              <a:rPr lang="de-DE" altLang="zh-CN" dirty="0"/>
+            </a:br>
+            <a:r>
+              <a:rPr lang="de-DE" altLang="zh-CN" b="0" i="0" dirty="0">
+                <a:effectLst/>
+                <a:latin typeface="Courier New" panose="02070309020205020404" pitchFamily="49" charset="0"/>
+              </a:rPr>
+              <a:t>➔ </a:t>
+            </a:r>
+            <a:r>
+              <a:rPr lang="de-DE" altLang="zh-CN" b="0" i="0" dirty="0">
+                <a:effectLst/>
+                <a:latin typeface="Arial" panose="020B0604020202020204" pitchFamily="34" charset="0"/>
+              </a:rPr>
+              <a:t>Performanz Analyse</a:t>
+            </a:r>
+            <a:br>
+              <a:rPr lang="de-DE" altLang="zh-CN" dirty="0"/>
+            </a:br>
+            <a:r>
+              <a:rPr lang="de-DE" altLang="zh-CN" b="0" i="0" dirty="0">
+                <a:effectLst/>
+                <a:latin typeface="Courier New" panose="02070309020205020404" pitchFamily="49" charset="0"/>
+              </a:rPr>
+              <a:t>➔ </a:t>
+            </a:r>
+            <a:r>
+              <a:rPr lang="de-DE" altLang="zh-CN" b="0" i="0" dirty="0">
+                <a:effectLst/>
+                <a:latin typeface="Arial" panose="020B0604020202020204" pitchFamily="34" charset="0"/>
+              </a:rPr>
+              <a:t>Zusammenfassung</a:t>
+            </a:r>
+            <a:br>
+              <a:rPr lang="de-DE" altLang="zh-CN" dirty="0"/>
+            </a:br>
+            <a:r>
+              <a:rPr lang="de-DE" altLang="zh-CN" b="0" i="0" dirty="0">
+                <a:effectLst/>
+                <a:latin typeface="Courier New" panose="02070309020205020404" pitchFamily="49" charset="0"/>
+              </a:rPr>
+              <a:t>➔ </a:t>
+            </a:r>
+            <a:r>
+              <a:rPr lang="de-DE" altLang="zh-CN" b="0" i="0" dirty="0">
+                <a:effectLst/>
+                <a:latin typeface="Arial" panose="020B0604020202020204" pitchFamily="34" charset="0"/>
+              </a:rPr>
+              <a:t>Quellenverzeichnis</a:t>
+            </a:r>
             <a:endParaRPr lang="de-DE" dirty="0"/>
-          </a:p>
-        </p:txBody>
-      </p:sp>
-      <p:sp>
-        <p:nvSpPr>
-          <p:cNvPr id="7" name="Fußzeilenplatzhalter 4">
-            <a:extLst>
-              <a:ext uri="{FF2B5EF4-FFF2-40B4-BE49-F238E27FC236}">
-                <a16:creationId xmlns:a16="http://schemas.microsoft.com/office/drawing/2014/main" id="{41061764-3815-46E6-6918-668B91EBB50A}"/>
-              </a:ext>
-            </a:extLst>
-          </p:cNvPr>
-          <p:cNvSpPr>
-            <a:spLocks noGrp="1"/>
-          </p:cNvSpPr>
-          <p:nvPr>
-            <p:ph type="ftr" sz="quarter" idx="12"/>
-          </p:nvPr>
-        </p:nvSpPr>
-        <p:spPr/>
-        <p:txBody>
-          <a:bodyPr/>
-          <a:lstStyle/>
-          <a:p>
-            <a:pPr>
-              <a:spcAft>
-                <a:spcPts val="600"/>
-              </a:spcAft>
-            </a:pPr>
-            <a:r>
-              <a:rPr lang="de-DE" altLang="zh-CN" dirty="0"/>
-              <a:t>GRA Team 140 | Tianhao </a:t>
-            </a:r>
-            <a:r>
-              <a:rPr lang="de-DE" altLang="zh-CN" dirty="0" err="1"/>
-              <a:t>Gu</a:t>
-            </a:r>
-            <a:r>
-              <a:rPr lang="de-DE" altLang="zh-CN" dirty="0"/>
-              <a:t> | </a:t>
-            </a:r>
-            <a:r>
-              <a:rPr lang="de-DE" altLang="zh-CN" dirty="0" err="1"/>
-              <a:t>Zhongfang</a:t>
-            </a:r>
-            <a:r>
-              <a:rPr lang="de-DE" altLang="zh-CN" dirty="0"/>
-              <a:t> Wang | Julien </a:t>
-            </a:r>
-            <a:r>
-              <a:rPr lang="de-DE" altLang="zh-CN" dirty="0" err="1"/>
-              <a:t>Escaig</a:t>
-            </a:r>
-            <a:r>
-              <a:rPr lang="de-DE" altLang="zh-CN" dirty="0"/>
-              <a:t> </a:t>
-            </a:r>
-            <a:endParaRPr lang="en-US" altLang="zh-CN" dirty="0"/>
           </a:p>
         </p:txBody>
       </p:sp>
     </p:spTree>
     <p:extLst>
       <p:ext uri="{BB962C8B-B14F-4D97-AF65-F5344CB8AC3E}">
-        <p14:creationId xmlns:p14="http://schemas.microsoft.com/office/powerpoint/2010/main" val="1093444431"/>
+        <p14:creationId xmlns:p14="http://schemas.microsoft.com/office/powerpoint/2010/main" val="4154029153"/>
       </p:ext>
     </p:extLst>
   </p:cSld>

--- a/Vortrag/Vortrag.pptx
+++ b/Vortrag/Vortrag.pptx
@@ -10,10 +10,10 @@
     <p:sldMasterId id="2147483697" r:id="rId6"/>
   </p:sldMasterIdLst>
   <p:notesMasterIdLst>
-    <p:notesMasterId r:id="rId26"/>
+    <p:notesMasterId r:id="rId28"/>
   </p:notesMasterIdLst>
   <p:handoutMasterIdLst>
-    <p:handoutMasterId r:id="rId27"/>
+    <p:handoutMasterId r:id="rId29"/>
   </p:handoutMasterIdLst>
   <p:sldIdLst>
     <p:sldId id="355" r:id="rId7"/>
@@ -23,18 +23,20 @@
     <p:sldId id="388" r:id="rId11"/>
     <p:sldId id="369" r:id="rId12"/>
     <p:sldId id="370" r:id="rId13"/>
-    <p:sldId id="371" r:id="rId14"/>
-    <p:sldId id="393" r:id="rId15"/>
-    <p:sldId id="372" r:id="rId16"/>
-    <p:sldId id="394" r:id="rId17"/>
-    <p:sldId id="375" r:id="rId18"/>
-    <p:sldId id="376" r:id="rId19"/>
+    <p:sldId id="393" r:id="rId14"/>
+    <p:sldId id="372" r:id="rId15"/>
+    <p:sldId id="394" r:id="rId16"/>
+    <p:sldId id="375" r:id="rId17"/>
+    <p:sldId id="376" r:id="rId18"/>
+    <p:sldId id="397" r:id="rId19"/>
     <p:sldId id="391" r:id="rId20"/>
     <p:sldId id="377" r:id="rId21"/>
-    <p:sldId id="392" r:id="rId22"/>
-    <p:sldId id="378" r:id="rId23"/>
-    <p:sldId id="384" r:id="rId24"/>
-    <p:sldId id="385" r:id="rId25"/>
+    <p:sldId id="395" r:id="rId22"/>
+    <p:sldId id="396" r:id="rId23"/>
+    <p:sldId id="392" r:id="rId24"/>
+    <p:sldId id="378" r:id="rId25"/>
+    <p:sldId id="384" r:id="rId26"/>
+    <p:sldId id="385" r:id="rId27"/>
   </p:sldIdLst>
   <p:sldSz cx="9144000" cy="5143500" type="screen16x9"/>
   <p:notesSz cx="9925050" cy="6665913"/>
@@ -310,7 +312,7 @@
               <a:pPr>
                 <a:defRPr/>
               </a:pPr>
-              <a:t>31/01/2024</a:t>
+              <a:t>03/02/2024</a:t>
             </a:fld>
             <a:endParaRPr lang="en-GB" dirty="0"/>
           </a:p>
@@ -529,7 +531,7 @@
               <a:pPr>
                 <a:defRPr/>
               </a:pPr>
-              <a:t>31/01/2024</a:t>
+              <a:t>03/02/2024</a:t>
             </a:fld>
             <a:endParaRPr lang="en-GB"/>
           </a:p>
@@ -7529,8 +7531,8 @@
         </p:nvSpPr>
         <p:spPr>
           <a:xfrm>
-            <a:off x="319089" y="2141035"/>
-            <a:ext cx="1294122" cy="1278672"/>
+            <a:off x="319088" y="2141035"/>
+            <a:ext cx="1911155" cy="1278672"/>
           </a:xfrm>
         </p:spPr>
         <p:txBody>
@@ -7543,6 +7545,10 @@
             </a:r>
           </a:p>
           <a:p>
+            <a:pPr marL="171450" indent="-171450">
+              <a:buFont typeface="Arial" panose="020B0604020202020204" pitchFamily="34" charset="0"/>
+              <a:buChar char="•"/>
+            </a:pPr>
             <a:r>
               <a:rPr lang="de-DE" sz="1200" dirty="0"/>
               <a:t>Tianhao </a:t>
@@ -7554,6 +7560,10 @@
             <a:endParaRPr lang="de-DE" sz="1200" dirty="0"/>
           </a:p>
           <a:p>
+            <a:pPr marL="171450" indent="-171450">
+              <a:buFont typeface="Arial" panose="020B0604020202020204" pitchFamily="34" charset="0"/>
+              <a:buChar char="•"/>
+            </a:pPr>
             <a:r>
               <a:rPr lang="de-DE" sz="1200" dirty="0" err="1"/>
               <a:t>Zhongfang</a:t>
@@ -7564,6 +7574,10 @@
             </a:r>
           </a:p>
           <a:p>
+            <a:pPr marL="171450" indent="-171450">
+              <a:buFont typeface="Arial" panose="020B0604020202020204" pitchFamily="34" charset="0"/>
+              <a:buChar char="•"/>
+            </a:pPr>
             <a:r>
               <a:rPr lang="de-DE" sz="1200" dirty="0"/>
               <a:t>Julien </a:t>
@@ -7592,10 +7606,201 @@
   <p:cSld>
     <p:spTree>
       <p:nvGrpSpPr>
+        <p:cNvPr id="1" name=""/>
+        <p:cNvGrpSpPr/>
+        <p:nvPr/>
+      </p:nvGrpSpPr>
+      <p:grpSpPr>
+        <a:xfrm>
+          <a:off x="0" y="0"/>
+          <a:ext cx="0" cy="0"/>
+          <a:chOff x="0" y="0"/>
+          <a:chExt cx="0" cy="0"/>
+        </a:xfrm>
+      </p:grpSpPr>
+      <p:sp>
+        <p:nvSpPr>
+          <p:cNvPr id="5" name="Titel 4"/>
+          <p:cNvSpPr>
+            <a:spLocks noGrp="1"/>
+          </p:cNvSpPr>
+          <p:nvPr>
+            <p:ph type="title"/>
+          </p:nvPr>
+        </p:nvSpPr>
+        <p:spPr/>
+        <p:txBody>
+          <a:bodyPr/>
+          <a:lstStyle/>
+          <a:p>
+            <a:r>
+              <a:rPr lang="de-DE" dirty="0"/>
+              <a:t>Inhaltsverzeichnis</a:t>
+            </a:r>
+          </a:p>
+        </p:txBody>
+      </p:sp>
+      <p:sp>
+        <p:nvSpPr>
+          <p:cNvPr id="3" name="Inhaltsplatzhalter 2"/>
+          <p:cNvSpPr>
+            <a:spLocks noGrp="1"/>
+          </p:cNvSpPr>
+          <p:nvPr>
+            <p:ph idx="10"/>
+          </p:nvPr>
+        </p:nvSpPr>
+        <p:spPr>
+          <a:xfrm>
+            <a:off x="319089" y="1484039"/>
+            <a:ext cx="4438766" cy="2687461"/>
+          </a:xfrm>
+        </p:spPr>
+        <p:txBody>
+          <a:bodyPr/>
+          <a:lstStyle/>
+          <a:p>
+            <a:r>
+              <a:rPr lang="de-DE" altLang="zh-CN" b="0" i="0" dirty="0">
+                <a:effectLst/>
+                <a:latin typeface="Courier New" panose="02070309020205020404" pitchFamily="49" charset="0"/>
+              </a:rPr>
+              <a:t>➔ </a:t>
+            </a:r>
+            <a:r>
+              <a:rPr lang="de-DE" altLang="zh-CN" dirty="0">
+                <a:latin typeface="Arial" panose="020B0604020202020204" pitchFamily="34" charset="0"/>
+              </a:rPr>
+              <a:t>Transformation von Farbbild in Schwarz-Weiß </a:t>
+            </a:r>
+          </a:p>
+          <a:p>
+            <a:r>
+              <a:rPr lang="de-DE" altLang="zh-CN" b="0" i="0" dirty="0">
+                <a:effectLst/>
+                <a:latin typeface="Courier New" panose="02070309020205020404" pitchFamily="49" charset="0"/>
+              </a:rPr>
+              <a:t>➔</a:t>
+            </a:r>
+            <a:r>
+              <a:rPr lang="de-DE" altLang="zh-CN" dirty="0">
+                <a:latin typeface="Arial" panose="020B0604020202020204" pitchFamily="34" charset="0"/>
+              </a:rPr>
+              <a:t>  Was ist eine Gammakorrektur?</a:t>
+            </a:r>
+            <a:br>
+              <a:rPr lang="de-DE" altLang="zh-CN" dirty="0"/>
+            </a:br>
+            <a:r>
+              <a:rPr lang="de-DE" altLang="zh-CN" b="0" i="0" dirty="0">
+                <a:effectLst/>
+                <a:latin typeface="Courier New" panose="02070309020205020404" pitchFamily="49" charset="0"/>
+              </a:rPr>
+              <a:t>➔ </a:t>
+            </a:r>
+            <a:r>
+              <a:rPr lang="de-DE" altLang="zh-CN" b="0" i="0" dirty="0">
+                <a:effectLst/>
+                <a:latin typeface="Arial" panose="020B0604020202020204" pitchFamily="34" charset="0"/>
+              </a:rPr>
+              <a:t>Lösungsansatz</a:t>
+            </a:r>
+          </a:p>
+          <a:p>
+            <a:r>
+              <a:rPr lang="de-DE" altLang="zh-CN" b="0" i="0" dirty="0">
+                <a:effectLst/>
+                <a:latin typeface="Courier New" panose="02070309020205020404" pitchFamily="49" charset="0"/>
+              </a:rPr>
+              <a:t>➔ </a:t>
+            </a:r>
+            <a:r>
+              <a:rPr lang="de-DE" altLang="zh-CN" b="0" i="0" dirty="0">
+                <a:solidFill>
+                  <a:srgbClr val="FF0000"/>
+                </a:solidFill>
+                <a:effectLst/>
+                <a:latin typeface="Arial" panose="020B0604020202020204" pitchFamily="34" charset="0"/>
+              </a:rPr>
+              <a:t>Genauigkeitsanalyse</a:t>
+            </a:r>
+            <a:br>
+              <a:rPr lang="de-DE" altLang="zh-CN" dirty="0"/>
+            </a:br>
+            <a:r>
+              <a:rPr lang="de-DE" altLang="zh-CN" b="0" i="0" dirty="0">
+                <a:effectLst/>
+                <a:latin typeface="Courier New" panose="02070309020205020404" pitchFamily="49" charset="0"/>
+              </a:rPr>
+              <a:t>➔ </a:t>
+            </a:r>
+            <a:r>
+              <a:rPr lang="de-DE" altLang="zh-CN" b="0" i="0" dirty="0">
+                <a:effectLst/>
+                <a:latin typeface="Arial" panose="020B0604020202020204" pitchFamily="34" charset="0"/>
+              </a:rPr>
+              <a:t>Performanz Analyse</a:t>
+            </a:r>
+            <a:br>
+              <a:rPr lang="de-DE" altLang="zh-CN" dirty="0"/>
+            </a:br>
+            <a:r>
+              <a:rPr lang="de-DE" altLang="zh-CN" b="0" i="0" dirty="0">
+                <a:effectLst/>
+                <a:latin typeface="Courier New" panose="02070309020205020404" pitchFamily="49" charset="0"/>
+              </a:rPr>
+              <a:t>➔ </a:t>
+            </a:r>
+            <a:r>
+              <a:rPr lang="de-DE" altLang="zh-CN" b="0" i="0" dirty="0">
+                <a:effectLst/>
+                <a:latin typeface="Arial" panose="020B0604020202020204" pitchFamily="34" charset="0"/>
+              </a:rPr>
+              <a:t>Zusammenfassung</a:t>
+            </a:r>
+            <a:br>
+              <a:rPr lang="de-DE" altLang="zh-CN" dirty="0"/>
+            </a:br>
+            <a:r>
+              <a:rPr lang="de-DE" altLang="zh-CN" b="0" i="0" dirty="0">
+                <a:effectLst/>
+                <a:latin typeface="Courier New" panose="02070309020205020404" pitchFamily="49" charset="0"/>
+              </a:rPr>
+              <a:t>➔ </a:t>
+            </a:r>
+            <a:r>
+              <a:rPr lang="de-DE" altLang="zh-CN" b="0" i="0" dirty="0">
+                <a:effectLst/>
+                <a:latin typeface="Arial" panose="020B0604020202020204" pitchFamily="34" charset="0"/>
+              </a:rPr>
+              <a:t>Quellenverzeichnis</a:t>
+            </a:r>
+            <a:endParaRPr lang="de-DE" dirty="0"/>
+          </a:p>
+        </p:txBody>
+      </p:sp>
+    </p:spTree>
+    <p:extLst>
+      <p:ext uri="{BB962C8B-B14F-4D97-AF65-F5344CB8AC3E}">
+        <p14:creationId xmlns:p14="http://schemas.microsoft.com/office/powerpoint/2010/main" val="2457378019"/>
+      </p:ext>
+    </p:extLst>
+  </p:cSld>
+  <p:clrMapOvr>
+    <a:masterClrMapping/>
+  </p:clrMapOvr>
+</p:sld>
+</file>
+
+<file path=ppt/slides/slide11.xml><?xml version="1.0" encoding="utf-8"?>
+<p:sld xmlns:a="http://schemas.openxmlformats.org/drawingml/2006/main" xmlns:r="http://schemas.openxmlformats.org/officeDocument/2006/relationships" xmlns:p="http://schemas.openxmlformats.org/presentationml/2006/main">
+  <p:cSld>
+    <p:spTree>
+      <p:nvGrpSpPr>
         <p:cNvPr id="1" name="">
           <a:extLst>
             <a:ext uri="{FF2B5EF4-FFF2-40B4-BE49-F238E27FC236}">
-              <a16:creationId xmlns:a16="http://schemas.microsoft.com/office/drawing/2014/main" id="{DCC3F880-E803-B0DD-EF7B-0BA82D6D6BB8}"/>
+              <a16:creationId xmlns:a16="http://schemas.microsoft.com/office/drawing/2014/main" id="{56C4EA9F-72F5-C8E7-1350-CDC8EFA01C0F}"/>
             </a:ext>
           </a:extLst>
         </p:cNvPr>
@@ -7612,10 +7817,43 @@
       </p:grpSpPr>
       <p:sp>
         <p:nvSpPr>
+          <p:cNvPr id="2" name="Inhaltsplatzhalter 1">
+            <a:extLst>
+              <a:ext uri="{FF2B5EF4-FFF2-40B4-BE49-F238E27FC236}">
+                <a16:creationId xmlns:a16="http://schemas.microsoft.com/office/drawing/2014/main" id="{F3DA3F9B-8309-AC89-F554-B966105A7759}"/>
+              </a:ext>
+            </a:extLst>
+          </p:cNvPr>
+          <p:cNvSpPr>
+            <a:spLocks noGrp="1"/>
+          </p:cNvSpPr>
+          <p:nvPr>
+            <p:ph idx="1"/>
+          </p:nvPr>
+        </p:nvSpPr>
+        <p:spPr>
+          <a:xfrm>
+            <a:off x="319090" y="4315080"/>
+            <a:ext cx="8508999" cy="380745"/>
+          </a:xfrm>
+        </p:spPr>
+        <p:txBody>
+          <a:bodyPr/>
+          <a:lstStyle/>
+          <a:p>
+            <a:r>
+              <a:rPr lang="de-DE" dirty="0"/>
+              <a:t>Mit dem menschlichen Auge nicht zu unterscheiden. Auf Datenebene aber kleine Abweichungen!</a:t>
+            </a:r>
+          </a:p>
+        </p:txBody>
+      </p:sp>
+      <p:sp>
+        <p:nvSpPr>
           <p:cNvPr id="3" name="Titel 2">
             <a:extLst>
               <a:ext uri="{FF2B5EF4-FFF2-40B4-BE49-F238E27FC236}">
-                <a16:creationId xmlns:a16="http://schemas.microsoft.com/office/drawing/2014/main" id="{3BC7B4EA-A66C-B206-995E-5BDCA0A5E3BE}"/>
+                <a16:creationId xmlns:a16="http://schemas.microsoft.com/office/drawing/2014/main" id="{9F73F4E9-3499-B7E0-828C-C270522894AC}"/>
               </a:ext>
             </a:extLst>
           </p:cNvPr>
@@ -7638,7 +7876,7 @@
           <a:p>
             <a:r>
               <a:rPr lang="de-DE" dirty="0"/>
-              <a:t>Lösungsansatz</a:t>
+              <a:t>Genauigkeitsanalyse </a:t>
             </a:r>
           </a:p>
         </p:txBody>
@@ -7648,7 +7886,7 @@
           <p:cNvPr id="4" name="Foliennummernplatzhalter 3">
             <a:extLst>
               <a:ext uri="{FF2B5EF4-FFF2-40B4-BE49-F238E27FC236}">
-                <a16:creationId xmlns:a16="http://schemas.microsoft.com/office/drawing/2014/main" id="{B8C7251E-E428-1F74-F52E-DE6949D29E27}"/>
+                <a16:creationId xmlns:a16="http://schemas.microsoft.com/office/drawing/2014/main" id="{16C2CE71-3D60-7C2E-29DF-53301675CA8F}"/>
               </a:ext>
             </a:extLst>
           </p:cNvPr>
@@ -7667,7 +7905,7 @@
             <a:fld id="{CE58CB1E-F828-4F11-99E0-327109AF9DA4}" type="slidenum">
               <a:rPr lang="de-DE" smtClean="0"/>
               <a:pPr/>
-              <a:t>10</a:t>
+              <a:t>11</a:t>
             </a:fld>
             <a:endParaRPr lang="de-DE" dirty="0"/>
           </a:p>
@@ -7678,7 +7916,7 @@
           <p:cNvPr id="7" name="Fußzeilenplatzhalter 4">
             <a:extLst>
               <a:ext uri="{FF2B5EF4-FFF2-40B4-BE49-F238E27FC236}">
-                <a16:creationId xmlns:a16="http://schemas.microsoft.com/office/drawing/2014/main" id="{D26A322C-DEF5-4D93-3482-6CB1C7198C71}"/>
+                <a16:creationId xmlns:a16="http://schemas.microsoft.com/office/drawing/2014/main" id="{BF798FCB-197E-6D17-EB3C-31ED1CFF5333}"/>
               </a:ext>
             </a:extLst>
           </p:cNvPr>
@@ -7731,12 +7969,535 @@
           </a:p>
         </p:txBody>
       </p:sp>
-      <p:sp>
-        <p:nvSpPr>
-          <p:cNvPr id="9" name="Rechteck 8">
+      <p:pic>
+        <p:nvPicPr>
+          <p:cNvPr id="8" name="图片 7" descr="湖边的建筑和树&#10;&#10;描述已自动生成">
             <a:extLst>
               <a:ext uri="{FF2B5EF4-FFF2-40B4-BE49-F238E27FC236}">
-                <a16:creationId xmlns:a16="http://schemas.microsoft.com/office/drawing/2014/main" id="{DD61E25B-63C3-9422-BB5D-F4D874BA1362}"/>
+                <a16:creationId xmlns:a16="http://schemas.microsoft.com/office/drawing/2014/main" id="{5DBB29A9-995A-6DE8-5329-7D92A2218865}"/>
+              </a:ext>
+            </a:extLst>
+          </p:cNvPr>
+          <p:cNvPicPr>
+            <a:picLocks noChangeAspect="1"/>
+          </p:cNvPicPr>
+          <p:nvPr/>
+        </p:nvPicPr>
+        <p:blipFill>
+          <a:blip r:embed="rId2"/>
+          <a:stretch>
+            <a:fillRect/>
+          </a:stretch>
+        </p:blipFill>
+        <p:spPr>
+          <a:xfrm>
+            <a:off x="623986" y="1948188"/>
+            <a:ext cx="1842568" cy="1842568"/>
+          </a:xfrm>
+          <a:prstGeom prst="rect">
+            <a:avLst/>
+          </a:prstGeom>
+        </p:spPr>
+      </p:pic>
+      <p:pic>
+        <p:nvPicPr>
+          <p:cNvPr id="11" name="图片 10" descr="湖边的建筑和树&#10;&#10;描述已自动生成">
+            <a:extLst>
+              <a:ext uri="{FF2B5EF4-FFF2-40B4-BE49-F238E27FC236}">
+                <a16:creationId xmlns:a16="http://schemas.microsoft.com/office/drawing/2014/main" id="{6E14FDD8-257E-0CC8-0B36-FC6FB0FC39F1}"/>
+              </a:ext>
+            </a:extLst>
+          </p:cNvPr>
+          <p:cNvPicPr>
+            <a:picLocks noChangeAspect="1"/>
+          </p:cNvPicPr>
+          <p:nvPr/>
+        </p:nvPicPr>
+        <p:blipFill>
+          <a:blip r:embed="rId2"/>
+          <a:stretch>
+            <a:fillRect/>
+          </a:stretch>
+        </p:blipFill>
+        <p:spPr>
+          <a:xfrm>
+            <a:off x="3464740" y="1948189"/>
+            <a:ext cx="1842568" cy="1842568"/>
+          </a:xfrm>
+          <a:prstGeom prst="rect">
+            <a:avLst/>
+          </a:prstGeom>
+        </p:spPr>
+      </p:pic>
+      <p:pic>
+        <p:nvPicPr>
+          <p:cNvPr id="13" name="图片 12" descr="湖边的建筑和树&#10;&#10;描述已自动生成">
+            <a:extLst>
+              <a:ext uri="{FF2B5EF4-FFF2-40B4-BE49-F238E27FC236}">
+                <a16:creationId xmlns:a16="http://schemas.microsoft.com/office/drawing/2014/main" id="{866B1C5C-2CF1-CAF8-528E-90D4A5B35E3F}"/>
+              </a:ext>
+            </a:extLst>
+          </p:cNvPr>
+          <p:cNvPicPr>
+            <a:picLocks noChangeAspect="1"/>
+          </p:cNvPicPr>
+          <p:nvPr/>
+        </p:nvPicPr>
+        <p:blipFill>
+          <a:blip r:embed="rId2"/>
+          <a:stretch>
+            <a:fillRect/>
+          </a:stretch>
+        </p:blipFill>
+        <p:spPr>
+          <a:xfrm>
+            <a:off x="6515607" y="1948188"/>
+            <a:ext cx="1853891" cy="1853891"/>
+          </a:xfrm>
+          <a:prstGeom prst="rect">
+            <a:avLst/>
+          </a:prstGeom>
+        </p:spPr>
+      </p:pic>
+      <p:sp>
+        <p:nvSpPr>
+          <p:cNvPr id="14" name="文本框 13">
+            <a:extLst>
+              <a:ext uri="{FF2B5EF4-FFF2-40B4-BE49-F238E27FC236}">
+                <a16:creationId xmlns:a16="http://schemas.microsoft.com/office/drawing/2014/main" id="{17280E38-8501-4047-7A3F-EE8D86F82965}"/>
+              </a:ext>
+            </a:extLst>
+          </p:cNvPr>
+          <p:cNvSpPr txBox="1"/>
+          <p:nvPr/>
+        </p:nvSpPr>
+        <p:spPr>
+          <a:xfrm>
+            <a:off x="995320" y="3932729"/>
+            <a:ext cx="854273" cy="257250"/>
+          </a:xfrm>
+          <a:prstGeom prst="rect">
+            <a:avLst/>
+          </a:prstGeom>
+          <a:noFill/>
+        </p:spPr>
+        <p:txBody>
+          <a:bodyPr wrap="none" lIns="0" tIns="0" rIns="0" bIns="0" rtlCol="0">
+            <a:spAutoFit/>
+          </a:bodyPr>
+          <a:lstStyle/>
+          <a:p>
+            <a:pPr>
+              <a:lnSpc>
+                <a:spcPct val="114000"/>
+              </a:lnSpc>
+            </a:pPr>
+            <a:r>
+              <a:rPr kumimoji="1" lang="de-DE" altLang="zh-CN" sz="1600" dirty="0">
+                <a:latin typeface="+mn-lt"/>
+              </a:rPr>
+              <a:t>Version 0</a:t>
+            </a:r>
+            <a:endParaRPr kumimoji="1" lang="zh-CN" altLang="en-US" sz="1600" dirty="0" err="1">
+              <a:latin typeface="+mn-lt"/>
+            </a:endParaRPr>
+          </a:p>
+        </p:txBody>
+      </p:sp>
+      <p:sp>
+        <p:nvSpPr>
+          <p:cNvPr id="17" name="文本框 16">
+            <a:extLst>
+              <a:ext uri="{FF2B5EF4-FFF2-40B4-BE49-F238E27FC236}">
+                <a16:creationId xmlns:a16="http://schemas.microsoft.com/office/drawing/2014/main" id="{E391A2B3-B050-3447-63FE-28724B19B5FC}"/>
+              </a:ext>
+            </a:extLst>
+          </p:cNvPr>
+          <p:cNvSpPr txBox="1"/>
+          <p:nvPr/>
+        </p:nvSpPr>
+        <p:spPr>
+          <a:xfrm>
+            <a:off x="4047081" y="3949917"/>
+            <a:ext cx="854273" cy="257250"/>
+          </a:xfrm>
+          <a:prstGeom prst="rect">
+            <a:avLst/>
+          </a:prstGeom>
+          <a:noFill/>
+        </p:spPr>
+        <p:txBody>
+          <a:bodyPr wrap="square" lIns="0" tIns="0" rIns="0" bIns="0" rtlCol="0">
+            <a:spAutoFit/>
+          </a:bodyPr>
+          <a:lstStyle/>
+          <a:p>
+            <a:pPr>
+              <a:lnSpc>
+                <a:spcPct val="114000"/>
+              </a:lnSpc>
+            </a:pPr>
+            <a:r>
+              <a:rPr kumimoji="1" lang="de-DE" altLang="zh-CN" sz="1600" dirty="0">
+                <a:latin typeface="+mn-lt"/>
+              </a:rPr>
+              <a:t>Version 1 </a:t>
+            </a:r>
+            <a:endParaRPr kumimoji="1" lang="zh-CN" altLang="en-US" sz="1600" dirty="0" err="1">
+              <a:latin typeface="+mn-lt"/>
+            </a:endParaRPr>
+          </a:p>
+        </p:txBody>
+      </p:sp>
+      <p:sp>
+        <p:nvSpPr>
+          <p:cNvPr id="18" name="文本框 17">
+            <a:extLst>
+              <a:ext uri="{FF2B5EF4-FFF2-40B4-BE49-F238E27FC236}">
+                <a16:creationId xmlns:a16="http://schemas.microsoft.com/office/drawing/2014/main" id="{294DB7AB-B9D8-121E-5713-9989BB0DC564}"/>
+              </a:ext>
+            </a:extLst>
+          </p:cNvPr>
+          <p:cNvSpPr txBox="1"/>
+          <p:nvPr/>
+        </p:nvSpPr>
+        <p:spPr>
+          <a:xfrm>
+            <a:off x="7072439" y="3937859"/>
+            <a:ext cx="1076241" cy="257250"/>
+          </a:xfrm>
+          <a:prstGeom prst="rect">
+            <a:avLst/>
+          </a:prstGeom>
+          <a:noFill/>
+        </p:spPr>
+        <p:txBody>
+          <a:bodyPr wrap="square" lIns="0" tIns="0" rIns="0" bIns="0" rtlCol="0">
+            <a:spAutoFit/>
+          </a:bodyPr>
+          <a:lstStyle/>
+          <a:p>
+            <a:pPr>
+              <a:lnSpc>
+                <a:spcPct val="114000"/>
+              </a:lnSpc>
+            </a:pPr>
+            <a:r>
+              <a:rPr kumimoji="1" lang="de-DE" altLang="zh-CN" sz="1600" dirty="0">
+                <a:latin typeface="+mn-lt"/>
+              </a:rPr>
+              <a:t>Version 2</a:t>
+            </a:r>
+            <a:endParaRPr kumimoji="1" lang="zh-CN" altLang="en-US" sz="1600" dirty="0" err="1">
+              <a:latin typeface="+mn-lt"/>
+            </a:endParaRPr>
+          </a:p>
+        </p:txBody>
+      </p:sp>
+    </p:spTree>
+    <p:extLst>
+      <p:ext uri="{BB962C8B-B14F-4D97-AF65-F5344CB8AC3E}">
+        <p14:creationId xmlns:p14="http://schemas.microsoft.com/office/powerpoint/2010/main" val="804006442"/>
+      </p:ext>
+    </p:extLst>
+  </p:cSld>
+  <p:clrMapOvr>
+    <a:masterClrMapping/>
+  </p:clrMapOvr>
+</p:sld>
+</file>
+
+<file path=ppt/slides/slide12.xml><?xml version="1.0" encoding="utf-8"?>
+<p:sld xmlns:a="http://schemas.openxmlformats.org/drawingml/2006/main" xmlns:r="http://schemas.openxmlformats.org/officeDocument/2006/relationships" xmlns:p="http://schemas.openxmlformats.org/presentationml/2006/main">
+  <p:cSld>
+    <p:spTree>
+      <p:nvGrpSpPr>
+        <p:cNvPr id="1" name="">
+          <a:extLst>
+            <a:ext uri="{FF2B5EF4-FFF2-40B4-BE49-F238E27FC236}">
+              <a16:creationId xmlns:a16="http://schemas.microsoft.com/office/drawing/2014/main" id="{3A7D14BA-D700-E422-8008-E6136083D5E2}"/>
+            </a:ext>
+          </a:extLst>
+        </p:cNvPr>
+        <p:cNvGrpSpPr/>
+        <p:nvPr/>
+      </p:nvGrpSpPr>
+      <p:grpSpPr>
+        <a:xfrm>
+          <a:off x="0" y="0"/>
+          <a:ext cx="0" cy="0"/>
+          <a:chOff x="0" y="0"/>
+          <a:chExt cx="0" cy="0"/>
+        </a:xfrm>
+      </p:grpSpPr>
+      <p:pic>
+        <p:nvPicPr>
+          <p:cNvPr id="6" name="内容占位符 5" descr="图示&#10;&#10;低可信度描述已自动生成">
+            <a:extLst>
+              <a:ext uri="{FF2B5EF4-FFF2-40B4-BE49-F238E27FC236}">
+                <a16:creationId xmlns:a16="http://schemas.microsoft.com/office/drawing/2014/main" id="{BCDC5C35-605C-7012-92B2-0FBC3BBFD61A}"/>
+              </a:ext>
+            </a:extLst>
+          </p:cNvPr>
+          <p:cNvPicPr>
+            <a:picLocks noGrp="1" noChangeAspect="1"/>
+          </p:cNvPicPr>
+          <p:nvPr>
+            <p:ph idx="1"/>
+          </p:nvPr>
+        </p:nvPicPr>
+        <p:blipFill>
+          <a:blip r:embed="rId2"/>
+          <a:stretch>
+            <a:fillRect/>
+          </a:stretch>
+        </p:blipFill>
+        <p:spPr>
+          <a:xfrm>
+            <a:off x="521239" y="1479550"/>
+            <a:ext cx="3638550" cy="1092200"/>
+          </a:xfrm>
+        </p:spPr>
+      </p:pic>
+      <p:sp>
+        <p:nvSpPr>
+          <p:cNvPr id="3" name="Titel 2">
+            <a:extLst>
+              <a:ext uri="{FF2B5EF4-FFF2-40B4-BE49-F238E27FC236}">
+                <a16:creationId xmlns:a16="http://schemas.microsoft.com/office/drawing/2014/main" id="{47927A46-5D07-3BFC-B05B-7354B3788148}"/>
+              </a:ext>
+            </a:extLst>
+          </p:cNvPr>
+          <p:cNvSpPr>
+            <a:spLocks noGrp="1"/>
+          </p:cNvSpPr>
+          <p:nvPr>
+            <p:ph type="title"/>
+          </p:nvPr>
+        </p:nvSpPr>
+        <p:spPr>
+          <a:xfrm>
+            <a:off x="319090" y="972000"/>
+            <a:ext cx="8508999" cy="380745"/>
+          </a:xfrm>
+        </p:spPr>
+        <p:txBody>
+          <a:bodyPr/>
+          <a:lstStyle/>
+          <a:p>
+            <a:r>
+              <a:rPr lang="de-DE" altLang="zh-CN" b="0" i="0" dirty="0">
+                <a:solidFill>
+                  <a:srgbClr val="000000"/>
+                </a:solidFill>
+                <a:effectLst/>
+                <a:latin typeface="Linux Libertine"/>
+              </a:rPr>
+              <a:t>Taylorreihe und Restglied</a:t>
+            </a:r>
+            <a:endParaRPr lang="de-DE" dirty="0"/>
+          </a:p>
+        </p:txBody>
+      </p:sp>
+      <p:sp>
+        <p:nvSpPr>
+          <p:cNvPr id="4" name="Foliennummernplatzhalter 3">
+            <a:extLst>
+              <a:ext uri="{FF2B5EF4-FFF2-40B4-BE49-F238E27FC236}">
+                <a16:creationId xmlns:a16="http://schemas.microsoft.com/office/drawing/2014/main" id="{EA8C4A7F-DBE0-B5D1-E5BB-6683289406BE}"/>
+              </a:ext>
+            </a:extLst>
+          </p:cNvPr>
+          <p:cNvSpPr>
+            <a:spLocks noGrp="1"/>
+          </p:cNvSpPr>
+          <p:nvPr>
+            <p:ph type="sldNum" sz="quarter" idx="11"/>
+          </p:nvPr>
+        </p:nvSpPr>
+        <p:spPr/>
+        <p:txBody>
+          <a:bodyPr/>
+          <a:lstStyle/>
+          <a:p>
+            <a:fld id="{CE58CB1E-F828-4F11-99E0-327109AF9DA4}" type="slidenum">
+              <a:rPr lang="de-DE" smtClean="0"/>
+              <a:pPr/>
+              <a:t>12</a:t>
+            </a:fld>
+            <a:endParaRPr lang="de-DE" dirty="0"/>
+          </a:p>
+        </p:txBody>
+      </p:sp>
+      <p:sp>
+        <p:nvSpPr>
+          <p:cNvPr id="7" name="Fußzeilenplatzhalter 4">
+            <a:extLst>
+              <a:ext uri="{FF2B5EF4-FFF2-40B4-BE49-F238E27FC236}">
+                <a16:creationId xmlns:a16="http://schemas.microsoft.com/office/drawing/2014/main" id="{406A03DC-8A31-86E6-650C-46D3941F98A9}"/>
+              </a:ext>
+            </a:extLst>
+          </p:cNvPr>
+          <p:cNvSpPr>
+            <a:spLocks noGrp="1"/>
+          </p:cNvSpPr>
+          <p:nvPr>
+            <p:ph type="ftr" sz="quarter" idx="12"/>
+          </p:nvPr>
+        </p:nvSpPr>
+        <p:spPr/>
+        <p:txBody>
+          <a:bodyPr/>
+          <a:lstStyle/>
+          <a:p>
+            <a:pPr>
+              <a:spcAft>
+                <a:spcPts val="600"/>
+              </a:spcAft>
+            </a:pPr>
+            <a:r>
+              <a:rPr lang="de-DE" altLang="zh-CN" dirty="0"/>
+              <a:t>GRA Team 140 | Tianhao </a:t>
+            </a:r>
+            <a:r>
+              <a:rPr lang="de-DE" altLang="zh-CN" dirty="0" err="1"/>
+              <a:t>Gu</a:t>
+            </a:r>
+            <a:r>
+              <a:rPr lang="de-DE" altLang="zh-CN" dirty="0"/>
+              <a:t> | </a:t>
+            </a:r>
+            <a:r>
+              <a:rPr lang="de-DE" altLang="zh-CN" dirty="0" err="1"/>
+              <a:t>Zhongfang</a:t>
+            </a:r>
+            <a:r>
+              <a:rPr lang="de-DE" altLang="zh-CN" dirty="0"/>
+              <a:t> Wang | Julien </a:t>
+            </a:r>
+            <a:r>
+              <a:rPr lang="de-DE" altLang="zh-CN" dirty="0" err="1"/>
+              <a:t>Escaig</a:t>
+            </a:r>
+            <a:r>
+              <a:rPr lang="de-DE" altLang="zh-CN" dirty="0"/>
+              <a:t> </a:t>
+            </a:r>
+            <a:endParaRPr lang="en-US" altLang="zh-CN" dirty="0"/>
+          </a:p>
+        </p:txBody>
+      </p:sp>
+      <p:pic>
+        <p:nvPicPr>
+          <p:cNvPr id="9" name="图片 8">
+            <a:extLst>
+              <a:ext uri="{FF2B5EF4-FFF2-40B4-BE49-F238E27FC236}">
+                <a16:creationId xmlns:a16="http://schemas.microsoft.com/office/drawing/2014/main" id="{A1F77623-07F6-D015-D0A8-1D2DE7A81939}"/>
+              </a:ext>
+            </a:extLst>
+          </p:cNvPr>
+          <p:cNvPicPr>
+            <a:picLocks noChangeAspect="1"/>
+          </p:cNvPicPr>
+          <p:nvPr/>
+        </p:nvPicPr>
+        <p:blipFill>
+          <a:blip r:embed="rId3"/>
+          <a:stretch>
+            <a:fillRect/>
+          </a:stretch>
+        </p:blipFill>
+        <p:spPr>
+          <a:xfrm>
+            <a:off x="521238" y="2462886"/>
+            <a:ext cx="6744535" cy="906390"/>
+          </a:xfrm>
+          <a:prstGeom prst="rect">
+            <a:avLst/>
+          </a:prstGeom>
+        </p:spPr>
+      </p:pic>
+      <p:pic>
+        <p:nvPicPr>
+          <p:cNvPr id="13" name="图片 12" descr="图片包含 图示&#10;&#10;描述已自动生成">
+            <a:extLst>
+              <a:ext uri="{FF2B5EF4-FFF2-40B4-BE49-F238E27FC236}">
+                <a16:creationId xmlns:a16="http://schemas.microsoft.com/office/drawing/2014/main" id="{D5436F50-1CBB-364A-FFFA-84F55342A5CC}"/>
+              </a:ext>
+            </a:extLst>
+          </p:cNvPr>
+          <p:cNvPicPr>
+            <a:picLocks noChangeAspect="1"/>
+          </p:cNvPicPr>
+          <p:nvPr/>
+        </p:nvPicPr>
+        <p:blipFill>
+          <a:blip r:embed="rId4"/>
+          <a:stretch>
+            <a:fillRect/>
+          </a:stretch>
+        </p:blipFill>
+        <p:spPr>
+          <a:xfrm>
+            <a:off x="3492843" y="3387047"/>
+            <a:ext cx="3733800" cy="1066800"/>
+          </a:xfrm>
+          <a:prstGeom prst="rect">
+            <a:avLst/>
+          </a:prstGeom>
+        </p:spPr>
+      </p:pic>
+      <p:sp>
+        <p:nvSpPr>
+          <p:cNvPr id="14" name="文本框 13">
+            <a:extLst>
+              <a:ext uri="{FF2B5EF4-FFF2-40B4-BE49-F238E27FC236}">
+                <a16:creationId xmlns:a16="http://schemas.microsoft.com/office/drawing/2014/main" id="{3EA0FDEE-14B1-350A-43A9-93D1A8DC697B}"/>
+              </a:ext>
+            </a:extLst>
+          </p:cNvPr>
+          <p:cNvSpPr txBox="1"/>
+          <p:nvPr/>
+        </p:nvSpPr>
+        <p:spPr>
+          <a:xfrm>
+            <a:off x="4464908" y="1911178"/>
+            <a:ext cx="2172615" cy="257250"/>
+          </a:xfrm>
+          <a:prstGeom prst="rect">
+            <a:avLst/>
+          </a:prstGeom>
+          <a:noFill/>
+        </p:spPr>
+        <p:txBody>
+          <a:bodyPr wrap="square" lIns="0" tIns="0" rIns="0" bIns="0" rtlCol="0">
+            <a:spAutoFit/>
+          </a:bodyPr>
+          <a:lstStyle/>
+          <a:p>
+            <a:pPr>
+              <a:lnSpc>
+                <a:spcPct val="114000"/>
+              </a:lnSpc>
+            </a:pPr>
+            <a:r>
+              <a:rPr kumimoji="1" lang="de-DE" altLang="zh-CN" sz="1600" dirty="0">
+                <a:latin typeface="+mn-lt"/>
+              </a:rPr>
+              <a:t>Taylorreihe</a:t>
+            </a:r>
+            <a:endParaRPr kumimoji="1" lang="zh-CN" altLang="en-US" sz="1600" dirty="0" err="1">
+              <a:latin typeface="+mn-lt"/>
+            </a:endParaRPr>
+          </a:p>
+        </p:txBody>
+      </p:sp>
+      <p:sp>
+        <p:nvSpPr>
+          <p:cNvPr id="16" name="下箭头 15">
+            <a:extLst>
+              <a:ext uri="{FF2B5EF4-FFF2-40B4-BE49-F238E27FC236}">
+                <a16:creationId xmlns:a16="http://schemas.microsoft.com/office/drawing/2014/main" id="{CBA7558F-36DA-207C-CDEF-A44BE97420F5}"/>
               </a:ext>
             </a:extLst>
           </p:cNvPr>
@@ -7745,10 +8506,10 @@
         </p:nvSpPr>
         <p:spPr>
           <a:xfrm>
-            <a:off x="319091" y="2480411"/>
-            <a:ext cx="1318640" cy="415636"/>
+            <a:off x="3492843" y="2232454"/>
+            <a:ext cx="313038" cy="535532"/>
           </a:xfrm>
-          <a:prstGeom prst="rect">
+          <a:prstGeom prst="downArrow">
             <a:avLst/>
           </a:prstGeom>
           <a:ln>
@@ -7785,631 +8546,59 @@
                 <a:spcPct val="114000"/>
               </a:lnSpc>
             </a:pPr>
-            <a:r>
-              <a:rPr lang="de-DE" sz="1500" dirty="0" err="1"/>
-              <a:t>Parse_option</a:t>
-            </a:r>
-            <a:endParaRPr lang="de-DE" sz="1500" dirty="0"/>
-          </a:p>
-        </p:txBody>
-      </p:sp>
-      <p:sp>
-        <p:nvSpPr>
-          <p:cNvPr id="10" name="Rechteck 9">
+            <a:endParaRPr kumimoji="1" lang="zh-CN" altLang="en-US" dirty="0"/>
+          </a:p>
+        </p:txBody>
+      </p:sp>
+      <p:sp>
+        <p:nvSpPr>
+          <p:cNvPr id="21" name="文本框 20">
             <a:extLst>
               <a:ext uri="{FF2B5EF4-FFF2-40B4-BE49-F238E27FC236}">
-                <a16:creationId xmlns:a16="http://schemas.microsoft.com/office/drawing/2014/main" id="{B81125F7-8BCB-5671-4AB3-2AE1C6AD7D63}"/>
+                <a16:creationId xmlns:a16="http://schemas.microsoft.com/office/drawing/2014/main" id="{EFF12AC4-D772-8780-558A-B5E22B17564D}"/>
               </a:ext>
             </a:extLst>
           </p:cNvPr>
-          <p:cNvSpPr/>
+          <p:cNvSpPr txBox="1"/>
           <p:nvPr/>
         </p:nvSpPr>
         <p:spPr>
           <a:xfrm>
-            <a:off x="1958454" y="1990779"/>
-            <a:ext cx="1132761" cy="312001"/>
+            <a:off x="521238" y="3764692"/>
+            <a:ext cx="2633853" cy="258404"/>
           </a:xfrm>
           <a:prstGeom prst="rect">
             <a:avLst/>
           </a:prstGeom>
-          <a:ln>
-            <a:noFill/>
-          </a:ln>
+          <a:noFill/>
         </p:spPr>
-        <p:style>
-          <a:lnRef idx="2">
-            <a:schemeClr val="accent1">
-              <a:shade val="50000"/>
-            </a:schemeClr>
-          </a:lnRef>
-          <a:fillRef idx="1">
-            <a:schemeClr val="accent1"/>
-          </a:fillRef>
-          <a:effectRef idx="0">
-            <a:schemeClr val="accent1"/>
-          </a:effectRef>
-          <a:fontRef idx="minor">
-            <a:schemeClr val="lt1"/>
-          </a:fontRef>
-        </p:style>
-        <p:txBody>
-          <a:bodyPr rot="0" spcFirstLastPara="0" vertOverflow="overflow" horzOverflow="overflow" vert="horz" wrap="square" lIns="91440" tIns="45720" rIns="91440" bIns="45720" numCol="1" spcCol="0" rtlCol="0" fromWordArt="0" anchor="t" anchorCtr="0" forceAA="0" compatLnSpc="1">
-            <a:prstTxWarp prst="textNoShape">
-              <a:avLst/>
-            </a:prstTxWarp>
-            <a:noAutofit/>
+        <p:txBody>
+          <a:bodyPr wrap="square" lIns="0" tIns="0" rIns="0" bIns="0" rtlCol="0">
+            <a:spAutoFit/>
           </a:bodyPr>
           <a:lstStyle/>
           <a:p>
-            <a:pPr algn="ctr">
+            <a:pPr>
               <a:lnSpc>
                 <a:spcPct val="114000"/>
               </a:lnSpc>
             </a:pPr>
             <a:r>
-              <a:rPr lang="de-DE" dirty="0" err="1"/>
-              <a:t>default</a:t>
-            </a:r>
-            <a:r>
-              <a:rPr lang="zh-CN" altLang="en-US" dirty="0"/>
-              <a:t>？</a:t>
-            </a:r>
-            <a:endParaRPr lang="de-DE" dirty="0"/>
-          </a:p>
-        </p:txBody>
-      </p:sp>
-      <p:sp>
-        <p:nvSpPr>
-          <p:cNvPr id="11" name="Rechteck 10">
-            <a:extLst>
-              <a:ext uri="{FF2B5EF4-FFF2-40B4-BE49-F238E27FC236}">
-                <a16:creationId xmlns:a16="http://schemas.microsoft.com/office/drawing/2014/main" id="{B9AD63E7-8ED3-EC23-BFDA-728804025714}"/>
-              </a:ext>
-            </a:extLst>
-          </p:cNvPr>
-          <p:cNvSpPr/>
-          <p:nvPr/>
-        </p:nvSpPr>
-        <p:spPr>
-          <a:xfrm>
-            <a:off x="2122225" y="3264033"/>
-            <a:ext cx="670851" cy="334628"/>
-          </a:xfrm>
-          <a:prstGeom prst="rect">
-            <a:avLst/>
-          </a:prstGeom>
-          <a:ln>
-            <a:noFill/>
-          </a:ln>
-        </p:spPr>
-        <p:style>
-          <a:lnRef idx="2">
-            <a:schemeClr val="accent1">
-              <a:shade val="50000"/>
-            </a:schemeClr>
-          </a:lnRef>
-          <a:fillRef idx="1">
-            <a:schemeClr val="accent1"/>
-          </a:fillRef>
-          <a:effectRef idx="0">
-            <a:schemeClr val="accent1"/>
-          </a:effectRef>
-          <a:fontRef idx="minor">
-            <a:schemeClr val="lt1"/>
-          </a:fontRef>
-        </p:style>
-        <p:txBody>
-          <a:bodyPr rot="0" spcFirstLastPara="0" vertOverflow="overflow" horzOverflow="overflow" vert="horz" wrap="square" lIns="91440" tIns="45720" rIns="91440" bIns="45720" numCol="1" spcCol="0" rtlCol="0" fromWordArt="0" anchor="t" anchorCtr="0" forceAA="0" compatLnSpc="1">
-            <a:prstTxWarp prst="textNoShape">
-              <a:avLst/>
-            </a:prstTxWarp>
-            <a:noAutofit/>
-          </a:bodyPr>
-          <a:lstStyle/>
-          <a:p>
-            <a:pPr algn="ctr">
-              <a:lnSpc>
-                <a:spcPct val="114000"/>
-              </a:lnSpc>
-            </a:pPr>
-            <a:r>
-              <a:rPr lang="de-DE" dirty="0"/>
-              <a:t>V2?</a:t>
-            </a:r>
-          </a:p>
-        </p:txBody>
-      </p:sp>
-      <p:sp>
-        <p:nvSpPr>
-          <p:cNvPr id="12" name="Rechteck 11">
-            <a:extLst>
-              <a:ext uri="{FF2B5EF4-FFF2-40B4-BE49-F238E27FC236}">
-                <a16:creationId xmlns:a16="http://schemas.microsoft.com/office/drawing/2014/main" id="{AE14D3BB-8A93-CE62-AEBE-595D5305D55D}"/>
-              </a:ext>
-            </a:extLst>
-          </p:cNvPr>
-          <p:cNvSpPr/>
-          <p:nvPr/>
-        </p:nvSpPr>
-        <p:spPr>
-          <a:xfrm>
-            <a:off x="2122225" y="2571750"/>
-            <a:ext cx="670851" cy="324296"/>
-          </a:xfrm>
-          <a:prstGeom prst="rect">
-            <a:avLst/>
-          </a:prstGeom>
-          <a:ln>
-            <a:noFill/>
-          </a:ln>
-        </p:spPr>
-        <p:style>
-          <a:lnRef idx="2">
-            <a:schemeClr val="accent1">
-              <a:shade val="50000"/>
-            </a:schemeClr>
-          </a:lnRef>
-          <a:fillRef idx="1">
-            <a:schemeClr val="accent1"/>
-          </a:fillRef>
-          <a:effectRef idx="0">
-            <a:schemeClr val="accent1"/>
-          </a:effectRef>
-          <a:fontRef idx="minor">
-            <a:schemeClr val="lt1"/>
-          </a:fontRef>
-        </p:style>
-        <p:txBody>
-          <a:bodyPr rot="0" spcFirstLastPara="0" vertOverflow="overflow" horzOverflow="overflow" vert="horz" wrap="square" lIns="91440" tIns="45720" rIns="91440" bIns="45720" numCol="1" spcCol="0" rtlCol="0" fromWordArt="0" anchor="t" anchorCtr="0" forceAA="0" compatLnSpc="1">
-            <a:prstTxWarp prst="textNoShape">
-              <a:avLst/>
-            </a:prstTxWarp>
-            <a:noAutofit/>
-          </a:bodyPr>
-          <a:lstStyle/>
-          <a:p>
-            <a:pPr algn="ctr">
-              <a:lnSpc>
-                <a:spcPct val="114000"/>
-              </a:lnSpc>
-            </a:pPr>
-            <a:r>
-              <a:rPr lang="de-DE" dirty="0"/>
-              <a:t>V1?</a:t>
-            </a:r>
-          </a:p>
-        </p:txBody>
-      </p:sp>
-      <p:cxnSp>
-        <p:nvCxnSpPr>
-          <p:cNvPr id="56" name="直线箭头连接符 55">
-            <a:extLst>
-              <a:ext uri="{FF2B5EF4-FFF2-40B4-BE49-F238E27FC236}">
-                <a16:creationId xmlns:a16="http://schemas.microsoft.com/office/drawing/2014/main" id="{4528A022-1BE9-674C-829A-AD7D741DF667}"/>
-              </a:ext>
-            </a:extLst>
-          </p:cNvPr>
-          <p:cNvCxnSpPr>
-            <a:cxnSpLocks/>
-            <a:stCxn id="9" idx="3"/>
-            <a:endCxn id="63" idx="1"/>
-          </p:cNvCxnSpPr>
-          <p:nvPr/>
-        </p:nvCxnSpPr>
-        <p:spPr>
-          <a:xfrm flipV="1">
-            <a:off x="1637731" y="1456814"/>
-            <a:ext cx="1551627" cy="1231415"/>
-          </a:xfrm>
-          <a:prstGeom prst="straightConnector1">
-            <a:avLst/>
-          </a:prstGeom>
-          <a:ln>
-            <a:tailEnd type="triangle"/>
-          </a:ln>
-        </p:spPr>
-        <p:style>
-          <a:lnRef idx="1">
-            <a:schemeClr val="accent1"/>
-          </a:lnRef>
-          <a:fillRef idx="0">
-            <a:schemeClr val="accent1"/>
-          </a:fillRef>
-          <a:effectRef idx="0">
-            <a:schemeClr val="accent1"/>
-          </a:effectRef>
-          <a:fontRef idx="minor">
-            <a:schemeClr val="tx1"/>
-          </a:fontRef>
-        </p:style>
-      </p:cxnSp>
-      <p:cxnSp>
-        <p:nvCxnSpPr>
-          <p:cNvPr id="59" name="直线箭头连接符 58">
-            <a:extLst>
-              <a:ext uri="{FF2B5EF4-FFF2-40B4-BE49-F238E27FC236}">
-                <a16:creationId xmlns:a16="http://schemas.microsoft.com/office/drawing/2014/main" id="{3DC77916-9810-875B-24C0-CF2172B62044}"/>
-              </a:ext>
-            </a:extLst>
-          </p:cNvPr>
-          <p:cNvCxnSpPr>
-            <a:cxnSpLocks/>
-            <a:stCxn id="9" idx="3"/>
-          </p:cNvCxnSpPr>
-          <p:nvPr/>
-        </p:nvCxnSpPr>
-        <p:spPr>
-          <a:xfrm>
-            <a:off x="1637731" y="2688229"/>
-            <a:ext cx="1651378" cy="0"/>
-          </a:xfrm>
-          <a:prstGeom prst="straightConnector1">
-            <a:avLst/>
-          </a:prstGeom>
-          <a:ln>
-            <a:tailEnd type="triangle"/>
-          </a:ln>
-        </p:spPr>
-        <p:style>
-          <a:lnRef idx="1">
-            <a:schemeClr val="accent1"/>
-          </a:lnRef>
-          <a:fillRef idx="0">
-            <a:schemeClr val="accent1"/>
-          </a:fillRef>
-          <a:effectRef idx="0">
-            <a:schemeClr val="accent1"/>
-          </a:effectRef>
-          <a:fontRef idx="minor">
-            <a:schemeClr val="tx1"/>
-          </a:fontRef>
-        </p:style>
-      </p:cxnSp>
-      <p:cxnSp>
-        <p:nvCxnSpPr>
-          <p:cNvPr id="62" name="直线箭头连接符 61">
-            <a:extLst>
-              <a:ext uri="{FF2B5EF4-FFF2-40B4-BE49-F238E27FC236}">
-                <a16:creationId xmlns:a16="http://schemas.microsoft.com/office/drawing/2014/main" id="{54943548-95B4-3FFE-8643-4F1E81A530ED}"/>
-              </a:ext>
-            </a:extLst>
-          </p:cNvPr>
-          <p:cNvCxnSpPr>
-            <a:stCxn id="9" idx="3"/>
-          </p:cNvCxnSpPr>
-          <p:nvPr/>
-        </p:nvCxnSpPr>
-        <p:spPr>
-          <a:xfrm>
-            <a:off x="1637731" y="2688229"/>
-            <a:ext cx="1651379" cy="1351508"/>
-          </a:xfrm>
-          <a:prstGeom prst="straightConnector1">
-            <a:avLst/>
-          </a:prstGeom>
-          <a:ln>
-            <a:tailEnd type="triangle"/>
-          </a:ln>
-        </p:spPr>
-        <p:style>
-          <a:lnRef idx="1">
-            <a:schemeClr val="accent1"/>
-          </a:lnRef>
-          <a:fillRef idx="0">
-            <a:schemeClr val="accent1"/>
-          </a:fillRef>
-          <a:effectRef idx="0">
-            <a:schemeClr val="accent1"/>
-          </a:effectRef>
-          <a:fontRef idx="minor">
-            <a:schemeClr val="tx1"/>
-          </a:fontRef>
-        </p:style>
-      </p:cxnSp>
-      <p:sp>
-        <p:nvSpPr>
-          <p:cNvPr id="63" name="矩形 62">
-            <a:extLst>
-              <a:ext uri="{FF2B5EF4-FFF2-40B4-BE49-F238E27FC236}">
-                <a16:creationId xmlns:a16="http://schemas.microsoft.com/office/drawing/2014/main" id="{F95CA822-2CA3-4168-F1FA-7E5D45CE0D80}"/>
-              </a:ext>
-            </a:extLst>
-          </p:cNvPr>
-          <p:cNvSpPr/>
-          <p:nvPr/>
-        </p:nvSpPr>
-        <p:spPr>
-          <a:xfrm>
-            <a:off x="3189358" y="1226914"/>
-            <a:ext cx="3494072" cy="459800"/>
-          </a:xfrm>
-          <a:prstGeom prst="rect">
-            <a:avLst/>
-          </a:prstGeom>
-          <a:ln>
-            <a:noFill/>
-          </a:ln>
-        </p:spPr>
-        <p:style>
-          <a:lnRef idx="2">
-            <a:schemeClr val="accent1">
-              <a:shade val="50000"/>
-            </a:schemeClr>
-          </a:lnRef>
-          <a:fillRef idx="1">
-            <a:schemeClr val="accent1"/>
-          </a:fillRef>
-          <a:effectRef idx="0">
-            <a:schemeClr val="accent1"/>
-          </a:effectRef>
-          <a:fontRef idx="minor">
-            <a:schemeClr val="lt1"/>
-          </a:fontRef>
-        </p:style>
-        <p:txBody>
-          <a:bodyPr rot="0" spcFirstLastPara="0" vertOverflow="overflow" horzOverflow="overflow" vert="horz" wrap="square" lIns="91440" tIns="45720" rIns="91440" bIns="45720" numCol="1" spcCol="0" rtlCol="0" fromWordArt="0" anchor="t" anchorCtr="0" forceAA="0" compatLnSpc="1">
-            <a:prstTxWarp prst="textNoShape">
-              <a:avLst/>
-            </a:prstTxWarp>
-            <a:noAutofit/>
-          </a:bodyPr>
-          <a:lstStyle/>
-          <a:p>
-            <a:pPr algn="ctr">
-              <a:lnSpc>
-                <a:spcPct val="114000"/>
-              </a:lnSpc>
-            </a:pPr>
-            <a:r>
-              <a:rPr lang="de-DE" altLang="zh-CN" b="0" dirty="0" err="1">
-                <a:solidFill>
-                  <a:schemeClr val="bg1"/>
-                </a:solidFill>
-                <a:effectLst/>
-                <a:latin typeface="Menlo" panose="020B0609030804020204" pitchFamily="49" charset="0"/>
+              <a:rPr lang="de-DE" altLang="zh-CN" sz="1600" dirty="0">
+                <a:latin typeface="Times New Roman" panose="02020603050405020304" pitchFamily="18" charset="0"/>
               </a:rPr>
-              <a:t>gamma_correct_seq</a:t>
-            </a:r>
-            <a:r>
-              <a:rPr lang="de-DE" altLang="zh-CN" b="0" dirty="0">
-                <a:solidFill>
-                  <a:schemeClr val="bg1"/>
-                </a:solidFill>
-                <a:effectLst/>
-                <a:latin typeface="Menlo" panose="020B0609030804020204" pitchFamily="49" charset="0"/>
-              </a:rPr>
-              <a:t>(</a:t>
-            </a:r>
-            <a:r>
-              <a:rPr lang="de-DE" altLang="zh-CN" b="0" dirty="0" err="1">
-                <a:solidFill>
-                  <a:schemeClr val="bg1"/>
-                </a:solidFill>
-                <a:effectLst/>
-                <a:latin typeface="Menlo" panose="020B0609030804020204" pitchFamily="49" charset="0"/>
-              </a:rPr>
-              <a:t>true</a:t>
-            </a:r>
-            <a:r>
-              <a:rPr lang="de-DE" altLang="zh-CN" b="0" dirty="0">
-                <a:solidFill>
-                  <a:schemeClr val="bg1"/>
-                </a:solidFill>
-                <a:effectLst/>
-                <a:latin typeface="Menlo" panose="020B0609030804020204" pitchFamily="49" charset="0"/>
-              </a:rPr>
-              <a:t>)</a:t>
-            </a:r>
-          </a:p>
-          <a:p>
-            <a:pPr algn="ctr">
-              <a:lnSpc>
-                <a:spcPct val="114000"/>
-              </a:lnSpc>
-            </a:pPr>
-            <a:endParaRPr kumimoji="1" lang="zh-CN" altLang="en-US" dirty="0">
-              <a:solidFill>
-                <a:schemeClr val="bg1"/>
-              </a:solidFill>
+              <a:t>Restgliedformel von Lagrange:</a:t>
+            </a:r>
+            <a:endParaRPr kumimoji="1" lang="zh-CN" altLang="en-US" sz="1600" dirty="0" err="1">
+              <a:latin typeface="+mn-lt"/>
             </a:endParaRPr>
-          </a:p>
-        </p:txBody>
-      </p:sp>
-      <p:sp>
-        <p:nvSpPr>
-          <p:cNvPr id="64" name="矩形 63">
-            <a:extLst>
-              <a:ext uri="{FF2B5EF4-FFF2-40B4-BE49-F238E27FC236}">
-                <a16:creationId xmlns:a16="http://schemas.microsoft.com/office/drawing/2014/main" id="{0041D743-A995-9315-C380-F32E81AD358E}"/>
-              </a:ext>
-            </a:extLst>
-          </p:cNvPr>
-          <p:cNvSpPr/>
-          <p:nvPr/>
-        </p:nvSpPr>
-        <p:spPr>
-          <a:xfrm>
-            <a:off x="3289108" y="2367381"/>
-            <a:ext cx="3394322" cy="458723"/>
-          </a:xfrm>
-          <a:prstGeom prst="rect">
-            <a:avLst/>
-          </a:prstGeom>
-          <a:ln>
-            <a:noFill/>
-          </a:ln>
-        </p:spPr>
-        <p:style>
-          <a:lnRef idx="2">
-            <a:schemeClr val="accent1">
-              <a:shade val="50000"/>
-            </a:schemeClr>
-          </a:lnRef>
-          <a:fillRef idx="1">
-            <a:schemeClr val="accent1"/>
-          </a:fillRef>
-          <a:effectRef idx="0">
-            <a:schemeClr val="accent1"/>
-          </a:effectRef>
-          <a:fontRef idx="minor">
-            <a:schemeClr val="lt1"/>
-          </a:fontRef>
-        </p:style>
-        <p:txBody>
-          <a:bodyPr rot="0" spcFirstLastPara="0" vertOverflow="overflow" horzOverflow="overflow" vert="horz" wrap="square" lIns="91440" tIns="45720" rIns="91440" bIns="45720" numCol="1" spcCol="0" rtlCol="0" fromWordArt="0" anchor="t" anchorCtr="0" forceAA="0" compatLnSpc="1">
-            <a:prstTxWarp prst="textNoShape">
-              <a:avLst/>
-            </a:prstTxWarp>
-            <a:noAutofit/>
-          </a:bodyPr>
-          <a:lstStyle/>
-          <a:p>
-            <a:pPr algn="ctr">
-              <a:lnSpc>
-                <a:spcPct val="114000"/>
-              </a:lnSpc>
-            </a:pPr>
-            <a:r>
-              <a:rPr lang="de-DE" altLang="zh-CN" b="0" dirty="0" err="1">
-                <a:solidFill>
-                  <a:schemeClr val="bg1"/>
-                </a:solidFill>
-                <a:effectLst/>
-                <a:latin typeface="Menlo" panose="020B0609030804020204" pitchFamily="49" charset="0"/>
-              </a:rPr>
-              <a:t>gamma_correct_seq</a:t>
-            </a:r>
-            <a:r>
-              <a:rPr lang="de-DE" altLang="zh-CN" b="0" dirty="0">
-                <a:solidFill>
-                  <a:schemeClr val="bg1"/>
-                </a:solidFill>
-                <a:effectLst/>
-                <a:latin typeface="Menlo" panose="020B0609030804020204" pitchFamily="49" charset="0"/>
-              </a:rPr>
-              <a:t>(</a:t>
-            </a:r>
-            <a:r>
-              <a:rPr lang="de-DE" altLang="zh-CN" b="0" dirty="0" err="1">
-                <a:solidFill>
-                  <a:schemeClr val="bg1"/>
-                </a:solidFill>
-                <a:effectLst/>
-                <a:latin typeface="Menlo" panose="020B0609030804020204" pitchFamily="49" charset="0"/>
-              </a:rPr>
-              <a:t>false</a:t>
-            </a:r>
-            <a:r>
-              <a:rPr lang="de-DE" altLang="zh-CN" b="0" dirty="0">
-                <a:solidFill>
-                  <a:schemeClr val="bg1"/>
-                </a:solidFill>
-                <a:effectLst/>
-                <a:latin typeface="Menlo" panose="020B0609030804020204" pitchFamily="49" charset="0"/>
-              </a:rPr>
-              <a:t>)</a:t>
-            </a:r>
-          </a:p>
-          <a:p>
-            <a:pPr algn="ctr">
-              <a:lnSpc>
-                <a:spcPct val="114000"/>
-              </a:lnSpc>
-            </a:pPr>
-            <a:endParaRPr kumimoji="1" lang="zh-CN" altLang="en-US" dirty="0">
-              <a:solidFill>
-                <a:schemeClr val="bg1"/>
-              </a:solidFill>
-            </a:endParaRPr>
-          </a:p>
-        </p:txBody>
-      </p:sp>
-      <p:sp>
-        <p:nvSpPr>
-          <p:cNvPr id="65" name="矩形 64">
-            <a:extLst>
-              <a:ext uri="{FF2B5EF4-FFF2-40B4-BE49-F238E27FC236}">
-                <a16:creationId xmlns:a16="http://schemas.microsoft.com/office/drawing/2014/main" id="{A2DD031D-EBCA-A4D4-535B-4154C7DAFF42}"/>
-              </a:ext>
-            </a:extLst>
-          </p:cNvPr>
-          <p:cNvSpPr/>
-          <p:nvPr/>
-        </p:nvSpPr>
-        <p:spPr>
-          <a:xfrm>
-            <a:off x="3289110" y="3827620"/>
-            <a:ext cx="3394320" cy="415636"/>
-          </a:xfrm>
-          <a:prstGeom prst="rect">
-            <a:avLst/>
-          </a:prstGeom>
-          <a:ln>
-            <a:noFill/>
-          </a:ln>
-        </p:spPr>
-        <p:style>
-          <a:lnRef idx="2">
-            <a:schemeClr val="accent1">
-              <a:shade val="50000"/>
-            </a:schemeClr>
-          </a:lnRef>
-          <a:fillRef idx="1">
-            <a:schemeClr val="accent1"/>
-          </a:fillRef>
-          <a:effectRef idx="0">
-            <a:schemeClr val="accent1"/>
-          </a:effectRef>
-          <a:fontRef idx="minor">
-            <a:schemeClr val="lt1"/>
-          </a:fontRef>
-        </p:style>
-        <p:txBody>
-          <a:bodyPr rot="0" spcFirstLastPara="0" vertOverflow="overflow" horzOverflow="overflow" vert="horz" wrap="square" lIns="91440" tIns="45720" rIns="91440" bIns="45720" numCol="1" spcCol="0" rtlCol="0" fromWordArt="0" anchor="t" anchorCtr="0" forceAA="0" compatLnSpc="1">
-            <a:prstTxWarp prst="textNoShape">
-              <a:avLst/>
-            </a:prstTxWarp>
-            <a:noAutofit/>
-          </a:bodyPr>
-          <a:lstStyle/>
-          <a:p>
-            <a:r>
-              <a:rPr lang="de-DE" altLang="zh-CN" b="0" dirty="0" err="1">
-                <a:solidFill>
-                  <a:schemeClr val="bg1"/>
-                </a:solidFill>
-                <a:effectLst/>
-                <a:latin typeface="Menlo" panose="020B0609030804020204" pitchFamily="49" charset="0"/>
-              </a:rPr>
-              <a:t>gamma_correct_</a:t>
-            </a:r>
-            <a:r>
-              <a:rPr lang="de-DE" altLang="zh-CN" dirty="0" err="1">
-                <a:solidFill>
-                  <a:schemeClr val="bg1"/>
-                </a:solidFill>
-                <a:latin typeface="Menlo" panose="020B0609030804020204" pitchFamily="49" charset="0"/>
-              </a:rPr>
-              <a:t>simd</a:t>
-            </a:r>
-            <a:r>
-              <a:rPr lang="de-DE" altLang="zh-CN" b="0" dirty="0">
-                <a:solidFill>
-                  <a:schemeClr val="bg1"/>
-                </a:solidFill>
-                <a:effectLst/>
-                <a:latin typeface="Menlo" panose="020B0609030804020204" pitchFamily="49" charset="0"/>
-              </a:rPr>
-              <a:t>()</a:t>
-            </a:r>
           </a:p>
         </p:txBody>
       </p:sp>
     </p:spTree>
     <p:extLst>
       <p:ext uri="{BB962C8B-B14F-4D97-AF65-F5344CB8AC3E}">
-        <p14:creationId xmlns:p14="http://schemas.microsoft.com/office/powerpoint/2010/main" val="3761969468"/>
+        <p14:creationId xmlns:p14="http://schemas.microsoft.com/office/powerpoint/2010/main" val="4175357940"/>
       </p:ext>
     </p:extLst>
   </p:cSld>
@@ -8419,7 +8608,7 @@
 </p:sld>
 </file>
 
-<file path=ppt/slides/slide11.xml><?xml version="1.0" encoding="utf-8"?>
+<file path=ppt/slides/slide13.xml><?xml version="1.0" encoding="utf-8"?>
 <p:sld xmlns:a="http://schemas.openxmlformats.org/drawingml/2006/main" xmlns:r="http://schemas.openxmlformats.org/officeDocument/2006/relationships" xmlns:p="http://schemas.openxmlformats.org/presentationml/2006/main">
   <p:cSld>
     <p:spTree>
@@ -8438,207 +8627,10 @@
       </p:grpSpPr>
       <p:sp>
         <p:nvSpPr>
-          <p:cNvPr id="5" name="Titel 4"/>
-          <p:cNvSpPr>
-            <a:spLocks noGrp="1"/>
-          </p:cNvSpPr>
-          <p:nvPr>
-            <p:ph type="title"/>
-          </p:nvPr>
-        </p:nvSpPr>
-        <p:spPr/>
-        <p:txBody>
-          <a:bodyPr/>
-          <a:lstStyle/>
-          <a:p>
-            <a:r>
-              <a:rPr lang="de-DE" dirty="0"/>
-              <a:t>Inhaltsverzeichnis</a:t>
-            </a:r>
-          </a:p>
-        </p:txBody>
-      </p:sp>
-      <p:sp>
-        <p:nvSpPr>
-          <p:cNvPr id="3" name="Inhaltsplatzhalter 2"/>
-          <p:cNvSpPr>
-            <a:spLocks noGrp="1"/>
-          </p:cNvSpPr>
-          <p:nvPr>
-            <p:ph idx="10"/>
-          </p:nvPr>
-        </p:nvSpPr>
-        <p:spPr>
-          <a:xfrm>
-            <a:off x="319089" y="1484039"/>
-            <a:ext cx="4438766" cy="2687461"/>
-          </a:xfrm>
-        </p:spPr>
-        <p:txBody>
-          <a:bodyPr/>
-          <a:lstStyle/>
-          <a:p>
-            <a:r>
-              <a:rPr lang="de-DE" altLang="zh-CN" b="0" i="0" dirty="0">
-                <a:effectLst/>
-                <a:latin typeface="Courier New" panose="02070309020205020404" pitchFamily="49" charset="0"/>
-              </a:rPr>
-              <a:t>➔ </a:t>
-            </a:r>
-            <a:r>
-              <a:rPr lang="de-DE" altLang="zh-CN" dirty="0">
-                <a:latin typeface="Arial" panose="020B0604020202020204" pitchFamily="34" charset="0"/>
-              </a:rPr>
-              <a:t>Transformation von Farbbild in Schwarz-Weiß </a:t>
-            </a:r>
-          </a:p>
-          <a:p>
-            <a:r>
-              <a:rPr lang="de-DE" altLang="zh-CN" b="0" i="0" dirty="0">
-                <a:effectLst/>
-                <a:latin typeface="Courier New" panose="02070309020205020404" pitchFamily="49" charset="0"/>
-              </a:rPr>
-              <a:t>➔</a:t>
-            </a:r>
-            <a:r>
-              <a:rPr lang="de-DE" altLang="zh-CN" dirty="0">
-                <a:latin typeface="Arial" panose="020B0604020202020204" pitchFamily="34" charset="0"/>
-              </a:rPr>
-              <a:t>  Was ist eine Gammakorrektur?</a:t>
-            </a:r>
-            <a:br>
-              <a:rPr lang="de-DE" altLang="zh-CN" dirty="0"/>
-            </a:br>
-            <a:r>
-              <a:rPr lang="de-DE" altLang="zh-CN" b="0" i="0" dirty="0">
-                <a:effectLst/>
-                <a:latin typeface="Courier New" panose="02070309020205020404" pitchFamily="49" charset="0"/>
-              </a:rPr>
-              <a:t>➔ </a:t>
-            </a:r>
-            <a:r>
-              <a:rPr lang="de-DE" altLang="zh-CN" b="0" i="0" dirty="0">
-                <a:effectLst/>
-                <a:latin typeface="Arial" panose="020B0604020202020204" pitchFamily="34" charset="0"/>
-              </a:rPr>
-              <a:t>Lösungsansatz</a:t>
-            </a:r>
-          </a:p>
-          <a:p>
-            <a:r>
-              <a:rPr lang="de-DE" altLang="zh-CN" b="0" i="0" dirty="0">
-                <a:effectLst/>
-                <a:latin typeface="Courier New" panose="02070309020205020404" pitchFamily="49" charset="0"/>
-              </a:rPr>
-              <a:t>➔ </a:t>
-            </a:r>
-            <a:r>
-              <a:rPr lang="de-DE" altLang="zh-CN" b="0" i="0" dirty="0">
-                <a:solidFill>
-                  <a:srgbClr val="FF0000"/>
-                </a:solidFill>
-                <a:effectLst/>
-                <a:latin typeface="Arial" panose="020B0604020202020204" pitchFamily="34" charset="0"/>
-              </a:rPr>
-              <a:t>Genauigkeitsanalyse</a:t>
-            </a:r>
-            <a:br>
-              <a:rPr lang="de-DE" altLang="zh-CN" dirty="0"/>
-            </a:br>
-            <a:r>
-              <a:rPr lang="de-DE" altLang="zh-CN" b="0" i="0" dirty="0">
-                <a:effectLst/>
-                <a:latin typeface="Courier New" panose="02070309020205020404" pitchFamily="49" charset="0"/>
-              </a:rPr>
-              <a:t>➔ </a:t>
-            </a:r>
-            <a:r>
-              <a:rPr lang="de-DE" altLang="zh-CN" b="0" i="0" dirty="0">
-                <a:effectLst/>
-                <a:latin typeface="Arial" panose="020B0604020202020204" pitchFamily="34" charset="0"/>
-              </a:rPr>
-              <a:t>Performanz Analyse</a:t>
-            </a:r>
-            <a:br>
-              <a:rPr lang="de-DE" altLang="zh-CN" dirty="0"/>
-            </a:br>
-            <a:r>
-              <a:rPr lang="de-DE" altLang="zh-CN" b="0" i="0" dirty="0">
-                <a:effectLst/>
-                <a:latin typeface="Courier New" panose="02070309020205020404" pitchFamily="49" charset="0"/>
-              </a:rPr>
-              <a:t>➔ </a:t>
-            </a:r>
-            <a:r>
-              <a:rPr lang="de-DE" altLang="zh-CN" b="0" i="0" dirty="0">
-                <a:effectLst/>
-                <a:latin typeface="Arial" panose="020B0604020202020204" pitchFamily="34" charset="0"/>
-              </a:rPr>
-              <a:t>Zusammenfassung</a:t>
-            </a:r>
-            <a:br>
-              <a:rPr lang="de-DE" altLang="zh-CN" dirty="0"/>
-            </a:br>
-            <a:r>
-              <a:rPr lang="de-DE" altLang="zh-CN" b="0" i="0" dirty="0">
-                <a:effectLst/>
-                <a:latin typeface="Courier New" panose="02070309020205020404" pitchFamily="49" charset="0"/>
-              </a:rPr>
-              <a:t>➔ </a:t>
-            </a:r>
-            <a:r>
-              <a:rPr lang="de-DE" altLang="zh-CN" b="0" i="0" dirty="0">
-                <a:effectLst/>
-                <a:latin typeface="Arial" panose="020B0604020202020204" pitchFamily="34" charset="0"/>
-              </a:rPr>
-              <a:t>Quellenverzeichnis</a:t>
-            </a:r>
-            <a:endParaRPr lang="de-DE" dirty="0"/>
-          </a:p>
-        </p:txBody>
-      </p:sp>
-    </p:spTree>
-    <p:extLst>
-      <p:ext uri="{BB962C8B-B14F-4D97-AF65-F5344CB8AC3E}">
-        <p14:creationId xmlns:p14="http://schemas.microsoft.com/office/powerpoint/2010/main" val="2457378019"/>
-      </p:ext>
-    </p:extLst>
-  </p:cSld>
-  <p:clrMapOvr>
-    <a:masterClrMapping/>
-  </p:clrMapOvr>
-</p:sld>
-</file>
-
-<file path=ppt/slides/slide12.xml><?xml version="1.0" encoding="utf-8"?>
-<p:sld xmlns:a="http://schemas.openxmlformats.org/drawingml/2006/main" xmlns:r="http://schemas.openxmlformats.org/officeDocument/2006/relationships" xmlns:p="http://schemas.openxmlformats.org/presentationml/2006/main">
-  <p:cSld>
-    <p:spTree>
-      <p:nvGrpSpPr>
-        <p:cNvPr id="1" name="">
-          <a:extLst>
-            <a:ext uri="{FF2B5EF4-FFF2-40B4-BE49-F238E27FC236}">
-              <a16:creationId xmlns:a16="http://schemas.microsoft.com/office/drawing/2014/main" id="{56C4EA9F-72F5-C8E7-1350-CDC8EFA01C0F}"/>
-            </a:ext>
-          </a:extLst>
-        </p:cNvPr>
-        <p:cNvGrpSpPr/>
-        <p:nvPr/>
-      </p:nvGrpSpPr>
-      <p:grpSpPr>
-        <a:xfrm>
-          <a:off x="0" y="0"/>
-          <a:ext cx="0" cy="0"/>
-          <a:chOff x="0" y="0"/>
-          <a:chExt cx="0" cy="0"/>
-        </a:xfrm>
-      </p:grpSpPr>
-      <p:sp>
-        <p:nvSpPr>
-          <p:cNvPr id="2" name="Inhaltsplatzhalter 1">
+          <p:cNvPr id="2" name="内容占位符 1">
             <a:extLst>
               <a:ext uri="{FF2B5EF4-FFF2-40B4-BE49-F238E27FC236}">
-                <a16:creationId xmlns:a16="http://schemas.microsoft.com/office/drawing/2014/main" id="{F3DA3F9B-8309-AC89-F554-B966105A7759}"/>
+                <a16:creationId xmlns:a16="http://schemas.microsoft.com/office/drawing/2014/main" id="{11DA8E2C-0130-13BE-2760-649C928E4CE1}"/>
               </a:ext>
             </a:extLst>
           </p:cNvPr>
@@ -8649,29 +8641,21 @@
             <p:ph idx="1"/>
           </p:nvPr>
         </p:nvSpPr>
-        <p:spPr>
-          <a:xfrm>
-            <a:off x="319090" y="4315080"/>
-            <a:ext cx="8508999" cy="380745"/>
-          </a:xfrm>
-        </p:spPr>
+        <p:spPr/>
         <p:txBody>
           <a:bodyPr/>
           <a:lstStyle/>
           <a:p>
-            <a:r>
-              <a:rPr lang="de-DE" dirty="0"/>
-              <a:t>Mit dem menschlichen Auge nicht zu unterscheiden. Auf Datenebene aber kleine Abweichungen!</a:t>
-            </a:r>
-          </a:p>
-        </p:txBody>
-      </p:sp>
-      <p:sp>
-        <p:nvSpPr>
-          <p:cNvPr id="3" name="Titel 2">
+            <a:endParaRPr kumimoji="1" lang="zh-CN" altLang="en-US"/>
+          </a:p>
+        </p:txBody>
+      </p:sp>
+      <p:sp>
+        <p:nvSpPr>
+          <p:cNvPr id="3" name="标题 2">
             <a:extLst>
               <a:ext uri="{FF2B5EF4-FFF2-40B4-BE49-F238E27FC236}">
-                <a16:creationId xmlns:a16="http://schemas.microsoft.com/office/drawing/2014/main" id="{9F73F4E9-3499-B7E0-828C-C270522894AC}"/>
+                <a16:creationId xmlns:a16="http://schemas.microsoft.com/office/drawing/2014/main" id="{2BCE98AC-E668-4853-6326-EE7415ADF36F}"/>
               </a:ext>
             </a:extLst>
           </p:cNvPr>
@@ -8693,18 +8677,31 @@
           <a:lstStyle/>
           <a:p>
             <a:r>
-              <a:rPr lang="de-DE" dirty="0"/>
-              <a:t>Genauigkeitsanalyse Teil1 </a:t>
-            </a:r>
-          </a:p>
-        </p:txBody>
-      </p:sp>
-      <p:sp>
-        <p:nvSpPr>
-          <p:cNvPr id="4" name="Foliennummernplatzhalter 3">
+              <a:rPr kumimoji="1" lang="de-DE" altLang="zh-CN" dirty="0"/>
+              <a:t>Pic </a:t>
+            </a:r>
+            <a:r>
+              <a:rPr kumimoji="1" lang="de-DE" altLang="zh-CN" dirty="0" err="1"/>
+              <a:t>by</a:t>
+            </a:r>
+            <a:r>
+              <a:rPr kumimoji="1" lang="de-DE" altLang="zh-CN" dirty="0"/>
+              <a:t> </a:t>
+            </a:r>
+            <a:r>
+              <a:rPr kumimoji="1" lang="de-DE" altLang="zh-CN"/>
+              <a:t>zhongfang</a:t>
+            </a:r>
+            <a:endParaRPr kumimoji="1" lang="zh-CN" altLang="en-US"/>
+          </a:p>
+        </p:txBody>
+      </p:sp>
+      <p:sp>
+        <p:nvSpPr>
+          <p:cNvPr id="4" name="灯片编号占位符 3">
             <a:extLst>
               <a:ext uri="{FF2B5EF4-FFF2-40B4-BE49-F238E27FC236}">
-                <a16:creationId xmlns:a16="http://schemas.microsoft.com/office/drawing/2014/main" id="{16C2CE71-3D60-7C2E-29DF-53301675CA8F}"/>
+                <a16:creationId xmlns:a16="http://schemas.microsoft.com/office/drawing/2014/main" id="{1F00A861-337E-2E37-988F-514B321BA4E8}"/>
               </a:ext>
             </a:extLst>
           </p:cNvPr>
@@ -8723,7 +8720,7 @@
             <a:fld id="{CE58CB1E-F828-4F11-99E0-327109AF9DA4}" type="slidenum">
               <a:rPr lang="de-DE" smtClean="0"/>
               <a:pPr/>
-              <a:t>12</a:t>
+              <a:t>13</a:t>
             </a:fld>
             <a:endParaRPr lang="de-DE" dirty="0"/>
           </a:p>
@@ -8731,10 +8728,10 @@
       </p:sp>
       <p:sp>
         <p:nvSpPr>
-          <p:cNvPr id="7" name="Fußzeilenplatzhalter 4">
+          <p:cNvPr id="5" name="页脚占位符 4">
             <a:extLst>
               <a:ext uri="{FF2B5EF4-FFF2-40B4-BE49-F238E27FC236}">
-                <a16:creationId xmlns:a16="http://schemas.microsoft.com/office/drawing/2014/main" id="{BF798FCB-197E-6D17-EB3C-31ED1CFF5333}"/>
+                <a16:creationId xmlns:a16="http://schemas.microsoft.com/office/drawing/2014/main" id="{EC2251CD-A5F3-7C85-0A71-EBC4CBFBF93C}"/>
               </a:ext>
             </a:extLst>
           </p:cNvPr>
@@ -8750,296 +8747,18 @@
           <a:bodyPr/>
           <a:lstStyle/>
           <a:p>
-            <a:pPr>
-              <a:spcAft>
-                <a:spcPts val="600"/>
-              </a:spcAft>
-            </a:pPr>
-            <a:r>
-              <a:rPr lang="de-DE" altLang="zh-CN" dirty="0"/>
-              <a:t>GRA Team 140 | Tianhao </a:t>
-            </a:r>
-            <a:r>
-              <a:rPr lang="de-DE" altLang="zh-CN" dirty="0" err="1"/>
-              <a:t>Gu</a:t>
-            </a:r>
-            <a:r>
-              <a:rPr lang="de-DE" altLang="zh-CN" dirty="0"/>
-              <a:t> | </a:t>
-            </a:r>
-            <a:r>
-              <a:rPr lang="de-DE" altLang="zh-CN" dirty="0" err="1"/>
-              <a:t>Zhongfang</a:t>
-            </a:r>
-            <a:r>
-              <a:rPr lang="de-DE" altLang="zh-CN" dirty="0"/>
-              <a:t> Wang | Julien </a:t>
-            </a:r>
-            <a:r>
-              <a:rPr lang="de-DE" altLang="zh-CN" dirty="0" err="1"/>
-              <a:t>Escaig</a:t>
-            </a:r>
-            <a:r>
-              <a:rPr lang="de-DE" altLang="zh-CN" dirty="0"/>
-              <a:t> </a:t>
-            </a:r>
-            <a:endParaRPr lang="en-US" altLang="zh-CN" dirty="0"/>
-          </a:p>
-        </p:txBody>
-      </p:sp>
-      <p:pic>
-        <p:nvPicPr>
-          <p:cNvPr id="6" name="Grafik 5" descr="Ein Bild, das Himmel, Landschaft, draußen, Schwarzweiß enthält.&#10;&#10;Automatisch generierte Beschreibung">
-            <a:extLst>
-              <a:ext uri="{FF2B5EF4-FFF2-40B4-BE49-F238E27FC236}">
-                <a16:creationId xmlns:a16="http://schemas.microsoft.com/office/drawing/2014/main" id="{DF8741D3-1A3F-38B6-217F-D5A12A220872}"/>
-              </a:ext>
-            </a:extLst>
-          </p:cNvPr>
-          <p:cNvPicPr>
-            <a:picLocks noChangeAspect="1"/>
-          </p:cNvPicPr>
-          <p:nvPr/>
-        </p:nvPicPr>
-        <p:blipFill>
-          <a:blip r:embed="rId2"/>
-          <a:stretch>
-            <a:fillRect/>
-          </a:stretch>
-        </p:blipFill>
-        <p:spPr>
-          <a:xfrm>
-            <a:off x="376518" y="1352745"/>
-            <a:ext cx="4077156" cy="2713857"/>
-          </a:xfrm>
-          <a:prstGeom prst="rect">
-            <a:avLst/>
-          </a:prstGeom>
-        </p:spPr>
-      </p:pic>
-      <p:pic>
-        <p:nvPicPr>
-          <p:cNvPr id="9" name="Grafik 8" descr="Ein Bild, das Himmel, Landschaft, draußen, Schwarzweiß enthält.&#10;&#10;Automatisch generierte Beschreibung">
-            <a:extLst>
-              <a:ext uri="{FF2B5EF4-FFF2-40B4-BE49-F238E27FC236}">
-                <a16:creationId xmlns:a16="http://schemas.microsoft.com/office/drawing/2014/main" id="{9F008B35-AC39-AC16-13C0-2CBA29F8227E}"/>
-              </a:ext>
-            </a:extLst>
-          </p:cNvPr>
-          <p:cNvPicPr>
-            <a:picLocks noChangeAspect="1"/>
-          </p:cNvPicPr>
-          <p:nvPr/>
-        </p:nvPicPr>
-        <p:blipFill>
-          <a:blip r:embed="rId3"/>
-          <a:stretch>
-            <a:fillRect/>
-          </a:stretch>
-        </p:blipFill>
-        <p:spPr>
-          <a:xfrm>
-            <a:off x="4645472" y="1352745"/>
-            <a:ext cx="4077156" cy="2713857"/>
-          </a:xfrm>
-          <a:prstGeom prst="rect">
-            <a:avLst/>
-          </a:prstGeom>
-        </p:spPr>
-      </p:pic>
+            <a:r>
+              <a:rPr lang="de-DE"/>
+              <a:t>Dr. rer. nat. Erika Mustermann (TUM) | kann beliebig erweitert werden | Infos mit Strich trennen</a:t>
+            </a:r>
+            <a:endParaRPr lang="en-US" dirty="0"/>
+          </a:p>
+        </p:txBody>
+      </p:sp>
     </p:spTree>
     <p:extLst>
       <p:ext uri="{BB962C8B-B14F-4D97-AF65-F5344CB8AC3E}">
-        <p14:creationId xmlns:p14="http://schemas.microsoft.com/office/powerpoint/2010/main" val="804006442"/>
-      </p:ext>
-    </p:extLst>
-  </p:cSld>
-  <p:clrMapOvr>
-    <a:masterClrMapping/>
-  </p:clrMapOvr>
-</p:sld>
-</file>
-
-<file path=ppt/slides/slide13.xml><?xml version="1.0" encoding="utf-8"?>
-<p:sld xmlns:a="http://schemas.openxmlformats.org/drawingml/2006/main" xmlns:r="http://schemas.openxmlformats.org/officeDocument/2006/relationships" xmlns:p="http://schemas.openxmlformats.org/presentationml/2006/main">
-  <p:cSld>
-    <p:spTree>
-      <p:nvGrpSpPr>
-        <p:cNvPr id="1" name="">
-          <a:extLst>
-            <a:ext uri="{FF2B5EF4-FFF2-40B4-BE49-F238E27FC236}">
-              <a16:creationId xmlns:a16="http://schemas.microsoft.com/office/drawing/2014/main" id="{3A7D14BA-D700-E422-8008-E6136083D5E2}"/>
-            </a:ext>
-          </a:extLst>
-        </p:cNvPr>
-        <p:cNvGrpSpPr/>
-        <p:nvPr/>
-      </p:nvGrpSpPr>
-      <p:grpSpPr>
-        <a:xfrm>
-          <a:off x="0" y="0"/>
-          <a:ext cx="0" cy="0"/>
-          <a:chOff x="0" y="0"/>
-          <a:chExt cx="0" cy="0"/>
-        </a:xfrm>
-      </p:grpSpPr>
-      <p:sp>
-        <p:nvSpPr>
-          <p:cNvPr id="2" name="Inhaltsplatzhalter 1">
-            <a:extLst>
-              <a:ext uri="{FF2B5EF4-FFF2-40B4-BE49-F238E27FC236}">
-                <a16:creationId xmlns:a16="http://schemas.microsoft.com/office/drawing/2014/main" id="{6D1A08D3-A60A-71F1-7A3D-9E6E4DB17898}"/>
-              </a:ext>
-            </a:extLst>
-          </p:cNvPr>
-          <p:cNvSpPr>
-            <a:spLocks noGrp="1"/>
-          </p:cNvSpPr>
-          <p:nvPr>
-            <p:ph idx="1"/>
-          </p:nvPr>
-        </p:nvSpPr>
-        <p:spPr/>
-        <p:txBody>
-          <a:bodyPr/>
-          <a:lstStyle/>
-          <a:p>
-            <a:r>
-              <a:rPr lang="de-DE" dirty="0">
-                <a:highlight>
-                  <a:srgbClr val="FFFF00"/>
-                </a:highlight>
-              </a:rPr>
-              <a:t>MISSING GRAPH!!</a:t>
-            </a:r>
-          </a:p>
-        </p:txBody>
-      </p:sp>
-      <p:sp>
-        <p:nvSpPr>
-          <p:cNvPr id="3" name="Titel 2">
-            <a:extLst>
-              <a:ext uri="{FF2B5EF4-FFF2-40B4-BE49-F238E27FC236}">
-                <a16:creationId xmlns:a16="http://schemas.microsoft.com/office/drawing/2014/main" id="{47927A46-5D07-3BFC-B05B-7354B3788148}"/>
-              </a:ext>
-            </a:extLst>
-          </p:cNvPr>
-          <p:cNvSpPr>
-            <a:spLocks noGrp="1"/>
-          </p:cNvSpPr>
-          <p:nvPr>
-            <p:ph type="title"/>
-          </p:nvPr>
-        </p:nvSpPr>
-        <p:spPr>
-          <a:xfrm>
-            <a:off x="319090" y="972000"/>
-            <a:ext cx="8508999" cy="380745"/>
-          </a:xfrm>
-        </p:spPr>
-        <p:txBody>
-          <a:bodyPr/>
-          <a:lstStyle/>
-          <a:p>
-            <a:r>
-              <a:rPr lang="de-DE" dirty="0"/>
-              <a:t>Genauigkeitsanalyse Teil2</a:t>
-            </a:r>
-          </a:p>
-        </p:txBody>
-      </p:sp>
-      <p:sp>
-        <p:nvSpPr>
-          <p:cNvPr id="4" name="Foliennummernplatzhalter 3">
-            <a:extLst>
-              <a:ext uri="{FF2B5EF4-FFF2-40B4-BE49-F238E27FC236}">
-                <a16:creationId xmlns:a16="http://schemas.microsoft.com/office/drawing/2014/main" id="{EA8C4A7F-DBE0-B5D1-E5BB-6683289406BE}"/>
-              </a:ext>
-            </a:extLst>
-          </p:cNvPr>
-          <p:cNvSpPr>
-            <a:spLocks noGrp="1"/>
-          </p:cNvSpPr>
-          <p:nvPr>
-            <p:ph type="sldNum" sz="quarter" idx="11"/>
-          </p:nvPr>
-        </p:nvSpPr>
-        <p:spPr/>
-        <p:txBody>
-          <a:bodyPr/>
-          <a:lstStyle/>
-          <a:p>
-            <a:fld id="{CE58CB1E-F828-4F11-99E0-327109AF9DA4}" type="slidenum">
-              <a:rPr lang="de-DE" smtClean="0"/>
-              <a:pPr/>
-              <a:t>13</a:t>
-            </a:fld>
-            <a:endParaRPr lang="de-DE" dirty="0"/>
-          </a:p>
-        </p:txBody>
-      </p:sp>
-      <p:sp>
-        <p:nvSpPr>
-          <p:cNvPr id="7" name="Fußzeilenplatzhalter 4">
-            <a:extLst>
-              <a:ext uri="{FF2B5EF4-FFF2-40B4-BE49-F238E27FC236}">
-                <a16:creationId xmlns:a16="http://schemas.microsoft.com/office/drawing/2014/main" id="{406A03DC-8A31-86E6-650C-46D3941F98A9}"/>
-              </a:ext>
-            </a:extLst>
-          </p:cNvPr>
-          <p:cNvSpPr>
-            <a:spLocks noGrp="1"/>
-          </p:cNvSpPr>
-          <p:nvPr>
-            <p:ph type="ftr" sz="quarter" idx="12"/>
-          </p:nvPr>
-        </p:nvSpPr>
-        <p:spPr/>
-        <p:txBody>
-          <a:bodyPr/>
-          <a:lstStyle/>
-          <a:p>
-            <a:pPr>
-              <a:spcAft>
-                <a:spcPts val="600"/>
-              </a:spcAft>
-            </a:pPr>
-            <a:r>
-              <a:rPr lang="de-DE" altLang="zh-CN" dirty="0"/>
-              <a:t>GRA Team 140 | Tianhao </a:t>
-            </a:r>
-            <a:r>
-              <a:rPr lang="de-DE" altLang="zh-CN" dirty="0" err="1"/>
-              <a:t>Gu</a:t>
-            </a:r>
-            <a:r>
-              <a:rPr lang="de-DE" altLang="zh-CN" dirty="0"/>
-              <a:t> | </a:t>
-            </a:r>
-            <a:r>
-              <a:rPr lang="de-DE" altLang="zh-CN" dirty="0" err="1"/>
-              <a:t>Zhongfang</a:t>
-            </a:r>
-            <a:r>
-              <a:rPr lang="de-DE" altLang="zh-CN" dirty="0"/>
-              <a:t> Wang | Julien </a:t>
-            </a:r>
-            <a:r>
-              <a:rPr lang="de-DE" altLang="zh-CN" dirty="0" err="1"/>
-              <a:t>Escaig</a:t>
-            </a:r>
-            <a:r>
-              <a:rPr lang="de-DE" altLang="zh-CN" dirty="0"/>
-              <a:t> </a:t>
-            </a:r>
-            <a:endParaRPr lang="en-US" altLang="zh-CN" dirty="0"/>
-          </a:p>
-        </p:txBody>
-      </p:sp>
-    </p:spTree>
-    <p:extLst>
-      <p:ext uri="{BB962C8B-B14F-4D97-AF65-F5344CB8AC3E}">
-        <p14:creationId xmlns:p14="http://schemas.microsoft.com/office/powerpoint/2010/main" val="4175357940"/>
+        <p14:creationId xmlns:p14="http://schemas.microsoft.com/office/powerpoint/2010/main" val="2540494260"/>
       </p:ext>
     </p:extLst>
   </p:cSld>
@@ -9284,14 +9003,11 @@
           <a:bodyPr/>
           <a:lstStyle/>
           <a:p>
-            <a:r>
-              <a:rPr lang="de-DE" dirty="0">
-                <a:highlight>
-                  <a:srgbClr val="FFFF00"/>
-                </a:highlight>
-              </a:rPr>
-              <a:t>MISSING INFORMATION</a:t>
-            </a:r>
+            <a:endParaRPr lang="de-DE" dirty="0">
+              <a:highlight>
+                <a:srgbClr val="FFFF00"/>
+              </a:highlight>
+            </a:endParaRPr>
           </a:p>
         </p:txBody>
       </p:sp>
@@ -9314,7 +9030,7 @@
         <p:spPr>
           <a:xfrm>
             <a:off x="319090" y="972000"/>
-            <a:ext cx="8508999" cy="380745"/>
+            <a:ext cx="8508999" cy="377796"/>
           </a:xfrm>
         </p:spPr>
         <p:txBody>
@@ -9322,9 +9038,29 @@
           <a:lstStyle/>
           <a:p>
             <a:r>
-              <a:rPr lang="de-DE" dirty="0"/>
-              <a:t>Performanz Analyse </a:t>
-            </a:r>
+              <a:rPr lang="de-DE" altLang="zh-CN" sz="2400" dirty="0">
+                <a:effectLst/>
+                <a:latin typeface="ArialMT"/>
+              </a:rPr>
+              <a:t>Unser SIMD </a:t>
+            </a:r>
+            <a:r>
+              <a:rPr lang="de-DE" altLang="zh-CN" sz="2400" dirty="0" err="1">
+                <a:effectLst/>
+                <a:latin typeface="ArialMT"/>
+              </a:rPr>
+              <a:t>Intrinsics</a:t>
+            </a:r>
+            <a:r>
+              <a:rPr lang="de-DE" altLang="zh-CN" sz="2400" dirty="0">
+                <a:effectLst/>
+                <a:latin typeface="ArialMT"/>
+              </a:rPr>
+              <a:t> Optimierungen </a:t>
+            </a:r>
+            <a:endParaRPr lang="de-DE" altLang="zh-CN" sz="2400" dirty="0">
+              <a:effectLst/>
+            </a:endParaRPr>
           </a:p>
         </p:txBody>
       </p:sp>
@@ -9448,6 +9184,315 @@
       </p:grpSpPr>
       <p:sp>
         <p:nvSpPr>
+          <p:cNvPr id="2" name="内容占位符 1">
+            <a:extLst>
+              <a:ext uri="{FF2B5EF4-FFF2-40B4-BE49-F238E27FC236}">
+                <a16:creationId xmlns:a16="http://schemas.microsoft.com/office/drawing/2014/main" id="{DF95C6B6-E4EC-8D37-CBDE-116EE03B7E3C}"/>
+              </a:ext>
+            </a:extLst>
+          </p:cNvPr>
+          <p:cNvSpPr>
+            <a:spLocks noGrp="1"/>
+          </p:cNvSpPr>
+          <p:nvPr>
+            <p:ph idx="1"/>
+          </p:nvPr>
+        </p:nvSpPr>
+        <p:spPr/>
+        <p:txBody>
+          <a:bodyPr/>
+          <a:lstStyle/>
+          <a:p>
+            <a:endParaRPr kumimoji="1" lang="zh-CN" altLang="en-US"/>
+          </a:p>
+        </p:txBody>
+      </p:sp>
+      <p:sp>
+        <p:nvSpPr>
+          <p:cNvPr id="3" name="标题 2">
+            <a:extLst>
+              <a:ext uri="{FF2B5EF4-FFF2-40B4-BE49-F238E27FC236}">
+                <a16:creationId xmlns:a16="http://schemas.microsoft.com/office/drawing/2014/main" id="{B7435183-28A7-8001-8371-DABA1D555C4A}"/>
+              </a:ext>
+            </a:extLst>
+          </p:cNvPr>
+          <p:cNvSpPr>
+            <a:spLocks noGrp="1"/>
+          </p:cNvSpPr>
+          <p:nvPr>
+            <p:ph type="title"/>
+          </p:nvPr>
+        </p:nvSpPr>
+        <p:spPr>
+          <a:xfrm>
+            <a:off x="319090" y="972000"/>
+            <a:ext cx="8508999" cy="377796"/>
+          </a:xfrm>
+        </p:spPr>
+        <p:txBody>
+          <a:bodyPr/>
+          <a:lstStyle/>
+          <a:p>
+            <a:r>
+              <a:rPr lang="de-DE" altLang="zh-CN" sz="2400" dirty="0">
+                <a:effectLst/>
+                <a:latin typeface="ArialMT"/>
+              </a:rPr>
+              <a:t>Laufzeitunterschied </a:t>
+            </a:r>
+            <a:endParaRPr lang="de-DE" altLang="zh-CN" sz="2400" dirty="0">
+              <a:effectLst/>
+            </a:endParaRPr>
+          </a:p>
+        </p:txBody>
+      </p:sp>
+      <p:sp>
+        <p:nvSpPr>
+          <p:cNvPr id="4" name="灯片编号占位符 3">
+            <a:extLst>
+              <a:ext uri="{FF2B5EF4-FFF2-40B4-BE49-F238E27FC236}">
+                <a16:creationId xmlns:a16="http://schemas.microsoft.com/office/drawing/2014/main" id="{2E2AD518-23B9-FD1C-E099-C0FDADD86F7B}"/>
+              </a:ext>
+            </a:extLst>
+          </p:cNvPr>
+          <p:cNvSpPr>
+            <a:spLocks noGrp="1"/>
+          </p:cNvSpPr>
+          <p:nvPr>
+            <p:ph type="sldNum" sz="quarter" idx="11"/>
+          </p:nvPr>
+        </p:nvSpPr>
+        <p:spPr/>
+        <p:txBody>
+          <a:bodyPr/>
+          <a:lstStyle/>
+          <a:p>
+            <a:fld id="{CE58CB1E-F828-4F11-99E0-327109AF9DA4}" type="slidenum">
+              <a:rPr lang="de-DE" smtClean="0"/>
+              <a:pPr/>
+              <a:t>16</a:t>
+            </a:fld>
+            <a:endParaRPr lang="de-DE" dirty="0"/>
+          </a:p>
+        </p:txBody>
+      </p:sp>
+      <p:sp>
+        <p:nvSpPr>
+          <p:cNvPr id="5" name="页脚占位符 4">
+            <a:extLst>
+              <a:ext uri="{FF2B5EF4-FFF2-40B4-BE49-F238E27FC236}">
+                <a16:creationId xmlns:a16="http://schemas.microsoft.com/office/drawing/2014/main" id="{160D11D0-C365-2571-C411-C305414244F8}"/>
+              </a:ext>
+            </a:extLst>
+          </p:cNvPr>
+          <p:cNvSpPr>
+            <a:spLocks noGrp="1"/>
+          </p:cNvSpPr>
+          <p:nvPr>
+            <p:ph type="ftr" sz="quarter" idx="12"/>
+          </p:nvPr>
+        </p:nvSpPr>
+        <p:spPr/>
+        <p:txBody>
+          <a:bodyPr/>
+          <a:lstStyle/>
+          <a:p>
+            <a:r>
+              <a:rPr lang="de-DE"/>
+              <a:t>Dr. rer. nat. Erika Mustermann (TUM) | kann beliebig erweitert werden | Infos mit Strich trennen</a:t>
+            </a:r>
+            <a:endParaRPr lang="en-US" dirty="0"/>
+          </a:p>
+        </p:txBody>
+      </p:sp>
+    </p:spTree>
+    <p:extLst>
+      <p:ext uri="{BB962C8B-B14F-4D97-AF65-F5344CB8AC3E}">
+        <p14:creationId xmlns:p14="http://schemas.microsoft.com/office/powerpoint/2010/main" val="1237954888"/>
+      </p:ext>
+    </p:extLst>
+  </p:cSld>
+  <p:clrMapOvr>
+    <a:masterClrMapping/>
+  </p:clrMapOvr>
+</p:sld>
+</file>
+
+<file path=ppt/slides/slide17.xml><?xml version="1.0" encoding="utf-8"?>
+<p:sld xmlns:a="http://schemas.openxmlformats.org/drawingml/2006/main" xmlns:r="http://schemas.openxmlformats.org/officeDocument/2006/relationships" xmlns:p="http://schemas.openxmlformats.org/presentationml/2006/main">
+  <p:cSld>
+    <p:spTree>
+      <p:nvGrpSpPr>
+        <p:cNvPr id="1" name=""/>
+        <p:cNvGrpSpPr/>
+        <p:nvPr/>
+      </p:nvGrpSpPr>
+      <p:grpSpPr>
+        <a:xfrm>
+          <a:off x="0" y="0"/>
+          <a:ext cx="0" cy="0"/>
+          <a:chOff x="0" y="0"/>
+          <a:chExt cx="0" cy="0"/>
+        </a:xfrm>
+      </p:grpSpPr>
+      <p:sp>
+        <p:nvSpPr>
+          <p:cNvPr id="2" name="内容占位符 1">
+            <a:extLst>
+              <a:ext uri="{FF2B5EF4-FFF2-40B4-BE49-F238E27FC236}">
+                <a16:creationId xmlns:a16="http://schemas.microsoft.com/office/drawing/2014/main" id="{C9BAD999-E519-B8D9-905B-E64E5C333E01}"/>
+              </a:ext>
+            </a:extLst>
+          </p:cNvPr>
+          <p:cNvSpPr>
+            <a:spLocks noGrp="1"/>
+          </p:cNvSpPr>
+          <p:nvPr>
+            <p:ph idx="1"/>
+          </p:nvPr>
+        </p:nvSpPr>
+        <p:spPr/>
+        <p:txBody>
+          <a:bodyPr/>
+          <a:lstStyle/>
+          <a:p>
+            <a:endParaRPr kumimoji="1" lang="zh-CN" altLang="en-US"/>
+          </a:p>
+        </p:txBody>
+      </p:sp>
+      <p:sp>
+        <p:nvSpPr>
+          <p:cNvPr id="3" name="标题 2">
+            <a:extLst>
+              <a:ext uri="{FF2B5EF4-FFF2-40B4-BE49-F238E27FC236}">
+                <a16:creationId xmlns:a16="http://schemas.microsoft.com/office/drawing/2014/main" id="{8E055F65-BF5F-C6F2-C59F-B84142850240}"/>
+              </a:ext>
+            </a:extLst>
+          </p:cNvPr>
+          <p:cNvSpPr>
+            <a:spLocks noGrp="1"/>
+          </p:cNvSpPr>
+          <p:nvPr>
+            <p:ph type="title"/>
+          </p:nvPr>
+        </p:nvSpPr>
+        <p:spPr>
+          <a:xfrm>
+            <a:off x="319090" y="972000"/>
+            <a:ext cx="8508999" cy="791114"/>
+          </a:xfrm>
+        </p:spPr>
+        <p:txBody>
+          <a:bodyPr/>
+          <a:lstStyle/>
+          <a:p>
+            <a:r>
+              <a:rPr lang="de-DE" altLang="zh-CN" sz="2400" dirty="0">
+                <a:effectLst/>
+                <a:latin typeface="ArialMT"/>
+              </a:rPr>
+              <a:t>Vergleich: Algorithmisch- und SIMD optimierte Ansatz </a:t>
+            </a:r>
+            <a:br>
+              <a:rPr lang="de-DE" altLang="zh-CN" sz="2400" dirty="0">
+                <a:effectLst/>
+              </a:rPr>
+            </a:br>
+            <a:endParaRPr kumimoji="1" lang="zh-CN" altLang="en-US" sz="2400" dirty="0"/>
+          </a:p>
+        </p:txBody>
+      </p:sp>
+      <p:sp>
+        <p:nvSpPr>
+          <p:cNvPr id="4" name="灯片编号占位符 3">
+            <a:extLst>
+              <a:ext uri="{FF2B5EF4-FFF2-40B4-BE49-F238E27FC236}">
+                <a16:creationId xmlns:a16="http://schemas.microsoft.com/office/drawing/2014/main" id="{98ECCEFB-1D07-3ACF-3E1A-E9E89F2D8F7A}"/>
+              </a:ext>
+            </a:extLst>
+          </p:cNvPr>
+          <p:cNvSpPr>
+            <a:spLocks noGrp="1"/>
+          </p:cNvSpPr>
+          <p:nvPr>
+            <p:ph type="sldNum" sz="quarter" idx="11"/>
+          </p:nvPr>
+        </p:nvSpPr>
+        <p:spPr/>
+        <p:txBody>
+          <a:bodyPr/>
+          <a:lstStyle/>
+          <a:p>
+            <a:fld id="{CE58CB1E-F828-4F11-99E0-327109AF9DA4}" type="slidenum">
+              <a:rPr lang="de-DE" smtClean="0"/>
+              <a:pPr/>
+              <a:t>17</a:t>
+            </a:fld>
+            <a:endParaRPr lang="de-DE" dirty="0"/>
+          </a:p>
+        </p:txBody>
+      </p:sp>
+      <p:sp>
+        <p:nvSpPr>
+          <p:cNvPr id="5" name="页脚占位符 4">
+            <a:extLst>
+              <a:ext uri="{FF2B5EF4-FFF2-40B4-BE49-F238E27FC236}">
+                <a16:creationId xmlns:a16="http://schemas.microsoft.com/office/drawing/2014/main" id="{5132A784-63A9-A26D-CC8A-5A444ECE34F5}"/>
+              </a:ext>
+            </a:extLst>
+          </p:cNvPr>
+          <p:cNvSpPr>
+            <a:spLocks noGrp="1"/>
+          </p:cNvSpPr>
+          <p:nvPr>
+            <p:ph type="ftr" sz="quarter" idx="12"/>
+          </p:nvPr>
+        </p:nvSpPr>
+        <p:spPr/>
+        <p:txBody>
+          <a:bodyPr/>
+          <a:lstStyle/>
+          <a:p>
+            <a:r>
+              <a:rPr lang="de-DE"/>
+              <a:t>Dr. rer. nat. Erika Mustermann (TUM) | kann beliebig erweitert werden | Infos mit Strich trennen</a:t>
+            </a:r>
+            <a:endParaRPr lang="en-US" dirty="0"/>
+          </a:p>
+        </p:txBody>
+      </p:sp>
+    </p:spTree>
+    <p:extLst>
+      <p:ext uri="{BB962C8B-B14F-4D97-AF65-F5344CB8AC3E}">
+        <p14:creationId xmlns:p14="http://schemas.microsoft.com/office/powerpoint/2010/main" val="3981352023"/>
+      </p:ext>
+    </p:extLst>
+  </p:cSld>
+  <p:clrMapOvr>
+    <a:masterClrMapping/>
+  </p:clrMapOvr>
+</p:sld>
+</file>
+
+<file path=ppt/slides/slide18.xml><?xml version="1.0" encoding="utf-8"?>
+<p:sld xmlns:a="http://schemas.openxmlformats.org/drawingml/2006/main" xmlns:r="http://schemas.openxmlformats.org/officeDocument/2006/relationships" xmlns:p="http://schemas.openxmlformats.org/presentationml/2006/main">
+  <p:cSld>
+    <p:spTree>
+      <p:nvGrpSpPr>
+        <p:cNvPr id="1" name=""/>
+        <p:cNvGrpSpPr/>
+        <p:nvPr/>
+      </p:nvGrpSpPr>
+      <p:grpSpPr>
+        <a:xfrm>
+          <a:off x="0" y="0"/>
+          <a:ext cx="0" cy="0"/>
+          <a:chOff x="0" y="0"/>
+          <a:chExt cx="0" cy="0"/>
+        </a:xfrm>
+      </p:grpSpPr>
+      <p:sp>
+        <p:nvSpPr>
           <p:cNvPr id="5" name="Titel 4"/>
           <p:cNvSpPr>
             <a:spLocks noGrp="1"/>
@@ -9620,7 +9665,7 @@
 </p:sld>
 </file>
 
-<file path=ppt/slides/slide17.xml><?xml version="1.0" encoding="utf-8"?>
+<file path=ppt/slides/slide19.xml><?xml version="1.0" encoding="utf-8"?>
 <p:sld xmlns:a="http://schemas.openxmlformats.org/drawingml/2006/main" xmlns:r="http://schemas.openxmlformats.org/officeDocument/2006/relationships" xmlns:p="http://schemas.openxmlformats.org/presentationml/2006/main">
   <p:cSld>
     <p:spTree>
@@ -9643,35 +9688,68 @@
           <a:chExt cx="0" cy="0"/>
         </a:xfrm>
       </p:grpSpPr>
-      <p:sp>
-        <p:nvSpPr>
-          <p:cNvPr id="2" name="Inhaltsplatzhalter 1">
+      <p:pic>
+        <p:nvPicPr>
+          <p:cNvPr id="9" name="图片 8" descr="蓝色眼睛的猴子&#10;&#10;描述已自动生成">
             <a:extLst>
               <a:ext uri="{FF2B5EF4-FFF2-40B4-BE49-F238E27FC236}">
-                <a16:creationId xmlns:a16="http://schemas.microsoft.com/office/drawing/2014/main" id="{DE24BB17-E45F-1B64-491D-43BBCA342AAE}"/>
+                <a16:creationId xmlns:a16="http://schemas.microsoft.com/office/drawing/2014/main" id="{1BECB43B-4543-D478-D18C-3B0EC0573C70}"/>
               </a:ext>
             </a:extLst>
           </p:cNvPr>
-          <p:cNvSpPr>
-            <a:spLocks noGrp="1"/>
-          </p:cNvSpPr>
+          <p:cNvPicPr>
+            <a:picLocks noChangeAspect="1"/>
+          </p:cNvPicPr>
+          <p:nvPr/>
+        </p:nvPicPr>
+        <p:blipFill>
+          <a:blip r:embed="rId2"/>
+          <a:stretch>
+            <a:fillRect/>
+          </a:stretch>
+        </p:blipFill>
+        <p:spPr>
+          <a:xfrm>
+            <a:off x="902828" y="1483263"/>
+            <a:ext cx="3132610" cy="3112630"/>
+          </a:xfrm>
+          <a:prstGeom prst="rect">
+            <a:avLst/>
+          </a:prstGeom>
+        </p:spPr>
+      </p:pic>
+      <p:pic>
+        <p:nvPicPr>
+          <p:cNvPr id="6" name="内容占位符 5" descr="猴子的脸&#10;&#10;描述已自动生成">
+            <a:extLst>
+              <a:ext uri="{FF2B5EF4-FFF2-40B4-BE49-F238E27FC236}">
+                <a16:creationId xmlns:a16="http://schemas.microsoft.com/office/drawing/2014/main" id="{95A6830A-9B59-1A29-3059-9888A471D5A4}"/>
+              </a:ext>
+            </a:extLst>
+          </p:cNvPr>
+          <p:cNvPicPr>
+            <a:picLocks noGrp="1" noChangeAspect="1"/>
+          </p:cNvPicPr>
           <p:nvPr>
-            <p:ph idx="1"/>
+            <p:ph idx="4294967295"/>
           </p:nvPr>
-        </p:nvSpPr>
-        <p:spPr/>
-        <p:txBody>
-          <a:bodyPr/>
-          <a:lstStyle/>
-          <a:p>
-            <a:endParaRPr lang="de-DE" dirty="0">
-              <a:highlight>
-                <a:srgbClr val="FFFF00"/>
-              </a:highlight>
-            </a:endParaRPr>
-          </a:p>
-        </p:txBody>
-      </p:sp>
+        </p:nvPicPr>
+        <p:blipFill>
+          <a:blip r:embed="rId3"/>
+          <a:stretch>
+            <a:fillRect/>
+          </a:stretch>
+        </p:blipFill>
+        <p:spPr>
+          <a:xfrm>
+            <a:off x="5179131" y="1470852"/>
+            <a:ext cx="3132610" cy="3121161"/>
+          </a:xfrm>
+          <a:prstGeom prst="rect">
+            <a:avLst/>
+          </a:prstGeom>
+        </p:spPr>
+      </p:pic>
       <p:sp>
         <p:nvSpPr>
           <p:cNvPr id="3" name="Titel 2">
@@ -9691,11 +9769,13 @@
         <p:spPr>
           <a:xfrm>
             <a:off x="319090" y="972000"/>
-            <a:ext cx="8508999" cy="380745"/>
+            <a:ext cx="8508999" cy="410369"/>
           </a:xfrm>
         </p:spPr>
         <p:txBody>
-          <a:bodyPr/>
+          <a:bodyPr wrap="square" anchor="t">
+            <a:normAutofit/>
+          </a:bodyPr>
           <a:lstStyle/>
           <a:p>
             <a:r>
@@ -9718,20 +9798,36 @@
             <a:spLocks noGrp="1"/>
           </p:cNvSpPr>
           <p:nvPr>
-            <p:ph type="sldNum" sz="quarter" idx="11"/>
+            <p:ph type="sldNum" sz="quarter" idx="4294967295"/>
           </p:nvPr>
         </p:nvSpPr>
-        <p:spPr/>
-        <p:txBody>
-          <a:bodyPr/>
+        <p:spPr>
+          <a:xfrm>
+            <a:off x="6774934" y="4854985"/>
+            <a:ext cx="2052074" cy="273844"/>
+          </a:xfrm>
+        </p:spPr>
+        <p:txBody>
+          <a:bodyPr anchor="ctr">
+            <a:normAutofit/>
+          </a:bodyPr>
           <a:lstStyle/>
           <a:p>
+            <a:pPr>
+              <a:spcAft>
+                <a:spcPts val="600"/>
+              </a:spcAft>
+            </a:pPr>
             <a:fld id="{CE58CB1E-F828-4F11-99E0-327109AF9DA4}" type="slidenum">
               <a:rPr lang="de-DE" smtClean="0"/>
-              <a:pPr/>
-              <a:t>17</a:t>
+              <a:pPr>
+                <a:spcAft>
+                  <a:spcPts val="600"/>
+                </a:spcAft>
+              </a:pPr>
+              <a:t>19</a:t>
             </a:fld>
-            <a:endParaRPr lang="de-DE" dirty="0"/>
+            <a:endParaRPr lang="de-DE"/>
           </a:p>
         </p:txBody>
       </p:sp>
@@ -9748,12 +9844,19 @@
             <a:spLocks noGrp="1"/>
           </p:cNvSpPr>
           <p:nvPr>
-            <p:ph type="ftr" sz="quarter" idx="12"/>
+            <p:ph type="ftr" sz="quarter" idx="4294967295"/>
           </p:nvPr>
         </p:nvSpPr>
-        <p:spPr/>
-        <p:txBody>
-          <a:bodyPr/>
+        <p:spPr>
+          <a:xfrm>
+            <a:off x="311162" y="4854985"/>
+            <a:ext cx="6464280" cy="273844"/>
+          </a:xfrm>
+        </p:spPr>
+        <p:txBody>
+          <a:bodyPr anchor="ctr">
+            <a:normAutofit/>
+          </a:bodyPr>
           <a:lstStyle/>
           <a:p>
             <a:pPr>
@@ -9793,366 +9896,126 @@
           </a:p>
         </p:txBody>
       </p:sp>
+      <p:sp>
+        <p:nvSpPr>
+          <p:cNvPr id="10" name="右箭头 9">
+            <a:extLst>
+              <a:ext uri="{FF2B5EF4-FFF2-40B4-BE49-F238E27FC236}">
+                <a16:creationId xmlns:a16="http://schemas.microsoft.com/office/drawing/2014/main" id="{25A22EE3-0BFF-40CF-8245-902D28CFE346}"/>
+              </a:ext>
+            </a:extLst>
+          </p:cNvPr>
+          <p:cNvSpPr/>
+          <p:nvPr/>
+        </p:nvSpPr>
+        <p:spPr>
+          <a:xfrm>
+            <a:off x="4184822" y="3056238"/>
+            <a:ext cx="45719" cy="45719"/>
+          </a:xfrm>
+          <a:prstGeom prst="rightArrow">
+            <a:avLst/>
+          </a:prstGeom>
+          <a:ln>
+            <a:noFill/>
+          </a:ln>
+        </p:spPr>
+        <p:style>
+          <a:lnRef idx="2">
+            <a:schemeClr val="accent1">
+              <a:shade val="50000"/>
+            </a:schemeClr>
+          </a:lnRef>
+          <a:fillRef idx="1">
+            <a:schemeClr val="accent1"/>
+          </a:fillRef>
+          <a:effectRef idx="0">
+            <a:schemeClr val="accent1"/>
+          </a:effectRef>
+          <a:fontRef idx="minor">
+            <a:schemeClr val="lt1"/>
+          </a:fontRef>
+        </p:style>
+        <p:txBody>
+          <a:bodyPr rot="0" spcFirstLastPara="0" vertOverflow="overflow" horzOverflow="overflow" vert="horz" wrap="square" lIns="91440" tIns="45720" rIns="91440" bIns="45720" numCol="1" spcCol="0" rtlCol="0" fromWordArt="0" anchor="t" anchorCtr="0" forceAA="0" compatLnSpc="1">
+            <a:prstTxWarp prst="textNoShape">
+              <a:avLst/>
+            </a:prstTxWarp>
+            <a:noAutofit/>
+          </a:bodyPr>
+          <a:lstStyle/>
+          <a:p>
+            <a:pPr algn="ctr">
+              <a:lnSpc>
+                <a:spcPct val="114000"/>
+              </a:lnSpc>
+            </a:pPr>
+            <a:endParaRPr kumimoji="1" lang="zh-CN" altLang="en-US" dirty="0"/>
+          </a:p>
+        </p:txBody>
+      </p:sp>
+      <p:sp>
+        <p:nvSpPr>
+          <p:cNvPr id="11" name="右箭头 10">
+            <a:extLst>
+              <a:ext uri="{FF2B5EF4-FFF2-40B4-BE49-F238E27FC236}">
+                <a16:creationId xmlns:a16="http://schemas.microsoft.com/office/drawing/2014/main" id="{CFFDC19D-725B-9F74-A748-22C57D14593B}"/>
+              </a:ext>
+            </a:extLst>
+          </p:cNvPr>
+          <p:cNvSpPr/>
+          <p:nvPr/>
+        </p:nvSpPr>
+        <p:spPr>
+          <a:xfrm flipV="1">
+            <a:off x="4184822" y="2831909"/>
+            <a:ext cx="799206" cy="511790"/>
+          </a:xfrm>
+          <a:prstGeom prst="rightArrow">
+            <a:avLst/>
+          </a:prstGeom>
+          <a:ln>
+            <a:noFill/>
+          </a:ln>
+        </p:spPr>
+        <p:style>
+          <a:lnRef idx="2">
+            <a:schemeClr val="accent1">
+              <a:shade val="50000"/>
+            </a:schemeClr>
+          </a:lnRef>
+          <a:fillRef idx="1">
+            <a:schemeClr val="accent1"/>
+          </a:fillRef>
+          <a:effectRef idx="0">
+            <a:schemeClr val="accent1"/>
+          </a:effectRef>
+          <a:fontRef idx="minor">
+            <a:schemeClr val="lt1"/>
+          </a:fontRef>
+        </p:style>
+        <p:txBody>
+          <a:bodyPr rot="0" spcFirstLastPara="0" vertOverflow="overflow" horzOverflow="overflow" vert="horz" wrap="square" lIns="91440" tIns="45720" rIns="91440" bIns="45720" numCol="1" spcCol="0" rtlCol="0" fromWordArt="0" anchor="t" anchorCtr="0" forceAA="0" compatLnSpc="1">
+            <a:prstTxWarp prst="textNoShape">
+              <a:avLst/>
+            </a:prstTxWarp>
+            <a:noAutofit/>
+          </a:bodyPr>
+          <a:lstStyle/>
+          <a:p>
+            <a:pPr algn="ctr">
+              <a:lnSpc>
+                <a:spcPct val="114000"/>
+              </a:lnSpc>
+            </a:pPr>
+            <a:endParaRPr kumimoji="1" lang="zh-CN" altLang="en-US" dirty="0"/>
+          </a:p>
+        </p:txBody>
+      </p:sp>
     </p:spTree>
     <p:extLst>
       <p:ext uri="{BB962C8B-B14F-4D97-AF65-F5344CB8AC3E}">
         <p14:creationId xmlns:p14="http://schemas.microsoft.com/office/powerpoint/2010/main" val="218429333"/>
-      </p:ext>
-    </p:extLst>
-  </p:cSld>
-  <p:clrMapOvr>
-    <a:masterClrMapping/>
-  </p:clrMapOvr>
-</p:sld>
-</file>
-
-<file path=ppt/slides/slide18.xml><?xml version="1.0" encoding="utf-8"?>
-<p:sld xmlns:a="http://schemas.openxmlformats.org/drawingml/2006/main" xmlns:r="http://schemas.openxmlformats.org/officeDocument/2006/relationships" xmlns:p="http://schemas.openxmlformats.org/presentationml/2006/main">
-  <p:cSld>
-    <p:spTree>
-      <p:nvGrpSpPr>
-        <p:cNvPr id="1" name="">
-          <a:extLst>
-            <a:ext uri="{FF2B5EF4-FFF2-40B4-BE49-F238E27FC236}">
-              <a16:creationId xmlns:a16="http://schemas.microsoft.com/office/drawing/2014/main" id="{1C4974DE-D0A8-B8CA-59E1-8464447EB75B}"/>
-            </a:ext>
-          </a:extLst>
-        </p:cNvPr>
-        <p:cNvGrpSpPr/>
-        <p:nvPr/>
-      </p:nvGrpSpPr>
-      <p:grpSpPr>
-        <a:xfrm>
-          <a:off x="0" y="0"/>
-          <a:ext cx="0" cy="0"/>
-          <a:chOff x="0" y="0"/>
-          <a:chExt cx="0" cy="0"/>
-        </a:xfrm>
-      </p:grpSpPr>
-      <p:sp>
-        <p:nvSpPr>
-          <p:cNvPr id="2" name="Inhaltsplatzhalter 1">
-            <a:extLst>
-              <a:ext uri="{FF2B5EF4-FFF2-40B4-BE49-F238E27FC236}">
-                <a16:creationId xmlns:a16="http://schemas.microsoft.com/office/drawing/2014/main" id="{4C734606-4277-4303-5DD2-19F5117C0BD1}"/>
-              </a:ext>
-            </a:extLst>
-          </p:cNvPr>
-          <p:cNvSpPr>
-            <a:spLocks noGrp="1"/>
-          </p:cNvSpPr>
-          <p:nvPr>
-            <p:ph idx="1"/>
-          </p:nvPr>
-        </p:nvSpPr>
-        <p:spPr/>
-        <p:txBody>
-          <a:bodyPr/>
-          <a:lstStyle/>
-          <a:p>
-            <a:endParaRPr lang="de-DE" dirty="0"/>
-          </a:p>
-        </p:txBody>
-      </p:sp>
-      <p:sp>
-        <p:nvSpPr>
-          <p:cNvPr id="3" name="Titel 2">
-            <a:extLst>
-              <a:ext uri="{FF2B5EF4-FFF2-40B4-BE49-F238E27FC236}">
-                <a16:creationId xmlns:a16="http://schemas.microsoft.com/office/drawing/2014/main" id="{396DD556-B3A1-FCC2-28E2-A1E4BE158C46}"/>
-              </a:ext>
-            </a:extLst>
-          </p:cNvPr>
-          <p:cNvSpPr>
-            <a:spLocks noGrp="1"/>
-          </p:cNvSpPr>
-          <p:nvPr>
-            <p:ph type="title"/>
-          </p:nvPr>
-        </p:nvSpPr>
-        <p:spPr>
-          <a:xfrm>
-            <a:off x="319090" y="972000"/>
-            <a:ext cx="8508999" cy="380745"/>
-          </a:xfrm>
-        </p:spPr>
-        <p:txBody>
-          <a:bodyPr/>
-          <a:lstStyle/>
-          <a:p>
-            <a:r>
-              <a:rPr lang="de-DE" altLang="zh-CN" b="0" i="0" dirty="0">
-                <a:effectLst/>
-                <a:latin typeface="Arial" panose="020B0604020202020204" pitchFamily="34" charset="0"/>
-              </a:rPr>
-              <a:t>Quellenverzeichnis</a:t>
-            </a:r>
-            <a:endParaRPr lang="de-DE" dirty="0"/>
-          </a:p>
-        </p:txBody>
-      </p:sp>
-      <p:sp>
-        <p:nvSpPr>
-          <p:cNvPr id="4" name="Foliennummernplatzhalter 3">
-            <a:extLst>
-              <a:ext uri="{FF2B5EF4-FFF2-40B4-BE49-F238E27FC236}">
-                <a16:creationId xmlns:a16="http://schemas.microsoft.com/office/drawing/2014/main" id="{28DA4FEE-2E0D-693A-A11E-FC62ACCB308B}"/>
-              </a:ext>
-            </a:extLst>
-          </p:cNvPr>
-          <p:cNvSpPr>
-            <a:spLocks noGrp="1"/>
-          </p:cNvSpPr>
-          <p:nvPr>
-            <p:ph type="sldNum" sz="quarter" idx="11"/>
-          </p:nvPr>
-        </p:nvSpPr>
-        <p:spPr/>
-        <p:txBody>
-          <a:bodyPr/>
-          <a:lstStyle/>
-          <a:p>
-            <a:fld id="{CE58CB1E-F828-4F11-99E0-327109AF9DA4}" type="slidenum">
-              <a:rPr lang="de-DE" smtClean="0"/>
-              <a:pPr/>
-              <a:t>18</a:t>
-            </a:fld>
-            <a:endParaRPr lang="de-DE" dirty="0"/>
-          </a:p>
-        </p:txBody>
-      </p:sp>
-      <p:sp>
-        <p:nvSpPr>
-          <p:cNvPr id="7" name="Fußzeilenplatzhalter 4">
-            <a:extLst>
-              <a:ext uri="{FF2B5EF4-FFF2-40B4-BE49-F238E27FC236}">
-                <a16:creationId xmlns:a16="http://schemas.microsoft.com/office/drawing/2014/main" id="{9415BBA8-8F29-FB16-DD5A-AE4788233344}"/>
-              </a:ext>
-            </a:extLst>
-          </p:cNvPr>
-          <p:cNvSpPr>
-            <a:spLocks noGrp="1"/>
-          </p:cNvSpPr>
-          <p:nvPr>
-            <p:ph type="ftr" sz="quarter" idx="12"/>
-          </p:nvPr>
-        </p:nvSpPr>
-        <p:spPr/>
-        <p:txBody>
-          <a:bodyPr/>
-          <a:lstStyle/>
-          <a:p>
-            <a:pPr>
-              <a:spcAft>
-                <a:spcPts val="600"/>
-              </a:spcAft>
-            </a:pPr>
-            <a:r>
-              <a:rPr lang="de-DE" altLang="zh-CN" dirty="0"/>
-              <a:t>GRA Team 140 | Tianhao </a:t>
-            </a:r>
-            <a:r>
-              <a:rPr lang="de-DE" altLang="zh-CN" dirty="0" err="1"/>
-              <a:t>Gu</a:t>
-            </a:r>
-            <a:r>
-              <a:rPr lang="de-DE" altLang="zh-CN" dirty="0"/>
-              <a:t> | </a:t>
-            </a:r>
-            <a:r>
-              <a:rPr lang="de-DE" altLang="zh-CN" dirty="0" err="1"/>
-              <a:t>Zhongfang</a:t>
-            </a:r>
-            <a:r>
-              <a:rPr lang="de-DE" altLang="zh-CN" dirty="0"/>
-              <a:t> Wang | Julien </a:t>
-            </a:r>
-            <a:r>
-              <a:rPr lang="de-DE" altLang="zh-CN" dirty="0" err="1"/>
-              <a:t>Escaig</a:t>
-            </a:r>
-            <a:r>
-              <a:rPr lang="de-DE" altLang="zh-CN" dirty="0"/>
-              <a:t> </a:t>
-            </a:r>
-            <a:endParaRPr lang="en-US" altLang="zh-CN" dirty="0"/>
-          </a:p>
-        </p:txBody>
-      </p:sp>
-    </p:spTree>
-    <p:extLst>
-      <p:ext uri="{BB962C8B-B14F-4D97-AF65-F5344CB8AC3E}">
-        <p14:creationId xmlns:p14="http://schemas.microsoft.com/office/powerpoint/2010/main" val="2354259870"/>
-      </p:ext>
-    </p:extLst>
-  </p:cSld>
-  <p:clrMapOvr>
-    <a:masterClrMapping/>
-  </p:clrMapOvr>
-</p:sld>
-</file>
-
-<file path=ppt/slides/slide19.xml><?xml version="1.0" encoding="utf-8"?>
-<p:sld xmlns:a="http://schemas.openxmlformats.org/drawingml/2006/main" xmlns:r="http://schemas.openxmlformats.org/officeDocument/2006/relationships" xmlns:p="http://schemas.openxmlformats.org/presentationml/2006/main">
-  <p:cSld>
-    <p:spTree>
-      <p:nvGrpSpPr>
-        <p:cNvPr id="1" name="">
-          <a:extLst>
-            <a:ext uri="{FF2B5EF4-FFF2-40B4-BE49-F238E27FC236}">
-              <a16:creationId xmlns:a16="http://schemas.microsoft.com/office/drawing/2014/main" id="{1E8FA680-5630-6E40-3DE5-A23B32CEEA23}"/>
-            </a:ext>
-          </a:extLst>
-        </p:cNvPr>
-        <p:cNvGrpSpPr/>
-        <p:nvPr/>
-      </p:nvGrpSpPr>
-      <p:grpSpPr>
-        <a:xfrm>
-          <a:off x="0" y="0"/>
-          <a:ext cx="0" cy="0"/>
-          <a:chOff x="0" y="0"/>
-          <a:chExt cx="0" cy="0"/>
-        </a:xfrm>
-      </p:grpSpPr>
-      <p:sp>
-        <p:nvSpPr>
-          <p:cNvPr id="4" name="Foliennummernplatzhalter 3">
-            <a:extLst>
-              <a:ext uri="{FF2B5EF4-FFF2-40B4-BE49-F238E27FC236}">
-                <a16:creationId xmlns:a16="http://schemas.microsoft.com/office/drawing/2014/main" id="{ADF56F2D-BDD7-F492-5FD8-7507A523D34D}"/>
-              </a:ext>
-            </a:extLst>
-          </p:cNvPr>
-          <p:cNvSpPr>
-            <a:spLocks noGrp="1"/>
-          </p:cNvSpPr>
-          <p:nvPr>
-            <p:ph type="sldNum" sz="quarter" idx="11"/>
-          </p:nvPr>
-        </p:nvSpPr>
-        <p:spPr/>
-        <p:txBody>
-          <a:bodyPr/>
-          <a:lstStyle/>
-          <a:p>
-            <a:fld id="{CE58CB1E-F828-4F11-99E0-327109AF9DA4}" type="slidenum">
-              <a:rPr lang="de-DE" smtClean="0"/>
-              <a:pPr/>
-              <a:t>19</a:t>
-            </a:fld>
-            <a:endParaRPr lang="de-DE" dirty="0"/>
-          </a:p>
-        </p:txBody>
-      </p:sp>
-      <p:sp>
-        <p:nvSpPr>
-          <p:cNvPr id="7" name="Fußzeilenplatzhalter 4">
-            <a:extLst>
-              <a:ext uri="{FF2B5EF4-FFF2-40B4-BE49-F238E27FC236}">
-                <a16:creationId xmlns:a16="http://schemas.microsoft.com/office/drawing/2014/main" id="{654EA7E5-FA9C-11B6-2E8C-C23E658272C9}"/>
-              </a:ext>
-            </a:extLst>
-          </p:cNvPr>
-          <p:cNvSpPr>
-            <a:spLocks noGrp="1"/>
-          </p:cNvSpPr>
-          <p:nvPr>
-            <p:ph type="ftr" sz="quarter" idx="12"/>
-          </p:nvPr>
-        </p:nvSpPr>
-        <p:spPr/>
-        <p:txBody>
-          <a:bodyPr/>
-          <a:lstStyle/>
-          <a:p>
-            <a:pPr>
-              <a:spcAft>
-                <a:spcPts val="600"/>
-              </a:spcAft>
-            </a:pPr>
-            <a:r>
-              <a:rPr lang="de-DE" altLang="zh-CN" dirty="0"/>
-              <a:t>GRA Team 140 | Tianhao </a:t>
-            </a:r>
-            <a:r>
-              <a:rPr lang="de-DE" altLang="zh-CN" dirty="0" err="1"/>
-              <a:t>Gu</a:t>
-            </a:r>
-            <a:r>
-              <a:rPr lang="de-DE" altLang="zh-CN" dirty="0"/>
-              <a:t> | </a:t>
-            </a:r>
-            <a:r>
-              <a:rPr lang="de-DE" altLang="zh-CN" dirty="0" err="1"/>
-              <a:t>Zhongfang</a:t>
-            </a:r>
-            <a:r>
-              <a:rPr lang="de-DE" altLang="zh-CN" dirty="0"/>
-              <a:t> Wang | Julien </a:t>
-            </a:r>
-            <a:r>
-              <a:rPr lang="de-DE" altLang="zh-CN" dirty="0" err="1"/>
-              <a:t>Escaig</a:t>
-            </a:r>
-            <a:r>
-              <a:rPr lang="de-DE" altLang="zh-CN" dirty="0"/>
-              <a:t> </a:t>
-            </a:r>
-            <a:endParaRPr lang="en-US" altLang="zh-CN" dirty="0"/>
-          </a:p>
-        </p:txBody>
-      </p:sp>
-      <p:sp>
-        <p:nvSpPr>
-          <p:cNvPr id="5" name="文本框 4">
-            <a:extLst>
-              <a:ext uri="{FF2B5EF4-FFF2-40B4-BE49-F238E27FC236}">
-                <a16:creationId xmlns:a16="http://schemas.microsoft.com/office/drawing/2014/main" id="{423EAA84-D5D2-6C91-EE80-2DB0D507A042}"/>
-              </a:ext>
-            </a:extLst>
-          </p:cNvPr>
-          <p:cNvSpPr txBox="1"/>
-          <p:nvPr/>
-        </p:nvSpPr>
-        <p:spPr>
-          <a:xfrm>
-            <a:off x="1289713" y="2081284"/>
-            <a:ext cx="6346208" cy="578748"/>
-          </a:xfrm>
-          <a:prstGeom prst="rect">
-            <a:avLst/>
-          </a:prstGeom>
-          <a:noFill/>
-        </p:spPr>
-        <p:txBody>
-          <a:bodyPr wrap="square" lIns="0" tIns="0" rIns="0" bIns="0" rtlCol="0">
-            <a:spAutoFit/>
-          </a:bodyPr>
-          <a:lstStyle/>
-          <a:p>
-            <a:pPr>
-              <a:lnSpc>
-                <a:spcPct val="114000"/>
-              </a:lnSpc>
-            </a:pPr>
-            <a:r>
-              <a:rPr lang="de-DE" altLang="zh-CN" sz="3600" b="0" i="0" dirty="0">
-                <a:effectLst/>
-                <a:latin typeface="Arial" panose="020B0604020202020204" pitchFamily="34" charset="0"/>
-              </a:rPr>
-              <a:t>Danke für Ihre Aufmerksamkeit!</a:t>
-            </a:r>
-            <a:endParaRPr kumimoji="1" lang="zh-CN" altLang="en-US" sz="3600" dirty="0" err="1">
-              <a:latin typeface="+mn-lt"/>
-            </a:endParaRPr>
-          </a:p>
-        </p:txBody>
-      </p:sp>
-    </p:spTree>
-    <p:extLst>
-      <p:ext uri="{BB962C8B-B14F-4D97-AF65-F5344CB8AC3E}">
-        <p14:creationId xmlns:p14="http://schemas.microsoft.com/office/powerpoint/2010/main" val="239804028"/>
       </p:ext>
     </p:extLst>
   </p:cSld>
@@ -10338,6 +10201,482 @@
         </p:txBody>
       </p:sp>
     </p:spTree>
+  </p:cSld>
+  <p:clrMapOvr>
+    <a:masterClrMapping/>
+  </p:clrMapOvr>
+</p:sld>
+</file>
+
+<file path=ppt/slides/slide20.xml><?xml version="1.0" encoding="utf-8"?>
+<p:sld xmlns:a="http://schemas.openxmlformats.org/drawingml/2006/main" xmlns:r="http://schemas.openxmlformats.org/officeDocument/2006/relationships" xmlns:p="http://schemas.openxmlformats.org/presentationml/2006/main">
+  <p:cSld>
+    <p:spTree>
+      <p:nvGrpSpPr>
+        <p:cNvPr id="1" name="">
+          <a:extLst>
+            <a:ext uri="{FF2B5EF4-FFF2-40B4-BE49-F238E27FC236}">
+              <a16:creationId xmlns:a16="http://schemas.microsoft.com/office/drawing/2014/main" id="{1C4974DE-D0A8-B8CA-59E1-8464447EB75B}"/>
+            </a:ext>
+          </a:extLst>
+        </p:cNvPr>
+        <p:cNvGrpSpPr/>
+        <p:nvPr/>
+      </p:nvGrpSpPr>
+      <p:grpSpPr>
+        <a:xfrm>
+          <a:off x="0" y="0"/>
+          <a:ext cx="0" cy="0"/>
+          <a:chOff x="0" y="0"/>
+          <a:chExt cx="0" cy="0"/>
+        </a:xfrm>
+      </p:grpSpPr>
+      <p:sp>
+        <p:nvSpPr>
+          <p:cNvPr id="2" name="Inhaltsplatzhalter 1">
+            <a:extLst>
+              <a:ext uri="{FF2B5EF4-FFF2-40B4-BE49-F238E27FC236}">
+                <a16:creationId xmlns:a16="http://schemas.microsoft.com/office/drawing/2014/main" id="{4C734606-4277-4303-5DD2-19F5117C0BD1}"/>
+              </a:ext>
+            </a:extLst>
+          </p:cNvPr>
+          <p:cNvSpPr>
+            <a:spLocks noGrp="1"/>
+          </p:cNvSpPr>
+          <p:nvPr>
+            <p:ph idx="1"/>
+          </p:nvPr>
+        </p:nvSpPr>
+        <p:spPr/>
+        <p:txBody>
+          <a:bodyPr/>
+          <a:lstStyle/>
+          <a:p>
+            <a:pPr marL="285750" indent="-285750">
+              <a:buFont typeface="Arial" panose="020B0604020202020204" pitchFamily="34" charset="0"/>
+              <a:buChar char="•"/>
+            </a:pPr>
+            <a:r>
+              <a:rPr lang="de-DE" dirty="0">
+                <a:hlinkClick r:id="rId2"/>
+              </a:rPr>
+              <a:t>https://de.wikipedia.org/wiki/Gammakorrektur</a:t>
+            </a:r>
+            <a:endParaRPr lang="de-DE" dirty="0"/>
+          </a:p>
+          <a:p>
+            <a:pPr marL="285750" indent="-285750">
+              <a:buFont typeface="Arial" panose="020B0604020202020204" pitchFamily="34" charset="0"/>
+              <a:buChar char="•"/>
+            </a:pPr>
+            <a:r>
+              <a:rPr lang="de-DE" dirty="0">
+                <a:hlinkClick r:id="rId3"/>
+              </a:rPr>
+              <a:t>https://filesamples.com/formats/ppm</a:t>
+            </a:r>
+            <a:endParaRPr lang="de-DE" dirty="0"/>
+          </a:p>
+          <a:p>
+            <a:pPr marL="285750" indent="-285750">
+              <a:buFont typeface="Arial" panose="020B0604020202020204" pitchFamily="34" charset="0"/>
+              <a:buChar char="•"/>
+            </a:pPr>
+            <a:r>
+              <a:rPr lang="de-DE" dirty="0">
+                <a:hlinkClick r:id="rId4"/>
+              </a:rPr>
+              <a:t>https://en.wikipedia.org/wiki/Grayscale</a:t>
+            </a:r>
+            <a:endParaRPr lang="de-DE" dirty="0"/>
+          </a:p>
+          <a:p>
+            <a:pPr marL="285750" indent="-285750">
+              <a:buFont typeface="Arial" panose="020B0604020202020204" pitchFamily="34" charset="0"/>
+              <a:buChar char="•"/>
+            </a:pPr>
+            <a:r>
+              <a:rPr lang="de-DE" dirty="0">
+                <a:hlinkClick r:id="rId5"/>
+              </a:rPr>
+              <a:t>https://man7.org/linux/man-pages/man3/getopt_long.3.html</a:t>
+            </a:r>
+            <a:endParaRPr lang="de-DE" dirty="0"/>
+          </a:p>
+          <a:p>
+            <a:pPr marL="285750" indent="-285750">
+              <a:buFont typeface="Arial" panose="020B0604020202020204" pitchFamily="34" charset="0"/>
+              <a:buChar char="•"/>
+            </a:pPr>
+            <a:r>
+              <a:rPr lang="de-DE" dirty="0">
+                <a:hlinkClick r:id="rId6"/>
+              </a:rPr>
+              <a:t>https://netpbm.sourceforge.net/doc/</a:t>
+            </a:r>
+            <a:endParaRPr lang="de-DE" dirty="0"/>
+          </a:p>
+          <a:p>
+            <a:pPr marL="285750" indent="-285750">
+              <a:buFont typeface="Arial" panose="020B0604020202020204" pitchFamily="34" charset="0"/>
+              <a:buChar char="•"/>
+            </a:pPr>
+            <a:r>
+              <a:rPr lang="de-DE" dirty="0">
+                <a:hlinkClick r:id="rId7"/>
+              </a:rPr>
+              <a:t>https://mathworld.wolfram.com/TaylorSeries.html</a:t>
+            </a:r>
+            <a:endParaRPr lang="de-DE" dirty="0"/>
+          </a:p>
+          <a:p>
+            <a:pPr marL="285750" indent="-285750">
+              <a:buFont typeface="Arial" panose="020B0604020202020204" pitchFamily="34" charset="0"/>
+              <a:buChar char="•"/>
+            </a:pPr>
+            <a:endParaRPr lang="de-DE" dirty="0"/>
+          </a:p>
+          <a:p>
+            <a:pPr marL="285750" indent="-285750">
+              <a:buFont typeface="Arial" panose="020B0604020202020204" pitchFamily="34" charset="0"/>
+              <a:buChar char="•"/>
+            </a:pPr>
+            <a:endParaRPr lang="de-DE" dirty="0"/>
+          </a:p>
+          <a:p>
+            <a:pPr marL="285750" indent="-285750">
+              <a:buFont typeface="Arial" panose="020B0604020202020204" pitchFamily="34" charset="0"/>
+              <a:buChar char="•"/>
+            </a:pPr>
+            <a:endParaRPr lang="de-DE" dirty="0"/>
+          </a:p>
+          <a:p>
+            <a:pPr marL="285750" indent="-285750">
+              <a:buFont typeface="Arial" panose="020B0604020202020204" pitchFamily="34" charset="0"/>
+              <a:buChar char="•"/>
+            </a:pPr>
+            <a:endParaRPr lang="de-DE" dirty="0"/>
+          </a:p>
+          <a:p>
+            <a:pPr marL="285750" indent="-285750">
+              <a:buFont typeface="Arial" panose="020B0604020202020204" pitchFamily="34" charset="0"/>
+              <a:buChar char="•"/>
+            </a:pPr>
+            <a:endParaRPr lang="de-DE" dirty="0"/>
+          </a:p>
+          <a:p>
+            <a:pPr marL="285750" indent="-285750">
+              <a:buFont typeface="Arial" panose="020B0604020202020204" pitchFamily="34" charset="0"/>
+              <a:buChar char="•"/>
+            </a:pPr>
+            <a:endParaRPr lang="de-DE" dirty="0"/>
+          </a:p>
+          <a:p>
+            <a:endParaRPr lang="de-DE" dirty="0"/>
+          </a:p>
+        </p:txBody>
+      </p:sp>
+      <p:sp>
+        <p:nvSpPr>
+          <p:cNvPr id="3" name="Titel 2">
+            <a:extLst>
+              <a:ext uri="{FF2B5EF4-FFF2-40B4-BE49-F238E27FC236}">
+                <a16:creationId xmlns:a16="http://schemas.microsoft.com/office/drawing/2014/main" id="{396DD556-B3A1-FCC2-28E2-A1E4BE158C46}"/>
+              </a:ext>
+            </a:extLst>
+          </p:cNvPr>
+          <p:cNvSpPr>
+            <a:spLocks noGrp="1"/>
+          </p:cNvSpPr>
+          <p:nvPr>
+            <p:ph type="title"/>
+          </p:nvPr>
+        </p:nvSpPr>
+        <p:spPr>
+          <a:xfrm>
+            <a:off x="319090" y="972000"/>
+            <a:ext cx="8508999" cy="380745"/>
+          </a:xfrm>
+        </p:spPr>
+        <p:txBody>
+          <a:bodyPr/>
+          <a:lstStyle/>
+          <a:p>
+            <a:r>
+              <a:rPr lang="de-DE" altLang="zh-CN" b="0" i="0" dirty="0">
+                <a:effectLst/>
+                <a:latin typeface="Arial" panose="020B0604020202020204" pitchFamily="34" charset="0"/>
+              </a:rPr>
+              <a:t>Quellenverzeichnis</a:t>
+            </a:r>
+            <a:endParaRPr lang="de-DE" dirty="0"/>
+          </a:p>
+        </p:txBody>
+      </p:sp>
+      <p:sp>
+        <p:nvSpPr>
+          <p:cNvPr id="4" name="Foliennummernplatzhalter 3">
+            <a:extLst>
+              <a:ext uri="{FF2B5EF4-FFF2-40B4-BE49-F238E27FC236}">
+                <a16:creationId xmlns:a16="http://schemas.microsoft.com/office/drawing/2014/main" id="{28DA4FEE-2E0D-693A-A11E-FC62ACCB308B}"/>
+              </a:ext>
+            </a:extLst>
+          </p:cNvPr>
+          <p:cNvSpPr>
+            <a:spLocks noGrp="1"/>
+          </p:cNvSpPr>
+          <p:nvPr>
+            <p:ph type="sldNum" sz="quarter" idx="11"/>
+          </p:nvPr>
+        </p:nvSpPr>
+        <p:spPr/>
+        <p:txBody>
+          <a:bodyPr/>
+          <a:lstStyle/>
+          <a:p>
+            <a:fld id="{CE58CB1E-F828-4F11-99E0-327109AF9DA4}" type="slidenum">
+              <a:rPr lang="de-DE" smtClean="0"/>
+              <a:pPr/>
+              <a:t>20</a:t>
+            </a:fld>
+            <a:endParaRPr lang="de-DE" dirty="0"/>
+          </a:p>
+        </p:txBody>
+      </p:sp>
+      <p:sp>
+        <p:nvSpPr>
+          <p:cNvPr id="7" name="Fußzeilenplatzhalter 4">
+            <a:extLst>
+              <a:ext uri="{FF2B5EF4-FFF2-40B4-BE49-F238E27FC236}">
+                <a16:creationId xmlns:a16="http://schemas.microsoft.com/office/drawing/2014/main" id="{9415BBA8-8F29-FB16-DD5A-AE4788233344}"/>
+              </a:ext>
+            </a:extLst>
+          </p:cNvPr>
+          <p:cNvSpPr>
+            <a:spLocks noGrp="1"/>
+          </p:cNvSpPr>
+          <p:nvPr>
+            <p:ph type="ftr" sz="quarter" idx="12"/>
+          </p:nvPr>
+        </p:nvSpPr>
+        <p:spPr/>
+        <p:txBody>
+          <a:bodyPr/>
+          <a:lstStyle/>
+          <a:p>
+            <a:pPr>
+              <a:spcAft>
+                <a:spcPts val="600"/>
+              </a:spcAft>
+            </a:pPr>
+            <a:r>
+              <a:rPr lang="de-DE" altLang="zh-CN" dirty="0"/>
+              <a:t>GRA Team 140 | Tianhao </a:t>
+            </a:r>
+            <a:r>
+              <a:rPr lang="de-DE" altLang="zh-CN" dirty="0" err="1"/>
+              <a:t>Gu</a:t>
+            </a:r>
+            <a:r>
+              <a:rPr lang="de-DE" altLang="zh-CN" dirty="0"/>
+              <a:t> | </a:t>
+            </a:r>
+            <a:r>
+              <a:rPr lang="de-DE" altLang="zh-CN" dirty="0" err="1"/>
+              <a:t>Zhongfang</a:t>
+            </a:r>
+            <a:r>
+              <a:rPr lang="de-DE" altLang="zh-CN" dirty="0"/>
+              <a:t> Wang | Julien </a:t>
+            </a:r>
+            <a:r>
+              <a:rPr lang="de-DE" altLang="zh-CN" dirty="0" err="1"/>
+              <a:t>Escaig</a:t>
+            </a:r>
+            <a:r>
+              <a:rPr lang="de-DE" altLang="zh-CN" dirty="0"/>
+              <a:t> </a:t>
+            </a:r>
+            <a:endParaRPr lang="en-US" altLang="zh-CN" dirty="0"/>
+          </a:p>
+        </p:txBody>
+      </p:sp>
+    </p:spTree>
+    <p:extLst>
+      <p:ext uri="{BB962C8B-B14F-4D97-AF65-F5344CB8AC3E}">
+        <p14:creationId xmlns:p14="http://schemas.microsoft.com/office/powerpoint/2010/main" val="2354259870"/>
+      </p:ext>
+    </p:extLst>
+  </p:cSld>
+  <p:clrMapOvr>
+    <a:masterClrMapping/>
+  </p:clrMapOvr>
+</p:sld>
+</file>
+
+<file path=ppt/slides/slide21.xml><?xml version="1.0" encoding="utf-8"?>
+<p:sld xmlns:a="http://schemas.openxmlformats.org/drawingml/2006/main" xmlns:r="http://schemas.openxmlformats.org/officeDocument/2006/relationships" xmlns:p="http://schemas.openxmlformats.org/presentationml/2006/main">
+  <p:cSld>
+    <p:spTree>
+      <p:nvGrpSpPr>
+        <p:cNvPr id="1" name="">
+          <a:extLst>
+            <a:ext uri="{FF2B5EF4-FFF2-40B4-BE49-F238E27FC236}">
+              <a16:creationId xmlns:a16="http://schemas.microsoft.com/office/drawing/2014/main" id="{1E8FA680-5630-6E40-3DE5-A23B32CEEA23}"/>
+            </a:ext>
+          </a:extLst>
+        </p:cNvPr>
+        <p:cNvGrpSpPr/>
+        <p:nvPr/>
+      </p:nvGrpSpPr>
+      <p:grpSpPr>
+        <a:xfrm>
+          <a:off x="0" y="0"/>
+          <a:ext cx="0" cy="0"/>
+          <a:chOff x="0" y="0"/>
+          <a:chExt cx="0" cy="0"/>
+        </a:xfrm>
+      </p:grpSpPr>
+      <p:sp>
+        <p:nvSpPr>
+          <p:cNvPr id="4" name="Foliennummernplatzhalter 3">
+            <a:extLst>
+              <a:ext uri="{FF2B5EF4-FFF2-40B4-BE49-F238E27FC236}">
+                <a16:creationId xmlns:a16="http://schemas.microsoft.com/office/drawing/2014/main" id="{ADF56F2D-BDD7-F492-5FD8-7507A523D34D}"/>
+              </a:ext>
+            </a:extLst>
+          </p:cNvPr>
+          <p:cNvSpPr>
+            <a:spLocks noGrp="1"/>
+          </p:cNvSpPr>
+          <p:nvPr>
+            <p:ph type="sldNum" sz="quarter" idx="11"/>
+          </p:nvPr>
+        </p:nvSpPr>
+        <p:spPr/>
+        <p:txBody>
+          <a:bodyPr/>
+          <a:lstStyle/>
+          <a:p>
+            <a:fld id="{CE58CB1E-F828-4F11-99E0-327109AF9DA4}" type="slidenum">
+              <a:rPr lang="de-DE" smtClean="0"/>
+              <a:pPr/>
+              <a:t>21</a:t>
+            </a:fld>
+            <a:endParaRPr lang="de-DE" dirty="0"/>
+          </a:p>
+        </p:txBody>
+      </p:sp>
+      <p:sp>
+        <p:nvSpPr>
+          <p:cNvPr id="7" name="Fußzeilenplatzhalter 4">
+            <a:extLst>
+              <a:ext uri="{FF2B5EF4-FFF2-40B4-BE49-F238E27FC236}">
+                <a16:creationId xmlns:a16="http://schemas.microsoft.com/office/drawing/2014/main" id="{654EA7E5-FA9C-11B6-2E8C-C23E658272C9}"/>
+              </a:ext>
+            </a:extLst>
+          </p:cNvPr>
+          <p:cNvSpPr>
+            <a:spLocks noGrp="1"/>
+          </p:cNvSpPr>
+          <p:nvPr>
+            <p:ph type="ftr" sz="quarter" idx="12"/>
+          </p:nvPr>
+        </p:nvSpPr>
+        <p:spPr/>
+        <p:txBody>
+          <a:bodyPr/>
+          <a:lstStyle/>
+          <a:p>
+            <a:pPr>
+              <a:spcAft>
+                <a:spcPts val="600"/>
+              </a:spcAft>
+            </a:pPr>
+            <a:r>
+              <a:rPr lang="de-DE" altLang="zh-CN" dirty="0"/>
+              <a:t>GRA Team 140 | Tianhao </a:t>
+            </a:r>
+            <a:r>
+              <a:rPr lang="de-DE" altLang="zh-CN" dirty="0" err="1"/>
+              <a:t>Gu</a:t>
+            </a:r>
+            <a:r>
+              <a:rPr lang="de-DE" altLang="zh-CN" dirty="0"/>
+              <a:t> | </a:t>
+            </a:r>
+            <a:r>
+              <a:rPr lang="de-DE" altLang="zh-CN" dirty="0" err="1"/>
+              <a:t>Zhongfang</a:t>
+            </a:r>
+            <a:r>
+              <a:rPr lang="de-DE" altLang="zh-CN" dirty="0"/>
+              <a:t> Wang | Julien </a:t>
+            </a:r>
+            <a:r>
+              <a:rPr lang="de-DE" altLang="zh-CN" dirty="0" err="1"/>
+              <a:t>Escaig</a:t>
+            </a:r>
+            <a:r>
+              <a:rPr lang="de-DE" altLang="zh-CN" dirty="0"/>
+              <a:t> </a:t>
+            </a:r>
+            <a:endParaRPr lang="en-US" altLang="zh-CN" dirty="0"/>
+          </a:p>
+        </p:txBody>
+      </p:sp>
+      <p:sp>
+        <p:nvSpPr>
+          <p:cNvPr id="5" name="文本框 4">
+            <a:extLst>
+              <a:ext uri="{FF2B5EF4-FFF2-40B4-BE49-F238E27FC236}">
+                <a16:creationId xmlns:a16="http://schemas.microsoft.com/office/drawing/2014/main" id="{423EAA84-D5D2-6C91-EE80-2DB0D507A042}"/>
+              </a:ext>
+            </a:extLst>
+          </p:cNvPr>
+          <p:cNvSpPr txBox="1"/>
+          <p:nvPr/>
+        </p:nvSpPr>
+        <p:spPr>
+          <a:xfrm>
+            <a:off x="1289713" y="2081284"/>
+            <a:ext cx="6346208" cy="578748"/>
+          </a:xfrm>
+          <a:prstGeom prst="rect">
+            <a:avLst/>
+          </a:prstGeom>
+          <a:noFill/>
+        </p:spPr>
+        <p:txBody>
+          <a:bodyPr wrap="square" lIns="0" tIns="0" rIns="0" bIns="0" rtlCol="0">
+            <a:spAutoFit/>
+          </a:bodyPr>
+          <a:lstStyle/>
+          <a:p>
+            <a:pPr>
+              <a:lnSpc>
+                <a:spcPct val="114000"/>
+              </a:lnSpc>
+            </a:pPr>
+            <a:r>
+              <a:rPr lang="de-DE" altLang="zh-CN" sz="3600" b="0" i="0" dirty="0">
+                <a:effectLst/>
+                <a:latin typeface="Arial" panose="020B0604020202020204" pitchFamily="34" charset="0"/>
+              </a:rPr>
+              <a:t>Danke für Ihre Aufmerksamkeit!</a:t>
+            </a:r>
+            <a:endParaRPr kumimoji="1" lang="zh-CN" altLang="en-US" sz="3600" dirty="0" err="1">
+              <a:latin typeface="+mn-lt"/>
+            </a:endParaRPr>
+          </a:p>
+        </p:txBody>
+      </p:sp>
+    </p:spTree>
+    <p:extLst>
+      <p:ext uri="{BB962C8B-B14F-4D97-AF65-F5344CB8AC3E}">
+        <p14:creationId xmlns:p14="http://schemas.microsoft.com/office/powerpoint/2010/main" val="239804028"/>
+      </p:ext>
+    </p:extLst>
   </p:cSld>
   <p:clrMapOvr>
     <a:masterClrMapping/>
@@ -10561,10 +10900,10 @@
       </p:grpSpPr>
       <p:pic>
         <p:nvPicPr>
-          <p:cNvPr id="9" name="Grafik 8" descr="Ein Bild, das Himmel, Baum, draußen, Landschaft enthält.&#10;&#10;Automatisch generierte Beschreibung">
+          <p:cNvPr id="5" name="图片 4" descr="湖边的房子和树&#10;&#10;描述已自动生成">
             <a:extLst>
               <a:ext uri="{FF2B5EF4-FFF2-40B4-BE49-F238E27FC236}">
-                <a16:creationId xmlns:a16="http://schemas.microsoft.com/office/drawing/2014/main" id="{29D9DA3C-FC7F-DA79-344B-F231ED9B4E59}"/>
+                <a16:creationId xmlns:a16="http://schemas.microsoft.com/office/drawing/2014/main" id="{C1757266-B00C-2CF7-38B9-08CACDC6B9F8}"/>
               </a:ext>
             </a:extLst>
           </p:cNvPr>
@@ -10573,28 +10912,34 @@
           </p:cNvPicPr>
           <p:nvPr/>
         </p:nvPicPr>
-        <p:blipFill>
+        <p:blipFill rotWithShape="1">
           <a:blip r:embed="rId2"/>
-          <a:stretch>
-            <a:fillRect/>
-          </a:stretch>
+          <a:srcRect t="9525" r="-3" b="16431"/>
+          <a:stretch/>
         </p:blipFill>
         <p:spPr>
           <a:xfrm>
-            <a:off x="319088" y="1758950"/>
-            <a:ext cx="4214813" cy="2779713"/>
+            <a:off x="319091" y="1602000"/>
+            <a:ext cx="4180910" cy="3095626"/>
           </a:xfrm>
           <a:prstGeom prst="rect">
             <a:avLst/>
           </a:prstGeom>
+          <a:noFill/>
+          <a:ln w="9525">
+            <a:noFill/>
+            <a:miter lim="800000"/>
+            <a:headEnd/>
+            <a:tailEnd/>
+          </a:ln>
         </p:spPr>
       </p:pic>
       <p:pic>
         <p:nvPicPr>
-          <p:cNvPr id="6" name="Inhaltsplatzhalter 5" descr="Ein Bild, das Himmel, Landschaft, draußen, Schwarzweiß enthält.&#10;&#10;Automatisch generierte Beschreibung">
+          <p:cNvPr id="16" name="内容占位符 15" descr="湖边的建筑和树&#10;&#10;描述已自动生成">
             <a:extLst>
               <a:ext uri="{FF2B5EF4-FFF2-40B4-BE49-F238E27FC236}">
-                <a16:creationId xmlns:a16="http://schemas.microsoft.com/office/drawing/2014/main" id="{18DBF885-DA26-4F02-0707-53CCD0C3D966}"/>
+                <a16:creationId xmlns:a16="http://schemas.microsoft.com/office/drawing/2014/main" id="{F6601036-B655-255A-4FCE-E9A51FE0EFE6}"/>
               </a:ext>
             </a:extLst>
           </p:cNvPr>
@@ -10602,20 +10947,23 @@
             <a:picLocks noGrp="1" noChangeAspect="1"/>
           </p:cNvPicPr>
           <p:nvPr>
-            <p:ph idx="1"/>
+            <p:ph idx="15"/>
           </p:nvPr>
         </p:nvPicPr>
-        <p:blipFill>
+        <p:blipFill rotWithShape="1">
           <a:blip r:embed="rId3"/>
-          <a:stretch>
-            <a:fillRect/>
-          </a:stretch>
+          <a:srcRect t="8252" r="-3" b="17705"/>
+          <a:stretch/>
         </p:blipFill>
         <p:spPr>
           <a:xfrm>
-            <a:off x="4611688" y="1758950"/>
-            <a:ext cx="4214813" cy="2779713"/>
+            <a:off x="4647179" y="1602000"/>
+            <a:ext cx="4180910" cy="3095626"/>
           </a:xfrm>
+          <a:prstGeom prst="rect">
+            <a:avLst/>
+          </a:prstGeom>
+          <a:noFill/>
         </p:spPr>
       </p:pic>
       <p:sp>
@@ -10667,7 +11015,7 @@
             <a:spLocks noGrp="1"/>
           </p:cNvSpPr>
           <p:nvPr>
-            <p:ph type="sldNum" sz="quarter" idx="11"/>
+            <p:ph type="sldNum" sz="quarter" idx="16"/>
           </p:nvPr>
         </p:nvSpPr>
         <p:spPr>
@@ -10745,7 +11093,7 @@
             <a:spLocks noGrp="1"/>
           </p:cNvSpPr>
           <p:nvPr>
-            <p:ph type="ftr" sz="quarter" idx="12"/>
+            <p:ph type="ftr" sz="quarter" idx="17"/>
           </p:nvPr>
         </p:nvSpPr>
         <p:spPr>
@@ -11287,7 +11635,7 @@
         </p:blipFill>
         <p:spPr bwMode="auto">
           <a:xfrm>
-            <a:off x="632369" y="1602000"/>
+            <a:off x="632369" y="1642343"/>
             <a:ext cx="1308100" cy="406400"/>
           </a:xfrm>
           <a:prstGeom prst="rect">
@@ -11413,7 +11761,7 @@
           <a:p>
             <a:r>
               <a:rPr lang="de-DE" dirty="0"/>
-              <a:t>Wie funktioniert der Gamma Koeffizient?</a:t>
+              <a:t>Was macht der Gamma Koeffizient?</a:t>
             </a:r>
           </a:p>
         </p:txBody>
@@ -11506,12 +11854,187 @@
           </a:p>
         </p:txBody>
       </p:sp>
+      <p:sp>
+        <p:nvSpPr>
+          <p:cNvPr id="10" name="文本框 9">
+            <a:extLst>
+              <a:ext uri="{FF2B5EF4-FFF2-40B4-BE49-F238E27FC236}">
+                <a16:creationId xmlns:a16="http://schemas.microsoft.com/office/drawing/2014/main" id="{DCA031F3-44E7-7CF4-6E12-900AAD9672D5}"/>
+              </a:ext>
+            </a:extLst>
+          </p:cNvPr>
+          <p:cNvSpPr txBox="1"/>
+          <p:nvPr/>
+        </p:nvSpPr>
+        <p:spPr>
+          <a:xfrm>
+            <a:off x="1577947" y="3901830"/>
+            <a:ext cx="1534710" cy="263085"/>
+          </a:xfrm>
+          <a:prstGeom prst="rect">
+            <a:avLst/>
+          </a:prstGeom>
+          <a:noFill/>
+        </p:spPr>
+        <p:txBody>
+          <a:bodyPr wrap="square" lIns="0" tIns="0" rIns="0" bIns="0" rtlCol="0">
+            <a:spAutoFit/>
+          </a:bodyPr>
+          <a:lstStyle/>
+          <a:p>
+            <a:pPr>
+              <a:lnSpc>
+                <a:spcPct val="114000"/>
+              </a:lnSpc>
+            </a:pPr>
+            <a:r>
+              <a:rPr lang="el-GR" altLang="zh-CN" sz="1600" b="0" i="0" dirty="0">
+                <a:solidFill>
+                  <a:srgbClr val="202124"/>
+                </a:solidFill>
+                <a:effectLst/>
+                <a:latin typeface="Google Sans"/>
+              </a:rPr>
+              <a:t>γ</a:t>
+            </a:r>
+            <a:r>
+              <a:rPr lang="zh-CN" altLang="en-US" sz="1600" b="0" i="0" dirty="0">
+                <a:solidFill>
+                  <a:srgbClr val="202124"/>
+                </a:solidFill>
+                <a:effectLst/>
+                <a:latin typeface="Google Sans"/>
+              </a:rPr>
+              <a:t> </a:t>
+            </a:r>
+            <a:r>
+              <a:rPr kumimoji="1" lang="de-DE" altLang="zh-CN" sz="1600" dirty="0">
+                <a:latin typeface="+mn-lt"/>
+              </a:rPr>
+              <a:t> = 2.2</a:t>
+            </a:r>
+            <a:endParaRPr kumimoji="1" lang="zh-CN" altLang="en-US" sz="1600" dirty="0" err="1">
+              <a:latin typeface="+mn-lt"/>
+            </a:endParaRPr>
+          </a:p>
+        </p:txBody>
+      </p:sp>
+      <p:sp>
+        <p:nvSpPr>
+          <p:cNvPr id="11" name="文本框 10">
+            <a:extLst>
+              <a:ext uri="{FF2B5EF4-FFF2-40B4-BE49-F238E27FC236}">
+                <a16:creationId xmlns:a16="http://schemas.microsoft.com/office/drawing/2014/main" id="{6D6A4DD2-162E-6918-D136-3180CFFDBECF}"/>
+              </a:ext>
+            </a:extLst>
+          </p:cNvPr>
+          <p:cNvSpPr txBox="1"/>
+          <p:nvPr/>
+        </p:nvSpPr>
+        <p:spPr>
+          <a:xfrm>
+            <a:off x="4191674" y="3914112"/>
+            <a:ext cx="1247684" cy="263223"/>
+          </a:xfrm>
+          <a:prstGeom prst="rect">
+            <a:avLst/>
+          </a:prstGeom>
+          <a:noFill/>
+        </p:spPr>
+        <p:txBody>
+          <a:bodyPr wrap="square" lIns="0" tIns="0" rIns="0" bIns="0" rtlCol="0">
+            <a:spAutoFit/>
+          </a:bodyPr>
+          <a:lstStyle/>
+          <a:p>
+            <a:pPr>
+              <a:lnSpc>
+                <a:spcPct val="114000"/>
+              </a:lnSpc>
+            </a:pPr>
+            <a:r>
+              <a:rPr lang="el-GR" altLang="zh-CN" sz="1600" b="0" i="0" dirty="0">
+                <a:solidFill>
+                  <a:srgbClr val="202124"/>
+                </a:solidFill>
+                <a:effectLst/>
+                <a:latin typeface="Google Sans"/>
+              </a:rPr>
+              <a:t>γ</a:t>
+            </a:r>
+            <a:r>
+              <a:rPr kumimoji="1" lang="de-DE" altLang="zh-CN" sz="1600" dirty="0">
+                <a:latin typeface="+mn-lt"/>
+              </a:rPr>
+              <a:t> = 1</a:t>
+            </a:r>
+            <a:endParaRPr kumimoji="1" lang="zh-CN" altLang="en-US" sz="1600" dirty="0" err="1">
+              <a:latin typeface="+mn-lt"/>
+            </a:endParaRPr>
+          </a:p>
+        </p:txBody>
+      </p:sp>
+      <p:sp>
+        <p:nvSpPr>
+          <p:cNvPr id="12" name="文本框 11">
+            <a:extLst>
+              <a:ext uri="{FF2B5EF4-FFF2-40B4-BE49-F238E27FC236}">
+                <a16:creationId xmlns:a16="http://schemas.microsoft.com/office/drawing/2014/main" id="{A5A24B41-B70A-0455-BCD8-CA003A4565A1}"/>
+              </a:ext>
+            </a:extLst>
+          </p:cNvPr>
+          <p:cNvSpPr txBox="1"/>
+          <p:nvPr/>
+        </p:nvSpPr>
+        <p:spPr>
+          <a:xfrm>
+            <a:off x="6608054" y="3936995"/>
+            <a:ext cx="1385248" cy="263085"/>
+          </a:xfrm>
+          <a:prstGeom prst="rect">
+            <a:avLst/>
+          </a:prstGeom>
+          <a:noFill/>
+        </p:spPr>
+        <p:txBody>
+          <a:bodyPr wrap="square" lIns="0" tIns="0" rIns="0" bIns="0" rtlCol="0">
+            <a:spAutoFit/>
+          </a:bodyPr>
+          <a:lstStyle/>
+          <a:p>
+            <a:pPr>
+              <a:lnSpc>
+                <a:spcPct val="114000"/>
+              </a:lnSpc>
+            </a:pPr>
+            <a:r>
+              <a:rPr lang="el-GR" altLang="zh-CN" sz="1600" b="0" i="0" dirty="0">
+                <a:solidFill>
+                  <a:srgbClr val="202124"/>
+                </a:solidFill>
+                <a:effectLst/>
+                <a:latin typeface="Google Sans"/>
+              </a:rPr>
+              <a:t>γ</a:t>
+            </a:r>
+            <a:r>
+              <a:rPr kumimoji="1" lang="de-DE" altLang="zh-CN" sz="1600" dirty="0">
+                <a:latin typeface="+mn-lt"/>
+              </a:rPr>
+              <a:t> = 0.1</a:t>
+            </a:r>
+            <a:endParaRPr kumimoji="1" lang="zh-CN" altLang="en-US" sz="1600" dirty="0" err="1">
+              <a:latin typeface="+mn-lt"/>
+            </a:endParaRPr>
+          </a:p>
+        </p:txBody>
+      </p:sp>
       <p:pic>
         <p:nvPicPr>
-          <p:cNvPr id="5" name="图片 4" descr="正方形&#10;&#10;中度可信度描述已自动生成">
+          <p:cNvPr id="9" name="图片 8" descr="河边的树&#10;&#10;描述已自动生成">
             <a:extLst>
               <a:ext uri="{FF2B5EF4-FFF2-40B4-BE49-F238E27FC236}">
-                <a16:creationId xmlns:a16="http://schemas.microsoft.com/office/drawing/2014/main" id="{2E594934-817A-6A24-AF19-876AC0F1F394}"/>
+                <a16:creationId xmlns:a16="http://schemas.microsoft.com/office/drawing/2014/main" id="{11B0C165-C20C-9AA8-7AA8-4BCC13ED481C}"/>
               </a:ext>
             </a:extLst>
           </p:cNvPr>
@@ -11528,8 +12051,8 @@
         </p:blipFill>
         <p:spPr>
           <a:xfrm>
-            <a:off x="319088" y="2473325"/>
-            <a:ext cx="2811463" cy="1349375"/>
+            <a:off x="739946" y="1463820"/>
+            <a:ext cx="2326935" cy="2326935"/>
           </a:xfrm>
           <a:prstGeom prst="rect">
             <a:avLst/>
@@ -11538,10 +12061,10 @@
       </p:pic>
       <p:pic>
         <p:nvPicPr>
-          <p:cNvPr id="6" name="图片 5" descr="图片包含 形状&#10;&#10;描述已自动生成">
+          <p:cNvPr id="14" name="图片 13" descr="森林里的风景&#10;&#10;中度可信度描述已自动生成">
             <a:extLst>
               <a:ext uri="{FF2B5EF4-FFF2-40B4-BE49-F238E27FC236}">
-                <a16:creationId xmlns:a16="http://schemas.microsoft.com/office/drawing/2014/main" id="{1992A2DD-9C2F-96AA-AFB3-8ACB546BD902}"/>
+                <a16:creationId xmlns:a16="http://schemas.microsoft.com/office/drawing/2014/main" id="{64FF0A19-73CF-2260-D68A-65244D16F2C2}"/>
               </a:ext>
             </a:extLst>
           </p:cNvPr>
@@ -11558,8 +12081,8 @@
         </p:blipFill>
         <p:spPr>
           <a:xfrm>
-            <a:off x="3208338" y="2473325"/>
-            <a:ext cx="2776538" cy="1349375"/>
+            <a:off x="5840201" y="1463819"/>
+            <a:ext cx="2339217" cy="2339217"/>
           </a:xfrm>
           <a:prstGeom prst="rect">
             <a:avLst/>
@@ -11568,10 +12091,10 @@
       </p:pic>
       <p:pic>
         <p:nvPicPr>
-          <p:cNvPr id="8" name="内容占位符 5" descr="图片包含 Teams&#10;&#10;描述已自动生成">
+          <p:cNvPr id="16" name="图片 15" descr="湖边的建筑和树&#10;&#10;描述已自动生成">
             <a:extLst>
               <a:ext uri="{FF2B5EF4-FFF2-40B4-BE49-F238E27FC236}">
-                <a16:creationId xmlns:a16="http://schemas.microsoft.com/office/drawing/2014/main" id="{1E855C54-A873-115B-9AD4-E1A4FAA3153F}"/>
+                <a16:creationId xmlns:a16="http://schemas.microsoft.com/office/drawing/2014/main" id="{46ACAAA2-1899-DC3A-6359-FD52BFBBE34B}"/>
               </a:ext>
             </a:extLst>
           </p:cNvPr>
@@ -11588,156 +12111,14 @@
         </p:blipFill>
         <p:spPr>
           <a:xfrm>
-            <a:off x="6061075" y="2473325"/>
-            <a:ext cx="2767013" cy="1349375"/>
+            <a:off x="3283933" y="1463820"/>
+            <a:ext cx="2339217" cy="2339217"/>
           </a:xfrm>
           <a:prstGeom prst="rect">
             <a:avLst/>
           </a:prstGeom>
-          <a:noFill/>
-          <a:ln w="9525">
-            <a:noFill/>
-            <a:miter lim="800000"/>
-            <a:headEnd/>
-            <a:tailEnd/>
-          </a:ln>
         </p:spPr>
       </p:pic>
-      <p:sp>
-        <p:nvSpPr>
-          <p:cNvPr id="10" name="文本框 9">
-            <a:extLst>
-              <a:ext uri="{FF2B5EF4-FFF2-40B4-BE49-F238E27FC236}">
-                <a16:creationId xmlns:a16="http://schemas.microsoft.com/office/drawing/2014/main" id="{DCA031F3-44E7-7CF4-6E12-900AAD9672D5}"/>
-              </a:ext>
-            </a:extLst>
-          </p:cNvPr>
-          <p:cNvSpPr txBox="1"/>
-          <p:nvPr/>
-        </p:nvSpPr>
-        <p:spPr>
-          <a:xfrm>
-            <a:off x="907575" y="3991970"/>
-            <a:ext cx="1091821" cy="257250"/>
-          </a:xfrm>
-          <a:prstGeom prst="rect">
-            <a:avLst/>
-          </a:prstGeom>
-          <a:noFill/>
-        </p:spPr>
-        <p:txBody>
-          <a:bodyPr wrap="square" lIns="0" tIns="0" rIns="0" bIns="0" rtlCol="0">
-            <a:spAutoFit/>
-          </a:bodyPr>
-          <a:lstStyle/>
-          <a:p>
-            <a:pPr>
-              <a:lnSpc>
-                <a:spcPct val="114000"/>
-              </a:lnSpc>
-            </a:pPr>
-            <a:r>
-              <a:rPr kumimoji="1" lang="de-DE" altLang="zh-CN" sz="1600" dirty="0">
-                <a:latin typeface="+mn-lt"/>
-              </a:rPr>
-              <a:t>Gamma = 1</a:t>
-            </a:r>
-            <a:endParaRPr kumimoji="1" lang="zh-CN" altLang="en-US" sz="1600" dirty="0" err="1">
-              <a:latin typeface="+mn-lt"/>
-            </a:endParaRPr>
-          </a:p>
-        </p:txBody>
-      </p:sp>
-      <p:sp>
-        <p:nvSpPr>
-          <p:cNvPr id="11" name="文本框 10">
-            <a:extLst>
-              <a:ext uri="{FF2B5EF4-FFF2-40B4-BE49-F238E27FC236}">
-                <a16:creationId xmlns:a16="http://schemas.microsoft.com/office/drawing/2014/main" id="{6D6A4DD2-162E-6918-D136-3180CFFDBECF}"/>
-              </a:ext>
-            </a:extLst>
-          </p:cNvPr>
-          <p:cNvSpPr txBox="1"/>
-          <p:nvPr/>
-        </p:nvSpPr>
-        <p:spPr>
-          <a:xfrm>
-            <a:off x="3630304" y="3981860"/>
-            <a:ext cx="1385248" cy="257250"/>
-          </a:xfrm>
-          <a:prstGeom prst="rect">
-            <a:avLst/>
-          </a:prstGeom>
-          <a:noFill/>
-        </p:spPr>
-        <p:txBody>
-          <a:bodyPr wrap="square" lIns="0" tIns="0" rIns="0" bIns="0" rtlCol="0">
-            <a:spAutoFit/>
-          </a:bodyPr>
-          <a:lstStyle/>
-          <a:p>
-            <a:pPr>
-              <a:lnSpc>
-                <a:spcPct val="114000"/>
-              </a:lnSpc>
-            </a:pPr>
-            <a:r>
-              <a:rPr kumimoji="1" lang="de-DE" altLang="zh-CN" sz="1600" dirty="0">
-                <a:latin typeface="+mn-lt"/>
-              </a:rPr>
-              <a:t>Gamma = 10</a:t>
-            </a:r>
-            <a:endParaRPr kumimoji="1" lang="zh-CN" altLang="en-US" sz="1600" dirty="0" err="1">
-              <a:latin typeface="+mn-lt"/>
-            </a:endParaRPr>
-          </a:p>
-        </p:txBody>
-      </p:sp>
-      <p:sp>
-        <p:nvSpPr>
-          <p:cNvPr id="12" name="文本框 11">
-            <a:extLst>
-              <a:ext uri="{FF2B5EF4-FFF2-40B4-BE49-F238E27FC236}">
-                <a16:creationId xmlns:a16="http://schemas.microsoft.com/office/drawing/2014/main" id="{A5A24B41-B70A-0455-BCD8-CA003A4565A1}"/>
-              </a:ext>
-            </a:extLst>
-          </p:cNvPr>
-          <p:cNvSpPr txBox="1"/>
-          <p:nvPr/>
-        </p:nvSpPr>
-        <p:spPr>
-          <a:xfrm>
-            <a:off x="6646459" y="3991970"/>
-            <a:ext cx="1589965" cy="257250"/>
-          </a:xfrm>
-          <a:prstGeom prst="rect">
-            <a:avLst/>
-          </a:prstGeom>
-          <a:noFill/>
-        </p:spPr>
-        <p:txBody>
-          <a:bodyPr wrap="square" lIns="0" tIns="0" rIns="0" bIns="0" rtlCol="0">
-            <a:spAutoFit/>
-          </a:bodyPr>
-          <a:lstStyle/>
-          <a:p>
-            <a:pPr>
-              <a:lnSpc>
-                <a:spcPct val="114000"/>
-              </a:lnSpc>
-            </a:pPr>
-            <a:r>
-              <a:rPr kumimoji="1" lang="de-DE" altLang="zh-CN" sz="1600" dirty="0">
-                <a:latin typeface="+mn-lt"/>
-              </a:rPr>
-              <a:t>Gamma = 0.1</a:t>
-            </a:r>
-            <a:endParaRPr kumimoji="1" lang="zh-CN" altLang="en-US" sz="1600" dirty="0" err="1">
-              <a:latin typeface="+mn-lt"/>
-            </a:endParaRPr>
-          </a:p>
-        </p:txBody>
-      </p:sp>
     </p:spTree>
     <p:extLst>
       <p:ext uri="{BB962C8B-B14F-4D97-AF65-F5344CB8AC3E}">
@@ -11756,10 +12137,201 @@
   <p:cSld>
     <p:spTree>
       <p:nvGrpSpPr>
+        <p:cNvPr id="1" name=""/>
+        <p:cNvGrpSpPr/>
+        <p:nvPr/>
+      </p:nvGrpSpPr>
+      <p:grpSpPr>
+        <a:xfrm>
+          <a:off x="0" y="0"/>
+          <a:ext cx="0" cy="0"/>
+          <a:chOff x="0" y="0"/>
+          <a:chExt cx="0" cy="0"/>
+        </a:xfrm>
+      </p:grpSpPr>
+      <p:sp>
+        <p:nvSpPr>
+          <p:cNvPr id="5" name="Titel 4"/>
+          <p:cNvSpPr>
+            <a:spLocks noGrp="1"/>
+          </p:cNvSpPr>
+          <p:nvPr>
+            <p:ph type="title"/>
+          </p:nvPr>
+        </p:nvSpPr>
+        <p:spPr/>
+        <p:txBody>
+          <a:bodyPr/>
+          <a:lstStyle/>
+          <a:p>
+            <a:r>
+              <a:rPr lang="de-DE" dirty="0"/>
+              <a:t>Inhaltsverzeichnis</a:t>
+            </a:r>
+          </a:p>
+        </p:txBody>
+      </p:sp>
+      <p:sp>
+        <p:nvSpPr>
+          <p:cNvPr id="3" name="Inhaltsplatzhalter 2"/>
+          <p:cNvSpPr>
+            <a:spLocks noGrp="1"/>
+          </p:cNvSpPr>
+          <p:nvPr>
+            <p:ph idx="10"/>
+          </p:nvPr>
+        </p:nvSpPr>
+        <p:spPr>
+          <a:xfrm>
+            <a:off x="319089" y="1484039"/>
+            <a:ext cx="4438766" cy="2687461"/>
+          </a:xfrm>
+        </p:spPr>
+        <p:txBody>
+          <a:bodyPr/>
+          <a:lstStyle/>
+          <a:p>
+            <a:r>
+              <a:rPr lang="de-DE" altLang="zh-CN" b="0" i="0" dirty="0">
+                <a:effectLst/>
+                <a:latin typeface="Courier New" panose="02070309020205020404" pitchFamily="49" charset="0"/>
+              </a:rPr>
+              <a:t>➔ </a:t>
+            </a:r>
+            <a:r>
+              <a:rPr lang="de-DE" altLang="zh-CN" dirty="0">
+                <a:latin typeface="Arial" panose="020B0604020202020204" pitchFamily="34" charset="0"/>
+              </a:rPr>
+              <a:t>Transformation von Farbbild in Schwarz-Weiß </a:t>
+            </a:r>
+          </a:p>
+          <a:p>
+            <a:r>
+              <a:rPr lang="de-DE" altLang="zh-CN" b="0" i="0" dirty="0">
+                <a:effectLst/>
+                <a:latin typeface="Courier New" panose="02070309020205020404" pitchFamily="49" charset="0"/>
+              </a:rPr>
+              <a:t>➔</a:t>
+            </a:r>
+            <a:r>
+              <a:rPr lang="de-DE" altLang="zh-CN" dirty="0">
+                <a:latin typeface="Arial" panose="020B0604020202020204" pitchFamily="34" charset="0"/>
+              </a:rPr>
+              <a:t>  Was ist eine Gammakorrektur?</a:t>
+            </a:r>
+            <a:br>
+              <a:rPr lang="de-DE" altLang="zh-CN" dirty="0"/>
+            </a:br>
+            <a:r>
+              <a:rPr lang="de-DE" altLang="zh-CN" b="0" i="0" dirty="0">
+                <a:effectLst/>
+                <a:latin typeface="Courier New" panose="02070309020205020404" pitchFamily="49" charset="0"/>
+              </a:rPr>
+              <a:t>➔ </a:t>
+            </a:r>
+            <a:r>
+              <a:rPr lang="de-DE" altLang="zh-CN" b="0" i="0" dirty="0">
+                <a:solidFill>
+                  <a:srgbClr val="FF0000"/>
+                </a:solidFill>
+                <a:effectLst/>
+                <a:latin typeface="Arial" panose="020B0604020202020204" pitchFamily="34" charset="0"/>
+              </a:rPr>
+              <a:t>Lösungsansatz</a:t>
+            </a:r>
+          </a:p>
+          <a:p>
+            <a:r>
+              <a:rPr lang="de-DE" altLang="zh-CN" b="0" i="0" dirty="0">
+                <a:effectLst/>
+                <a:latin typeface="Courier New" panose="02070309020205020404" pitchFamily="49" charset="0"/>
+              </a:rPr>
+              <a:t>➔ </a:t>
+            </a:r>
+            <a:r>
+              <a:rPr lang="de-DE" altLang="zh-CN" b="0" i="0" dirty="0">
+                <a:effectLst/>
+                <a:latin typeface="Arial" panose="020B0604020202020204" pitchFamily="34" charset="0"/>
+              </a:rPr>
+              <a:t>Genauigkeitsanalyse</a:t>
+            </a:r>
+            <a:br>
+              <a:rPr lang="de-DE" altLang="zh-CN" dirty="0"/>
+            </a:br>
+            <a:r>
+              <a:rPr lang="de-DE" altLang="zh-CN" b="0" i="0" dirty="0">
+                <a:effectLst/>
+                <a:latin typeface="Courier New" panose="02070309020205020404" pitchFamily="49" charset="0"/>
+              </a:rPr>
+              <a:t>➔ </a:t>
+            </a:r>
+            <a:r>
+              <a:rPr lang="de-DE" altLang="zh-CN" b="0" i="0" dirty="0">
+                <a:effectLst/>
+                <a:latin typeface="Arial" panose="020B0604020202020204" pitchFamily="34" charset="0"/>
+              </a:rPr>
+              <a:t>Performanz Analyse</a:t>
+            </a:r>
+            <a:br>
+              <a:rPr lang="de-DE" altLang="zh-CN" dirty="0"/>
+            </a:br>
+            <a:r>
+              <a:rPr lang="de-DE" altLang="zh-CN" b="0" i="0" dirty="0">
+                <a:effectLst/>
+                <a:latin typeface="Courier New" panose="02070309020205020404" pitchFamily="49" charset="0"/>
+              </a:rPr>
+              <a:t>➔ </a:t>
+            </a:r>
+            <a:r>
+              <a:rPr lang="de-DE" altLang="zh-CN" b="0" i="0" dirty="0">
+                <a:effectLst/>
+                <a:latin typeface="Arial" panose="020B0604020202020204" pitchFamily="34" charset="0"/>
+              </a:rPr>
+              <a:t>Zusammenfassung</a:t>
+            </a:r>
+            <a:br>
+              <a:rPr lang="de-DE" altLang="zh-CN" dirty="0"/>
+            </a:br>
+            <a:r>
+              <a:rPr lang="de-DE" altLang="zh-CN" b="0" i="0" dirty="0">
+                <a:effectLst/>
+                <a:latin typeface="Courier New" panose="02070309020205020404" pitchFamily="49" charset="0"/>
+              </a:rPr>
+              <a:t>➔ </a:t>
+            </a:r>
+            <a:r>
+              <a:rPr lang="de-DE" altLang="zh-CN" b="0" i="0" dirty="0">
+                <a:effectLst/>
+                <a:latin typeface="Arial" panose="020B0604020202020204" pitchFamily="34" charset="0"/>
+              </a:rPr>
+              <a:t>Quellenverzeichnis</a:t>
+            </a:r>
+            <a:endParaRPr lang="de-DE" dirty="0"/>
+          </a:p>
+        </p:txBody>
+      </p:sp>
+    </p:spTree>
+    <p:extLst>
+      <p:ext uri="{BB962C8B-B14F-4D97-AF65-F5344CB8AC3E}">
+        <p14:creationId xmlns:p14="http://schemas.microsoft.com/office/powerpoint/2010/main" val="4154029153"/>
+      </p:ext>
+    </p:extLst>
+  </p:cSld>
+  <p:clrMapOvr>
+    <a:masterClrMapping/>
+  </p:clrMapOvr>
+</p:sld>
+</file>
+
+<file path=ppt/slides/slide9.xml><?xml version="1.0" encoding="utf-8"?>
+<p:sld xmlns:a="http://schemas.openxmlformats.org/drawingml/2006/main" xmlns:r="http://schemas.openxmlformats.org/officeDocument/2006/relationships" xmlns:p="http://schemas.openxmlformats.org/presentationml/2006/main">
+  <p:cSld>
+    <p:spTree>
+      <p:nvGrpSpPr>
         <p:cNvPr id="1" name="">
           <a:extLst>
             <a:ext uri="{FF2B5EF4-FFF2-40B4-BE49-F238E27FC236}">
-              <a16:creationId xmlns:a16="http://schemas.microsoft.com/office/drawing/2014/main" id="{2499B6E1-9EE9-A3CE-ED6A-FF120AA11D30}"/>
+              <a16:creationId xmlns:a16="http://schemas.microsoft.com/office/drawing/2014/main" id="{DCC3F880-E803-B0DD-EF7B-0BA82D6D6BB8}"/>
             </a:ext>
           </a:extLst>
         </p:cNvPr>
@@ -11774,43 +12346,12 @@
           <a:chExt cx="0" cy="0"/>
         </a:xfrm>
       </p:grpSpPr>
-      <p:pic>
-        <p:nvPicPr>
-          <p:cNvPr id="6" name="图片 5" descr="图片包含 矩形&#10;&#10;描述已自动生成">
-            <a:extLst>
-              <a:ext uri="{FF2B5EF4-FFF2-40B4-BE49-F238E27FC236}">
-                <a16:creationId xmlns:a16="http://schemas.microsoft.com/office/drawing/2014/main" id="{5AB5352B-49C5-305F-E760-106365015CE2}"/>
-              </a:ext>
-            </a:extLst>
-          </p:cNvPr>
-          <p:cNvPicPr>
-            <a:picLocks noChangeAspect="1"/>
-          </p:cNvPicPr>
-          <p:nvPr/>
-        </p:nvPicPr>
-        <p:blipFill>
-          <a:blip r:embed="rId2"/>
-          <a:stretch>
-            <a:fillRect/>
-          </a:stretch>
-        </p:blipFill>
-        <p:spPr>
-          <a:xfrm>
-            <a:off x="0" y="1907963"/>
-            <a:ext cx="9144000" cy="2606038"/>
-          </a:xfrm>
-          <a:prstGeom prst="rect">
-            <a:avLst/>
-          </a:prstGeom>
-          <a:noFill/>
-        </p:spPr>
-      </p:pic>
       <p:sp>
         <p:nvSpPr>
           <p:cNvPr id="3" name="Titel 2">
             <a:extLst>
               <a:ext uri="{FF2B5EF4-FFF2-40B4-BE49-F238E27FC236}">
-                <a16:creationId xmlns:a16="http://schemas.microsoft.com/office/drawing/2014/main" id="{5949CDF6-83E0-BB1A-7BC6-32BBE5EBA68D}"/>
+                <a16:creationId xmlns:a16="http://schemas.microsoft.com/office/drawing/2014/main" id="{3BC7B4EA-A66C-B206-995E-5BDCA0A5E3BE}"/>
               </a:ext>
             </a:extLst>
           </p:cNvPr>
@@ -11824,18 +12365,16 @@
         <p:spPr>
           <a:xfrm>
             <a:off x="319090" y="972000"/>
-            <a:ext cx="8508999" cy="410369"/>
+            <a:ext cx="8508999" cy="380745"/>
           </a:xfrm>
         </p:spPr>
         <p:txBody>
-          <a:bodyPr wrap="square" anchor="t">
-            <a:normAutofit/>
-          </a:bodyPr>
+          <a:bodyPr/>
           <a:lstStyle/>
           <a:p>
             <a:r>
               <a:rPr lang="de-DE" dirty="0"/>
-              <a:t>Noch ein paar Beispiel</a:t>
+              <a:t>Lösungsansatz</a:t>
             </a:r>
           </a:p>
         </p:txBody>
@@ -11845,7 +12384,7 @@
           <p:cNvPr id="4" name="Foliennummernplatzhalter 3">
             <a:extLst>
               <a:ext uri="{FF2B5EF4-FFF2-40B4-BE49-F238E27FC236}">
-                <a16:creationId xmlns:a16="http://schemas.microsoft.com/office/drawing/2014/main" id="{51C77D2B-A6E8-7FFD-91F0-ACEAECEABBC3}"/>
+                <a16:creationId xmlns:a16="http://schemas.microsoft.com/office/drawing/2014/main" id="{B8C7251E-E428-1F74-F52E-DE6949D29E27}"/>
               </a:ext>
             </a:extLst>
           </p:cNvPr>
@@ -11853,36 +12392,20 @@
             <a:spLocks noGrp="1"/>
           </p:cNvSpPr>
           <p:nvPr>
-            <p:ph type="sldNum" sz="quarter" idx="15"/>
+            <p:ph type="sldNum" sz="quarter" idx="11"/>
           </p:nvPr>
         </p:nvSpPr>
-        <p:spPr>
-          <a:xfrm>
-            <a:off x="6774934" y="4854985"/>
-            <a:ext cx="2052074" cy="273844"/>
-          </a:xfrm>
-        </p:spPr>
-        <p:txBody>
-          <a:bodyPr anchor="ctr">
-            <a:normAutofit/>
-          </a:bodyPr>
+        <p:spPr/>
+        <p:txBody>
+          <a:bodyPr/>
           <a:lstStyle/>
           <a:p>
-            <a:pPr>
-              <a:spcAft>
-                <a:spcPts val="600"/>
-              </a:spcAft>
-            </a:pPr>
             <a:fld id="{CE58CB1E-F828-4F11-99E0-327109AF9DA4}" type="slidenum">
               <a:rPr lang="de-DE" smtClean="0"/>
-              <a:pPr>
-                <a:spcAft>
-                  <a:spcPts val="600"/>
-                </a:spcAft>
-              </a:pPr>
-              <a:t>8</a:t>
+              <a:pPr/>
+              <a:t>9</a:t>
             </a:fld>
-            <a:endParaRPr lang="de-DE"/>
+            <a:endParaRPr lang="de-DE" dirty="0"/>
           </a:p>
         </p:txBody>
       </p:sp>
@@ -11891,7 +12414,7 @@
           <p:cNvPr id="7" name="Fußzeilenplatzhalter 4">
             <a:extLst>
               <a:ext uri="{FF2B5EF4-FFF2-40B4-BE49-F238E27FC236}">
-                <a16:creationId xmlns:a16="http://schemas.microsoft.com/office/drawing/2014/main" id="{A56AB0EE-6611-E101-325F-5C97AFB3C6B5}"/>
+                <a16:creationId xmlns:a16="http://schemas.microsoft.com/office/drawing/2014/main" id="{D26A322C-DEF5-4D93-3482-6CB1C7198C71}"/>
               </a:ext>
             </a:extLst>
           </p:cNvPr>
@@ -11899,19 +12422,12 @@
             <a:spLocks noGrp="1"/>
           </p:cNvSpPr>
           <p:nvPr>
-            <p:ph type="ftr" sz="quarter" idx="16"/>
+            <p:ph type="ftr" sz="quarter" idx="12"/>
           </p:nvPr>
         </p:nvSpPr>
-        <p:spPr>
-          <a:xfrm>
-            <a:off x="311162" y="4854985"/>
-            <a:ext cx="6464280" cy="273844"/>
-          </a:xfrm>
-        </p:spPr>
-        <p:txBody>
-          <a:bodyPr anchor="ctr">
-            <a:normAutofit/>
-          </a:bodyPr>
+        <p:spPr/>
+        <p:txBody>
+          <a:bodyPr/>
           <a:lstStyle/>
           <a:p>
             <a:pPr>
@@ -11951,201 +12467,1136 @@
           </a:p>
         </p:txBody>
       </p:sp>
+      <p:sp>
+        <p:nvSpPr>
+          <p:cNvPr id="9" name="Rechteck 8">
+            <a:extLst>
+              <a:ext uri="{FF2B5EF4-FFF2-40B4-BE49-F238E27FC236}">
+                <a16:creationId xmlns:a16="http://schemas.microsoft.com/office/drawing/2014/main" id="{DD61E25B-63C3-9422-BB5D-F4D874BA1362}"/>
+              </a:ext>
+            </a:extLst>
+          </p:cNvPr>
+          <p:cNvSpPr/>
+          <p:nvPr/>
+        </p:nvSpPr>
+        <p:spPr>
+          <a:xfrm>
+            <a:off x="347077" y="3170120"/>
+            <a:ext cx="1427822" cy="380746"/>
+          </a:xfrm>
+          <a:prstGeom prst="rect">
+            <a:avLst/>
+          </a:prstGeom>
+          <a:ln>
+            <a:noFill/>
+          </a:ln>
+        </p:spPr>
+        <p:style>
+          <a:lnRef idx="2">
+            <a:schemeClr val="accent1">
+              <a:shade val="50000"/>
+            </a:schemeClr>
+          </a:lnRef>
+          <a:fillRef idx="1">
+            <a:schemeClr val="accent1"/>
+          </a:fillRef>
+          <a:effectRef idx="0">
+            <a:schemeClr val="accent1"/>
+          </a:effectRef>
+          <a:fontRef idx="minor">
+            <a:schemeClr val="lt1"/>
+          </a:fontRef>
+        </p:style>
+        <p:txBody>
+          <a:bodyPr rot="0" spcFirstLastPara="0" vertOverflow="overflow" horzOverflow="overflow" vert="horz" wrap="square" lIns="91440" tIns="45720" rIns="91440" bIns="45720" numCol="1" spcCol="0" rtlCol="0" fromWordArt="0" anchor="t" anchorCtr="0" forceAA="0" compatLnSpc="1">
+            <a:prstTxWarp prst="textNoShape">
+              <a:avLst/>
+            </a:prstTxWarp>
+            <a:noAutofit/>
+          </a:bodyPr>
+          <a:lstStyle/>
+          <a:p>
+            <a:pPr algn="ctr">
+              <a:lnSpc>
+                <a:spcPct val="114000"/>
+              </a:lnSpc>
+            </a:pPr>
+            <a:r>
+              <a:rPr lang="de-DE" sz="1500" dirty="0" err="1"/>
+              <a:t>parse_option</a:t>
+            </a:r>
+            <a:endParaRPr lang="de-DE" sz="1500" dirty="0"/>
+          </a:p>
+        </p:txBody>
+      </p:sp>
+      <p:sp>
+        <p:nvSpPr>
+          <p:cNvPr id="10" name="Rechteck 9">
+            <a:extLst>
+              <a:ext uri="{FF2B5EF4-FFF2-40B4-BE49-F238E27FC236}">
+                <a16:creationId xmlns:a16="http://schemas.microsoft.com/office/drawing/2014/main" id="{B81125F7-8BCB-5671-4AB3-2AE1C6AD7D63}"/>
+              </a:ext>
+            </a:extLst>
+          </p:cNvPr>
+          <p:cNvSpPr/>
+          <p:nvPr/>
+        </p:nvSpPr>
+        <p:spPr>
+          <a:xfrm>
+            <a:off x="1890573" y="2570181"/>
+            <a:ext cx="670851" cy="358313"/>
+          </a:xfrm>
+          <a:prstGeom prst="rect">
+            <a:avLst/>
+          </a:prstGeom>
+          <a:ln>
+            <a:noFill/>
+          </a:ln>
+        </p:spPr>
+        <p:style>
+          <a:lnRef idx="2">
+            <a:schemeClr val="accent1">
+              <a:shade val="50000"/>
+            </a:schemeClr>
+          </a:lnRef>
+          <a:fillRef idx="1">
+            <a:schemeClr val="accent1"/>
+          </a:fillRef>
+          <a:effectRef idx="0">
+            <a:schemeClr val="accent1"/>
+          </a:effectRef>
+          <a:fontRef idx="minor">
+            <a:schemeClr val="lt1"/>
+          </a:fontRef>
+        </p:style>
+        <p:txBody>
+          <a:bodyPr rot="0" spcFirstLastPara="0" vertOverflow="overflow" horzOverflow="overflow" vert="horz" wrap="square" lIns="91440" tIns="45720" rIns="91440" bIns="45720" numCol="1" spcCol="0" rtlCol="0" fromWordArt="0" anchor="t" anchorCtr="0" forceAA="0" compatLnSpc="1">
+            <a:prstTxWarp prst="textNoShape">
+              <a:avLst/>
+            </a:prstTxWarp>
+            <a:noAutofit/>
+          </a:bodyPr>
+          <a:lstStyle/>
+          <a:p>
+            <a:pPr algn="ctr">
+              <a:lnSpc>
+                <a:spcPct val="114000"/>
+              </a:lnSpc>
+            </a:pPr>
+            <a:r>
+              <a:rPr lang="de-DE" dirty="0"/>
+              <a:t>V0</a:t>
+            </a:r>
+          </a:p>
+        </p:txBody>
+      </p:sp>
+      <p:sp>
+        <p:nvSpPr>
+          <p:cNvPr id="11" name="Rechteck 10">
+            <a:extLst>
+              <a:ext uri="{FF2B5EF4-FFF2-40B4-BE49-F238E27FC236}">
+                <a16:creationId xmlns:a16="http://schemas.microsoft.com/office/drawing/2014/main" id="{B9AD63E7-8ED3-EC23-BFDA-728804025714}"/>
+              </a:ext>
+            </a:extLst>
+          </p:cNvPr>
+          <p:cNvSpPr/>
+          <p:nvPr/>
+        </p:nvSpPr>
+        <p:spPr>
+          <a:xfrm>
+            <a:off x="1929311" y="3821684"/>
+            <a:ext cx="670851" cy="334628"/>
+          </a:xfrm>
+          <a:prstGeom prst="rect">
+            <a:avLst/>
+          </a:prstGeom>
+          <a:ln>
+            <a:noFill/>
+          </a:ln>
+        </p:spPr>
+        <p:style>
+          <a:lnRef idx="2">
+            <a:schemeClr val="accent1">
+              <a:shade val="50000"/>
+            </a:schemeClr>
+          </a:lnRef>
+          <a:fillRef idx="1">
+            <a:schemeClr val="accent1"/>
+          </a:fillRef>
+          <a:effectRef idx="0">
+            <a:schemeClr val="accent1"/>
+          </a:effectRef>
+          <a:fontRef idx="minor">
+            <a:schemeClr val="lt1"/>
+          </a:fontRef>
+        </p:style>
+        <p:txBody>
+          <a:bodyPr rot="0" spcFirstLastPara="0" vertOverflow="overflow" horzOverflow="overflow" vert="horz" wrap="square" lIns="91440" tIns="45720" rIns="91440" bIns="45720" numCol="1" spcCol="0" rtlCol="0" fromWordArt="0" anchor="t" anchorCtr="0" forceAA="0" compatLnSpc="1">
+            <a:prstTxWarp prst="textNoShape">
+              <a:avLst/>
+            </a:prstTxWarp>
+            <a:noAutofit/>
+          </a:bodyPr>
+          <a:lstStyle/>
+          <a:p>
+            <a:pPr algn="ctr">
+              <a:lnSpc>
+                <a:spcPct val="114000"/>
+              </a:lnSpc>
+            </a:pPr>
+            <a:r>
+              <a:rPr lang="de-DE" dirty="0"/>
+              <a:t>V2</a:t>
+            </a:r>
+          </a:p>
+        </p:txBody>
+      </p:sp>
+      <p:sp>
+        <p:nvSpPr>
+          <p:cNvPr id="12" name="Rechteck 11">
+            <a:extLst>
+              <a:ext uri="{FF2B5EF4-FFF2-40B4-BE49-F238E27FC236}">
+                <a16:creationId xmlns:a16="http://schemas.microsoft.com/office/drawing/2014/main" id="{AE14D3BB-8A93-CE62-AEBE-595D5305D55D}"/>
+              </a:ext>
+            </a:extLst>
+          </p:cNvPr>
+          <p:cNvSpPr/>
+          <p:nvPr/>
+        </p:nvSpPr>
+        <p:spPr>
+          <a:xfrm>
+            <a:off x="2407051" y="3173616"/>
+            <a:ext cx="670851" cy="358313"/>
+          </a:xfrm>
+          <a:prstGeom prst="rect">
+            <a:avLst/>
+          </a:prstGeom>
+          <a:ln>
+            <a:noFill/>
+          </a:ln>
+        </p:spPr>
+        <p:style>
+          <a:lnRef idx="2">
+            <a:schemeClr val="accent1">
+              <a:shade val="50000"/>
+            </a:schemeClr>
+          </a:lnRef>
+          <a:fillRef idx="1">
+            <a:schemeClr val="accent1"/>
+          </a:fillRef>
+          <a:effectRef idx="0">
+            <a:schemeClr val="accent1"/>
+          </a:effectRef>
+          <a:fontRef idx="minor">
+            <a:schemeClr val="lt1"/>
+          </a:fontRef>
+        </p:style>
+        <p:txBody>
+          <a:bodyPr rot="0" spcFirstLastPara="0" vertOverflow="overflow" horzOverflow="overflow" vert="horz" wrap="square" lIns="91440" tIns="45720" rIns="91440" bIns="45720" numCol="1" spcCol="0" rtlCol="0" fromWordArt="0" anchor="t" anchorCtr="0" forceAA="0" compatLnSpc="1">
+            <a:prstTxWarp prst="textNoShape">
+              <a:avLst/>
+            </a:prstTxWarp>
+            <a:noAutofit/>
+          </a:bodyPr>
+          <a:lstStyle/>
+          <a:p>
+            <a:pPr algn="ctr">
+              <a:lnSpc>
+                <a:spcPct val="114000"/>
+              </a:lnSpc>
+            </a:pPr>
+            <a:r>
+              <a:rPr lang="de-DE" dirty="0"/>
+              <a:t>V1</a:t>
+            </a:r>
+          </a:p>
+        </p:txBody>
+      </p:sp>
+      <p:cxnSp>
+        <p:nvCxnSpPr>
+          <p:cNvPr id="56" name="直线箭头连接符 55">
+            <a:extLst>
+              <a:ext uri="{FF2B5EF4-FFF2-40B4-BE49-F238E27FC236}">
+                <a16:creationId xmlns:a16="http://schemas.microsoft.com/office/drawing/2014/main" id="{4528A022-1BE9-674C-829A-AD7D741DF667}"/>
+              </a:ext>
+            </a:extLst>
+          </p:cNvPr>
+          <p:cNvCxnSpPr>
+            <a:cxnSpLocks/>
+            <a:stCxn id="9" idx="3"/>
+            <a:endCxn id="63" idx="1"/>
+          </p:cNvCxnSpPr>
+          <p:nvPr/>
+        </p:nvCxnSpPr>
+        <p:spPr>
+          <a:xfrm flipV="1">
+            <a:off x="1774899" y="2878602"/>
+            <a:ext cx="1514210" cy="481891"/>
+          </a:xfrm>
+          <a:prstGeom prst="straightConnector1">
+            <a:avLst/>
+          </a:prstGeom>
+          <a:ln>
+            <a:tailEnd type="triangle"/>
+          </a:ln>
+        </p:spPr>
+        <p:style>
+          <a:lnRef idx="1">
+            <a:schemeClr val="accent1"/>
+          </a:lnRef>
+          <a:fillRef idx="0">
+            <a:schemeClr val="accent1"/>
+          </a:fillRef>
+          <a:effectRef idx="0">
+            <a:schemeClr val="accent1"/>
+          </a:effectRef>
+          <a:fontRef idx="minor">
+            <a:schemeClr val="tx1"/>
+          </a:fontRef>
+        </p:style>
+      </p:cxnSp>
+      <p:cxnSp>
+        <p:nvCxnSpPr>
+          <p:cNvPr id="59" name="直线箭头连接符 58">
+            <a:extLst>
+              <a:ext uri="{FF2B5EF4-FFF2-40B4-BE49-F238E27FC236}">
+                <a16:creationId xmlns:a16="http://schemas.microsoft.com/office/drawing/2014/main" id="{3DC77916-9810-875B-24C0-CF2172B62044}"/>
+              </a:ext>
+            </a:extLst>
+          </p:cNvPr>
+          <p:cNvCxnSpPr>
+            <a:cxnSpLocks/>
+            <a:stCxn id="9" idx="3"/>
+          </p:cNvCxnSpPr>
+          <p:nvPr/>
+        </p:nvCxnSpPr>
+        <p:spPr>
+          <a:xfrm flipV="1">
+            <a:off x="1774899" y="3343048"/>
+            <a:ext cx="1542196" cy="17445"/>
+          </a:xfrm>
+          <a:prstGeom prst="straightConnector1">
+            <a:avLst/>
+          </a:prstGeom>
+          <a:ln>
+            <a:tailEnd type="triangle"/>
+          </a:ln>
+        </p:spPr>
+        <p:style>
+          <a:lnRef idx="1">
+            <a:schemeClr val="accent1"/>
+          </a:lnRef>
+          <a:fillRef idx="0">
+            <a:schemeClr val="accent1"/>
+          </a:fillRef>
+          <a:effectRef idx="0">
+            <a:schemeClr val="accent1"/>
+          </a:effectRef>
+          <a:fontRef idx="minor">
+            <a:schemeClr val="tx1"/>
+          </a:fontRef>
+        </p:style>
+      </p:cxnSp>
+      <p:cxnSp>
+        <p:nvCxnSpPr>
+          <p:cNvPr id="62" name="直线箭头连接符 61">
+            <a:extLst>
+              <a:ext uri="{FF2B5EF4-FFF2-40B4-BE49-F238E27FC236}">
+                <a16:creationId xmlns:a16="http://schemas.microsoft.com/office/drawing/2014/main" id="{54943548-95B4-3FFE-8643-4F1E81A530ED}"/>
+              </a:ext>
+            </a:extLst>
+          </p:cNvPr>
+          <p:cNvCxnSpPr>
+            <a:cxnSpLocks/>
+            <a:stCxn id="9" idx="3"/>
+            <a:endCxn id="65" idx="1"/>
+          </p:cNvCxnSpPr>
+          <p:nvPr/>
+        </p:nvCxnSpPr>
+        <p:spPr>
+          <a:xfrm>
+            <a:off x="1774899" y="3360493"/>
+            <a:ext cx="1514211" cy="674945"/>
+          </a:xfrm>
+          <a:prstGeom prst="straightConnector1">
+            <a:avLst/>
+          </a:prstGeom>
+          <a:ln>
+            <a:tailEnd type="triangle"/>
+          </a:ln>
+        </p:spPr>
+        <p:style>
+          <a:lnRef idx="1">
+            <a:schemeClr val="accent1"/>
+          </a:lnRef>
+          <a:fillRef idx="0">
+            <a:schemeClr val="accent1"/>
+          </a:fillRef>
+          <a:effectRef idx="0">
+            <a:schemeClr val="accent1"/>
+          </a:effectRef>
+          <a:fontRef idx="minor">
+            <a:schemeClr val="tx1"/>
+          </a:fontRef>
+        </p:style>
+      </p:cxnSp>
+      <p:sp>
+        <p:nvSpPr>
+          <p:cNvPr id="63" name="矩形 62">
+            <a:extLst>
+              <a:ext uri="{FF2B5EF4-FFF2-40B4-BE49-F238E27FC236}">
+                <a16:creationId xmlns:a16="http://schemas.microsoft.com/office/drawing/2014/main" id="{F95CA822-2CA3-4168-F1FA-7E5D45CE0D80}"/>
+              </a:ext>
+            </a:extLst>
+          </p:cNvPr>
+          <p:cNvSpPr/>
+          <p:nvPr/>
+        </p:nvSpPr>
+        <p:spPr>
+          <a:xfrm>
+            <a:off x="3289109" y="2688229"/>
+            <a:ext cx="3394322" cy="380745"/>
+          </a:xfrm>
+          <a:prstGeom prst="rect">
+            <a:avLst/>
+          </a:prstGeom>
+          <a:ln>
+            <a:noFill/>
+          </a:ln>
+        </p:spPr>
+        <p:style>
+          <a:lnRef idx="2">
+            <a:schemeClr val="accent1">
+              <a:shade val="50000"/>
+            </a:schemeClr>
+          </a:lnRef>
+          <a:fillRef idx="1">
+            <a:schemeClr val="accent1"/>
+          </a:fillRef>
+          <a:effectRef idx="0">
+            <a:schemeClr val="accent1"/>
+          </a:effectRef>
+          <a:fontRef idx="minor">
+            <a:schemeClr val="lt1"/>
+          </a:fontRef>
+        </p:style>
+        <p:txBody>
+          <a:bodyPr rot="0" spcFirstLastPara="0" vertOverflow="overflow" horzOverflow="overflow" vert="horz" wrap="square" lIns="91440" tIns="45720" rIns="91440" bIns="45720" numCol="1" spcCol="0" rtlCol="0" fromWordArt="0" anchor="t" anchorCtr="0" forceAA="0" compatLnSpc="1">
+            <a:prstTxWarp prst="textNoShape">
+              <a:avLst/>
+            </a:prstTxWarp>
+            <a:noAutofit/>
+          </a:bodyPr>
+          <a:lstStyle/>
+          <a:p>
+            <a:pPr algn="ctr">
+              <a:lnSpc>
+                <a:spcPct val="114000"/>
+              </a:lnSpc>
+            </a:pPr>
+            <a:r>
+              <a:rPr lang="de-DE" altLang="zh-CN" b="0" dirty="0" err="1">
+                <a:solidFill>
+                  <a:schemeClr val="bg1"/>
+                </a:solidFill>
+                <a:effectLst/>
+                <a:latin typeface="Menlo" panose="020B0609030804020204" pitchFamily="49" charset="0"/>
+              </a:rPr>
+              <a:t>gamma_correct_seq</a:t>
+            </a:r>
+            <a:r>
+              <a:rPr lang="de-DE" altLang="zh-CN" b="0" dirty="0">
+                <a:solidFill>
+                  <a:schemeClr val="bg1"/>
+                </a:solidFill>
+                <a:effectLst/>
+                <a:latin typeface="Menlo" panose="020B0609030804020204" pitchFamily="49" charset="0"/>
+              </a:rPr>
+              <a:t>(</a:t>
+            </a:r>
+            <a:r>
+              <a:rPr lang="de-DE" altLang="zh-CN" b="0" dirty="0" err="1">
+                <a:solidFill>
+                  <a:schemeClr val="bg1"/>
+                </a:solidFill>
+                <a:effectLst/>
+                <a:latin typeface="Menlo" panose="020B0609030804020204" pitchFamily="49" charset="0"/>
+              </a:rPr>
+              <a:t>true</a:t>
+            </a:r>
+            <a:r>
+              <a:rPr lang="de-DE" altLang="zh-CN" b="0" dirty="0">
+                <a:solidFill>
+                  <a:schemeClr val="bg1"/>
+                </a:solidFill>
+                <a:effectLst/>
+                <a:latin typeface="Menlo" panose="020B0609030804020204" pitchFamily="49" charset="0"/>
+              </a:rPr>
+              <a:t>)</a:t>
+            </a:r>
+          </a:p>
+          <a:p>
+            <a:pPr algn="ctr">
+              <a:lnSpc>
+                <a:spcPct val="114000"/>
+              </a:lnSpc>
+            </a:pPr>
+            <a:endParaRPr kumimoji="1" lang="zh-CN" altLang="en-US" dirty="0">
+              <a:solidFill>
+                <a:schemeClr val="bg1"/>
+              </a:solidFill>
+            </a:endParaRPr>
+          </a:p>
+        </p:txBody>
+      </p:sp>
+      <p:sp>
+        <p:nvSpPr>
+          <p:cNvPr id="64" name="矩形 63">
+            <a:extLst>
+              <a:ext uri="{FF2B5EF4-FFF2-40B4-BE49-F238E27FC236}">
+                <a16:creationId xmlns:a16="http://schemas.microsoft.com/office/drawing/2014/main" id="{0041D743-A995-9315-C380-F32E81AD358E}"/>
+              </a:ext>
+            </a:extLst>
+          </p:cNvPr>
+          <p:cNvSpPr/>
+          <p:nvPr/>
+        </p:nvSpPr>
+        <p:spPr>
+          <a:xfrm>
+            <a:off x="3261414" y="3225210"/>
+            <a:ext cx="3394323" cy="446839"/>
+          </a:xfrm>
+          <a:prstGeom prst="rect">
+            <a:avLst/>
+          </a:prstGeom>
+          <a:ln>
+            <a:noFill/>
+          </a:ln>
+        </p:spPr>
+        <p:style>
+          <a:lnRef idx="2">
+            <a:schemeClr val="accent1">
+              <a:shade val="50000"/>
+            </a:schemeClr>
+          </a:lnRef>
+          <a:fillRef idx="1">
+            <a:schemeClr val="accent1"/>
+          </a:fillRef>
+          <a:effectRef idx="0">
+            <a:schemeClr val="accent1"/>
+          </a:effectRef>
+          <a:fontRef idx="minor">
+            <a:schemeClr val="lt1"/>
+          </a:fontRef>
+        </p:style>
+        <p:txBody>
+          <a:bodyPr rot="0" spcFirstLastPara="0" vertOverflow="overflow" horzOverflow="overflow" vert="horz" wrap="square" lIns="91440" tIns="45720" rIns="91440" bIns="45720" numCol="1" spcCol="0" rtlCol="0" fromWordArt="0" anchor="t" anchorCtr="0" forceAA="0" compatLnSpc="1">
+            <a:prstTxWarp prst="textNoShape">
+              <a:avLst/>
+            </a:prstTxWarp>
+            <a:noAutofit/>
+          </a:bodyPr>
+          <a:lstStyle/>
+          <a:p>
+            <a:pPr algn="ctr">
+              <a:lnSpc>
+                <a:spcPct val="114000"/>
+              </a:lnSpc>
+            </a:pPr>
+            <a:r>
+              <a:rPr lang="de-DE" altLang="zh-CN" b="0" dirty="0" err="1">
+                <a:solidFill>
+                  <a:schemeClr val="bg1"/>
+                </a:solidFill>
+                <a:effectLst/>
+                <a:latin typeface="Menlo" panose="020B0609030804020204" pitchFamily="49" charset="0"/>
+              </a:rPr>
+              <a:t>gamma_correct_seq</a:t>
+            </a:r>
+            <a:r>
+              <a:rPr lang="de-DE" altLang="zh-CN" b="0" dirty="0">
+                <a:solidFill>
+                  <a:schemeClr val="bg1"/>
+                </a:solidFill>
+                <a:effectLst/>
+                <a:latin typeface="Menlo" panose="020B0609030804020204" pitchFamily="49" charset="0"/>
+              </a:rPr>
+              <a:t>(</a:t>
+            </a:r>
+            <a:r>
+              <a:rPr lang="de-DE" altLang="zh-CN" b="0" dirty="0" err="1">
+                <a:solidFill>
+                  <a:schemeClr val="bg1"/>
+                </a:solidFill>
+                <a:effectLst/>
+                <a:latin typeface="Menlo" panose="020B0609030804020204" pitchFamily="49" charset="0"/>
+              </a:rPr>
+              <a:t>false</a:t>
+            </a:r>
+            <a:r>
+              <a:rPr lang="de-DE" altLang="zh-CN" b="0" dirty="0">
+                <a:solidFill>
+                  <a:schemeClr val="bg1"/>
+                </a:solidFill>
+                <a:effectLst/>
+                <a:latin typeface="Menlo" panose="020B0609030804020204" pitchFamily="49" charset="0"/>
+              </a:rPr>
+              <a:t>)</a:t>
+            </a:r>
+          </a:p>
+          <a:p>
+            <a:pPr algn="ctr">
+              <a:lnSpc>
+                <a:spcPct val="114000"/>
+              </a:lnSpc>
+            </a:pPr>
+            <a:endParaRPr kumimoji="1" lang="zh-CN" altLang="en-US" dirty="0">
+              <a:solidFill>
+                <a:schemeClr val="bg1"/>
+              </a:solidFill>
+            </a:endParaRPr>
+          </a:p>
+        </p:txBody>
+      </p:sp>
+      <p:sp>
+        <p:nvSpPr>
+          <p:cNvPr id="65" name="矩形 64">
+            <a:extLst>
+              <a:ext uri="{FF2B5EF4-FFF2-40B4-BE49-F238E27FC236}">
+                <a16:creationId xmlns:a16="http://schemas.microsoft.com/office/drawing/2014/main" id="{A2DD031D-EBCA-A4D4-535B-4154C7DAFF42}"/>
+              </a:ext>
+            </a:extLst>
+          </p:cNvPr>
+          <p:cNvSpPr/>
+          <p:nvPr/>
+        </p:nvSpPr>
+        <p:spPr>
+          <a:xfrm>
+            <a:off x="3289110" y="3827620"/>
+            <a:ext cx="3394320" cy="415636"/>
+          </a:xfrm>
+          <a:prstGeom prst="rect">
+            <a:avLst/>
+          </a:prstGeom>
+          <a:ln>
+            <a:noFill/>
+          </a:ln>
+        </p:spPr>
+        <p:style>
+          <a:lnRef idx="2">
+            <a:schemeClr val="accent1">
+              <a:shade val="50000"/>
+            </a:schemeClr>
+          </a:lnRef>
+          <a:fillRef idx="1">
+            <a:schemeClr val="accent1"/>
+          </a:fillRef>
+          <a:effectRef idx="0">
+            <a:schemeClr val="accent1"/>
+          </a:effectRef>
+          <a:fontRef idx="minor">
+            <a:schemeClr val="lt1"/>
+          </a:fontRef>
+        </p:style>
+        <p:txBody>
+          <a:bodyPr rot="0" spcFirstLastPara="0" vertOverflow="overflow" horzOverflow="overflow" vert="horz" wrap="square" lIns="91440" tIns="45720" rIns="91440" bIns="45720" numCol="1" spcCol="0" rtlCol="0" fromWordArt="0" anchor="t" anchorCtr="0" forceAA="0" compatLnSpc="1">
+            <a:prstTxWarp prst="textNoShape">
+              <a:avLst/>
+            </a:prstTxWarp>
+            <a:noAutofit/>
+          </a:bodyPr>
+          <a:lstStyle/>
+          <a:p>
+            <a:r>
+              <a:rPr lang="de-DE" altLang="zh-CN" b="0" dirty="0" err="1">
+                <a:solidFill>
+                  <a:schemeClr val="bg1"/>
+                </a:solidFill>
+                <a:effectLst/>
+                <a:latin typeface="Menlo" panose="020B0609030804020204" pitchFamily="49" charset="0"/>
+              </a:rPr>
+              <a:t>gamma_correct_</a:t>
+            </a:r>
+            <a:r>
+              <a:rPr lang="de-DE" altLang="zh-CN" dirty="0" err="1">
+                <a:solidFill>
+                  <a:schemeClr val="bg1"/>
+                </a:solidFill>
+                <a:latin typeface="Menlo" panose="020B0609030804020204" pitchFamily="49" charset="0"/>
+              </a:rPr>
+              <a:t>simd</a:t>
+            </a:r>
+            <a:r>
+              <a:rPr lang="de-DE" altLang="zh-CN" b="0" dirty="0">
+                <a:solidFill>
+                  <a:schemeClr val="bg1"/>
+                </a:solidFill>
+                <a:effectLst/>
+                <a:latin typeface="Menlo" panose="020B0609030804020204" pitchFamily="49" charset="0"/>
+              </a:rPr>
+              <a:t>()</a:t>
+            </a:r>
+          </a:p>
+        </p:txBody>
+      </p:sp>
+      <p:sp>
+        <p:nvSpPr>
+          <p:cNvPr id="2" name="矩形 1">
+            <a:extLst>
+              <a:ext uri="{FF2B5EF4-FFF2-40B4-BE49-F238E27FC236}">
+                <a16:creationId xmlns:a16="http://schemas.microsoft.com/office/drawing/2014/main" id="{CDA9CB2B-278F-DAA9-902C-F11098C7BE81}"/>
+              </a:ext>
+            </a:extLst>
+          </p:cNvPr>
+          <p:cNvSpPr/>
+          <p:nvPr/>
+        </p:nvSpPr>
+        <p:spPr>
+          <a:xfrm>
+            <a:off x="7407086" y="3225209"/>
+            <a:ext cx="1136413" cy="446839"/>
+          </a:xfrm>
+          <a:prstGeom prst="rect">
+            <a:avLst/>
+          </a:prstGeom>
+          <a:ln>
+            <a:noFill/>
+          </a:ln>
+        </p:spPr>
+        <p:style>
+          <a:lnRef idx="2">
+            <a:schemeClr val="accent1">
+              <a:shade val="50000"/>
+            </a:schemeClr>
+          </a:lnRef>
+          <a:fillRef idx="1">
+            <a:schemeClr val="accent1"/>
+          </a:fillRef>
+          <a:effectRef idx="0">
+            <a:schemeClr val="accent1"/>
+          </a:effectRef>
+          <a:fontRef idx="minor">
+            <a:schemeClr val="lt1"/>
+          </a:fontRef>
+        </p:style>
+        <p:txBody>
+          <a:bodyPr rot="0" spcFirstLastPara="0" vertOverflow="overflow" horzOverflow="overflow" vert="horz" wrap="square" lIns="91440" tIns="45720" rIns="91440" bIns="45720" numCol="1" spcCol="0" rtlCol="0" fromWordArt="0" anchor="t" anchorCtr="0" forceAA="0" compatLnSpc="1">
+            <a:prstTxWarp prst="textNoShape">
+              <a:avLst/>
+            </a:prstTxWarp>
+            <a:noAutofit/>
+          </a:bodyPr>
+          <a:lstStyle/>
+          <a:p>
+            <a:pPr algn="ctr">
+              <a:lnSpc>
+                <a:spcPct val="114000"/>
+              </a:lnSpc>
+            </a:pPr>
+            <a:r>
+              <a:rPr kumimoji="1" lang="de-DE" altLang="zh-CN" dirty="0"/>
+              <a:t>PGM</a:t>
+            </a:r>
+          </a:p>
+        </p:txBody>
+      </p:sp>
+      <p:sp>
+        <p:nvSpPr>
+          <p:cNvPr id="5" name="椭圆 4">
+            <a:extLst>
+              <a:ext uri="{FF2B5EF4-FFF2-40B4-BE49-F238E27FC236}">
+                <a16:creationId xmlns:a16="http://schemas.microsoft.com/office/drawing/2014/main" id="{AE26DE1C-6842-6872-E53C-E21BC4939668}"/>
+              </a:ext>
+            </a:extLst>
+          </p:cNvPr>
+          <p:cNvSpPr/>
+          <p:nvPr/>
+        </p:nvSpPr>
+        <p:spPr>
+          <a:xfrm>
+            <a:off x="2168883" y="1398327"/>
+            <a:ext cx="2505438" cy="844274"/>
+          </a:xfrm>
+          <a:prstGeom prst="ellipse">
+            <a:avLst/>
+          </a:prstGeom>
+          <a:ln>
+            <a:noFill/>
+          </a:ln>
+        </p:spPr>
+        <p:style>
+          <a:lnRef idx="2">
+            <a:schemeClr val="accent1">
+              <a:shade val="50000"/>
+            </a:schemeClr>
+          </a:lnRef>
+          <a:fillRef idx="1">
+            <a:schemeClr val="accent1"/>
+          </a:fillRef>
+          <a:effectRef idx="0">
+            <a:schemeClr val="accent1"/>
+          </a:effectRef>
+          <a:fontRef idx="minor">
+            <a:schemeClr val="lt1"/>
+          </a:fontRef>
+        </p:style>
+        <p:txBody>
+          <a:bodyPr rot="0" spcFirstLastPara="0" vertOverflow="overflow" horzOverflow="overflow" vert="horz" wrap="square" lIns="91440" tIns="45720" rIns="91440" bIns="45720" numCol="1" spcCol="0" rtlCol="0" fromWordArt="0" anchor="t" anchorCtr="0" forceAA="0" compatLnSpc="1">
+            <a:prstTxWarp prst="textNoShape">
+              <a:avLst/>
+            </a:prstTxWarp>
+            <a:noAutofit/>
+          </a:bodyPr>
+          <a:lstStyle/>
+          <a:p>
+            <a:pPr algn="ctr">
+              <a:lnSpc>
+                <a:spcPct val="114000"/>
+              </a:lnSpc>
+            </a:pPr>
+            <a:r>
+              <a:rPr kumimoji="1" lang="de-DE" altLang="zh-CN" dirty="0"/>
+              <a:t>Graustufenkonvertierung</a:t>
+            </a:r>
+            <a:endParaRPr kumimoji="1" lang="zh-CN" altLang="en-US" dirty="0"/>
+          </a:p>
+        </p:txBody>
+      </p:sp>
+      <p:cxnSp>
+        <p:nvCxnSpPr>
+          <p:cNvPr id="8" name="直线箭头连接符 7">
+            <a:extLst>
+              <a:ext uri="{FF2B5EF4-FFF2-40B4-BE49-F238E27FC236}">
+                <a16:creationId xmlns:a16="http://schemas.microsoft.com/office/drawing/2014/main" id="{84F84143-C093-D16D-D2A5-7CF269929066}"/>
+              </a:ext>
+            </a:extLst>
+          </p:cNvPr>
+          <p:cNvCxnSpPr>
+            <a:cxnSpLocks/>
+            <a:stCxn id="5" idx="6"/>
+          </p:cNvCxnSpPr>
+          <p:nvPr/>
+        </p:nvCxnSpPr>
+        <p:spPr>
+          <a:xfrm flipH="1" flipV="1">
+            <a:off x="4280311" y="1760750"/>
+            <a:ext cx="394010" cy="59714"/>
+          </a:xfrm>
+          <a:prstGeom prst="straightConnector1">
+            <a:avLst/>
+          </a:prstGeom>
+          <a:ln>
+            <a:tailEnd type="triangle"/>
+          </a:ln>
+        </p:spPr>
+        <p:style>
+          <a:lnRef idx="1">
+            <a:schemeClr val="accent1"/>
+          </a:lnRef>
+          <a:fillRef idx="0">
+            <a:schemeClr val="accent1"/>
+          </a:fillRef>
+          <a:effectRef idx="0">
+            <a:schemeClr val="accent1"/>
+          </a:effectRef>
+          <a:fontRef idx="minor">
+            <a:schemeClr val="tx1"/>
+          </a:fontRef>
+        </p:style>
+      </p:cxnSp>
+      <p:sp>
+        <p:nvSpPr>
+          <p:cNvPr id="14" name="椭圆 13">
+            <a:extLst>
+              <a:ext uri="{FF2B5EF4-FFF2-40B4-BE49-F238E27FC236}">
+                <a16:creationId xmlns:a16="http://schemas.microsoft.com/office/drawing/2014/main" id="{64B3E5E3-A209-4DF3-E724-CCA8112CE824}"/>
+              </a:ext>
+            </a:extLst>
+          </p:cNvPr>
+          <p:cNvSpPr/>
+          <p:nvPr/>
+        </p:nvSpPr>
+        <p:spPr>
+          <a:xfrm>
+            <a:off x="5493834" y="1398327"/>
+            <a:ext cx="1821366" cy="844274"/>
+          </a:xfrm>
+          <a:prstGeom prst="ellipse">
+            <a:avLst/>
+          </a:prstGeom>
+          <a:ln>
+            <a:noFill/>
+          </a:ln>
+        </p:spPr>
+        <p:style>
+          <a:lnRef idx="2">
+            <a:schemeClr val="accent1">
+              <a:shade val="50000"/>
+            </a:schemeClr>
+          </a:lnRef>
+          <a:fillRef idx="1">
+            <a:schemeClr val="accent1"/>
+          </a:fillRef>
+          <a:effectRef idx="0">
+            <a:schemeClr val="accent1"/>
+          </a:effectRef>
+          <a:fontRef idx="minor">
+            <a:schemeClr val="lt1"/>
+          </a:fontRef>
+        </p:style>
+        <p:txBody>
+          <a:bodyPr rot="0" spcFirstLastPara="0" vertOverflow="overflow" horzOverflow="overflow" vert="horz" wrap="square" lIns="91440" tIns="45720" rIns="91440" bIns="45720" numCol="1" spcCol="0" rtlCol="0" fromWordArt="0" anchor="t" anchorCtr="0" forceAA="0" compatLnSpc="1">
+            <a:prstTxWarp prst="textNoShape">
+              <a:avLst/>
+            </a:prstTxWarp>
+            <a:noAutofit/>
+          </a:bodyPr>
+          <a:lstStyle/>
+          <a:p>
+            <a:pPr algn="ctr">
+              <a:lnSpc>
+                <a:spcPct val="114000"/>
+              </a:lnSpc>
+            </a:pPr>
+            <a:r>
+              <a:rPr kumimoji="1" lang="de-DE" altLang="zh-CN" dirty="0"/>
+              <a:t>Gamma</a:t>
+            </a:r>
+          </a:p>
+          <a:p>
+            <a:pPr algn="ctr">
+              <a:lnSpc>
+                <a:spcPct val="114000"/>
+              </a:lnSpc>
+            </a:pPr>
+            <a:r>
+              <a:rPr kumimoji="1" lang="de-DE" altLang="zh-CN" dirty="0" err="1"/>
+              <a:t>korrektur</a:t>
+            </a:r>
+            <a:endParaRPr kumimoji="1" lang="zh-CN" altLang="en-US" dirty="0"/>
+          </a:p>
+        </p:txBody>
+      </p:sp>
+      <p:cxnSp>
+        <p:nvCxnSpPr>
+          <p:cNvPr id="21" name="直线箭头连接符 20">
+            <a:extLst>
+              <a:ext uri="{FF2B5EF4-FFF2-40B4-BE49-F238E27FC236}">
+                <a16:creationId xmlns:a16="http://schemas.microsoft.com/office/drawing/2014/main" id="{4CC78049-1DDD-9523-D7B1-6BD2539545EF}"/>
+              </a:ext>
+            </a:extLst>
+          </p:cNvPr>
+          <p:cNvCxnSpPr>
+            <a:cxnSpLocks/>
+            <a:stCxn id="5" idx="6"/>
+            <a:endCxn id="14" idx="2"/>
+          </p:cNvCxnSpPr>
+          <p:nvPr/>
+        </p:nvCxnSpPr>
+        <p:spPr>
+          <a:xfrm>
+            <a:off x="4674321" y="1820464"/>
+            <a:ext cx="819513" cy="0"/>
+          </a:xfrm>
+          <a:prstGeom prst="straightConnector1">
+            <a:avLst/>
+          </a:prstGeom>
+          <a:ln>
+            <a:tailEnd type="triangle"/>
+          </a:ln>
+        </p:spPr>
+        <p:style>
+          <a:lnRef idx="1">
+            <a:schemeClr val="accent1"/>
+          </a:lnRef>
+          <a:fillRef idx="0">
+            <a:schemeClr val="accent1"/>
+          </a:fillRef>
+          <a:effectRef idx="0">
+            <a:schemeClr val="accent1"/>
+          </a:effectRef>
+          <a:fontRef idx="minor">
+            <a:schemeClr val="tx1"/>
+          </a:fontRef>
+        </p:style>
+      </p:cxnSp>
+      <p:cxnSp>
+        <p:nvCxnSpPr>
+          <p:cNvPr id="27" name="直线箭头连接符 26">
+            <a:extLst>
+              <a:ext uri="{FF2B5EF4-FFF2-40B4-BE49-F238E27FC236}">
+                <a16:creationId xmlns:a16="http://schemas.microsoft.com/office/drawing/2014/main" id="{D6B9E702-E34D-DF9C-594A-0BB58DE4C436}"/>
+              </a:ext>
+            </a:extLst>
+          </p:cNvPr>
+          <p:cNvCxnSpPr>
+            <a:cxnSpLocks/>
+            <a:stCxn id="63" idx="3"/>
+            <a:endCxn id="2" idx="1"/>
+          </p:cNvCxnSpPr>
+          <p:nvPr/>
+        </p:nvCxnSpPr>
+        <p:spPr>
+          <a:xfrm>
+            <a:off x="6683431" y="2878602"/>
+            <a:ext cx="723655" cy="570027"/>
+          </a:xfrm>
+          <a:prstGeom prst="straightConnector1">
+            <a:avLst/>
+          </a:prstGeom>
+          <a:ln>
+            <a:tailEnd type="triangle"/>
+          </a:ln>
+        </p:spPr>
+        <p:style>
+          <a:lnRef idx="1">
+            <a:schemeClr val="accent1"/>
+          </a:lnRef>
+          <a:fillRef idx="0">
+            <a:schemeClr val="accent1"/>
+          </a:fillRef>
+          <a:effectRef idx="0">
+            <a:schemeClr val="accent1"/>
+          </a:effectRef>
+          <a:fontRef idx="minor">
+            <a:schemeClr val="tx1"/>
+          </a:fontRef>
+        </p:style>
+      </p:cxnSp>
+      <p:cxnSp>
+        <p:nvCxnSpPr>
+          <p:cNvPr id="31" name="直线箭头连接符 30">
+            <a:extLst>
+              <a:ext uri="{FF2B5EF4-FFF2-40B4-BE49-F238E27FC236}">
+                <a16:creationId xmlns:a16="http://schemas.microsoft.com/office/drawing/2014/main" id="{424601AE-A112-139E-AFB1-CC87144035FF}"/>
+              </a:ext>
+            </a:extLst>
+          </p:cNvPr>
+          <p:cNvCxnSpPr>
+            <a:cxnSpLocks/>
+            <a:stCxn id="64" idx="3"/>
+            <a:endCxn id="2" idx="1"/>
+          </p:cNvCxnSpPr>
+          <p:nvPr/>
+        </p:nvCxnSpPr>
+        <p:spPr>
+          <a:xfrm flipV="1">
+            <a:off x="6655737" y="3448629"/>
+            <a:ext cx="751349" cy="1"/>
+          </a:xfrm>
+          <a:prstGeom prst="straightConnector1">
+            <a:avLst/>
+          </a:prstGeom>
+          <a:ln>
+            <a:tailEnd type="triangle"/>
+          </a:ln>
+        </p:spPr>
+        <p:style>
+          <a:lnRef idx="1">
+            <a:schemeClr val="accent1"/>
+          </a:lnRef>
+          <a:fillRef idx="0">
+            <a:schemeClr val="accent1"/>
+          </a:fillRef>
+          <a:effectRef idx="0">
+            <a:schemeClr val="accent1"/>
+          </a:effectRef>
+          <a:fontRef idx="minor">
+            <a:schemeClr val="tx1"/>
+          </a:fontRef>
+        </p:style>
+      </p:cxnSp>
+      <p:cxnSp>
+        <p:nvCxnSpPr>
+          <p:cNvPr id="35" name="直线箭头连接符 34">
+            <a:extLst>
+              <a:ext uri="{FF2B5EF4-FFF2-40B4-BE49-F238E27FC236}">
+                <a16:creationId xmlns:a16="http://schemas.microsoft.com/office/drawing/2014/main" id="{314B84D5-F297-6A78-E5AB-7255F9DBABE0}"/>
+              </a:ext>
+            </a:extLst>
+          </p:cNvPr>
+          <p:cNvCxnSpPr>
+            <a:cxnSpLocks/>
+            <a:stCxn id="65" idx="3"/>
+            <a:endCxn id="2" idx="1"/>
+          </p:cNvCxnSpPr>
+          <p:nvPr/>
+        </p:nvCxnSpPr>
+        <p:spPr>
+          <a:xfrm flipV="1">
+            <a:off x="6683430" y="3448629"/>
+            <a:ext cx="723656" cy="586809"/>
+          </a:xfrm>
+          <a:prstGeom prst="straightConnector1">
+            <a:avLst/>
+          </a:prstGeom>
+          <a:ln>
+            <a:tailEnd type="triangle"/>
+          </a:ln>
+        </p:spPr>
+        <p:style>
+          <a:lnRef idx="1">
+            <a:schemeClr val="accent1"/>
+          </a:lnRef>
+          <a:fillRef idx="0">
+            <a:schemeClr val="accent1"/>
+          </a:fillRef>
+          <a:effectRef idx="0">
+            <a:schemeClr val="accent1"/>
+          </a:effectRef>
+          <a:fontRef idx="minor">
+            <a:schemeClr val="tx1"/>
+          </a:fontRef>
+        </p:style>
+      </p:cxnSp>
+      <p:sp>
+        <p:nvSpPr>
+          <p:cNvPr id="55" name="双中括号 54">
+            <a:extLst>
+              <a:ext uri="{FF2B5EF4-FFF2-40B4-BE49-F238E27FC236}">
+                <a16:creationId xmlns:a16="http://schemas.microsoft.com/office/drawing/2014/main" id="{6D3585F1-7342-44D2-838A-3615F3C8DC0C}"/>
+              </a:ext>
+            </a:extLst>
+          </p:cNvPr>
+          <p:cNvSpPr/>
+          <p:nvPr/>
+        </p:nvSpPr>
+        <p:spPr>
+          <a:xfrm>
+            <a:off x="3193576" y="2388358"/>
+            <a:ext cx="3581358" cy="2224585"/>
+          </a:xfrm>
+          <a:prstGeom prst="bracketPair">
+            <a:avLst/>
+          </a:prstGeom>
+        </p:spPr>
+        <p:style>
+          <a:lnRef idx="1">
+            <a:schemeClr val="accent1"/>
+          </a:lnRef>
+          <a:fillRef idx="0">
+            <a:schemeClr val="accent1"/>
+          </a:fillRef>
+          <a:effectRef idx="0">
+            <a:schemeClr val="accent1"/>
+          </a:effectRef>
+          <a:fontRef idx="minor">
+            <a:schemeClr val="tx1"/>
+          </a:fontRef>
+        </p:style>
+        <p:txBody>
+          <a:bodyPr rtlCol="0" anchor="ctr"/>
+          <a:lstStyle/>
+          <a:p>
+            <a:pPr algn="ctr"/>
+            <a:endParaRPr kumimoji="1" lang="zh-CN" altLang="en-US"/>
+          </a:p>
+        </p:txBody>
+      </p:sp>
     </p:spTree>
     <p:extLst>
       <p:ext uri="{BB962C8B-B14F-4D97-AF65-F5344CB8AC3E}">
-        <p14:creationId xmlns:p14="http://schemas.microsoft.com/office/powerpoint/2010/main" val="220597646"/>
-      </p:ext>
-    </p:extLst>
-  </p:cSld>
-  <p:clrMapOvr>
-    <a:masterClrMapping/>
-  </p:clrMapOvr>
-</p:sld>
-</file>
-
-<file path=ppt/slides/slide9.xml><?xml version="1.0" encoding="utf-8"?>
-<p:sld xmlns:a="http://schemas.openxmlformats.org/drawingml/2006/main" xmlns:r="http://schemas.openxmlformats.org/officeDocument/2006/relationships" xmlns:p="http://schemas.openxmlformats.org/presentationml/2006/main">
-  <p:cSld>
-    <p:spTree>
-      <p:nvGrpSpPr>
-        <p:cNvPr id="1" name=""/>
-        <p:cNvGrpSpPr/>
-        <p:nvPr/>
-      </p:nvGrpSpPr>
-      <p:grpSpPr>
-        <a:xfrm>
-          <a:off x="0" y="0"/>
-          <a:ext cx="0" cy="0"/>
-          <a:chOff x="0" y="0"/>
-          <a:chExt cx="0" cy="0"/>
-        </a:xfrm>
-      </p:grpSpPr>
-      <p:sp>
-        <p:nvSpPr>
-          <p:cNvPr id="5" name="Titel 4"/>
-          <p:cNvSpPr>
-            <a:spLocks noGrp="1"/>
-          </p:cNvSpPr>
-          <p:nvPr>
-            <p:ph type="title"/>
-          </p:nvPr>
-        </p:nvSpPr>
-        <p:spPr/>
-        <p:txBody>
-          <a:bodyPr/>
-          <a:lstStyle/>
-          <a:p>
-            <a:r>
-              <a:rPr lang="de-DE" dirty="0"/>
-              <a:t>Inhaltsverzeichnis</a:t>
-            </a:r>
-          </a:p>
-        </p:txBody>
-      </p:sp>
-      <p:sp>
-        <p:nvSpPr>
-          <p:cNvPr id="3" name="Inhaltsplatzhalter 2"/>
-          <p:cNvSpPr>
-            <a:spLocks noGrp="1"/>
-          </p:cNvSpPr>
-          <p:nvPr>
-            <p:ph idx="10"/>
-          </p:nvPr>
-        </p:nvSpPr>
-        <p:spPr>
-          <a:xfrm>
-            <a:off x="319089" y="1484039"/>
-            <a:ext cx="4438766" cy="2687461"/>
-          </a:xfrm>
-        </p:spPr>
-        <p:txBody>
-          <a:bodyPr/>
-          <a:lstStyle/>
-          <a:p>
-            <a:r>
-              <a:rPr lang="de-DE" altLang="zh-CN" b="0" i="0" dirty="0">
-                <a:effectLst/>
-                <a:latin typeface="Courier New" panose="02070309020205020404" pitchFamily="49" charset="0"/>
-              </a:rPr>
-              <a:t>➔ </a:t>
-            </a:r>
-            <a:r>
-              <a:rPr lang="de-DE" altLang="zh-CN" dirty="0">
-                <a:latin typeface="Arial" panose="020B0604020202020204" pitchFamily="34" charset="0"/>
-              </a:rPr>
-              <a:t>Transformation von Farbbild in Schwarz-Weiß </a:t>
-            </a:r>
-          </a:p>
-          <a:p>
-            <a:r>
-              <a:rPr lang="de-DE" altLang="zh-CN" b="0" i="0" dirty="0">
-                <a:effectLst/>
-                <a:latin typeface="Courier New" panose="02070309020205020404" pitchFamily="49" charset="0"/>
-              </a:rPr>
-              <a:t>➔</a:t>
-            </a:r>
-            <a:r>
-              <a:rPr lang="de-DE" altLang="zh-CN" dirty="0">
-                <a:latin typeface="Arial" panose="020B0604020202020204" pitchFamily="34" charset="0"/>
-              </a:rPr>
-              <a:t>  Was ist eine Gammakorrektur?</a:t>
-            </a:r>
-            <a:br>
-              <a:rPr lang="de-DE" altLang="zh-CN" dirty="0"/>
-            </a:br>
-            <a:r>
-              <a:rPr lang="de-DE" altLang="zh-CN" b="0" i="0" dirty="0">
-                <a:effectLst/>
-                <a:latin typeface="Courier New" panose="02070309020205020404" pitchFamily="49" charset="0"/>
-              </a:rPr>
-              <a:t>➔ </a:t>
-            </a:r>
-            <a:r>
-              <a:rPr lang="de-DE" altLang="zh-CN" b="0" i="0" dirty="0">
-                <a:solidFill>
-                  <a:srgbClr val="FF0000"/>
-                </a:solidFill>
-                <a:effectLst/>
-                <a:latin typeface="Arial" panose="020B0604020202020204" pitchFamily="34" charset="0"/>
-              </a:rPr>
-              <a:t>Lösungsansatz</a:t>
-            </a:r>
-          </a:p>
-          <a:p>
-            <a:r>
-              <a:rPr lang="de-DE" altLang="zh-CN" b="0" i="0" dirty="0">
-                <a:effectLst/>
-                <a:latin typeface="Courier New" panose="02070309020205020404" pitchFamily="49" charset="0"/>
-              </a:rPr>
-              <a:t>➔ </a:t>
-            </a:r>
-            <a:r>
-              <a:rPr lang="de-DE" altLang="zh-CN" b="0" i="0" dirty="0">
-                <a:effectLst/>
-                <a:latin typeface="Arial" panose="020B0604020202020204" pitchFamily="34" charset="0"/>
-              </a:rPr>
-              <a:t>Genauigkeitsanalyse</a:t>
-            </a:r>
-            <a:br>
-              <a:rPr lang="de-DE" altLang="zh-CN" dirty="0"/>
-            </a:br>
-            <a:r>
-              <a:rPr lang="de-DE" altLang="zh-CN" b="0" i="0" dirty="0">
-                <a:effectLst/>
-                <a:latin typeface="Courier New" panose="02070309020205020404" pitchFamily="49" charset="0"/>
-              </a:rPr>
-              <a:t>➔ </a:t>
-            </a:r>
-            <a:r>
-              <a:rPr lang="de-DE" altLang="zh-CN" b="0" i="0" dirty="0">
-                <a:effectLst/>
-                <a:latin typeface="Arial" panose="020B0604020202020204" pitchFamily="34" charset="0"/>
-              </a:rPr>
-              <a:t>Performanz Analyse</a:t>
-            </a:r>
-            <a:br>
-              <a:rPr lang="de-DE" altLang="zh-CN" dirty="0"/>
-            </a:br>
-            <a:r>
-              <a:rPr lang="de-DE" altLang="zh-CN" b="0" i="0" dirty="0">
-                <a:effectLst/>
-                <a:latin typeface="Courier New" panose="02070309020205020404" pitchFamily="49" charset="0"/>
-              </a:rPr>
-              <a:t>➔ </a:t>
-            </a:r>
-            <a:r>
-              <a:rPr lang="de-DE" altLang="zh-CN" b="0" i="0" dirty="0">
-                <a:effectLst/>
-                <a:latin typeface="Arial" panose="020B0604020202020204" pitchFamily="34" charset="0"/>
-              </a:rPr>
-              <a:t>Zusammenfassung</a:t>
-            </a:r>
-            <a:br>
-              <a:rPr lang="de-DE" altLang="zh-CN" dirty="0"/>
-            </a:br>
-            <a:r>
-              <a:rPr lang="de-DE" altLang="zh-CN" b="0" i="0" dirty="0">
-                <a:effectLst/>
-                <a:latin typeface="Courier New" panose="02070309020205020404" pitchFamily="49" charset="0"/>
-              </a:rPr>
-              <a:t>➔ </a:t>
-            </a:r>
-            <a:r>
-              <a:rPr lang="de-DE" altLang="zh-CN" b="0" i="0" dirty="0">
-                <a:effectLst/>
-                <a:latin typeface="Arial" panose="020B0604020202020204" pitchFamily="34" charset="0"/>
-              </a:rPr>
-              <a:t>Quellenverzeichnis</a:t>
-            </a:r>
-            <a:endParaRPr lang="de-DE" dirty="0"/>
-          </a:p>
-        </p:txBody>
-      </p:sp>
-    </p:spTree>
-    <p:extLst>
-      <p:ext uri="{BB962C8B-B14F-4D97-AF65-F5344CB8AC3E}">
-        <p14:creationId xmlns:p14="http://schemas.microsoft.com/office/powerpoint/2010/main" val="4154029153"/>
+        <p14:creationId xmlns:p14="http://schemas.microsoft.com/office/powerpoint/2010/main" val="3761969468"/>
       </p:ext>
     </p:extLst>
   </p:cSld>

--- a/Vortrag/Vortrag.pptx
+++ b/Vortrag/Vortrag.pptx
@@ -312,7 +312,7 @@
               <a:pPr>
                 <a:defRPr/>
               </a:pPr>
-              <a:t>03/02/2024</a:t>
+              <a:t>04/02/2024</a:t>
             </a:fld>
             <a:endParaRPr lang="en-GB" dirty="0"/>
           </a:p>
@@ -531,7 +531,7 @@
               <a:pPr>
                 <a:defRPr/>
               </a:pPr>
-              <a:t>03/02/2024</a:t>
+              <a:t>04/02/2024</a:t>
             </a:fld>
             <a:endParaRPr lang="en-GB"/>
           </a:p>
@@ -7843,7 +7843,27 @@
           <a:p>
             <a:r>
               <a:rPr lang="de-DE" dirty="0"/>
-              <a:t>Mit dem menschlichen Auge nicht zu unterscheiden. Auf Datenebene aber kleine Abweichungen!</a:t>
+              <a:t>Optionen: </a:t>
+            </a:r>
+            <a:r>
+              <a:rPr lang="el-GR" dirty="0"/>
+              <a:t>γ = </a:t>
+            </a:r>
+            <a:r>
+              <a:rPr lang="en-US" altLang="zh-CN" dirty="0"/>
+              <a:t>2</a:t>
+            </a:r>
+            <a:r>
+              <a:rPr lang="de-DE" altLang="zh-CN" dirty="0"/>
+              <a:t>.2</a:t>
+            </a:r>
+            <a:r>
+              <a:rPr lang="el-GR" dirty="0"/>
+              <a:t> </a:t>
+            </a:r>
+            <a:r>
+              <a:rPr lang="de-DE" dirty="0"/>
+              <a:t>a = 0.299 b = 0.587 c = 0.114</a:t>
             </a:r>
           </a:p>
         </p:txBody>
@@ -7969,12 +7989,147 @@
           </a:p>
         </p:txBody>
       </p:sp>
+      <p:sp>
+        <p:nvSpPr>
+          <p:cNvPr id="14" name="文本框 13">
+            <a:extLst>
+              <a:ext uri="{FF2B5EF4-FFF2-40B4-BE49-F238E27FC236}">
+                <a16:creationId xmlns:a16="http://schemas.microsoft.com/office/drawing/2014/main" id="{17280E38-8501-4047-7A3F-EE8D86F82965}"/>
+              </a:ext>
+            </a:extLst>
+          </p:cNvPr>
+          <p:cNvSpPr txBox="1"/>
+          <p:nvPr/>
+        </p:nvSpPr>
+        <p:spPr>
+          <a:xfrm>
+            <a:off x="995320" y="3932729"/>
+            <a:ext cx="854273" cy="257250"/>
+          </a:xfrm>
+          <a:prstGeom prst="rect">
+            <a:avLst/>
+          </a:prstGeom>
+          <a:noFill/>
+        </p:spPr>
+        <p:txBody>
+          <a:bodyPr wrap="none" lIns="0" tIns="0" rIns="0" bIns="0" rtlCol="0">
+            <a:spAutoFit/>
+          </a:bodyPr>
+          <a:lstStyle/>
+          <a:p>
+            <a:pPr>
+              <a:lnSpc>
+                <a:spcPct val="114000"/>
+              </a:lnSpc>
+            </a:pPr>
+            <a:r>
+              <a:rPr kumimoji="1" lang="de-DE" altLang="zh-CN" sz="1600" dirty="0">
+                <a:latin typeface="+mn-lt"/>
+              </a:rPr>
+              <a:t>Version 0</a:t>
+            </a:r>
+            <a:endParaRPr kumimoji="1" lang="zh-CN" altLang="en-US" sz="1600" dirty="0" err="1">
+              <a:latin typeface="+mn-lt"/>
+            </a:endParaRPr>
+          </a:p>
+        </p:txBody>
+      </p:sp>
+      <p:sp>
+        <p:nvSpPr>
+          <p:cNvPr id="17" name="文本框 16">
+            <a:extLst>
+              <a:ext uri="{FF2B5EF4-FFF2-40B4-BE49-F238E27FC236}">
+                <a16:creationId xmlns:a16="http://schemas.microsoft.com/office/drawing/2014/main" id="{E391A2B3-B050-3447-63FE-28724B19B5FC}"/>
+              </a:ext>
+            </a:extLst>
+          </p:cNvPr>
+          <p:cNvSpPr txBox="1"/>
+          <p:nvPr/>
+        </p:nvSpPr>
+        <p:spPr>
+          <a:xfrm>
+            <a:off x="4047081" y="3949917"/>
+            <a:ext cx="854273" cy="257250"/>
+          </a:xfrm>
+          <a:prstGeom prst="rect">
+            <a:avLst/>
+          </a:prstGeom>
+          <a:noFill/>
+        </p:spPr>
+        <p:txBody>
+          <a:bodyPr wrap="square" lIns="0" tIns="0" rIns="0" bIns="0" rtlCol="0">
+            <a:spAutoFit/>
+          </a:bodyPr>
+          <a:lstStyle/>
+          <a:p>
+            <a:pPr>
+              <a:lnSpc>
+                <a:spcPct val="114000"/>
+              </a:lnSpc>
+            </a:pPr>
+            <a:r>
+              <a:rPr kumimoji="1" lang="de-DE" altLang="zh-CN" sz="1600" dirty="0">
+                <a:latin typeface="+mn-lt"/>
+              </a:rPr>
+              <a:t>Version 1 </a:t>
+            </a:r>
+            <a:endParaRPr kumimoji="1" lang="zh-CN" altLang="en-US" sz="1600" dirty="0" err="1">
+              <a:latin typeface="+mn-lt"/>
+            </a:endParaRPr>
+          </a:p>
+        </p:txBody>
+      </p:sp>
+      <p:sp>
+        <p:nvSpPr>
+          <p:cNvPr id="18" name="文本框 17">
+            <a:extLst>
+              <a:ext uri="{FF2B5EF4-FFF2-40B4-BE49-F238E27FC236}">
+                <a16:creationId xmlns:a16="http://schemas.microsoft.com/office/drawing/2014/main" id="{294DB7AB-B9D8-121E-5713-9989BB0DC564}"/>
+              </a:ext>
+            </a:extLst>
+          </p:cNvPr>
+          <p:cNvSpPr txBox="1"/>
+          <p:nvPr/>
+        </p:nvSpPr>
+        <p:spPr>
+          <a:xfrm>
+            <a:off x="7072439" y="3937859"/>
+            <a:ext cx="1076241" cy="257250"/>
+          </a:xfrm>
+          <a:prstGeom prst="rect">
+            <a:avLst/>
+          </a:prstGeom>
+          <a:noFill/>
+        </p:spPr>
+        <p:txBody>
+          <a:bodyPr wrap="square" lIns="0" tIns="0" rIns="0" bIns="0" rtlCol="0">
+            <a:spAutoFit/>
+          </a:bodyPr>
+          <a:lstStyle/>
+          <a:p>
+            <a:pPr>
+              <a:lnSpc>
+                <a:spcPct val="114000"/>
+              </a:lnSpc>
+            </a:pPr>
+            <a:r>
+              <a:rPr kumimoji="1" lang="de-DE" altLang="zh-CN" sz="1600" dirty="0">
+                <a:latin typeface="+mn-lt"/>
+              </a:rPr>
+              <a:t>Version 2</a:t>
+            </a:r>
+            <a:endParaRPr kumimoji="1" lang="zh-CN" altLang="en-US" sz="1600" dirty="0" err="1">
+              <a:latin typeface="+mn-lt"/>
+            </a:endParaRPr>
+          </a:p>
+        </p:txBody>
+      </p:sp>
       <p:pic>
         <p:nvPicPr>
-          <p:cNvPr id="8" name="图片 7" descr="湖边的建筑和树&#10;&#10;描述已自动生成">
+          <p:cNvPr id="5" name="图片 4" descr="河边的树&#10;&#10;描述已自动生成">
             <a:extLst>
               <a:ext uri="{FF2B5EF4-FFF2-40B4-BE49-F238E27FC236}">
-                <a16:creationId xmlns:a16="http://schemas.microsoft.com/office/drawing/2014/main" id="{5DBB29A9-995A-6DE8-5329-7D92A2218865}"/>
+                <a16:creationId xmlns:a16="http://schemas.microsoft.com/office/drawing/2014/main" id="{9F497DF0-A479-3930-2025-2D714B51568C}"/>
               </a:ext>
             </a:extLst>
           </p:cNvPr>
@@ -7991,8 +8146,8 @@
         </p:blipFill>
         <p:spPr>
           <a:xfrm>
-            <a:off x="623986" y="1948188"/>
-            <a:ext cx="1842568" cy="1842568"/>
+            <a:off x="463776" y="1547420"/>
+            <a:ext cx="2260208" cy="2260208"/>
           </a:xfrm>
           <a:prstGeom prst="rect">
             <a:avLst/>
@@ -8001,10 +8156,10 @@
       </p:pic>
       <p:pic>
         <p:nvPicPr>
-          <p:cNvPr id="11" name="图片 10" descr="湖边的建筑和树&#10;&#10;描述已自动生成">
+          <p:cNvPr id="9" name="图片 8" descr="河边的树&#10;&#10;描述已自动生成">
             <a:extLst>
               <a:ext uri="{FF2B5EF4-FFF2-40B4-BE49-F238E27FC236}">
-                <a16:creationId xmlns:a16="http://schemas.microsoft.com/office/drawing/2014/main" id="{6E14FDD8-257E-0CC8-0B36-FC6FB0FC39F1}"/>
+                <a16:creationId xmlns:a16="http://schemas.microsoft.com/office/drawing/2014/main" id="{2D3E4E0A-6CC0-9287-54AC-B85856B6ABC2}"/>
               </a:ext>
             </a:extLst>
           </p:cNvPr>
@@ -8021,8 +8176,8 @@
         </p:blipFill>
         <p:spPr>
           <a:xfrm>
-            <a:off x="3464740" y="1948189"/>
-            <a:ext cx="1842568" cy="1842568"/>
+            <a:off x="3444647" y="1547419"/>
+            <a:ext cx="2239708" cy="2239708"/>
           </a:xfrm>
           <a:prstGeom prst="rect">
             <a:avLst/>
@@ -8031,10 +8186,10 @@
       </p:pic>
       <p:pic>
         <p:nvPicPr>
-          <p:cNvPr id="13" name="图片 12" descr="湖边的建筑和树&#10;&#10;描述已自动生成">
+          <p:cNvPr id="10" name="图片 9" descr="河边的树&#10;&#10;描述已自动生成">
             <a:extLst>
               <a:ext uri="{FF2B5EF4-FFF2-40B4-BE49-F238E27FC236}">
-                <a16:creationId xmlns:a16="http://schemas.microsoft.com/office/drawing/2014/main" id="{866B1C5C-2CF1-CAF8-528E-90D4A5B35E3F}"/>
+                <a16:creationId xmlns:a16="http://schemas.microsoft.com/office/drawing/2014/main" id="{1A2E516F-F58D-4A52-B255-AD20D841F081}"/>
               </a:ext>
             </a:extLst>
           </p:cNvPr>
@@ -8051,149 +8206,14 @@
         </p:blipFill>
         <p:spPr>
           <a:xfrm>
-            <a:off x="6515607" y="1948188"/>
-            <a:ext cx="1853891" cy="1853891"/>
+            <a:off x="6440516" y="1547419"/>
+            <a:ext cx="2239709" cy="2239709"/>
           </a:xfrm>
           <a:prstGeom prst="rect">
             <a:avLst/>
           </a:prstGeom>
         </p:spPr>
       </p:pic>
-      <p:sp>
-        <p:nvSpPr>
-          <p:cNvPr id="14" name="文本框 13">
-            <a:extLst>
-              <a:ext uri="{FF2B5EF4-FFF2-40B4-BE49-F238E27FC236}">
-                <a16:creationId xmlns:a16="http://schemas.microsoft.com/office/drawing/2014/main" id="{17280E38-8501-4047-7A3F-EE8D86F82965}"/>
-              </a:ext>
-            </a:extLst>
-          </p:cNvPr>
-          <p:cNvSpPr txBox="1"/>
-          <p:nvPr/>
-        </p:nvSpPr>
-        <p:spPr>
-          <a:xfrm>
-            <a:off x="995320" y="3932729"/>
-            <a:ext cx="854273" cy="257250"/>
-          </a:xfrm>
-          <a:prstGeom prst="rect">
-            <a:avLst/>
-          </a:prstGeom>
-          <a:noFill/>
-        </p:spPr>
-        <p:txBody>
-          <a:bodyPr wrap="none" lIns="0" tIns="0" rIns="0" bIns="0" rtlCol="0">
-            <a:spAutoFit/>
-          </a:bodyPr>
-          <a:lstStyle/>
-          <a:p>
-            <a:pPr>
-              <a:lnSpc>
-                <a:spcPct val="114000"/>
-              </a:lnSpc>
-            </a:pPr>
-            <a:r>
-              <a:rPr kumimoji="1" lang="de-DE" altLang="zh-CN" sz="1600" dirty="0">
-                <a:latin typeface="+mn-lt"/>
-              </a:rPr>
-              <a:t>Version 0</a:t>
-            </a:r>
-            <a:endParaRPr kumimoji="1" lang="zh-CN" altLang="en-US" sz="1600" dirty="0" err="1">
-              <a:latin typeface="+mn-lt"/>
-            </a:endParaRPr>
-          </a:p>
-        </p:txBody>
-      </p:sp>
-      <p:sp>
-        <p:nvSpPr>
-          <p:cNvPr id="17" name="文本框 16">
-            <a:extLst>
-              <a:ext uri="{FF2B5EF4-FFF2-40B4-BE49-F238E27FC236}">
-                <a16:creationId xmlns:a16="http://schemas.microsoft.com/office/drawing/2014/main" id="{E391A2B3-B050-3447-63FE-28724B19B5FC}"/>
-              </a:ext>
-            </a:extLst>
-          </p:cNvPr>
-          <p:cNvSpPr txBox="1"/>
-          <p:nvPr/>
-        </p:nvSpPr>
-        <p:spPr>
-          <a:xfrm>
-            <a:off x="4047081" y="3949917"/>
-            <a:ext cx="854273" cy="257250"/>
-          </a:xfrm>
-          <a:prstGeom prst="rect">
-            <a:avLst/>
-          </a:prstGeom>
-          <a:noFill/>
-        </p:spPr>
-        <p:txBody>
-          <a:bodyPr wrap="square" lIns="0" tIns="0" rIns="0" bIns="0" rtlCol="0">
-            <a:spAutoFit/>
-          </a:bodyPr>
-          <a:lstStyle/>
-          <a:p>
-            <a:pPr>
-              <a:lnSpc>
-                <a:spcPct val="114000"/>
-              </a:lnSpc>
-            </a:pPr>
-            <a:r>
-              <a:rPr kumimoji="1" lang="de-DE" altLang="zh-CN" sz="1600" dirty="0">
-                <a:latin typeface="+mn-lt"/>
-              </a:rPr>
-              <a:t>Version 1 </a:t>
-            </a:r>
-            <a:endParaRPr kumimoji="1" lang="zh-CN" altLang="en-US" sz="1600" dirty="0" err="1">
-              <a:latin typeface="+mn-lt"/>
-            </a:endParaRPr>
-          </a:p>
-        </p:txBody>
-      </p:sp>
-      <p:sp>
-        <p:nvSpPr>
-          <p:cNvPr id="18" name="文本框 17">
-            <a:extLst>
-              <a:ext uri="{FF2B5EF4-FFF2-40B4-BE49-F238E27FC236}">
-                <a16:creationId xmlns:a16="http://schemas.microsoft.com/office/drawing/2014/main" id="{294DB7AB-B9D8-121E-5713-9989BB0DC564}"/>
-              </a:ext>
-            </a:extLst>
-          </p:cNvPr>
-          <p:cNvSpPr txBox="1"/>
-          <p:nvPr/>
-        </p:nvSpPr>
-        <p:spPr>
-          <a:xfrm>
-            <a:off x="7072439" y="3937859"/>
-            <a:ext cx="1076241" cy="257250"/>
-          </a:xfrm>
-          <a:prstGeom prst="rect">
-            <a:avLst/>
-          </a:prstGeom>
-          <a:noFill/>
-        </p:spPr>
-        <p:txBody>
-          <a:bodyPr wrap="square" lIns="0" tIns="0" rIns="0" bIns="0" rtlCol="0">
-            <a:spAutoFit/>
-          </a:bodyPr>
-          <a:lstStyle/>
-          <a:p>
-            <a:pPr>
-              <a:lnSpc>
-                <a:spcPct val="114000"/>
-              </a:lnSpc>
-            </a:pPr>
-            <a:r>
-              <a:rPr kumimoji="1" lang="de-DE" altLang="zh-CN" sz="1600" dirty="0">
-                <a:latin typeface="+mn-lt"/>
-              </a:rPr>
-              <a:t>Version 2</a:t>
-            </a:r>
-            <a:endParaRPr kumimoji="1" lang="zh-CN" altLang="en-US" sz="1600" dirty="0" err="1">
-              <a:latin typeface="+mn-lt"/>
-            </a:endParaRPr>
-          </a:p>
-        </p:txBody>
-      </p:sp>
     </p:spTree>
     <p:extLst>
       <p:ext uri="{BB962C8B-B14F-4D97-AF65-F5344CB8AC3E}">
@@ -8646,7 +8666,44 @@
           <a:bodyPr/>
           <a:lstStyle/>
           <a:p>
-            <a:endParaRPr kumimoji="1" lang="zh-CN" altLang="en-US"/>
+            <a:pPr marL="285750" indent="-285750">
+              <a:buFont typeface="Arial" panose="020B0604020202020204" pitchFamily="34" charset="0"/>
+              <a:buChar char="•"/>
+            </a:pPr>
+            <a:r>
+              <a:rPr kumimoji="1" lang="en-US" altLang="zh-CN" dirty="0" err="1"/>
+              <a:t>Xxx</a:t>
+            </a:r>
+            <a:endParaRPr kumimoji="1" lang="en-US" altLang="zh-CN" dirty="0"/>
+          </a:p>
+          <a:p>
+            <a:pPr marL="285750" indent="-285750">
+              <a:buFont typeface="Arial" panose="020B0604020202020204" pitchFamily="34" charset="0"/>
+              <a:buChar char="•"/>
+            </a:pPr>
+            <a:r>
+              <a:rPr kumimoji="1" lang="en-US" altLang="zh-CN" dirty="0" err="1"/>
+              <a:t>Xxx</a:t>
+            </a:r>
+            <a:endParaRPr kumimoji="1" lang="en-US" altLang="zh-CN" dirty="0"/>
+          </a:p>
+          <a:p>
+            <a:pPr marL="285750" indent="-285750">
+              <a:buFont typeface="Arial" panose="020B0604020202020204" pitchFamily="34" charset="0"/>
+              <a:buChar char="•"/>
+            </a:pPr>
+            <a:r>
+              <a:rPr kumimoji="1" lang="en-US" altLang="zh-CN" dirty="0" err="1"/>
+              <a:t>Xxx</a:t>
+            </a:r>
+            <a:endParaRPr kumimoji="1" lang="en-US" altLang="zh-CN" dirty="0"/>
+          </a:p>
+          <a:p>
+            <a:pPr marL="285750" indent="-285750">
+              <a:buFont typeface="Arial" panose="020B0604020202020204" pitchFamily="34" charset="0"/>
+              <a:buChar char="•"/>
+            </a:pPr>
+            <a:endParaRPr kumimoji="1" lang="zh-CN" altLang="en-US" dirty="0"/>
           </a:p>
         </p:txBody>
       </p:sp>
@@ -8677,22 +8734,10 @@
           <a:lstStyle/>
           <a:p>
             <a:r>
-              <a:rPr kumimoji="1" lang="de-DE" altLang="zh-CN" dirty="0"/>
-              <a:t>Pic </a:t>
-            </a:r>
-            <a:r>
-              <a:rPr kumimoji="1" lang="de-DE" altLang="zh-CN" dirty="0" err="1"/>
-              <a:t>by</a:t>
-            </a:r>
-            <a:r>
-              <a:rPr kumimoji="1" lang="de-DE" altLang="zh-CN" dirty="0"/>
-              <a:t> </a:t>
-            </a:r>
-            <a:r>
-              <a:rPr kumimoji="1" lang="de-DE" altLang="zh-CN"/>
-              <a:t>zhongfang</a:t>
-            </a:r>
-            <a:endParaRPr kumimoji="1" lang="zh-CN" altLang="en-US"/>
+              <a:rPr kumimoji="1" lang="en-US" altLang="zh-CN" dirty="0"/>
+              <a:t>xxx</a:t>
+            </a:r>
+            <a:endParaRPr kumimoji="1" lang="zh-CN" altLang="en-US" dirty="0"/>
           </a:p>
         </p:txBody>
       </p:sp>

--- a/Vortrag/Vortrag.pptx
+++ b/Vortrag/Vortrag.pptx
@@ -8968,7 +8968,7 @@
                 <a:effectLst/>
                 <a:latin typeface="Arial" panose="020B0604020202020204" pitchFamily="34" charset="0"/>
               </a:rPr>
-              <a:t>Zusammenfassung</a:t>
+              <a:t>Zusammenfassung und Ausblick</a:t>
             </a:r>
             <a:br>
               <a:rPr lang="de-DE" altLang="zh-CN" dirty="0"/>
@@ -9674,7 +9674,7 @@
                 <a:effectLst/>
                 <a:latin typeface="Arial" panose="020B0604020202020204" pitchFamily="34" charset="0"/>
               </a:rPr>
-              <a:t>Zusammenfassung</a:t>
+              <a:t>Zusammenfassung und Ausblick</a:t>
             </a:r>
             <a:br>
               <a:rPr lang="de-DE" altLang="zh-CN" dirty="0"/>
@@ -9733,68 +9733,6 @@
           <a:chExt cx="0" cy="0"/>
         </a:xfrm>
       </p:grpSpPr>
-      <p:pic>
-        <p:nvPicPr>
-          <p:cNvPr id="9" name="图片 8" descr="蓝色眼睛的猴子&#10;&#10;描述已自动生成">
-            <a:extLst>
-              <a:ext uri="{FF2B5EF4-FFF2-40B4-BE49-F238E27FC236}">
-                <a16:creationId xmlns:a16="http://schemas.microsoft.com/office/drawing/2014/main" id="{1BECB43B-4543-D478-D18C-3B0EC0573C70}"/>
-              </a:ext>
-            </a:extLst>
-          </p:cNvPr>
-          <p:cNvPicPr>
-            <a:picLocks noChangeAspect="1"/>
-          </p:cNvPicPr>
-          <p:nvPr/>
-        </p:nvPicPr>
-        <p:blipFill>
-          <a:blip r:embed="rId2"/>
-          <a:stretch>
-            <a:fillRect/>
-          </a:stretch>
-        </p:blipFill>
-        <p:spPr>
-          <a:xfrm>
-            <a:off x="902828" y="1483263"/>
-            <a:ext cx="3132610" cy="3112630"/>
-          </a:xfrm>
-          <a:prstGeom prst="rect">
-            <a:avLst/>
-          </a:prstGeom>
-        </p:spPr>
-      </p:pic>
-      <p:pic>
-        <p:nvPicPr>
-          <p:cNvPr id="6" name="内容占位符 5" descr="猴子的脸&#10;&#10;描述已自动生成">
-            <a:extLst>
-              <a:ext uri="{FF2B5EF4-FFF2-40B4-BE49-F238E27FC236}">
-                <a16:creationId xmlns:a16="http://schemas.microsoft.com/office/drawing/2014/main" id="{95A6830A-9B59-1A29-3059-9888A471D5A4}"/>
-              </a:ext>
-            </a:extLst>
-          </p:cNvPr>
-          <p:cNvPicPr>
-            <a:picLocks noGrp="1" noChangeAspect="1"/>
-          </p:cNvPicPr>
-          <p:nvPr>
-            <p:ph idx="4294967295"/>
-          </p:nvPr>
-        </p:nvPicPr>
-        <p:blipFill>
-          <a:blip r:embed="rId3"/>
-          <a:stretch>
-            <a:fillRect/>
-          </a:stretch>
-        </p:blipFill>
-        <p:spPr>
-          <a:xfrm>
-            <a:off x="5179131" y="1470852"/>
-            <a:ext cx="3132610" cy="3121161"/>
-          </a:xfrm>
-          <a:prstGeom prst="rect">
-            <a:avLst/>
-          </a:prstGeom>
-        </p:spPr>
-      </p:pic>
       <p:sp>
         <p:nvSpPr>
           <p:cNvPr id="3" name="Titel 2">
@@ -9825,7 +9763,7 @@
           <a:p>
             <a:r>
               <a:rPr lang="de-DE" dirty="0"/>
-              <a:t>Zusammenfassung</a:t>
+              <a:t>Zusammenfassung und Ausblick</a:t>
             </a:r>
           </a:p>
         </p:txBody>
@@ -9938,122 +9876,6 @@
               <a:t> </a:t>
             </a:r>
             <a:endParaRPr lang="en-US" altLang="zh-CN" dirty="0"/>
-          </a:p>
-        </p:txBody>
-      </p:sp>
-      <p:sp>
-        <p:nvSpPr>
-          <p:cNvPr id="10" name="右箭头 9">
-            <a:extLst>
-              <a:ext uri="{FF2B5EF4-FFF2-40B4-BE49-F238E27FC236}">
-                <a16:creationId xmlns:a16="http://schemas.microsoft.com/office/drawing/2014/main" id="{25A22EE3-0BFF-40CF-8245-902D28CFE346}"/>
-              </a:ext>
-            </a:extLst>
-          </p:cNvPr>
-          <p:cNvSpPr/>
-          <p:nvPr/>
-        </p:nvSpPr>
-        <p:spPr>
-          <a:xfrm>
-            <a:off x="4184822" y="3056238"/>
-            <a:ext cx="45719" cy="45719"/>
-          </a:xfrm>
-          <a:prstGeom prst="rightArrow">
-            <a:avLst/>
-          </a:prstGeom>
-          <a:ln>
-            <a:noFill/>
-          </a:ln>
-        </p:spPr>
-        <p:style>
-          <a:lnRef idx="2">
-            <a:schemeClr val="accent1">
-              <a:shade val="50000"/>
-            </a:schemeClr>
-          </a:lnRef>
-          <a:fillRef idx="1">
-            <a:schemeClr val="accent1"/>
-          </a:fillRef>
-          <a:effectRef idx="0">
-            <a:schemeClr val="accent1"/>
-          </a:effectRef>
-          <a:fontRef idx="minor">
-            <a:schemeClr val="lt1"/>
-          </a:fontRef>
-        </p:style>
-        <p:txBody>
-          <a:bodyPr rot="0" spcFirstLastPara="0" vertOverflow="overflow" horzOverflow="overflow" vert="horz" wrap="square" lIns="91440" tIns="45720" rIns="91440" bIns="45720" numCol="1" spcCol="0" rtlCol="0" fromWordArt="0" anchor="t" anchorCtr="0" forceAA="0" compatLnSpc="1">
-            <a:prstTxWarp prst="textNoShape">
-              <a:avLst/>
-            </a:prstTxWarp>
-            <a:noAutofit/>
-          </a:bodyPr>
-          <a:lstStyle/>
-          <a:p>
-            <a:pPr algn="ctr">
-              <a:lnSpc>
-                <a:spcPct val="114000"/>
-              </a:lnSpc>
-            </a:pPr>
-            <a:endParaRPr kumimoji="1" lang="zh-CN" altLang="en-US" dirty="0"/>
-          </a:p>
-        </p:txBody>
-      </p:sp>
-      <p:sp>
-        <p:nvSpPr>
-          <p:cNvPr id="11" name="右箭头 10">
-            <a:extLst>
-              <a:ext uri="{FF2B5EF4-FFF2-40B4-BE49-F238E27FC236}">
-                <a16:creationId xmlns:a16="http://schemas.microsoft.com/office/drawing/2014/main" id="{CFFDC19D-725B-9F74-A748-22C57D14593B}"/>
-              </a:ext>
-            </a:extLst>
-          </p:cNvPr>
-          <p:cNvSpPr/>
-          <p:nvPr/>
-        </p:nvSpPr>
-        <p:spPr>
-          <a:xfrm flipV="1">
-            <a:off x="4184822" y="2831909"/>
-            <a:ext cx="799206" cy="511790"/>
-          </a:xfrm>
-          <a:prstGeom prst="rightArrow">
-            <a:avLst/>
-          </a:prstGeom>
-          <a:ln>
-            <a:noFill/>
-          </a:ln>
-        </p:spPr>
-        <p:style>
-          <a:lnRef idx="2">
-            <a:schemeClr val="accent1">
-              <a:shade val="50000"/>
-            </a:schemeClr>
-          </a:lnRef>
-          <a:fillRef idx="1">
-            <a:schemeClr val="accent1"/>
-          </a:fillRef>
-          <a:effectRef idx="0">
-            <a:schemeClr val="accent1"/>
-          </a:effectRef>
-          <a:fontRef idx="minor">
-            <a:schemeClr val="lt1"/>
-          </a:fontRef>
-        </p:style>
-        <p:txBody>
-          <a:bodyPr rot="0" spcFirstLastPara="0" vertOverflow="overflow" horzOverflow="overflow" vert="horz" wrap="square" lIns="91440" tIns="45720" rIns="91440" bIns="45720" numCol="1" spcCol="0" rtlCol="0" fromWordArt="0" anchor="t" anchorCtr="0" forceAA="0" compatLnSpc="1">
-            <a:prstTxWarp prst="textNoShape">
-              <a:avLst/>
-            </a:prstTxWarp>
-            <a:noAutofit/>
-          </a:bodyPr>
-          <a:lstStyle/>
-          <a:p>
-            <a:pPr algn="ctr">
-              <a:lnSpc>
-                <a:spcPct val="114000"/>
-              </a:lnSpc>
-            </a:pPr>
-            <a:endParaRPr kumimoji="1" lang="zh-CN" altLang="en-US" dirty="0"/>
           </a:p>
         </p:txBody>
       </p:sp>
@@ -10222,7 +10044,14 @@
                 <a:effectLst/>
                 <a:latin typeface="Arial" panose="020B0604020202020204" pitchFamily="34" charset="0"/>
               </a:rPr>
-              <a:t>Zusammenfassung</a:t>
+              <a:t>Zusammenfassung </a:t>
+            </a:r>
+            <a:r>
+              <a:rPr lang="de-DE" altLang="zh-CN" b="0" i="0">
+                <a:effectLst/>
+                <a:latin typeface="Arial" panose="020B0604020202020204" pitchFamily="34" charset="0"/>
+              </a:rPr>
+              <a:t>und Ausblick</a:t>
             </a:r>
             <a:br>
               <a:rPr lang="de-DE" altLang="zh-CN" dirty="0"/>
@@ -10884,7 +10713,7 @@
                 <a:effectLst/>
                 <a:latin typeface="Arial" panose="020B0604020202020204" pitchFamily="34" charset="0"/>
               </a:rPr>
-              <a:t>Zusammenfassung</a:t>
+              <a:t>Zusammenfassung und Ausblick</a:t>
             </a:r>
             <a:br>
               <a:rPr lang="de-DE" altLang="zh-CN" dirty="0"/>
@@ -11429,7 +11258,7 @@
                 <a:effectLst/>
                 <a:latin typeface="Arial" panose="020B0604020202020204" pitchFamily="34" charset="0"/>
               </a:rPr>
-              <a:t>Zusammenfassung</a:t>
+              <a:t>Zusammenfassung und Ausblick</a:t>
             </a:r>
             <a:br>
               <a:rPr lang="de-DE" altLang="zh-CN" dirty="0"/>
@@ -12332,7 +12161,7 @@
                 <a:effectLst/>
                 <a:latin typeface="Arial" panose="020B0604020202020204" pitchFamily="34" charset="0"/>
               </a:rPr>
-              <a:t>Zusammenfassung</a:t>
+              <a:t>Zusammenfassung und Ausblick</a:t>
             </a:r>
             <a:br>
               <a:rPr lang="de-DE" altLang="zh-CN" dirty="0"/>

--- a/Vortrag/Vortrag.pptx
+++ b/Vortrag/Vortrag.pptx
@@ -7756,7 +7756,7 @@
                 <a:effectLst/>
                 <a:latin typeface="Arial" panose="020B0604020202020204" pitchFamily="34" charset="0"/>
               </a:rPr>
-              <a:t>Zusammenfassung</a:t>
+              <a:t>Zusammenfassung und Ausblick</a:t>
             </a:r>
             <a:br>
               <a:rPr lang="de-DE" altLang="zh-CN" dirty="0"/>
@@ -10044,14 +10044,7 @@
                 <a:effectLst/>
                 <a:latin typeface="Arial" panose="020B0604020202020204" pitchFamily="34" charset="0"/>
               </a:rPr>
-              <a:t>Zusammenfassung </a:t>
-            </a:r>
-            <a:r>
-              <a:rPr lang="de-DE" altLang="zh-CN" b="0" i="0">
-                <a:effectLst/>
-                <a:latin typeface="Arial" panose="020B0604020202020204" pitchFamily="34" charset="0"/>
-              </a:rPr>
-              <a:t>und Ausblick</a:t>
+              <a:t>Zusammenfassung und Ausblick</a:t>
             </a:r>
             <a:br>
               <a:rPr lang="de-DE" altLang="zh-CN" dirty="0"/>

--- a/Vortrag/Vortrag.pptx
+++ b/Vortrag/Vortrag.pptx
@@ -11304,39 +11304,6 @@
           <a:chExt cx="0" cy="0"/>
         </a:xfrm>
       </p:grpSpPr>
-      <p:pic>
-        <p:nvPicPr>
-          <p:cNvPr id="15" name="内容占位符 14" descr="图表&#10;&#10;描述已自动生成">
-            <a:extLst>
-              <a:ext uri="{FF2B5EF4-FFF2-40B4-BE49-F238E27FC236}">
-                <a16:creationId xmlns:a16="http://schemas.microsoft.com/office/drawing/2014/main" id="{0A49357F-D869-B7DC-7199-E71AD686DE16}"/>
-              </a:ext>
-            </a:extLst>
-          </p:cNvPr>
-          <p:cNvPicPr>
-            <a:picLocks noGrp="1" noChangeAspect="1"/>
-          </p:cNvPicPr>
-          <p:nvPr>
-            <p:ph idx="15"/>
-          </p:nvPr>
-        </p:nvPicPr>
-        <p:blipFill>
-          <a:blip r:embed="rId2"/>
-          <a:stretch>
-            <a:fillRect/>
-          </a:stretch>
-        </p:blipFill>
-        <p:spPr>
-          <a:xfrm>
-            <a:off x="4963636" y="1602000"/>
-            <a:ext cx="3547995" cy="3095626"/>
-          </a:xfrm>
-          <a:prstGeom prst="rect">
-            <a:avLst/>
-          </a:prstGeom>
-          <a:noFill/>
-        </p:spPr>
-      </p:pic>
       <p:sp>
         <p:nvSpPr>
           <p:cNvPr id="3" name="Titel 2"/>
@@ -11478,12 +11445,61 @@
           </a:p>
         </p:txBody>
       </p:sp>
+      <p:sp>
+        <p:nvSpPr>
+          <p:cNvPr id="2" name="文本框 1">
+            <a:extLst>
+              <a:ext uri="{FF2B5EF4-FFF2-40B4-BE49-F238E27FC236}">
+                <a16:creationId xmlns:a16="http://schemas.microsoft.com/office/drawing/2014/main" id="{00C0C980-7B7C-23C0-D966-C1195DA0C39C}"/>
+              </a:ext>
+            </a:extLst>
+          </p:cNvPr>
+          <p:cNvSpPr txBox="1"/>
+          <p:nvPr/>
+        </p:nvSpPr>
+        <p:spPr>
+          <a:xfrm>
+            <a:off x="512956" y="2297151"/>
+            <a:ext cx="3850887" cy="818686"/>
+          </a:xfrm>
+          <a:prstGeom prst="rect">
+            <a:avLst/>
+          </a:prstGeom>
+          <a:noFill/>
+        </p:spPr>
+        <p:txBody>
+          <a:bodyPr wrap="square" lIns="0" tIns="0" rIns="0" bIns="0" rtlCol="0">
+            <a:spAutoFit/>
+          </a:bodyPr>
+          <a:lstStyle/>
+          <a:p>
+            <a:pPr>
+              <a:lnSpc>
+                <a:spcPct val="114000"/>
+              </a:lnSpc>
+            </a:pPr>
+            <a:r>
+              <a:rPr lang="de-DE" altLang="zh-CN" sz="1600" b="0" i="0" dirty="0">
+                <a:solidFill>
+                  <a:srgbClr val="202122"/>
+                </a:solidFill>
+                <a:effectLst/>
+                <a:latin typeface="Arial" panose="020B0604020202020204" pitchFamily="34" charset="0"/>
+              </a:rPr>
+              <a:t>Grund: Die vom Menschen empfundene Helligkeit steigt in dunklen Bereichen steiler und in hellen weniger steil an</a:t>
+            </a:r>
+            <a:endParaRPr kumimoji="1" lang="zh-CN" altLang="en-US" sz="1600" dirty="0" err="1">
+              <a:latin typeface="+mn-lt"/>
+            </a:endParaRPr>
+          </a:p>
+        </p:txBody>
+      </p:sp>
       <p:pic>
         <p:nvPicPr>
-          <p:cNvPr id="21" name="内容占位符 20" descr="文本&#10;&#10;描述已自动生成">
+          <p:cNvPr id="8" name="内容占位符 7" descr="图片包含 文本&#10;&#10;描述已自动生成">
             <a:extLst>
               <a:ext uri="{FF2B5EF4-FFF2-40B4-BE49-F238E27FC236}">
-                <a16:creationId xmlns:a16="http://schemas.microsoft.com/office/drawing/2014/main" id="{5E2576DB-724A-7514-DDBC-F7B3D66DE9D2}"/>
+                <a16:creationId xmlns:a16="http://schemas.microsoft.com/office/drawing/2014/main" id="{2F5F963F-B9B4-3256-252E-5BE42A780056}"/>
               </a:ext>
             </a:extLst>
           </p:cNvPr>
@@ -11495,80 +11511,48 @@
           </p:nvPr>
         </p:nvPicPr>
         <p:blipFill>
+          <a:blip r:embed="rId2"/>
+          <a:stretch>
+            <a:fillRect/>
+          </a:stretch>
+        </p:blipFill>
+        <p:spPr>
+          <a:xfrm>
+            <a:off x="4572000" y="3028500"/>
+            <a:ext cx="3835400" cy="1143000"/>
+          </a:xfrm>
+        </p:spPr>
+      </p:pic>
+      <p:pic>
+        <p:nvPicPr>
+          <p:cNvPr id="12" name="图片 11" descr="表格&#10;&#10;中度可信度描述已自动生成">
+            <a:extLst>
+              <a:ext uri="{FF2B5EF4-FFF2-40B4-BE49-F238E27FC236}">
+                <a16:creationId xmlns:a16="http://schemas.microsoft.com/office/drawing/2014/main" id="{08D32AC6-A291-565F-C161-6DE6C9B89051}"/>
+              </a:ext>
+            </a:extLst>
+          </p:cNvPr>
+          <p:cNvPicPr>
+            <a:picLocks noChangeAspect="1"/>
+          </p:cNvPicPr>
+          <p:nvPr/>
+        </p:nvPicPr>
+        <p:blipFill>
           <a:blip r:embed="rId3"/>
           <a:stretch>
             <a:fillRect/>
           </a:stretch>
         </p:blipFill>
-        <p:spPr bwMode="auto">
+        <p:spPr>
           <a:xfrm>
-            <a:off x="632369" y="1642343"/>
-            <a:ext cx="1308100" cy="406400"/>
+            <a:off x="4559300" y="1770101"/>
+            <a:ext cx="3848100" cy="1054100"/>
           </a:xfrm>
           <a:prstGeom prst="rect">
             <a:avLst/>
           </a:prstGeom>
-          <a:noFill/>
-          <a:extLst>
-            <a:ext uri="{909E8E84-426E-40DD-AFC4-6F175D3DCCD1}">
-              <a14:hiddenFill xmlns:a14="http://schemas.microsoft.com/office/drawing/2010/main">
-                <a:solidFill>
-                  <a:srgbClr val="FFFFFF"/>
-                </a:solidFill>
-              </a14:hiddenFill>
-            </a:ext>
-          </a:extLst>
         </p:spPr>
       </p:pic>
-      <p:sp>
-        <p:nvSpPr>
-          <p:cNvPr id="2" name="文本框 1">
-            <a:extLst>
-              <a:ext uri="{FF2B5EF4-FFF2-40B4-BE49-F238E27FC236}">
-                <a16:creationId xmlns:a16="http://schemas.microsoft.com/office/drawing/2014/main" id="{00C0C980-7B7C-23C0-D966-C1195DA0C39C}"/>
-              </a:ext>
-            </a:extLst>
-          </p:cNvPr>
-          <p:cNvSpPr txBox="1"/>
-          <p:nvPr/>
-        </p:nvSpPr>
-        <p:spPr>
-          <a:xfrm>
-            <a:off x="512956" y="2297151"/>
-            <a:ext cx="3850887" cy="818686"/>
-          </a:xfrm>
-          <a:prstGeom prst="rect">
-            <a:avLst/>
-          </a:prstGeom>
-          <a:noFill/>
-        </p:spPr>
-        <p:txBody>
-          <a:bodyPr wrap="square" lIns="0" tIns="0" rIns="0" bIns="0" rtlCol="0">
-            <a:spAutoFit/>
-          </a:bodyPr>
-          <a:lstStyle/>
-          <a:p>
-            <a:pPr>
-              <a:lnSpc>
-                <a:spcPct val="114000"/>
-              </a:lnSpc>
-            </a:pPr>
-            <a:r>
-              <a:rPr lang="de-DE" altLang="zh-CN" sz="1600" b="0" i="0" dirty="0">
-                <a:solidFill>
-                  <a:srgbClr val="202122"/>
-                </a:solidFill>
-                <a:effectLst/>
-                <a:latin typeface="Arial" panose="020B0604020202020204" pitchFamily="34" charset="0"/>
-              </a:rPr>
-              <a:t>Grund: Die vom Menschen empfundene Helligkeit steigt in dunklen Bereichen steiler und in hellen weniger steil an</a:t>
-            </a:r>
-            <a:endParaRPr kumimoji="1" lang="zh-CN" altLang="en-US" sz="1600" dirty="0" err="1">
-              <a:latin typeface="+mn-lt"/>
-            </a:endParaRPr>
-          </a:p>
-        </p:txBody>
-      </p:sp>
     </p:spTree>
   </p:cSld>
   <p:clrMapOvr>
